--- a/LCC/Java/00a_想喝杯Java咖啡嗎.pptx
+++ b/LCC/Java/00a_想喝杯Java咖啡嗎.pptx
@@ -4,6 +4,9 @@
   <p:sldMasterIdLst>
     <p:sldMasterId id="2147483711" r:id="rId1"/>
   </p:sldMasterIdLst>
+  <p:handoutMasterIdLst>
+    <p:handoutMasterId r:id="rId16"/>
+  </p:handoutMasterIdLst>
   <p:sldIdLst>
     <p:sldId id="287" r:id="rId2"/>
     <p:sldId id="282" r:id="rId3"/>
@@ -134,6 +137,171 @@
     </p:ext>
   </p:extLst>
 </p:presentation>
+</file>
+
+<file path=ppt/handoutMasters/handoutMaster1.xml><?xml version="1.0" encoding="utf-8"?>
+<p:handoutMaster xmlns:a="http://schemas.openxmlformats.org/drawingml/2006/main" xmlns:r="http://schemas.openxmlformats.org/officeDocument/2006/relationships" xmlns:p="http://schemas.openxmlformats.org/presentationml/2006/main">
+  <p:cSld>
+    <p:bg>
+      <p:bgRef idx="1001">
+        <a:schemeClr val="bg1"/>
+      </p:bgRef>
+    </p:bg>
+    <p:spTree>
+      <p:nvGrpSpPr>
+        <p:cNvPr id="1" name=""/>
+        <p:cNvGrpSpPr/>
+        <p:nvPr/>
+      </p:nvGrpSpPr>
+      <p:grpSpPr>
+        <a:xfrm>
+          <a:off x="0" y="0"/>
+          <a:ext cx="0" cy="0"/>
+          <a:chOff x="0" y="0"/>
+          <a:chExt cx="0" cy="0"/>
+        </a:xfrm>
+      </p:grpSpPr>
+      <p:sp>
+        <p:nvSpPr>
+          <p:cNvPr id="2" name="頁首版面配置區 1"/>
+          <p:cNvSpPr>
+            <a:spLocks noGrp="1"/>
+          </p:cNvSpPr>
+          <p:nvPr>
+            <p:ph type="hdr" sz="quarter"/>
+          </p:nvPr>
+        </p:nvSpPr>
+        <p:spPr>
+          <a:xfrm>
+            <a:off x="0" y="0"/>
+            <a:ext cx="2971800" cy="458788"/>
+          </a:xfrm>
+          <a:prstGeom prst="rect">
+            <a:avLst/>
+          </a:prstGeom>
+        </p:spPr>
+        <p:txBody>
+          <a:bodyPr vert="horz" lIns="91440" tIns="45720" rIns="91440" bIns="45720" rtlCol="0"/>
+          <a:lstStyle>
+            <a:lvl1pPr algn="l">
+              <a:defRPr sz="1200"/>
+            </a:lvl1pPr>
+          </a:lstStyle>
+          <a:p>
+            <a:endParaRPr lang="zh-TW" altLang="en-US"/>
+          </a:p>
+        </p:txBody>
+      </p:sp>
+      <p:sp>
+        <p:nvSpPr>
+          <p:cNvPr id="3" name="日期版面配置區 2"/>
+          <p:cNvSpPr>
+            <a:spLocks noGrp="1"/>
+          </p:cNvSpPr>
+          <p:nvPr>
+            <p:ph type="dt" sz="quarter" idx="1"/>
+          </p:nvPr>
+        </p:nvSpPr>
+        <p:spPr>
+          <a:xfrm>
+            <a:off x="3884613" y="0"/>
+            <a:ext cx="2971800" cy="458788"/>
+          </a:xfrm>
+          <a:prstGeom prst="rect">
+            <a:avLst/>
+          </a:prstGeom>
+        </p:spPr>
+        <p:txBody>
+          <a:bodyPr vert="horz" lIns="91440" tIns="45720" rIns="91440" bIns="45720" rtlCol="0"/>
+          <a:lstStyle>
+            <a:lvl1pPr algn="r">
+              <a:defRPr sz="1200"/>
+            </a:lvl1pPr>
+          </a:lstStyle>
+          <a:p>
+            <a:fld id="{6294484C-C2AD-4758-A495-0303CF78BBA2}" type="datetimeFigureOut">
+              <a:rPr lang="zh-TW" altLang="en-US" smtClean="0"/>
+              <a:t>2021/9/24</a:t>
+            </a:fld>
+            <a:endParaRPr lang="zh-TW" altLang="en-US"/>
+          </a:p>
+        </p:txBody>
+      </p:sp>
+      <p:sp>
+        <p:nvSpPr>
+          <p:cNvPr id="4" name="頁尾版面配置區 3"/>
+          <p:cNvSpPr>
+            <a:spLocks noGrp="1"/>
+          </p:cNvSpPr>
+          <p:nvPr>
+            <p:ph type="ftr" sz="quarter" idx="2"/>
+          </p:nvPr>
+        </p:nvSpPr>
+        <p:spPr>
+          <a:xfrm>
+            <a:off x="0" y="8685213"/>
+            <a:ext cx="2971800" cy="458787"/>
+          </a:xfrm>
+          <a:prstGeom prst="rect">
+            <a:avLst/>
+          </a:prstGeom>
+        </p:spPr>
+        <p:txBody>
+          <a:bodyPr vert="horz" lIns="91440" tIns="45720" rIns="91440" bIns="45720" rtlCol="0" anchor="b"/>
+          <a:lstStyle>
+            <a:lvl1pPr algn="l">
+              <a:defRPr sz="1200"/>
+            </a:lvl1pPr>
+          </a:lstStyle>
+          <a:p>
+            <a:endParaRPr lang="zh-TW" altLang="en-US"/>
+          </a:p>
+        </p:txBody>
+      </p:sp>
+      <p:sp>
+        <p:nvSpPr>
+          <p:cNvPr id="5" name="投影片編號版面配置區 4"/>
+          <p:cNvSpPr>
+            <a:spLocks noGrp="1"/>
+          </p:cNvSpPr>
+          <p:nvPr>
+            <p:ph type="sldNum" sz="quarter" idx="3"/>
+          </p:nvPr>
+        </p:nvSpPr>
+        <p:spPr>
+          <a:xfrm>
+            <a:off x="3884613" y="8685213"/>
+            <a:ext cx="2971800" cy="458787"/>
+          </a:xfrm>
+          <a:prstGeom prst="rect">
+            <a:avLst/>
+          </a:prstGeom>
+        </p:spPr>
+        <p:txBody>
+          <a:bodyPr vert="horz" lIns="91440" tIns="45720" rIns="91440" bIns="45720" rtlCol="0" anchor="b"/>
+          <a:lstStyle>
+            <a:lvl1pPr algn="r">
+              <a:defRPr sz="1200"/>
+            </a:lvl1pPr>
+          </a:lstStyle>
+          <a:p>
+            <a:fld id="{EADE3762-AE0A-4C24-9351-F2727480813B}" type="slidenum">
+              <a:rPr lang="zh-TW" altLang="en-US" smtClean="0"/>
+              <a:t>‹#›</a:t>
+            </a:fld>
+            <a:endParaRPr lang="zh-TW" altLang="en-US"/>
+          </a:p>
+        </p:txBody>
+      </p:sp>
+    </p:spTree>
+    <p:extLst>
+      <p:ext uri="{BB962C8B-B14F-4D97-AF65-F5344CB8AC3E}">
+        <p14:creationId xmlns:p14="http://schemas.microsoft.com/office/powerpoint/2010/main" val="473872320"/>
+      </p:ext>
+    </p:extLst>
+  </p:cSld>
+  <p:clrMap bg1="lt1" tx1="dk1" bg2="lt2" tx2="dk2" accent1="accent1" accent2="accent2" accent3="accent3" accent4="accent4" accent5="accent5" accent6="accent6" hlink="hlink" folHlink="folHlink"/>
+</p:handoutMaster>
 </file>
 
 <file path=ppt/slideLayouts/slideLayout1.xml><?xml version="1.0" encoding="utf-8"?>
@@ -858,7 +1026,7 @@
           <a:p>
             <a:fld id="{9D5C10DA-9D88-4773-8D30-78F5C5DDFCBA}" type="datetimeFigureOut">
               <a:rPr lang="zh-TW" altLang="en-US" smtClean="0"/>
-              <a:t>2021/9/14</a:t>
+              <a:t>2021/9/24</a:t>
             </a:fld>
             <a:endParaRPr lang="zh-TW" altLang="en-US"/>
           </a:p>
@@ -1109,7 +1277,7 @@
           <a:p>
             <a:fld id="{9D5C10DA-9D88-4773-8D30-78F5C5DDFCBA}" type="datetimeFigureOut">
               <a:rPr lang="zh-TW" altLang="en-US" smtClean="0"/>
-              <a:t>2021/9/14</a:t>
+              <a:t>2021/9/24</a:t>
             </a:fld>
             <a:endParaRPr lang="zh-TW" altLang="en-US"/>
           </a:p>
@@ -1423,7 +1591,7 @@
           <a:p>
             <a:fld id="{9D5C10DA-9D88-4773-8D30-78F5C5DDFCBA}" type="datetimeFigureOut">
               <a:rPr lang="zh-TW" altLang="en-US" smtClean="0"/>
-              <a:t>2021/9/14</a:t>
+              <a:t>2021/9/24</a:t>
             </a:fld>
             <a:endParaRPr lang="zh-TW" altLang="en-US"/>
           </a:p>
@@ -1764,7 +1932,7 @@
           <a:p>
             <a:fld id="{9D5C10DA-9D88-4773-8D30-78F5C5DDFCBA}" type="datetimeFigureOut">
               <a:rPr lang="zh-TW" altLang="en-US" smtClean="0"/>
-              <a:t>2021/9/14</a:t>
+              <a:t>2021/9/24</a:t>
             </a:fld>
             <a:endParaRPr lang="zh-TW" altLang="en-US"/>
           </a:p>
@@ -2078,7 +2246,7 @@
           <a:p>
             <a:fld id="{9D5C10DA-9D88-4773-8D30-78F5C5DDFCBA}" type="datetimeFigureOut">
               <a:rPr lang="zh-TW" altLang="en-US" smtClean="0"/>
-              <a:t>2021/9/14</a:t>
+              <a:t>2021/9/24</a:t>
             </a:fld>
             <a:endParaRPr lang="zh-TW" altLang="en-US"/>
           </a:p>
@@ -2471,7 +2639,7 @@
           <a:p>
             <a:fld id="{9D5C10DA-9D88-4773-8D30-78F5C5DDFCBA}" type="datetimeFigureOut">
               <a:rPr lang="zh-TW" altLang="en-US" smtClean="0"/>
-              <a:t>2021/9/14</a:t>
+              <a:t>2021/9/24</a:t>
             </a:fld>
             <a:endParaRPr lang="zh-TW" altLang="en-US"/>
           </a:p>
@@ -2641,7 +2809,7 @@
           <a:p>
             <a:fld id="{9D5C10DA-9D88-4773-8D30-78F5C5DDFCBA}" type="datetimeFigureOut">
               <a:rPr lang="zh-TW" altLang="en-US" smtClean="0"/>
-              <a:t>2021/9/14</a:t>
+              <a:t>2021/9/24</a:t>
             </a:fld>
             <a:endParaRPr lang="zh-TW" altLang="en-US"/>
           </a:p>
@@ -2821,7 +2989,7 @@
           <a:p>
             <a:fld id="{9D5C10DA-9D88-4773-8D30-78F5C5DDFCBA}" type="datetimeFigureOut">
               <a:rPr lang="zh-TW" altLang="en-US" smtClean="0"/>
-              <a:t>2021/9/14</a:t>
+              <a:t>2021/9/24</a:t>
             </a:fld>
             <a:endParaRPr lang="zh-TW" altLang="en-US"/>
           </a:p>
@@ -2997,7 +3165,7 @@
           <a:p>
             <a:fld id="{9D5C10DA-9D88-4773-8D30-78F5C5DDFCBA}" type="datetimeFigureOut">
               <a:rPr lang="zh-TW" altLang="en-US" smtClean="0"/>
-              <a:t>2021/9/14</a:t>
+              <a:t>2021/9/24</a:t>
             </a:fld>
             <a:endParaRPr lang="zh-TW" altLang="en-US"/>
           </a:p>
@@ -3244,7 +3412,7 @@
           <a:p>
             <a:fld id="{9D5C10DA-9D88-4773-8D30-78F5C5DDFCBA}" type="datetimeFigureOut">
               <a:rPr lang="zh-TW" altLang="en-US" smtClean="0"/>
-              <a:t>2021/9/14</a:t>
+              <a:t>2021/9/24</a:t>
             </a:fld>
             <a:endParaRPr lang="zh-TW" altLang="en-US"/>
           </a:p>
@@ -3476,7 +3644,7 @@
           <a:p>
             <a:fld id="{9D5C10DA-9D88-4773-8D30-78F5C5DDFCBA}" type="datetimeFigureOut">
               <a:rPr lang="zh-TW" altLang="en-US" smtClean="0"/>
-              <a:t>2021/9/14</a:t>
+              <a:t>2021/9/24</a:t>
             </a:fld>
             <a:endParaRPr lang="zh-TW" altLang="en-US"/>
           </a:p>
@@ -3850,7 +4018,7 @@
           <a:p>
             <a:fld id="{9D5C10DA-9D88-4773-8D30-78F5C5DDFCBA}" type="datetimeFigureOut">
               <a:rPr lang="zh-TW" altLang="en-US" smtClean="0"/>
-              <a:t>2021/9/14</a:t>
+              <a:t>2021/9/24</a:t>
             </a:fld>
             <a:endParaRPr lang="zh-TW" altLang="en-US"/>
           </a:p>
@@ -3973,7 +4141,7 @@
           <a:p>
             <a:fld id="{9D5C10DA-9D88-4773-8D30-78F5C5DDFCBA}" type="datetimeFigureOut">
               <a:rPr lang="zh-TW" altLang="en-US" smtClean="0"/>
-              <a:t>2021/9/14</a:t>
+              <a:t>2021/9/24</a:t>
             </a:fld>
             <a:endParaRPr lang="zh-TW" altLang="en-US"/>
           </a:p>
@@ -4068,7 +4236,7 @@
           <a:p>
             <a:fld id="{9D5C10DA-9D88-4773-8D30-78F5C5DDFCBA}" type="datetimeFigureOut">
               <a:rPr lang="zh-TW" altLang="en-US" smtClean="0"/>
-              <a:t>2021/9/14</a:t>
+              <a:t>2021/9/24</a:t>
             </a:fld>
             <a:endParaRPr lang="zh-TW" altLang="en-US"/>
           </a:p>
@@ -4323,7 +4491,7 @@
           <a:p>
             <a:fld id="{9D5C10DA-9D88-4773-8D30-78F5C5DDFCBA}" type="datetimeFigureOut">
               <a:rPr lang="zh-TW" altLang="en-US" smtClean="0"/>
-              <a:t>2021/9/14</a:t>
+              <a:t>2021/9/24</a:t>
             </a:fld>
             <a:endParaRPr lang="zh-TW" altLang="en-US"/>
           </a:p>
@@ -4586,7 +4754,7 @@
           <a:p>
             <a:fld id="{9D5C10DA-9D88-4773-8D30-78F5C5DDFCBA}" type="datetimeFigureOut">
               <a:rPr lang="zh-TW" altLang="en-US" smtClean="0"/>
-              <a:t>2021/9/14</a:t>
+              <a:t>2021/9/24</a:t>
             </a:fld>
             <a:endParaRPr lang="zh-TW" altLang="en-US"/>
           </a:p>
@@ -5329,7 +5497,7 @@
           <a:p>
             <a:fld id="{9D5C10DA-9D88-4773-8D30-78F5C5DDFCBA}" type="datetimeFigureOut">
               <a:rPr lang="zh-TW" altLang="en-US" smtClean="0"/>
-              <a:t>2021/9/14</a:t>
+              <a:t>2021/9/24</a:t>
             </a:fld>
             <a:endParaRPr lang="zh-TW" altLang="en-US"/>
           </a:p>
@@ -5452,6 +5620,35 @@
           </a:extLst>
         </p:spPr>
       </p:pic>
+      <p:sp>
+        <p:nvSpPr>
+          <p:cNvPr id="8" name="矩形 7"/>
+          <p:cNvSpPr/>
+          <p:nvPr userDrawn="1"/>
+        </p:nvSpPr>
+        <p:spPr>
+          <a:xfrm>
+            <a:off x="379705" y="6488668"/>
+            <a:ext cx="2728632" cy="369332"/>
+          </a:xfrm>
+          <a:prstGeom prst="rect">
+            <a:avLst/>
+          </a:prstGeom>
+        </p:spPr>
+        <p:txBody>
+          <a:bodyPr wrap="none">
+            <a:spAutoFit/>
+          </a:bodyPr>
+          <a:lstStyle/>
+          <a:p>
+            <a:r>
+              <a:rPr lang="zh-TW" altLang="en-US" dirty="0" smtClean="0"/>
+              <a:t>https://reurl.cc/522ARv</a:t>
+            </a:r>
+            <a:endParaRPr lang="zh-TW" altLang="en-US" dirty="0"/>
+          </a:p>
+        </p:txBody>
+      </p:sp>
     </p:spTree>
     <p:extLst>
       <p:ext uri="{BB962C8B-B14F-4D97-AF65-F5344CB8AC3E}">
@@ -5965,7 +6162,7 @@
           <a:p>
             <a:fld id="{BDC7E28B-62FB-49D0-8416-0FE6FF46DA76}" type="datetime4">
               <a:rPr lang="zh-TW" altLang="en-US" smtClean="0"/>
-              <a:t>110年9月14日星期二</a:t>
+              <a:t>110年9月24日星期五</a:t>
             </a:fld>
             <a:endParaRPr lang="zh-TW" altLang="en-US" dirty="0"/>
           </a:p>
@@ -17304,4 +17501,265 @@
     </a:ext>
   </a:extLst>
 </a:theme>
+</file>
+
+<file path=ppt/theme/theme2.xml><?xml version="1.0" encoding="utf-8"?>
+<a:theme xmlns:a="http://schemas.openxmlformats.org/drawingml/2006/main" name="Office 佈景主題">
+  <a:themeElements>
+    <a:clrScheme name="Office">
+      <a:dk1>
+        <a:sysClr val="windowText" lastClr="000000"/>
+      </a:dk1>
+      <a:lt1>
+        <a:sysClr val="window" lastClr="FFFFFF"/>
+      </a:lt1>
+      <a:dk2>
+        <a:srgbClr val="44546A"/>
+      </a:dk2>
+      <a:lt2>
+        <a:srgbClr val="E7E6E6"/>
+      </a:lt2>
+      <a:accent1>
+        <a:srgbClr val="5B9BD5"/>
+      </a:accent1>
+      <a:accent2>
+        <a:srgbClr val="ED7D31"/>
+      </a:accent2>
+      <a:accent3>
+        <a:srgbClr val="A5A5A5"/>
+      </a:accent3>
+      <a:accent4>
+        <a:srgbClr val="FFC000"/>
+      </a:accent4>
+      <a:accent5>
+        <a:srgbClr val="4472C4"/>
+      </a:accent5>
+      <a:accent6>
+        <a:srgbClr val="70AD47"/>
+      </a:accent6>
+      <a:hlink>
+        <a:srgbClr val="0563C1"/>
+      </a:hlink>
+      <a:folHlink>
+        <a:srgbClr val="954F72"/>
+      </a:folHlink>
+    </a:clrScheme>
+    <a:fontScheme name="Office">
+      <a:majorFont>
+        <a:latin typeface="Calibri Light" panose="020F0302020204030204"/>
+        <a:ea typeface=""/>
+        <a:cs typeface=""/>
+        <a:font script="Jpan" typeface="游ゴシック Light"/>
+        <a:font script="Hang" typeface="맑은 고딕"/>
+        <a:font script="Hans" typeface="等线 Light"/>
+        <a:font script="Hant" typeface="新細明體"/>
+        <a:font script="Arab" typeface="Times New Roman"/>
+        <a:font script="Hebr" typeface="Times New Roman"/>
+        <a:font script="Thai" typeface="Angsana New"/>
+        <a:font script="Ethi" typeface="Nyala"/>
+        <a:font script="Beng" typeface="Vrinda"/>
+        <a:font script="Gujr" typeface="Shruti"/>
+        <a:font script="Khmr" typeface="MoolBoran"/>
+        <a:font script="Knda" typeface="Tunga"/>
+        <a:font script="Guru" typeface="Raavi"/>
+        <a:font script="Cans" typeface="Euphemia"/>
+        <a:font script="Cher" typeface="Plantagenet Cherokee"/>
+        <a:font script="Yiii" typeface="Microsoft Yi Baiti"/>
+        <a:font script="Tibt" typeface="Microsoft Himalaya"/>
+        <a:font script="Thaa" typeface="MV Boli"/>
+        <a:font script="Deva" typeface="Mangal"/>
+        <a:font script="Telu" typeface="Gautami"/>
+        <a:font script="Taml" typeface="Latha"/>
+        <a:font script="Syrc" typeface="Estrangelo Edessa"/>
+        <a:font script="Orya" typeface="Kalinga"/>
+        <a:font script="Mlym" typeface="Kartika"/>
+        <a:font script="Laoo" typeface="DokChampa"/>
+        <a:font script="Sinh" typeface="Iskoola Pota"/>
+        <a:font script="Mong" typeface="Mongolian Baiti"/>
+        <a:font script="Viet" typeface="Times New Roman"/>
+        <a:font script="Uigh" typeface="Microsoft Uighur"/>
+        <a:font script="Geor" typeface="Sylfaen"/>
+      </a:majorFont>
+      <a:minorFont>
+        <a:latin typeface="Calibri" panose="020F0502020204030204"/>
+        <a:ea typeface=""/>
+        <a:cs typeface=""/>
+        <a:font script="Jpan" typeface="游ゴシック"/>
+        <a:font script="Hang" typeface="맑은 고딕"/>
+        <a:font script="Hans" typeface="等线"/>
+        <a:font script="Hant" typeface="新細明體"/>
+        <a:font script="Arab" typeface="Arial"/>
+        <a:font script="Hebr" typeface="Arial"/>
+        <a:font script="Thai" typeface="Cordia New"/>
+        <a:font script="Ethi" typeface="Nyala"/>
+        <a:font script="Beng" typeface="Vrinda"/>
+        <a:font script="Gujr" typeface="Shruti"/>
+        <a:font script="Khmr" typeface="DaunPenh"/>
+        <a:font script="Knda" typeface="Tunga"/>
+        <a:font script="Guru" typeface="Raavi"/>
+        <a:font script="Cans" typeface="Euphemia"/>
+        <a:font script="Cher" typeface="Plantagenet Cherokee"/>
+        <a:font script="Yiii" typeface="Microsoft Yi Baiti"/>
+        <a:font script="Tibt" typeface="Microsoft Himalaya"/>
+        <a:font script="Thaa" typeface="MV Boli"/>
+        <a:font script="Deva" typeface="Mangal"/>
+        <a:font script="Telu" typeface="Gautami"/>
+        <a:font script="Taml" typeface="Latha"/>
+        <a:font script="Syrc" typeface="Estrangelo Edessa"/>
+        <a:font script="Orya" typeface="Kalinga"/>
+        <a:font script="Mlym" typeface="Kartika"/>
+        <a:font script="Laoo" typeface="DokChampa"/>
+        <a:font script="Sinh" typeface="Iskoola Pota"/>
+        <a:font script="Mong" typeface="Mongolian Baiti"/>
+        <a:font script="Viet" typeface="Arial"/>
+        <a:font script="Uigh" typeface="Microsoft Uighur"/>
+        <a:font script="Geor" typeface="Sylfaen"/>
+      </a:minorFont>
+    </a:fontScheme>
+    <a:fmtScheme name="Office">
+      <a:fillStyleLst>
+        <a:solidFill>
+          <a:schemeClr val="phClr"/>
+        </a:solidFill>
+        <a:gradFill rotWithShape="1">
+          <a:gsLst>
+            <a:gs pos="0">
+              <a:schemeClr val="phClr">
+                <a:lumMod val="110000"/>
+                <a:satMod val="105000"/>
+                <a:tint val="67000"/>
+              </a:schemeClr>
+            </a:gs>
+            <a:gs pos="50000">
+              <a:schemeClr val="phClr">
+                <a:lumMod val="105000"/>
+                <a:satMod val="103000"/>
+                <a:tint val="73000"/>
+              </a:schemeClr>
+            </a:gs>
+            <a:gs pos="100000">
+              <a:schemeClr val="phClr">
+                <a:lumMod val="105000"/>
+                <a:satMod val="109000"/>
+                <a:tint val="81000"/>
+              </a:schemeClr>
+            </a:gs>
+          </a:gsLst>
+          <a:lin ang="5400000" scaled="0"/>
+        </a:gradFill>
+        <a:gradFill rotWithShape="1">
+          <a:gsLst>
+            <a:gs pos="0">
+              <a:schemeClr val="phClr">
+                <a:satMod val="103000"/>
+                <a:lumMod val="102000"/>
+                <a:tint val="94000"/>
+              </a:schemeClr>
+            </a:gs>
+            <a:gs pos="50000">
+              <a:schemeClr val="phClr">
+                <a:satMod val="110000"/>
+                <a:lumMod val="100000"/>
+                <a:shade val="100000"/>
+              </a:schemeClr>
+            </a:gs>
+            <a:gs pos="100000">
+              <a:schemeClr val="phClr">
+                <a:lumMod val="99000"/>
+                <a:satMod val="120000"/>
+                <a:shade val="78000"/>
+              </a:schemeClr>
+            </a:gs>
+          </a:gsLst>
+          <a:lin ang="5400000" scaled="0"/>
+        </a:gradFill>
+      </a:fillStyleLst>
+      <a:lnStyleLst>
+        <a:ln w="6350" cap="flat" cmpd="sng" algn="ctr">
+          <a:solidFill>
+            <a:schemeClr val="phClr"/>
+          </a:solidFill>
+          <a:prstDash val="solid"/>
+          <a:miter lim="800000"/>
+        </a:ln>
+        <a:ln w="12700" cap="flat" cmpd="sng" algn="ctr">
+          <a:solidFill>
+            <a:schemeClr val="phClr"/>
+          </a:solidFill>
+          <a:prstDash val="solid"/>
+          <a:miter lim="800000"/>
+        </a:ln>
+        <a:ln w="19050" cap="flat" cmpd="sng" algn="ctr">
+          <a:solidFill>
+            <a:schemeClr val="phClr"/>
+          </a:solidFill>
+          <a:prstDash val="solid"/>
+          <a:miter lim="800000"/>
+        </a:ln>
+      </a:lnStyleLst>
+      <a:effectStyleLst>
+        <a:effectStyle>
+          <a:effectLst/>
+        </a:effectStyle>
+        <a:effectStyle>
+          <a:effectLst/>
+        </a:effectStyle>
+        <a:effectStyle>
+          <a:effectLst>
+            <a:outerShdw blurRad="57150" dist="19050" dir="5400000" algn="ctr" rotWithShape="0">
+              <a:srgbClr val="000000">
+                <a:alpha val="63000"/>
+              </a:srgbClr>
+            </a:outerShdw>
+          </a:effectLst>
+        </a:effectStyle>
+      </a:effectStyleLst>
+      <a:bgFillStyleLst>
+        <a:solidFill>
+          <a:schemeClr val="phClr"/>
+        </a:solidFill>
+        <a:solidFill>
+          <a:schemeClr val="phClr">
+            <a:tint val="95000"/>
+            <a:satMod val="170000"/>
+          </a:schemeClr>
+        </a:solidFill>
+        <a:gradFill rotWithShape="1">
+          <a:gsLst>
+            <a:gs pos="0">
+              <a:schemeClr val="phClr">
+                <a:tint val="93000"/>
+                <a:satMod val="150000"/>
+                <a:shade val="98000"/>
+                <a:lumMod val="102000"/>
+              </a:schemeClr>
+            </a:gs>
+            <a:gs pos="50000">
+              <a:schemeClr val="phClr">
+                <a:tint val="98000"/>
+                <a:satMod val="130000"/>
+                <a:shade val="90000"/>
+                <a:lumMod val="103000"/>
+              </a:schemeClr>
+            </a:gs>
+            <a:gs pos="100000">
+              <a:schemeClr val="phClr">
+                <a:shade val="63000"/>
+                <a:satMod val="120000"/>
+              </a:schemeClr>
+            </a:gs>
+          </a:gsLst>
+          <a:lin ang="5400000" scaled="0"/>
+        </a:gradFill>
+      </a:bgFillStyleLst>
+    </a:fmtScheme>
+  </a:themeElements>
+  <a:objectDefaults/>
+  <a:extraClrSchemeLst/>
+  <a:extLst>
+    <a:ext uri="{05A4C25C-085E-4340-85A3-A5531E510DB2}">
+      <thm15:themeFamily xmlns:thm15="http://schemas.microsoft.com/office/thememl/2012/main" name="Office Theme" id="{62F939B6-93AF-4DB8-9C6B-D6C7DFDC589F}" vid="{4A3C46E8-61CC-4603-A589-7422A47A8E4A}"/>
+    </a:ext>
+  </a:extLst>
+</a:theme>
 </file>
--- a/LCC/Java/00a_想喝杯Java咖啡嗎.pptx
+++ b/LCC/Java/00a_想喝杯Java咖啡嗎.pptx
@@ -135,6 +135,9 @@
         </p15:guide>
       </p15:sldGuideLst>
     </p:ext>
+    <p:ext uri="{2D200454-40CA-4A62-9FC3-DE9A4176ACB9}">
+      <p15:notesGuideLst xmlns:p15="http://schemas.microsoft.com/office/powerpoint/2012/main"/>
+    </p:ext>
   </p:extLst>
 </p:presentation>
 </file>
@@ -221,7 +224,7 @@
           <a:p>
             <a:fld id="{6294484C-C2AD-4758-A495-0303CF78BBA2}" type="datetimeFigureOut">
               <a:rPr lang="zh-TW" altLang="en-US" smtClean="0"/>
-              <a:t>2021/9/24</a:t>
+              <a:t>2021/9/25</a:t>
             </a:fld>
             <a:endParaRPr lang="zh-TW" altLang="en-US"/>
           </a:p>
@@ -1026,7 +1029,7 @@
           <a:p>
             <a:fld id="{9D5C10DA-9D88-4773-8D30-78F5C5DDFCBA}" type="datetimeFigureOut">
               <a:rPr lang="zh-TW" altLang="en-US" smtClean="0"/>
-              <a:t>2021/9/24</a:t>
+              <a:t>2021/9/25</a:t>
             </a:fld>
             <a:endParaRPr lang="zh-TW" altLang="en-US"/>
           </a:p>
@@ -1277,7 +1280,7 @@
           <a:p>
             <a:fld id="{9D5C10DA-9D88-4773-8D30-78F5C5DDFCBA}" type="datetimeFigureOut">
               <a:rPr lang="zh-TW" altLang="en-US" smtClean="0"/>
-              <a:t>2021/9/24</a:t>
+              <a:t>2021/9/25</a:t>
             </a:fld>
             <a:endParaRPr lang="zh-TW" altLang="en-US"/>
           </a:p>
@@ -1591,7 +1594,7 @@
           <a:p>
             <a:fld id="{9D5C10DA-9D88-4773-8D30-78F5C5DDFCBA}" type="datetimeFigureOut">
               <a:rPr lang="zh-TW" altLang="en-US" smtClean="0"/>
-              <a:t>2021/9/24</a:t>
+              <a:t>2021/9/25</a:t>
             </a:fld>
             <a:endParaRPr lang="zh-TW" altLang="en-US"/>
           </a:p>
@@ -1932,7 +1935,7 @@
           <a:p>
             <a:fld id="{9D5C10DA-9D88-4773-8D30-78F5C5DDFCBA}" type="datetimeFigureOut">
               <a:rPr lang="zh-TW" altLang="en-US" smtClean="0"/>
-              <a:t>2021/9/24</a:t>
+              <a:t>2021/9/25</a:t>
             </a:fld>
             <a:endParaRPr lang="zh-TW" altLang="en-US"/>
           </a:p>
@@ -2246,7 +2249,7 @@
           <a:p>
             <a:fld id="{9D5C10DA-9D88-4773-8D30-78F5C5DDFCBA}" type="datetimeFigureOut">
               <a:rPr lang="zh-TW" altLang="en-US" smtClean="0"/>
-              <a:t>2021/9/24</a:t>
+              <a:t>2021/9/25</a:t>
             </a:fld>
             <a:endParaRPr lang="zh-TW" altLang="en-US"/>
           </a:p>
@@ -2639,7 +2642,7 @@
           <a:p>
             <a:fld id="{9D5C10DA-9D88-4773-8D30-78F5C5DDFCBA}" type="datetimeFigureOut">
               <a:rPr lang="zh-TW" altLang="en-US" smtClean="0"/>
-              <a:t>2021/9/24</a:t>
+              <a:t>2021/9/25</a:t>
             </a:fld>
             <a:endParaRPr lang="zh-TW" altLang="en-US"/>
           </a:p>
@@ -2809,7 +2812,7 @@
           <a:p>
             <a:fld id="{9D5C10DA-9D88-4773-8D30-78F5C5DDFCBA}" type="datetimeFigureOut">
               <a:rPr lang="zh-TW" altLang="en-US" smtClean="0"/>
-              <a:t>2021/9/24</a:t>
+              <a:t>2021/9/25</a:t>
             </a:fld>
             <a:endParaRPr lang="zh-TW" altLang="en-US"/>
           </a:p>
@@ -2989,7 +2992,7 @@
           <a:p>
             <a:fld id="{9D5C10DA-9D88-4773-8D30-78F5C5DDFCBA}" type="datetimeFigureOut">
               <a:rPr lang="zh-TW" altLang="en-US" smtClean="0"/>
-              <a:t>2021/9/24</a:t>
+              <a:t>2021/9/25</a:t>
             </a:fld>
             <a:endParaRPr lang="zh-TW" altLang="en-US"/>
           </a:p>
@@ -3165,7 +3168,7 @@
           <a:p>
             <a:fld id="{9D5C10DA-9D88-4773-8D30-78F5C5DDFCBA}" type="datetimeFigureOut">
               <a:rPr lang="zh-TW" altLang="en-US" smtClean="0"/>
-              <a:t>2021/9/24</a:t>
+              <a:t>2021/9/25</a:t>
             </a:fld>
             <a:endParaRPr lang="zh-TW" altLang="en-US"/>
           </a:p>
@@ -3412,7 +3415,7 @@
           <a:p>
             <a:fld id="{9D5C10DA-9D88-4773-8D30-78F5C5DDFCBA}" type="datetimeFigureOut">
               <a:rPr lang="zh-TW" altLang="en-US" smtClean="0"/>
-              <a:t>2021/9/24</a:t>
+              <a:t>2021/9/25</a:t>
             </a:fld>
             <a:endParaRPr lang="zh-TW" altLang="en-US"/>
           </a:p>
@@ -3644,7 +3647,7 @@
           <a:p>
             <a:fld id="{9D5C10DA-9D88-4773-8D30-78F5C5DDFCBA}" type="datetimeFigureOut">
               <a:rPr lang="zh-TW" altLang="en-US" smtClean="0"/>
-              <a:t>2021/9/24</a:t>
+              <a:t>2021/9/25</a:t>
             </a:fld>
             <a:endParaRPr lang="zh-TW" altLang="en-US"/>
           </a:p>
@@ -4018,7 +4021,7 @@
           <a:p>
             <a:fld id="{9D5C10DA-9D88-4773-8D30-78F5C5DDFCBA}" type="datetimeFigureOut">
               <a:rPr lang="zh-TW" altLang="en-US" smtClean="0"/>
-              <a:t>2021/9/24</a:t>
+              <a:t>2021/9/25</a:t>
             </a:fld>
             <a:endParaRPr lang="zh-TW" altLang="en-US"/>
           </a:p>
@@ -4141,7 +4144,7 @@
           <a:p>
             <a:fld id="{9D5C10DA-9D88-4773-8D30-78F5C5DDFCBA}" type="datetimeFigureOut">
               <a:rPr lang="zh-TW" altLang="en-US" smtClean="0"/>
-              <a:t>2021/9/24</a:t>
+              <a:t>2021/9/25</a:t>
             </a:fld>
             <a:endParaRPr lang="zh-TW" altLang="en-US"/>
           </a:p>
@@ -4236,7 +4239,7 @@
           <a:p>
             <a:fld id="{9D5C10DA-9D88-4773-8D30-78F5C5DDFCBA}" type="datetimeFigureOut">
               <a:rPr lang="zh-TW" altLang="en-US" smtClean="0"/>
-              <a:t>2021/9/24</a:t>
+              <a:t>2021/9/25</a:t>
             </a:fld>
             <a:endParaRPr lang="zh-TW" altLang="en-US"/>
           </a:p>
@@ -4491,7 +4494,7 @@
           <a:p>
             <a:fld id="{9D5C10DA-9D88-4773-8D30-78F5C5DDFCBA}" type="datetimeFigureOut">
               <a:rPr lang="zh-TW" altLang="en-US" smtClean="0"/>
-              <a:t>2021/9/24</a:t>
+              <a:t>2021/9/25</a:t>
             </a:fld>
             <a:endParaRPr lang="zh-TW" altLang="en-US"/>
           </a:p>
@@ -4754,7 +4757,7 @@
           <a:p>
             <a:fld id="{9D5C10DA-9D88-4773-8D30-78F5C5DDFCBA}" type="datetimeFigureOut">
               <a:rPr lang="zh-TW" altLang="en-US" smtClean="0"/>
-              <a:t>2021/9/24</a:t>
+              <a:t>2021/9/25</a:t>
             </a:fld>
             <a:endParaRPr lang="zh-TW" altLang="en-US"/>
           </a:p>
@@ -5497,7 +5500,7 @@
           <a:p>
             <a:fld id="{9D5C10DA-9D88-4773-8D30-78F5C5DDFCBA}" type="datetimeFigureOut">
               <a:rPr lang="zh-TW" altLang="en-US" smtClean="0"/>
-              <a:t>2021/9/24</a:t>
+              <a:t>2021/9/25</a:t>
             </a:fld>
             <a:endParaRPr lang="zh-TW" altLang="en-US"/>
           </a:p>
@@ -5629,7 +5632,7 @@
         <p:spPr>
           <a:xfrm>
             <a:off x="379705" y="6488668"/>
-            <a:ext cx="2728632" cy="369332"/>
+            <a:ext cx="2496196" cy="369332"/>
           </a:xfrm>
           <a:prstGeom prst="rect">
             <a:avLst/>
@@ -5642,8 +5645,8 @@
           <a:lstStyle/>
           <a:p>
             <a:r>
-              <a:rPr lang="zh-TW" altLang="en-US" dirty="0" smtClean="0"/>
-              <a:t>https://reurl.cc/522ARv</a:t>
+              <a:rPr lang="en-US" altLang="zh-TW" dirty="0" smtClean="0"/>
+              <a:t>http://lccn.io/vgENMI</a:t>
             </a:r>
             <a:endParaRPr lang="zh-TW" altLang="en-US" dirty="0"/>
           </a:p>
@@ -6162,7 +6165,7 @@
           <a:p>
             <a:fld id="{BDC7E28B-62FB-49D0-8416-0FE6FF46DA76}" type="datetime4">
               <a:rPr lang="zh-TW" altLang="en-US" smtClean="0"/>
-              <a:t>110年9月24日星期五</a:t>
+              <a:t>110年9月25日星期六</a:t>
             </a:fld>
             <a:endParaRPr lang="zh-TW" altLang="en-US" dirty="0"/>
           </a:p>
@@ -6209,6 +6212,37 @@
           </a:extLst>
         </p:spPr>
       </p:pic>
+      <p:sp>
+        <p:nvSpPr>
+          <p:cNvPr id="5" name="矩形 4"/>
+          <p:cNvSpPr/>
+          <p:nvPr/>
+        </p:nvSpPr>
+        <p:spPr>
+          <a:xfrm>
+            <a:off x="9139657" y="6488668"/>
+            <a:ext cx="2728632" cy="369332"/>
+          </a:xfrm>
+          <a:prstGeom prst="rect">
+            <a:avLst/>
+          </a:prstGeom>
+        </p:spPr>
+        <p:txBody>
+          <a:bodyPr wrap="none">
+            <a:spAutoFit/>
+          </a:bodyPr>
+          <a:lstStyle/>
+          <a:p>
+            <a:r>
+              <a:rPr lang="zh-TW" altLang="en-US" dirty="0" smtClean="0">
+                <a:hlinkClick r:id="rId3"/>
+              </a:rPr>
+              <a:t>https://reurl.cc/522ARv</a:t>
+            </a:r>
+            <a:endParaRPr lang="zh-TW" altLang="en-US" dirty="0"/>
+          </a:p>
+        </p:txBody>
+      </p:sp>
     </p:spTree>
     <p:extLst>
       <p:ext uri="{BB962C8B-B14F-4D97-AF65-F5344CB8AC3E}">
@@ -15611,6 +15645,13 @@
   <p:clrMapOvr>
     <a:masterClrMapping/>
   </p:clrMapOvr>
+  <p:timing>
+    <p:tnLst>
+      <p:par>
+        <p:cTn id="1" dur="indefinite" restart="never" nodeType="tmRoot"/>
+      </p:par>
+    </p:tnLst>
+  </p:timing>
 </p:sld>
 </file>
 

--- a/LCC/Java/00a_想喝杯Java咖啡嗎.pptx
+++ b/LCC/Java/00a_想喝杯Java咖啡嗎.pptx
@@ -224,7 +224,7 @@
           <a:p>
             <a:fld id="{6294484C-C2AD-4758-A495-0303CF78BBA2}" type="datetimeFigureOut">
               <a:rPr lang="zh-TW" altLang="en-US" smtClean="0"/>
-              <a:t>2021/9/25</a:t>
+              <a:t>2022/1/12</a:t>
             </a:fld>
             <a:endParaRPr lang="zh-TW" altLang="en-US"/>
           </a:p>
@@ -1029,7 +1029,7 @@
           <a:p>
             <a:fld id="{9D5C10DA-9D88-4773-8D30-78F5C5DDFCBA}" type="datetimeFigureOut">
               <a:rPr lang="zh-TW" altLang="en-US" smtClean="0"/>
-              <a:t>2021/9/25</a:t>
+              <a:t>2022/1/12</a:t>
             </a:fld>
             <a:endParaRPr lang="zh-TW" altLang="en-US"/>
           </a:p>
@@ -1280,7 +1280,7 @@
           <a:p>
             <a:fld id="{9D5C10DA-9D88-4773-8D30-78F5C5DDFCBA}" type="datetimeFigureOut">
               <a:rPr lang="zh-TW" altLang="en-US" smtClean="0"/>
-              <a:t>2021/9/25</a:t>
+              <a:t>2022/1/12</a:t>
             </a:fld>
             <a:endParaRPr lang="zh-TW" altLang="en-US"/>
           </a:p>
@@ -1594,7 +1594,7 @@
           <a:p>
             <a:fld id="{9D5C10DA-9D88-4773-8D30-78F5C5DDFCBA}" type="datetimeFigureOut">
               <a:rPr lang="zh-TW" altLang="en-US" smtClean="0"/>
-              <a:t>2021/9/25</a:t>
+              <a:t>2022/1/12</a:t>
             </a:fld>
             <a:endParaRPr lang="zh-TW" altLang="en-US"/>
           </a:p>
@@ -1935,7 +1935,7 @@
           <a:p>
             <a:fld id="{9D5C10DA-9D88-4773-8D30-78F5C5DDFCBA}" type="datetimeFigureOut">
               <a:rPr lang="zh-TW" altLang="en-US" smtClean="0"/>
-              <a:t>2021/9/25</a:t>
+              <a:t>2022/1/12</a:t>
             </a:fld>
             <a:endParaRPr lang="zh-TW" altLang="en-US"/>
           </a:p>
@@ -2249,7 +2249,7 @@
           <a:p>
             <a:fld id="{9D5C10DA-9D88-4773-8D30-78F5C5DDFCBA}" type="datetimeFigureOut">
               <a:rPr lang="zh-TW" altLang="en-US" smtClean="0"/>
-              <a:t>2021/9/25</a:t>
+              <a:t>2022/1/12</a:t>
             </a:fld>
             <a:endParaRPr lang="zh-TW" altLang="en-US"/>
           </a:p>
@@ -2642,7 +2642,7 @@
           <a:p>
             <a:fld id="{9D5C10DA-9D88-4773-8D30-78F5C5DDFCBA}" type="datetimeFigureOut">
               <a:rPr lang="zh-TW" altLang="en-US" smtClean="0"/>
-              <a:t>2021/9/25</a:t>
+              <a:t>2022/1/12</a:t>
             </a:fld>
             <a:endParaRPr lang="zh-TW" altLang="en-US"/>
           </a:p>
@@ -2812,7 +2812,7 @@
           <a:p>
             <a:fld id="{9D5C10DA-9D88-4773-8D30-78F5C5DDFCBA}" type="datetimeFigureOut">
               <a:rPr lang="zh-TW" altLang="en-US" smtClean="0"/>
-              <a:t>2021/9/25</a:t>
+              <a:t>2022/1/12</a:t>
             </a:fld>
             <a:endParaRPr lang="zh-TW" altLang="en-US"/>
           </a:p>
@@ -2992,7 +2992,7 @@
           <a:p>
             <a:fld id="{9D5C10DA-9D88-4773-8D30-78F5C5DDFCBA}" type="datetimeFigureOut">
               <a:rPr lang="zh-TW" altLang="en-US" smtClean="0"/>
-              <a:t>2021/9/25</a:t>
+              <a:t>2022/1/12</a:t>
             </a:fld>
             <a:endParaRPr lang="zh-TW" altLang="en-US"/>
           </a:p>
@@ -3168,7 +3168,7 @@
           <a:p>
             <a:fld id="{9D5C10DA-9D88-4773-8D30-78F5C5DDFCBA}" type="datetimeFigureOut">
               <a:rPr lang="zh-TW" altLang="en-US" smtClean="0"/>
-              <a:t>2021/9/25</a:t>
+              <a:t>2022/1/12</a:t>
             </a:fld>
             <a:endParaRPr lang="zh-TW" altLang="en-US"/>
           </a:p>
@@ -3415,7 +3415,7 @@
           <a:p>
             <a:fld id="{9D5C10DA-9D88-4773-8D30-78F5C5DDFCBA}" type="datetimeFigureOut">
               <a:rPr lang="zh-TW" altLang="en-US" smtClean="0"/>
-              <a:t>2021/9/25</a:t>
+              <a:t>2022/1/12</a:t>
             </a:fld>
             <a:endParaRPr lang="zh-TW" altLang="en-US"/>
           </a:p>
@@ -3647,7 +3647,7 @@
           <a:p>
             <a:fld id="{9D5C10DA-9D88-4773-8D30-78F5C5DDFCBA}" type="datetimeFigureOut">
               <a:rPr lang="zh-TW" altLang="en-US" smtClean="0"/>
-              <a:t>2021/9/25</a:t>
+              <a:t>2022/1/12</a:t>
             </a:fld>
             <a:endParaRPr lang="zh-TW" altLang="en-US"/>
           </a:p>
@@ -4021,7 +4021,7 @@
           <a:p>
             <a:fld id="{9D5C10DA-9D88-4773-8D30-78F5C5DDFCBA}" type="datetimeFigureOut">
               <a:rPr lang="zh-TW" altLang="en-US" smtClean="0"/>
-              <a:t>2021/9/25</a:t>
+              <a:t>2022/1/12</a:t>
             </a:fld>
             <a:endParaRPr lang="zh-TW" altLang="en-US"/>
           </a:p>
@@ -4144,7 +4144,7 @@
           <a:p>
             <a:fld id="{9D5C10DA-9D88-4773-8D30-78F5C5DDFCBA}" type="datetimeFigureOut">
               <a:rPr lang="zh-TW" altLang="en-US" smtClean="0"/>
-              <a:t>2021/9/25</a:t>
+              <a:t>2022/1/12</a:t>
             </a:fld>
             <a:endParaRPr lang="zh-TW" altLang="en-US"/>
           </a:p>
@@ -4239,7 +4239,7 @@
           <a:p>
             <a:fld id="{9D5C10DA-9D88-4773-8D30-78F5C5DDFCBA}" type="datetimeFigureOut">
               <a:rPr lang="zh-TW" altLang="en-US" smtClean="0"/>
-              <a:t>2021/9/25</a:t>
+              <a:t>2022/1/12</a:t>
             </a:fld>
             <a:endParaRPr lang="zh-TW" altLang="en-US"/>
           </a:p>
@@ -4494,7 +4494,7 @@
           <a:p>
             <a:fld id="{9D5C10DA-9D88-4773-8D30-78F5C5DDFCBA}" type="datetimeFigureOut">
               <a:rPr lang="zh-TW" altLang="en-US" smtClean="0"/>
-              <a:t>2021/9/25</a:t>
+              <a:t>2022/1/12</a:t>
             </a:fld>
             <a:endParaRPr lang="zh-TW" altLang="en-US"/>
           </a:p>
@@ -4757,7 +4757,7 @@
           <a:p>
             <a:fld id="{9D5C10DA-9D88-4773-8D30-78F5C5DDFCBA}" type="datetimeFigureOut">
               <a:rPr lang="zh-TW" altLang="en-US" smtClean="0"/>
-              <a:t>2021/9/25</a:t>
+              <a:t>2022/1/12</a:t>
             </a:fld>
             <a:endParaRPr lang="zh-TW" altLang="en-US"/>
           </a:p>
@@ -5500,7 +5500,7 @@
           <a:p>
             <a:fld id="{9D5C10DA-9D88-4773-8D30-78F5C5DDFCBA}" type="datetimeFigureOut">
               <a:rPr lang="zh-TW" altLang="en-US" smtClean="0"/>
-              <a:t>2021/9/25</a:t>
+              <a:t>2022/1/12</a:t>
             </a:fld>
             <a:endParaRPr lang="zh-TW" altLang="en-US"/>
           </a:p>
@@ -5632,7 +5632,7 @@
         <p:spPr>
           <a:xfrm>
             <a:off x="379705" y="6488668"/>
-            <a:ext cx="2496196" cy="369332"/>
+            <a:ext cx="2800767" cy="369332"/>
           </a:xfrm>
           <a:prstGeom prst="rect">
             <a:avLst/>
@@ -5645,8 +5645,8 @@
           <a:lstStyle/>
           <a:p>
             <a:r>
-              <a:rPr lang="en-US" altLang="zh-TW" dirty="0" smtClean="0"/>
-              <a:t>http://lccn.io/vgENMI</a:t>
+              <a:rPr lang="fr-FR" altLang="zh-TW" dirty="0" smtClean="0"/>
+              <a:t>https://reurl.cc/2Dom14</a:t>
             </a:r>
             <a:endParaRPr lang="zh-TW" altLang="en-US" dirty="0"/>
           </a:p>
@@ -6165,7 +6165,7 @@
           <a:p>
             <a:fld id="{BDC7E28B-62FB-49D0-8416-0FE6FF46DA76}" type="datetime4">
               <a:rPr lang="zh-TW" altLang="en-US" smtClean="0"/>
-              <a:t>110年9月25日星期六</a:t>
+              <a:t>111年1月12日星期三</a:t>
             </a:fld>
             <a:endParaRPr lang="zh-TW" altLang="en-US" dirty="0"/>
           </a:p>
@@ -6238,6 +6238,65 @@
                 <a:hlinkClick r:id="rId3"/>
               </a:rPr>
               <a:t>https://reurl.cc/522ARv</a:t>
+            </a:r>
+            <a:endParaRPr lang="zh-TW" altLang="en-US" dirty="0"/>
+          </a:p>
+        </p:txBody>
+      </p:sp>
+      <p:pic>
+        <p:nvPicPr>
+          <p:cNvPr id="6" name="圖片 5"/>
+          <p:cNvPicPr>
+            <a:picLocks noChangeAspect="1"/>
+          </p:cNvPicPr>
+          <p:nvPr/>
+        </p:nvPicPr>
+        <p:blipFill>
+          <a:blip r:embed="rId4">
+            <a:extLst>
+              <a:ext uri="{28A0092B-C50C-407E-A947-70E740481C1C}">
+                <a14:useLocalDpi xmlns:a14="http://schemas.microsoft.com/office/drawing/2010/main" val="0"/>
+              </a:ext>
+            </a:extLst>
+          </a:blip>
+          <a:stretch>
+            <a:fillRect/>
+          </a:stretch>
+        </p:blipFill>
+        <p:spPr>
+          <a:xfrm>
+            <a:off x="920708" y="432075"/>
+            <a:ext cx="1428750" cy="1428750"/>
+          </a:xfrm>
+          <a:prstGeom prst="rect">
+            <a:avLst/>
+          </a:prstGeom>
+        </p:spPr>
+      </p:pic>
+      <p:sp>
+        <p:nvSpPr>
+          <p:cNvPr id="7" name="矩形 6"/>
+          <p:cNvSpPr/>
+          <p:nvPr/>
+        </p:nvSpPr>
+        <p:spPr>
+          <a:xfrm>
+            <a:off x="821058" y="62743"/>
+            <a:ext cx="2800767" cy="369332"/>
+          </a:xfrm>
+          <a:prstGeom prst="rect">
+            <a:avLst/>
+          </a:prstGeom>
+        </p:spPr>
+        <p:txBody>
+          <a:bodyPr wrap="none">
+            <a:spAutoFit/>
+          </a:bodyPr>
+          <a:lstStyle/>
+          <a:p>
+            <a:r>
+              <a:rPr lang="fr-FR" altLang="zh-TW" dirty="0" smtClean="0"/>
+              <a:t>https://reurl.cc/2Dom14</a:t>
             </a:r>
             <a:endParaRPr lang="zh-TW" altLang="en-US" dirty="0"/>
           </a:p>

--- a/LCC/Java/00a_想喝杯Java咖啡嗎.pptx
+++ b/LCC/Java/00a_想喝杯Java咖啡嗎.pptx
@@ -16,8 +16,8 @@
     <p:sldId id="291" r:id="rId7"/>
     <p:sldId id="285" r:id="rId8"/>
     <p:sldId id="286" r:id="rId9"/>
-    <p:sldId id="258" r:id="rId10"/>
-    <p:sldId id="281" r:id="rId11"/>
+    <p:sldId id="281" r:id="rId10"/>
+    <p:sldId id="258" r:id="rId11"/>
     <p:sldId id="280" r:id="rId12"/>
     <p:sldId id="259" r:id="rId13"/>
     <p:sldId id="260" r:id="rId14"/>
@@ -224,7 +224,7 @@
           <a:p>
             <a:fld id="{6294484C-C2AD-4758-A495-0303CF78BBA2}" type="datetimeFigureOut">
               <a:rPr lang="zh-TW" altLang="en-US" smtClean="0"/>
-              <a:t>2022/1/12</a:t>
+              <a:t>2022/6/29</a:t>
             </a:fld>
             <a:endParaRPr lang="zh-TW" altLang="en-US"/>
           </a:p>
@@ -1029,7 +1029,7 @@
           <a:p>
             <a:fld id="{9D5C10DA-9D88-4773-8D30-78F5C5DDFCBA}" type="datetimeFigureOut">
               <a:rPr lang="zh-TW" altLang="en-US" smtClean="0"/>
-              <a:t>2022/1/12</a:t>
+              <a:t>2022/6/29</a:t>
             </a:fld>
             <a:endParaRPr lang="zh-TW" altLang="en-US"/>
           </a:p>
@@ -1280,7 +1280,7 @@
           <a:p>
             <a:fld id="{9D5C10DA-9D88-4773-8D30-78F5C5DDFCBA}" type="datetimeFigureOut">
               <a:rPr lang="zh-TW" altLang="en-US" smtClean="0"/>
-              <a:t>2022/1/12</a:t>
+              <a:t>2022/6/29</a:t>
             </a:fld>
             <a:endParaRPr lang="zh-TW" altLang="en-US"/>
           </a:p>
@@ -1594,7 +1594,7 @@
           <a:p>
             <a:fld id="{9D5C10DA-9D88-4773-8D30-78F5C5DDFCBA}" type="datetimeFigureOut">
               <a:rPr lang="zh-TW" altLang="en-US" smtClean="0"/>
-              <a:t>2022/1/12</a:t>
+              <a:t>2022/6/29</a:t>
             </a:fld>
             <a:endParaRPr lang="zh-TW" altLang="en-US"/>
           </a:p>
@@ -1935,7 +1935,7 @@
           <a:p>
             <a:fld id="{9D5C10DA-9D88-4773-8D30-78F5C5DDFCBA}" type="datetimeFigureOut">
               <a:rPr lang="zh-TW" altLang="en-US" smtClean="0"/>
-              <a:t>2022/1/12</a:t>
+              <a:t>2022/6/29</a:t>
             </a:fld>
             <a:endParaRPr lang="zh-TW" altLang="en-US"/>
           </a:p>
@@ -2249,7 +2249,7 @@
           <a:p>
             <a:fld id="{9D5C10DA-9D88-4773-8D30-78F5C5DDFCBA}" type="datetimeFigureOut">
               <a:rPr lang="zh-TW" altLang="en-US" smtClean="0"/>
-              <a:t>2022/1/12</a:t>
+              <a:t>2022/6/29</a:t>
             </a:fld>
             <a:endParaRPr lang="zh-TW" altLang="en-US"/>
           </a:p>
@@ -2642,7 +2642,7 @@
           <a:p>
             <a:fld id="{9D5C10DA-9D88-4773-8D30-78F5C5DDFCBA}" type="datetimeFigureOut">
               <a:rPr lang="zh-TW" altLang="en-US" smtClean="0"/>
-              <a:t>2022/1/12</a:t>
+              <a:t>2022/6/29</a:t>
             </a:fld>
             <a:endParaRPr lang="zh-TW" altLang="en-US"/>
           </a:p>
@@ -2812,7 +2812,7 @@
           <a:p>
             <a:fld id="{9D5C10DA-9D88-4773-8D30-78F5C5DDFCBA}" type="datetimeFigureOut">
               <a:rPr lang="zh-TW" altLang="en-US" smtClean="0"/>
-              <a:t>2022/1/12</a:t>
+              <a:t>2022/6/29</a:t>
             </a:fld>
             <a:endParaRPr lang="zh-TW" altLang="en-US"/>
           </a:p>
@@ -2992,7 +2992,7 @@
           <a:p>
             <a:fld id="{9D5C10DA-9D88-4773-8D30-78F5C5DDFCBA}" type="datetimeFigureOut">
               <a:rPr lang="zh-TW" altLang="en-US" smtClean="0"/>
-              <a:t>2022/1/12</a:t>
+              <a:t>2022/6/29</a:t>
             </a:fld>
             <a:endParaRPr lang="zh-TW" altLang="en-US"/>
           </a:p>
@@ -3168,7 +3168,7 @@
           <a:p>
             <a:fld id="{9D5C10DA-9D88-4773-8D30-78F5C5DDFCBA}" type="datetimeFigureOut">
               <a:rPr lang="zh-TW" altLang="en-US" smtClean="0"/>
-              <a:t>2022/1/12</a:t>
+              <a:t>2022/6/29</a:t>
             </a:fld>
             <a:endParaRPr lang="zh-TW" altLang="en-US"/>
           </a:p>
@@ -3415,7 +3415,7 @@
           <a:p>
             <a:fld id="{9D5C10DA-9D88-4773-8D30-78F5C5DDFCBA}" type="datetimeFigureOut">
               <a:rPr lang="zh-TW" altLang="en-US" smtClean="0"/>
-              <a:t>2022/1/12</a:t>
+              <a:t>2022/6/29</a:t>
             </a:fld>
             <a:endParaRPr lang="zh-TW" altLang="en-US"/>
           </a:p>
@@ -3647,7 +3647,7 @@
           <a:p>
             <a:fld id="{9D5C10DA-9D88-4773-8D30-78F5C5DDFCBA}" type="datetimeFigureOut">
               <a:rPr lang="zh-TW" altLang="en-US" smtClean="0"/>
-              <a:t>2022/1/12</a:t>
+              <a:t>2022/6/29</a:t>
             </a:fld>
             <a:endParaRPr lang="zh-TW" altLang="en-US"/>
           </a:p>
@@ -4021,7 +4021,7 @@
           <a:p>
             <a:fld id="{9D5C10DA-9D88-4773-8D30-78F5C5DDFCBA}" type="datetimeFigureOut">
               <a:rPr lang="zh-TW" altLang="en-US" smtClean="0"/>
-              <a:t>2022/1/12</a:t>
+              <a:t>2022/6/29</a:t>
             </a:fld>
             <a:endParaRPr lang="zh-TW" altLang="en-US"/>
           </a:p>
@@ -4144,7 +4144,7 @@
           <a:p>
             <a:fld id="{9D5C10DA-9D88-4773-8D30-78F5C5DDFCBA}" type="datetimeFigureOut">
               <a:rPr lang="zh-TW" altLang="en-US" smtClean="0"/>
-              <a:t>2022/1/12</a:t>
+              <a:t>2022/6/29</a:t>
             </a:fld>
             <a:endParaRPr lang="zh-TW" altLang="en-US"/>
           </a:p>
@@ -4239,7 +4239,7 @@
           <a:p>
             <a:fld id="{9D5C10DA-9D88-4773-8D30-78F5C5DDFCBA}" type="datetimeFigureOut">
               <a:rPr lang="zh-TW" altLang="en-US" smtClean="0"/>
-              <a:t>2022/1/12</a:t>
+              <a:t>2022/6/29</a:t>
             </a:fld>
             <a:endParaRPr lang="zh-TW" altLang="en-US"/>
           </a:p>
@@ -4494,7 +4494,7 @@
           <a:p>
             <a:fld id="{9D5C10DA-9D88-4773-8D30-78F5C5DDFCBA}" type="datetimeFigureOut">
               <a:rPr lang="zh-TW" altLang="en-US" smtClean="0"/>
-              <a:t>2022/1/12</a:t>
+              <a:t>2022/6/29</a:t>
             </a:fld>
             <a:endParaRPr lang="zh-TW" altLang="en-US"/>
           </a:p>
@@ -4757,7 +4757,7 @@
           <a:p>
             <a:fld id="{9D5C10DA-9D88-4773-8D30-78F5C5DDFCBA}" type="datetimeFigureOut">
               <a:rPr lang="zh-TW" altLang="en-US" smtClean="0"/>
-              <a:t>2022/1/12</a:t>
+              <a:t>2022/6/29</a:t>
             </a:fld>
             <a:endParaRPr lang="zh-TW" altLang="en-US"/>
           </a:p>
@@ -5500,7 +5500,7 @@
           <a:p>
             <a:fld id="{9D5C10DA-9D88-4773-8D30-78F5C5DDFCBA}" type="datetimeFigureOut">
               <a:rPr lang="zh-TW" altLang="en-US" smtClean="0"/>
-              <a:t>2022/1/12</a:t>
+              <a:t>2022/6/29</a:t>
             </a:fld>
             <a:endParaRPr lang="zh-TW" altLang="en-US"/>
           </a:p>
@@ -5646,7 +5646,7 @@
           <a:p>
             <a:r>
               <a:rPr lang="fr-FR" altLang="zh-TW" dirty="0" smtClean="0"/>
-              <a:t>https://reurl.cc/2Dom14</a:t>
+              <a:t>https://reurl.cc/Kb1Xmg</a:t>
             </a:r>
             <a:endParaRPr lang="zh-TW" altLang="en-US" dirty="0"/>
           </a:p>
@@ -6165,7 +6165,7 @@
           <a:p>
             <a:fld id="{BDC7E28B-62FB-49D0-8416-0FE6FF46DA76}" type="datetime4">
               <a:rPr lang="zh-TW" altLang="en-US" smtClean="0"/>
-              <a:t>111年1月12日星期三</a:t>
+              <a:t>111年6月29日星期三</a:t>
             </a:fld>
             <a:endParaRPr lang="zh-TW" altLang="en-US" dirty="0"/>
           </a:p>
@@ -6243,36 +6243,6 @@
           </a:p>
         </p:txBody>
       </p:sp>
-      <p:pic>
-        <p:nvPicPr>
-          <p:cNvPr id="6" name="圖片 5"/>
-          <p:cNvPicPr>
-            <a:picLocks noChangeAspect="1"/>
-          </p:cNvPicPr>
-          <p:nvPr/>
-        </p:nvPicPr>
-        <p:blipFill>
-          <a:blip r:embed="rId4">
-            <a:extLst>
-              <a:ext uri="{28A0092B-C50C-407E-A947-70E740481C1C}">
-                <a14:useLocalDpi xmlns:a14="http://schemas.microsoft.com/office/drawing/2010/main" val="0"/>
-              </a:ext>
-            </a:extLst>
-          </a:blip>
-          <a:stretch>
-            <a:fillRect/>
-          </a:stretch>
-        </p:blipFill>
-        <p:spPr>
-          <a:xfrm>
-            <a:off x="920708" y="432075"/>
-            <a:ext cx="1428750" cy="1428750"/>
-          </a:xfrm>
-          <a:prstGeom prst="rect">
-            <a:avLst/>
-          </a:prstGeom>
-        </p:spPr>
-      </p:pic>
       <p:sp>
         <p:nvSpPr>
           <p:cNvPr id="7" name="矩形 6"/>
@@ -6295,13 +6265,37 @@
           <a:lstStyle/>
           <a:p>
             <a:r>
-              <a:rPr lang="fr-FR" altLang="zh-TW" dirty="0" smtClean="0"/>
-              <a:t>https://reurl.cc/2Dom14</a:t>
+              <a:rPr lang="fr-FR" altLang="zh-TW" dirty="0"/>
+              <a:t>https://reurl.cc/Kb1Xmg</a:t>
             </a:r>
             <a:endParaRPr lang="zh-TW" altLang="en-US" dirty="0"/>
           </a:p>
         </p:txBody>
       </p:sp>
+      <p:pic>
+        <p:nvPicPr>
+          <p:cNvPr id="9" name="圖片 8"/>
+          <p:cNvPicPr>
+            <a:picLocks noChangeAspect="1"/>
+          </p:cNvPicPr>
+          <p:nvPr/>
+        </p:nvPicPr>
+        <p:blipFill>
+          <a:blip r:embed="rId4"/>
+          <a:stretch>
+            <a:fillRect/>
+          </a:stretch>
+        </p:blipFill>
+        <p:spPr>
+          <a:xfrm>
+            <a:off x="929852" y="419414"/>
+            <a:ext cx="1428750" cy="1428750"/>
+          </a:xfrm>
+          <a:prstGeom prst="rect">
+            <a:avLst/>
+          </a:prstGeom>
+        </p:spPr>
+      </p:pic>
     </p:spTree>
     <p:extLst>
       <p:ext uri="{BB962C8B-B14F-4D97-AF65-F5344CB8AC3E}">
@@ -6323,6 +6317,3031 @@
 </file>
 
 <file path=ppt/slides/slide10.xml><?xml version="1.0" encoding="utf-8"?>
+<p:sld xmlns:a="http://schemas.openxmlformats.org/drawingml/2006/main" xmlns:r="http://schemas.openxmlformats.org/officeDocument/2006/relationships" xmlns:p="http://schemas.openxmlformats.org/presentationml/2006/main">
+  <p:cSld>
+    <p:spTree>
+      <p:nvGrpSpPr>
+        <p:cNvPr id="1" name=""/>
+        <p:cNvGrpSpPr/>
+        <p:nvPr/>
+      </p:nvGrpSpPr>
+      <p:grpSpPr>
+        <a:xfrm>
+          <a:off x="0" y="0"/>
+          <a:ext cx="0" cy="0"/>
+          <a:chOff x="0" y="0"/>
+          <a:chExt cx="0" cy="0"/>
+        </a:xfrm>
+      </p:grpSpPr>
+      <p:sp>
+        <p:nvSpPr>
+          <p:cNvPr id="4" name="標題 3"/>
+          <p:cNvSpPr>
+            <a:spLocks noGrp="1"/>
+          </p:cNvSpPr>
+          <p:nvPr>
+            <p:ph type="title"/>
+          </p:nvPr>
+        </p:nvSpPr>
+        <p:spPr/>
+        <p:txBody>
+          <a:bodyPr/>
+          <a:lstStyle/>
+          <a:p>
+            <a:r>
+              <a:rPr lang="zh-TW" altLang="en-US" dirty="0" smtClean="0"/>
+              <a:t>程式語言排行榜</a:t>
+            </a:r>
+            <a:endParaRPr lang="zh-TW" altLang="en-US" dirty="0"/>
+          </a:p>
+        </p:txBody>
+      </p:sp>
+      <p:sp>
+        <p:nvSpPr>
+          <p:cNvPr id="24" name="內容版面配置區 23"/>
+          <p:cNvSpPr>
+            <a:spLocks noGrp="1"/>
+          </p:cNvSpPr>
+          <p:nvPr>
+            <p:ph idx="1"/>
+          </p:nvPr>
+        </p:nvSpPr>
+        <p:spPr>
+          <a:xfrm>
+            <a:off x="6681216" y="2133157"/>
+            <a:ext cx="4419600" cy="2219387"/>
+          </a:xfrm>
+          <a:solidFill>
+            <a:schemeClr val="bg1"/>
+          </a:solidFill>
+          <a:ln>
+            <a:solidFill>
+              <a:schemeClr val="accent1"/>
+            </a:solidFill>
+          </a:ln>
+        </p:spPr>
+        <p:txBody>
+          <a:bodyPr/>
+          <a:lstStyle/>
+          <a:p>
+            <a:r>
+              <a:rPr lang="en-US" altLang="zh-TW" dirty="0"/>
+              <a:t>TIOBE</a:t>
+            </a:r>
+            <a:r>
+              <a:rPr lang="zh-TW" altLang="en-US" dirty="0"/>
+              <a:t>編程社區索引是編程語言受歡迎程度的指標。索引每月更新一次。評級基於全球熟練的工程師，課程和第三方供應商的數量。諸如</a:t>
+            </a:r>
+            <a:r>
+              <a:rPr lang="en-US" altLang="zh-TW" dirty="0"/>
+              <a:t>Google</a:t>
+            </a:r>
+            <a:r>
+              <a:rPr lang="zh-TW" altLang="en-US" dirty="0"/>
+              <a:t>，</a:t>
+            </a:r>
+            <a:r>
+              <a:rPr lang="en-US" altLang="zh-TW" dirty="0"/>
+              <a:t>Bing</a:t>
+            </a:r>
+            <a:r>
+              <a:rPr lang="zh-TW" altLang="en-US" dirty="0"/>
+              <a:t>，</a:t>
+            </a:r>
+            <a:r>
+              <a:rPr lang="en-US" altLang="zh-TW" dirty="0"/>
+              <a:t>Yahoo</a:t>
+            </a:r>
+            <a:r>
+              <a:rPr lang="zh-TW" altLang="en-US" dirty="0"/>
+              <a:t>！，</a:t>
+            </a:r>
+            <a:r>
+              <a:rPr lang="en-US" altLang="zh-TW" dirty="0"/>
+              <a:t>Wikipedia</a:t>
+            </a:r>
+            <a:r>
+              <a:rPr lang="zh-TW" altLang="en-US" dirty="0"/>
+              <a:t>，</a:t>
+            </a:r>
+            <a:r>
+              <a:rPr lang="en-US" altLang="zh-TW" dirty="0"/>
+              <a:t>Amazon</a:t>
+            </a:r>
+            <a:r>
+              <a:rPr lang="zh-TW" altLang="en-US" dirty="0"/>
+              <a:t>，</a:t>
+            </a:r>
+            <a:r>
+              <a:rPr lang="en-US" altLang="zh-TW" dirty="0"/>
+              <a:t>YouTube</a:t>
+            </a:r>
+            <a:r>
+              <a:rPr lang="zh-TW" altLang="en-US" dirty="0"/>
+              <a:t>和</a:t>
+            </a:r>
+            <a:r>
+              <a:rPr lang="en-US" altLang="zh-TW" dirty="0"/>
+              <a:t>Baidu</a:t>
+            </a:r>
+            <a:r>
+              <a:rPr lang="zh-TW" altLang="en-US" dirty="0"/>
+              <a:t>等流行的搜索引擎用於計算評分。</a:t>
+            </a:r>
+          </a:p>
+        </p:txBody>
+      </p:sp>
+      <p:pic>
+        <p:nvPicPr>
+          <p:cNvPr id="2" name="圖片 1"/>
+          <p:cNvPicPr>
+            <a:picLocks noChangeAspect="1"/>
+          </p:cNvPicPr>
+          <p:nvPr/>
+        </p:nvPicPr>
+        <p:blipFill>
+          <a:blip r:embed="rId2"/>
+          <a:stretch>
+            <a:fillRect/>
+          </a:stretch>
+        </p:blipFill>
+        <p:spPr>
+          <a:xfrm>
+            <a:off x="401193" y="1554480"/>
+            <a:ext cx="6170821" cy="4672584"/>
+          </a:xfrm>
+          <a:prstGeom prst="rect">
+            <a:avLst/>
+          </a:prstGeom>
+        </p:spPr>
+      </p:pic>
+      <p:sp>
+        <p:nvSpPr>
+          <p:cNvPr id="3" name="向右箭號 2"/>
+          <p:cNvSpPr/>
+          <p:nvPr/>
+        </p:nvSpPr>
+        <p:spPr>
+          <a:xfrm>
+            <a:off x="131662" y="2542032"/>
+            <a:ext cx="320657" cy="246888"/>
+          </a:xfrm>
+          <a:prstGeom prst="rightArrow">
+            <a:avLst/>
+          </a:prstGeom>
+          <a:solidFill>
+            <a:srgbClr val="FF0000"/>
+          </a:solidFill>
+          <a:ln>
+            <a:solidFill>
+              <a:srgbClr val="FF0000"/>
+            </a:solidFill>
+          </a:ln>
+        </p:spPr>
+        <p:style>
+          <a:lnRef idx="2">
+            <a:schemeClr val="accent1">
+              <a:shade val="50000"/>
+            </a:schemeClr>
+          </a:lnRef>
+          <a:fillRef idx="1">
+            <a:schemeClr val="accent1"/>
+          </a:fillRef>
+          <a:effectRef idx="0">
+            <a:schemeClr val="accent1"/>
+          </a:effectRef>
+          <a:fontRef idx="minor">
+            <a:schemeClr val="lt1"/>
+          </a:fontRef>
+        </p:style>
+        <p:txBody>
+          <a:bodyPr rtlCol="0" anchor="ctr"/>
+          <a:lstStyle/>
+          <a:p>
+            <a:pPr algn="ctr"/>
+            <a:endParaRPr lang="zh-TW" altLang="en-US"/>
+          </a:p>
+        </p:txBody>
+      </p:sp>
+    </p:spTree>
+    <p:extLst>
+      <p:ext uri="{BB962C8B-B14F-4D97-AF65-F5344CB8AC3E}">
+        <p14:creationId xmlns:p14="http://schemas.microsoft.com/office/powerpoint/2010/main" val="823597170"/>
+      </p:ext>
+    </p:extLst>
+  </p:cSld>
+  <p:clrMapOvr>
+    <a:masterClrMapping/>
+  </p:clrMapOvr>
+  <p:timing>
+    <p:tnLst>
+      <p:par>
+        <p:cTn id="1" dur="indefinite" restart="never" nodeType="tmRoot"/>
+      </p:par>
+    </p:tnLst>
+  </p:timing>
+</p:sld>
+</file>
+
+<file path=ppt/slides/slide11.xml><?xml version="1.0" encoding="utf-8"?>
+<p:sld xmlns:a="http://schemas.openxmlformats.org/drawingml/2006/main" xmlns:r="http://schemas.openxmlformats.org/officeDocument/2006/relationships" xmlns:p="http://schemas.openxmlformats.org/presentationml/2006/main">
+  <p:cSld>
+    <p:spTree>
+      <p:nvGrpSpPr>
+        <p:cNvPr id="1" name=""/>
+        <p:cNvGrpSpPr/>
+        <p:nvPr/>
+      </p:nvGrpSpPr>
+      <p:grpSpPr>
+        <a:xfrm>
+          <a:off x="0" y="0"/>
+          <a:ext cx="0" cy="0"/>
+          <a:chOff x="0" y="0"/>
+          <a:chExt cx="0" cy="0"/>
+        </a:xfrm>
+      </p:grpSpPr>
+      <p:sp>
+        <p:nvSpPr>
+          <p:cNvPr id="5" name="標題 4"/>
+          <p:cNvSpPr>
+            <a:spLocks noGrp="1"/>
+          </p:cNvSpPr>
+          <p:nvPr>
+            <p:ph type="title"/>
+          </p:nvPr>
+        </p:nvSpPr>
+        <p:spPr>
+          <a:xfrm>
+            <a:off x="677334" y="609600"/>
+            <a:ext cx="9006162" cy="1320800"/>
+          </a:xfrm>
+        </p:spPr>
+        <p:txBody>
+          <a:bodyPr/>
+          <a:lstStyle/>
+          <a:p>
+            <a:r>
+              <a:rPr lang="en-US" altLang="zh-TW" dirty="0" smtClean="0"/>
+              <a:t>Top 10 Programming </a:t>
+            </a:r>
+            <a:r>
+              <a:rPr lang="en-US" altLang="zh-TW" dirty="0" smtClean="0"/>
+              <a:t>Language(2002~2022)</a:t>
+            </a:r>
+            <a:endParaRPr lang="zh-TW" altLang="en-US" dirty="0"/>
+          </a:p>
+        </p:txBody>
+      </p:sp>
+      <p:pic>
+        <p:nvPicPr>
+          <p:cNvPr id="1026" name="Picture 2" descr="歷年程式語言排名走勢"/>
+          <p:cNvPicPr>
+            <a:picLocks noChangeAspect="1" noChangeArrowheads="1"/>
+          </p:cNvPicPr>
+          <p:nvPr/>
+        </p:nvPicPr>
+        <p:blipFill>
+          <a:blip r:embed="rId2">
+            <a:extLst>
+              <a:ext uri="{28A0092B-C50C-407E-A947-70E740481C1C}">
+                <a14:useLocalDpi xmlns:a14="http://schemas.microsoft.com/office/drawing/2010/main" val="0"/>
+              </a:ext>
+            </a:extLst>
+          </a:blip>
+          <a:srcRect/>
+          <a:stretch>
+            <a:fillRect/>
+          </a:stretch>
+        </p:blipFill>
+        <p:spPr bwMode="auto">
+          <a:xfrm>
+            <a:off x="603631" y="1647126"/>
+            <a:ext cx="8991600" cy="4314826"/>
+          </a:xfrm>
+          <a:prstGeom prst="rect">
+            <a:avLst/>
+          </a:prstGeom>
+          <a:noFill/>
+          <a:extLst>
+            <a:ext uri="{909E8E84-426E-40DD-AFC4-6F175D3DCCD1}">
+              <a14:hiddenFill xmlns:a14="http://schemas.microsoft.com/office/drawing/2010/main">
+                <a:solidFill>
+                  <a:srgbClr val="FFFFFF"/>
+                </a:solidFill>
+              </a14:hiddenFill>
+            </a:ext>
+          </a:extLst>
+        </p:spPr>
+      </p:pic>
+      <p:sp>
+        <p:nvSpPr>
+          <p:cNvPr id="6" name="向右箭號 5"/>
+          <p:cNvSpPr/>
+          <p:nvPr/>
+        </p:nvSpPr>
+        <p:spPr>
+          <a:xfrm rot="14404911">
+            <a:off x="2568531" y="5912994"/>
+            <a:ext cx="643812" cy="268349"/>
+          </a:xfrm>
+          <a:prstGeom prst="rightArrow">
+            <a:avLst/>
+          </a:prstGeom>
+          <a:solidFill>
+            <a:srgbClr val="FF0000"/>
+          </a:solidFill>
+          <a:ln>
+            <a:solidFill>
+              <a:srgbClr val="FF0000"/>
+            </a:solidFill>
+          </a:ln>
+        </p:spPr>
+        <p:style>
+          <a:lnRef idx="2">
+            <a:schemeClr val="accent1">
+              <a:shade val="50000"/>
+            </a:schemeClr>
+          </a:lnRef>
+          <a:fillRef idx="1">
+            <a:schemeClr val="accent1"/>
+          </a:fillRef>
+          <a:effectRef idx="0">
+            <a:schemeClr val="accent1"/>
+          </a:effectRef>
+          <a:fontRef idx="minor">
+            <a:schemeClr val="lt1"/>
+          </a:fontRef>
+        </p:style>
+        <p:txBody>
+          <a:bodyPr rtlCol="0" anchor="ctr"/>
+          <a:lstStyle/>
+          <a:p>
+            <a:pPr algn="ctr"/>
+            <a:endParaRPr lang="zh-TW" altLang="en-US"/>
+          </a:p>
+        </p:txBody>
+      </p:sp>
+      <p:sp>
+        <p:nvSpPr>
+          <p:cNvPr id="7" name="向右箭號 6"/>
+          <p:cNvSpPr/>
+          <p:nvPr/>
+        </p:nvSpPr>
+        <p:spPr>
+          <a:xfrm rot="10800000">
+            <a:off x="9414338" y="3925699"/>
+            <a:ext cx="643812" cy="268349"/>
+          </a:xfrm>
+          <a:prstGeom prst="rightArrow">
+            <a:avLst/>
+          </a:prstGeom>
+          <a:solidFill>
+            <a:srgbClr val="FF0000"/>
+          </a:solidFill>
+          <a:ln>
+            <a:solidFill>
+              <a:srgbClr val="FF0000"/>
+            </a:solidFill>
+          </a:ln>
+        </p:spPr>
+        <p:style>
+          <a:lnRef idx="2">
+            <a:schemeClr val="accent1">
+              <a:shade val="50000"/>
+            </a:schemeClr>
+          </a:lnRef>
+          <a:fillRef idx="1">
+            <a:schemeClr val="accent1"/>
+          </a:fillRef>
+          <a:effectRef idx="0">
+            <a:schemeClr val="accent1"/>
+          </a:effectRef>
+          <a:fontRef idx="minor">
+            <a:schemeClr val="lt1"/>
+          </a:fontRef>
+        </p:style>
+        <p:txBody>
+          <a:bodyPr rtlCol="0" anchor="ctr"/>
+          <a:lstStyle/>
+          <a:p>
+            <a:pPr algn="ctr"/>
+            <a:endParaRPr lang="zh-TW" altLang="en-US"/>
+          </a:p>
+        </p:txBody>
+      </p:sp>
+    </p:spTree>
+    <p:extLst>
+      <p:ext uri="{BB962C8B-B14F-4D97-AF65-F5344CB8AC3E}">
+        <p14:creationId xmlns:p14="http://schemas.microsoft.com/office/powerpoint/2010/main" val="3759537546"/>
+      </p:ext>
+    </p:extLst>
+  </p:cSld>
+  <p:clrMapOvr>
+    <a:masterClrMapping/>
+  </p:clrMapOvr>
+  <p:timing>
+    <p:tnLst>
+      <p:par>
+        <p:cTn id="1" dur="indefinite" restart="never" nodeType="tmRoot"/>
+      </p:par>
+    </p:tnLst>
+  </p:timing>
+</p:sld>
+</file>
+
+<file path=ppt/slides/slide12.xml><?xml version="1.0" encoding="utf-8"?>
+<p:sld xmlns:a="http://schemas.openxmlformats.org/drawingml/2006/main" xmlns:r="http://schemas.openxmlformats.org/officeDocument/2006/relationships" xmlns:p="http://schemas.openxmlformats.org/presentationml/2006/main">
+  <p:cSld>
+    <p:spTree>
+      <p:nvGrpSpPr>
+        <p:cNvPr id="1" name=""/>
+        <p:cNvGrpSpPr/>
+        <p:nvPr/>
+      </p:nvGrpSpPr>
+      <p:grpSpPr>
+        <a:xfrm>
+          <a:off x="0" y="0"/>
+          <a:ext cx="0" cy="0"/>
+          <a:chOff x="0" y="0"/>
+          <a:chExt cx="0" cy="0"/>
+        </a:xfrm>
+      </p:grpSpPr>
+      <p:sp>
+        <p:nvSpPr>
+          <p:cNvPr id="2" name="標題 1"/>
+          <p:cNvSpPr>
+            <a:spLocks noGrp="1"/>
+          </p:cNvSpPr>
+          <p:nvPr>
+            <p:ph type="title"/>
+          </p:nvPr>
+        </p:nvSpPr>
+        <p:spPr/>
+        <p:txBody>
+          <a:bodyPr/>
+          <a:lstStyle/>
+          <a:p>
+            <a:r>
+              <a:rPr lang="zh-TW" altLang="en-US" dirty="0" smtClean="0"/>
+              <a:t>哪個語言比較有</a:t>
+            </a:r>
+            <a:r>
+              <a:rPr lang="zh-TW" altLang="en-US" b="1" dirty="0">
+                <a:solidFill>
+                  <a:srgbClr val="FF0000"/>
+                </a:solidFill>
+              </a:rPr>
+              <a:t>錢</a:t>
+            </a:r>
+            <a:r>
+              <a:rPr lang="zh-TW" altLang="en-US" dirty="0" smtClean="0"/>
+              <a:t>途</a:t>
+            </a:r>
+            <a:endParaRPr lang="zh-TW" altLang="en-US" dirty="0"/>
+          </a:p>
+        </p:txBody>
+      </p:sp>
+      <p:pic>
+        <p:nvPicPr>
+          <p:cNvPr id="3074" name="Picture 2" descr="https://uploads-ssl.webflow.com/5d3a7aed4e11720246d46f49/5e03089b66a70d47be1d979d_2020%E8%81%B7%E7%BC%BA%E6%9C%80%E5%A4%9A%E7%9A%84%E7%A8%8B%E5%BC%8F%E8%AA%9E%E8%A8%80.png"/>
+          <p:cNvPicPr>
+            <a:picLocks noChangeAspect="1" noChangeArrowheads="1"/>
+          </p:cNvPicPr>
+          <p:nvPr/>
+        </p:nvPicPr>
+        <p:blipFill>
+          <a:blip r:embed="rId2">
+            <a:extLst>
+              <a:ext uri="{28A0092B-C50C-407E-A947-70E740481C1C}">
+                <a14:useLocalDpi xmlns:a14="http://schemas.microsoft.com/office/drawing/2010/main" val="0"/>
+              </a:ext>
+            </a:extLst>
+          </a:blip>
+          <a:srcRect/>
+          <a:stretch>
+            <a:fillRect/>
+          </a:stretch>
+        </p:blipFill>
+        <p:spPr bwMode="auto">
+          <a:xfrm>
+            <a:off x="5591699" y="1464785"/>
+            <a:ext cx="4418420" cy="4498847"/>
+          </a:xfrm>
+          <a:prstGeom prst="rect">
+            <a:avLst/>
+          </a:prstGeom>
+          <a:noFill/>
+          <a:ln>
+            <a:solidFill>
+              <a:schemeClr val="tx1"/>
+            </a:solidFill>
+          </a:ln>
+          <a:extLst>
+            <a:ext uri="{909E8E84-426E-40DD-AFC4-6F175D3DCCD1}">
+              <a14:hiddenFill xmlns:a14="http://schemas.microsoft.com/office/drawing/2010/main">
+                <a:solidFill>
+                  <a:srgbClr val="FFFFFF"/>
+                </a:solidFill>
+              </a14:hiddenFill>
+            </a:ext>
+          </a:extLst>
+        </p:spPr>
+      </p:pic>
+      <p:pic>
+        <p:nvPicPr>
+          <p:cNvPr id="3076" name="Picture 4" descr="https://uploads-ssl.webflow.com/5d3a7aed4e11720246d46f49/5e019a67bb25d02983285136_2020%E8%81%B7%E7%BC%BA%E6%9C%80%E5%A4%9A%E7%9A%84%E7%A8%8B%E5%BC%8F%E8%AA%9E%E8%A8%80.jpg"/>
+          <p:cNvPicPr>
+            <a:picLocks noChangeAspect="1" noChangeArrowheads="1"/>
+          </p:cNvPicPr>
+          <p:nvPr/>
+        </p:nvPicPr>
+        <p:blipFill>
+          <a:blip r:embed="rId3">
+            <a:extLst>
+              <a:ext uri="{28A0092B-C50C-407E-A947-70E740481C1C}">
+                <a14:useLocalDpi xmlns:a14="http://schemas.microsoft.com/office/drawing/2010/main" val="0"/>
+              </a:ext>
+            </a:extLst>
+          </a:blip>
+          <a:srcRect/>
+          <a:stretch>
+            <a:fillRect/>
+          </a:stretch>
+        </p:blipFill>
+        <p:spPr bwMode="auto">
+          <a:xfrm>
+            <a:off x="440243" y="1464785"/>
+            <a:ext cx="4515804" cy="4498848"/>
+          </a:xfrm>
+          <a:prstGeom prst="rect">
+            <a:avLst/>
+          </a:prstGeom>
+          <a:noFill/>
+          <a:ln>
+            <a:solidFill>
+              <a:schemeClr val="tx1"/>
+            </a:solidFill>
+          </a:ln>
+          <a:extLst>
+            <a:ext uri="{909E8E84-426E-40DD-AFC4-6F175D3DCCD1}">
+              <a14:hiddenFill xmlns:a14="http://schemas.microsoft.com/office/drawing/2010/main">
+                <a:solidFill>
+                  <a:srgbClr val="FFFFFF"/>
+                </a:solidFill>
+              </a14:hiddenFill>
+            </a:ext>
+          </a:extLst>
+        </p:spPr>
+      </p:pic>
+      <p:sp>
+        <p:nvSpPr>
+          <p:cNvPr id="4" name="橢圓 3"/>
+          <p:cNvSpPr/>
+          <p:nvPr/>
+        </p:nvSpPr>
+        <p:spPr>
+          <a:xfrm>
+            <a:off x="957736" y="2719152"/>
+            <a:ext cx="495107" cy="334565"/>
+          </a:xfrm>
+          <a:prstGeom prst="ellipse">
+            <a:avLst/>
+          </a:prstGeom>
+          <a:noFill/>
+          <a:ln w="38100">
+            <a:solidFill>
+              <a:srgbClr val="FF0000"/>
+            </a:solidFill>
+          </a:ln>
+        </p:spPr>
+        <p:style>
+          <a:lnRef idx="2">
+            <a:schemeClr val="accent1">
+              <a:shade val="50000"/>
+            </a:schemeClr>
+          </a:lnRef>
+          <a:fillRef idx="1">
+            <a:schemeClr val="accent1"/>
+          </a:fillRef>
+          <a:effectRef idx="0">
+            <a:schemeClr val="accent1"/>
+          </a:effectRef>
+          <a:fontRef idx="minor">
+            <a:schemeClr val="lt1"/>
+          </a:fontRef>
+        </p:style>
+        <p:txBody>
+          <a:bodyPr rtlCol="0" anchor="ctr"/>
+          <a:lstStyle/>
+          <a:p>
+            <a:pPr algn="ctr"/>
+            <a:endParaRPr lang="zh-TW" altLang="en-US"/>
+          </a:p>
+        </p:txBody>
+      </p:sp>
+      <p:sp>
+        <p:nvSpPr>
+          <p:cNvPr id="7" name="橢圓 6"/>
+          <p:cNvSpPr/>
+          <p:nvPr/>
+        </p:nvSpPr>
+        <p:spPr>
+          <a:xfrm>
+            <a:off x="5960530" y="2317721"/>
+            <a:ext cx="630936" cy="374904"/>
+          </a:xfrm>
+          <a:prstGeom prst="ellipse">
+            <a:avLst/>
+          </a:prstGeom>
+          <a:noFill/>
+          <a:ln w="38100">
+            <a:solidFill>
+              <a:srgbClr val="FF0000"/>
+            </a:solidFill>
+          </a:ln>
+        </p:spPr>
+        <p:style>
+          <a:lnRef idx="2">
+            <a:schemeClr val="accent1">
+              <a:shade val="50000"/>
+            </a:schemeClr>
+          </a:lnRef>
+          <a:fillRef idx="1">
+            <a:schemeClr val="accent1"/>
+          </a:fillRef>
+          <a:effectRef idx="0">
+            <a:schemeClr val="accent1"/>
+          </a:effectRef>
+          <a:fontRef idx="minor">
+            <a:schemeClr val="lt1"/>
+          </a:fontRef>
+        </p:style>
+        <p:txBody>
+          <a:bodyPr rtlCol="0" anchor="ctr"/>
+          <a:lstStyle/>
+          <a:p>
+            <a:pPr algn="ctr"/>
+            <a:endParaRPr lang="zh-TW" altLang="en-US"/>
+          </a:p>
+        </p:txBody>
+      </p:sp>
+      <p:sp>
+        <p:nvSpPr>
+          <p:cNvPr id="5" name="文字方塊 4"/>
+          <p:cNvSpPr txBox="1"/>
+          <p:nvPr/>
+        </p:nvSpPr>
+        <p:spPr>
+          <a:xfrm>
+            <a:off x="7856231" y="1095453"/>
+            <a:ext cx="1415772" cy="369332"/>
+          </a:xfrm>
+          <a:prstGeom prst="rect">
+            <a:avLst/>
+          </a:prstGeom>
+          <a:noFill/>
+        </p:spPr>
+        <p:txBody>
+          <a:bodyPr wrap="none" rtlCol="0">
+            <a:spAutoFit/>
+          </a:bodyPr>
+          <a:lstStyle/>
+          <a:p>
+            <a:r>
+              <a:rPr lang="en-US" altLang="zh-TW" b="1" dirty="0" smtClean="0"/>
+              <a:t>2019</a:t>
+            </a:r>
+            <a:r>
+              <a:rPr lang="zh-TW" altLang="en-US" b="1" dirty="0" smtClean="0"/>
+              <a:t>年資料</a:t>
+            </a:r>
+            <a:endParaRPr lang="zh-TW" altLang="en-US" b="1" dirty="0"/>
+          </a:p>
+        </p:txBody>
+      </p:sp>
+      <p:sp>
+        <p:nvSpPr>
+          <p:cNvPr id="3" name="矩形 2"/>
+          <p:cNvSpPr/>
+          <p:nvPr/>
+        </p:nvSpPr>
+        <p:spPr>
+          <a:xfrm>
+            <a:off x="4085645" y="6424562"/>
+            <a:ext cx="5387539" cy="276999"/>
+          </a:xfrm>
+          <a:prstGeom prst="rect">
+            <a:avLst/>
+          </a:prstGeom>
+        </p:spPr>
+        <p:txBody>
+          <a:bodyPr wrap="square">
+            <a:spAutoFit/>
+          </a:bodyPr>
+          <a:lstStyle/>
+          <a:p>
+            <a:r>
+              <a:rPr lang="zh-TW" altLang="en-US" sz="1200" dirty="0"/>
+              <a:t>https://tw.alphacamp.co/blog/most-in-demand-programming-language</a:t>
+            </a:r>
+          </a:p>
+        </p:txBody>
+      </p:sp>
+    </p:spTree>
+    <p:extLst>
+      <p:ext uri="{BB962C8B-B14F-4D97-AF65-F5344CB8AC3E}">
+        <p14:creationId xmlns:p14="http://schemas.microsoft.com/office/powerpoint/2010/main" val="784301048"/>
+      </p:ext>
+    </p:extLst>
+  </p:cSld>
+  <p:clrMapOvr>
+    <a:masterClrMapping/>
+  </p:clrMapOvr>
+  <p:timing>
+    <p:tnLst>
+      <p:par>
+        <p:cTn id="1" dur="indefinite" restart="never" nodeType="tmRoot"/>
+      </p:par>
+    </p:tnLst>
+  </p:timing>
+</p:sld>
+</file>
+
+<file path=ppt/slides/slide13.xml><?xml version="1.0" encoding="utf-8"?>
+<p:sld xmlns:a="http://schemas.openxmlformats.org/drawingml/2006/main" xmlns:r="http://schemas.openxmlformats.org/officeDocument/2006/relationships" xmlns:p="http://schemas.openxmlformats.org/presentationml/2006/main">
+  <p:cSld>
+    <p:spTree>
+      <p:nvGrpSpPr>
+        <p:cNvPr id="1" name=""/>
+        <p:cNvGrpSpPr/>
+        <p:nvPr/>
+      </p:nvGrpSpPr>
+      <p:grpSpPr>
+        <a:xfrm>
+          <a:off x="0" y="0"/>
+          <a:ext cx="0" cy="0"/>
+          <a:chOff x="0" y="0"/>
+          <a:chExt cx="0" cy="0"/>
+        </a:xfrm>
+      </p:grpSpPr>
+      <p:pic>
+        <p:nvPicPr>
+          <p:cNvPr id="3074" name="Picture 2" descr="https://uploads-ssl.webflow.com/60d29cc33f302e8be91cf0e2/6221deaaf2b2afa85a21bab0_Untitled.png"/>
+          <p:cNvPicPr>
+            <a:picLocks noChangeAspect="1" noChangeArrowheads="1"/>
+          </p:cNvPicPr>
+          <p:nvPr/>
+        </p:nvPicPr>
+        <p:blipFill>
+          <a:blip r:embed="rId2">
+            <a:extLst>
+              <a:ext uri="{28A0092B-C50C-407E-A947-70E740481C1C}">
+                <a14:useLocalDpi xmlns:a14="http://schemas.microsoft.com/office/drawing/2010/main" val="0"/>
+              </a:ext>
+            </a:extLst>
+          </a:blip>
+          <a:srcRect/>
+          <a:stretch>
+            <a:fillRect/>
+          </a:stretch>
+        </p:blipFill>
+        <p:spPr bwMode="auto">
+          <a:xfrm>
+            <a:off x="565152" y="1751869"/>
+            <a:ext cx="8172450" cy="4410076"/>
+          </a:xfrm>
+          <a:prstGeom prst="rect">
+            <a:avLst/>
+          </a:prstGeom>
+          <a:noFill/>
+          <a:extLst>
+            <a:ext uri="{909E8E84-426E-40DD-AFC4-6F175D3DCCD1}">
+              <a14:hiddenFill xmlns:a14="http://schemas.microsoft.com/office/drawing/2010/main">
+                <a:solidFill>
+                  <a:srgbClr val="FFFFFF"/>
+                </a:solidFill>
+              </a14:hiddenFill>
+            </a:ext>
+          </a:extLst>
+        </p:spPr>
+      </p:pic>
+      <p:sp>
+        <p:nvSpPr>
+          <p:cNvPr id="2" name="標題 1"/>
+          <p:cNvSpPr>
+            <a:spLocks noGrp="1"/>
+          </p:cNvSpPr>
+          <p:nvPr>
+            <p:ph type="title"/>
+          </p:nvPr>
+        </p:nvSpPr>
+        <p:spPr/>
+        <p:txBody>
+          <a:bodyPr/>
+          <a:lstStyle/>
+          <a:p>
+            <a:r>
+              <a:rPr lang="zh-TW" altLang="en-US" dirty="0"/>
+              <a:t>哪個語言比較有</a:t>
+            </a:r>
+            <a:r>
+              <a:rPr lang="zh-TW" altLang="en-US" b="1" dirty="0">
+                <a:solidFill>
+                  <a:srgbClr val="FF0000"/>
+                </a:solidFill>
+              </a:rPr>
+              <a:t>錢</a:t>
+            </a:r>
+            <a:r>
+              <a:rPr lang="zh-TW" altLang="en-US" dirty="0" smtClean="0"/>
+              <a:t>途</a:t>
+            </a:r>
+            <a:r>
+              <a:rPr lang="en-US" altLang="zh-TW" dirty="0" smtClean="0"/>
+              <a:t>(</a:t>
+            </a:r>
+            <a:r>
+              <a:rPr lang="zh-TW" altLang="en-US" dirty="0" smtClean="0"/>
+              <a:t>續</a:t>
+            </a:r>
+            <a:r>
+              <a:rPr lang="en-US" altLang="zh-TW" dirty="0" smtClean="0"/>
+              <a:t>)</a:t>
+            </a:r>
+            <a:endParaRPr lang="zh-TW" altLang="en-US" dirty="0"/>
+          </a:p>
+        </p:txBody>
+      </p:sp>
+      <p:sp>
+        <p:nvSpPr>
+          <p:cNvPr id="3" name="文字方塊 2"/>
+          <p:cNvSpPr txBox="1"/>
+          <p:nvPr/>
+        </p:nvSpPr>
+        <p:spPr>
+          <a:xfrm>
+            <a:off x="8046720" y="900668"/>
+            <a:ext cx="1717137" cy="369332"/>
+          </a:xfrm>
+          <a:prstGeom prst="rect">
+            <a:avLst/>
+          </a:prstGeom>
+          <a:noFill/>
+        </p:spPr>
+        <p:txBody>
+          <a:bodyPr wrap="none" rtlCol="0">
+            <a:spAutoFit/>
+          </a:bodyPr>
+          <a:lstStyle/>
+          <a:p>
+            <a:r>
+              <a:rPr lang="en-US" altLang="zh-TW" dirty="0" smtClean="0"/>
+              <a:t>2022</a:t>
+            </a:r>
+            <a:r>
+              <a:rPr lang="zh-TW" altLang="en-US" dirty="0" smtClean="0"/>
+              <a:t>年</a:t>
+            </a:r>
+            <a:r>
+              <a:rPr lang="en-US" altLang="zh-TW" dirty="0" smtClean="0"/>
+              <a:t>3</a:t>
+            </a:r>
+            <a:r>
+              <a:rPr lang="zh-TW" altLang="en-US" dirty="0" smtClean="0"/>
+              <a:t>月</a:t>
+            </a:r>
+            <a:r>
+              <a:rPr lang="zh-TW" altLang="en-US" dirty="0" smtClean="0"/>
+              <a:t>資料</a:t>
+            </a:r>
+            <a:endParaRPr lang="zh-TW" altLang="en-US" dirty="0"/>
+          </a:p>
+        </p:txBody>
+      </p:sp>
+      <p:sp>
+        <p:nvSpPr>
+          <p:cNvPr id="6" name="橢圓 5"/>
+          <p:cNvSpPr/>
+          <p:nvPr/>
+        </p:nvSpPr>
+        <p:spPr>
+          <a:xfrm>
+            <a:off x="7814880" y="2785045"/>
+            <a:ext cx="630936" cy="374904"/>
+          </a:xfrm>
+          <a:prstGeom prst="ellipse">
+            <a:avLst/>
+          </a:prstGeom>
+          <a:noFill/>
+          <a:ln w="38100">
+            <a:solidFill>
+              <a:srgbClr val="FF0000"/>
+            </a:solidFill>
+          </a:ln>
+        </p:spPr>
+        <p:style>
+          <a:lnRef idx="2">
+            <a:schemeClr val="accent1">
+              <a:shade val="50000"/>
+            </a:schemeClr>
+          </a:lnRef>
+          <a:fillRef idx="1">
+            <a:schemeClr val="accent1"/>
+          </a:fillRef>
+          <a:effectRef idx="0">
+            <a:schemeClr val="accent1"/>
+          </a:effectRef>
+          <a:fontRef idx="minor">
+            <a:schemeClr val="lt1"/>
+          </a:fontRef>
+        </p:style>
+        <p:txBody>
+          <a:bodyPr rtlCol="0" anchor="ctr"/>
+          <a:lstStyle/>
+          <a:p>
+            <a:pPr algn="ctr"/>
+            <a:endParaRPr lang="zh-TW" altLang="en-US"/>
+          </a:p>
+        </p:txBody>
+      </p:sp>
+    </p:spTree>
+    <p:extLst>
+      <p:ext uri="{BB962C8B-B14F-4D97-AF65-F5344CB8AC3E}">
+        <p14:creationId xmlns:p14="http://schemas.microsoft.com/office/powerpoint/2010/main" val="2751266355"/>
+      </p:ext>
+    </p:extLst>
+  </p:cSld>
+  <p:clrMapOvr>
+    <a:masterClrMapping/>
+  </p:clrMapOvr>
+  <p:timing>
+    <p:tnLst>
+      <p:par>
+        <p:cTn id="1" dur="indefinite" restart="never" nodeType="tmRoot"/>
+      </p:par>
+    </p:tnLst>
+  </p:timing>
+</p:sld>
+</file>
+
+<file path=ppt/slides/slide14.xml><?xml version="1.0" encoding="utf-8"?>
+<p:sld xmlns:a="http://schemas.openxmlformats.org/drawingml/2006/main" xmlns:r="http://schemas.openxmlformats.org/officeDocument/2006/relationships" xmlns:p="http://schemas.openxmlformats.org/presentationml/2006/main">
+  <p:cSld>
+    <p:spTree>
+      <p:nvGrpSpPr>
+        <p:cNvPr id="1" name=""/>
+        <p:cNvGrpSpPr/>
+        <p:nvPr/>
+      </p:nvGrpSpPr>
+      <p:grpSpPr>
+        <a:xfrm>
+          <a:off x="0" y="0"/>
+          <a:ext cx="0" cy="0"/>
+          <a:chOff x="0" y="0"/>
+          <a:chExt cx="0" cy="0"/>
+        </a:xfrm>
+      </p:grpSpPr>
+      <p:pic>
+        <p:nvPicPr>
+          <p:cNvPr id="8" name="Picture 4" descr="https://uploads-ssl.webflow.com/60d29cc33f302e8be91cf0e2/6226b69f0fc0e71064f1c5ab_Untitled.png"/>
+          <p:cNvPicPr>
+            <a:picLocks noChangeAspect="1" noChangeArrowheads="1"/>
+          </p:cNvPicPr>
+          <p:nvPr/>
+        </p:nvPicPr>
+        <p:blipFill>
+          <a:blip r:embed="rId2">
+            <a:extLst>
+              <a:ext uri="{28A0092B-C50C-407E-A947-70E740481C1C}">
+                <a14:useLocalDpi xmlns:a14="http://schemas.microsoft.com/office/drawing/2010/main" val="0"/>
+              </a:ext>
+            </a:extLst>
+          </a:blip>
+          <a:srcRect/>
+          <a:stretch>
+            <a:fillRect/>
+          </a:stretch>
+        </p:blipFill>
+        <p:spPr bwMode="auto">
+          <a:xfrm>
+            <a:off x="563333" y="1477422"/>
+            <a:ext cx="4977383" cy="4630770"/>
+          </a:xfrm>
+          <a:prstGeom prst="rect">
+            <a:avLst/>
+          </a:prstGeom>
+          <a:noFill/>
+          <a:ln>
+            <a:solidFill>
+              <a:schemeClr val="tx1"/>
+            </a:solidFill>
+          </a:ln>
+          <a:extLst>
+            <a:ext uri="{909E8E84-426E-40DD-AFC4-6F175D3DCCD1}">
+              <a14:hiddenFill xmlns:a14="http://schemas.microsoft.com/office/drawing/2010/main">
+                <a:solidFill>
+                  <a:srgbClr val="FFFFFF"/>
+                </a:solidFill>
+              </a14:hiddenFill>
+            </a:ext>
+          </a:extLst>
+        </p:spPr>
+      </p:pic>
+      <p:pic>
+        <p:nvPicPr>
+          <p:cNvPr id="9" name="Picture 2" descr="https://uploads-ssl.webflow.com/60d29cc33f302e8be91cf0e2/6226b7177a2b32ca4916080c_Untitled.png"/>
+          <p:cNvPicPr>
+            <a:picLocks noChangeAspect="1" noChangeArrowheads="1"/>
+          </p:cNvPicPr>
+          <p:nvPr/>
+        </p:nvPicPr>
+        <p:blipFill>
+          <a:blip r:embed="rId3">
+            <a:extLst>
+              <a:ext uri="{28A0092B-C50C-407E-A947-70E740481C1C}">
+                <a14:useLocalDpi xmlns:a14="http://schemas.microsoft.com/office/drawing/2010/main" val="0"/>
+              </a:ext>
+            </a:extLst>
+          </a:blip>
+          <a:srcRect/>
+          <a:stretch>
+            <a:fillRect/>
+          </a:stretch>
+        </p:blipFill>
+        <p:spPr bwMode="auto">
+          <a:xfrm>
+            <a:off x="5582555" y="1477422"/>
+            <a:ext cx="4418420" cy="4630770"/>
+          </a:xfrm>
+          <a:prstGeom prst="rect">
+            <a:avLst/>
+          </a:prstGeom>
+          <a:noFill/>
+          <a:ln>
+            <a:solidFill>
+              <a:schemeClr val="tx1"/>
+            </a:solidFill>
+          </a:ln>
+          <a:extLst>
+            <a:ext uri="{909E8E84-426E-40DD-AFC4-6F175D3DCCD1}">
+              <a14:hiddenFill xmlns:a14="http://schemas.microsoft.com/office/drawing/2010/main">
+                <a:solidFill>
+                  <a:srgbClr val="FFFFFF"/>
+                </a:solidFill>
+              </a14:hiddenFill>
+            </a:ext>
+          </a:extLst>
+        </p:spPr>
+      </p:pic>
+      <p:sp>
+        <p:nvSpPr>
+          <p:cNvPr id="2" name="標題 1"/>
+          <p:cNvSpPr>
+            <a:spLocks noGrp="1"/>
+          </p:cNvSpPr>
+          <p:nvPr>
+            <p:ph type="title"/>
+          </p:nvPr>
+        </p:nvSpPr>
+        <p:spPr/>
+        <p:txBody>
+          <a:bodyPr/>
+          <a:lstStyle/>
+          <a:p>
+            <a:r>
+              <a:rPr lang="zh-TW" altLang="en-US" dirty="0"/>
+              <a:t>哪個語言比較有</a:t>
+            </a:r>
+            <a:r>
+              <a:rPr lang="zh-TW" altLang="en-US" b="1" dirty="0">
+                <a:solidFill>
+                  <a:srgbClr val="FF0000"/>
+                </a:solidFill>
+              </a:rPr>
+              <a:t>錢</a:t>
+            </a:r>
+            <a:r>
+              <a:rPr lang="zh-TW" altLang="en-US" dirty="0" smtClean="0"/>
+              <a:t>途</a:t>
+            </a:r>
+            <a:r>
+              <a:rPr lang="en-US" altLang="zh-TW" dirty="0" smtClean="0"/>
+              <a:t>(</a:t>
+            </a:r>
+            <a:r>
+              <a:rPr lang="en-US" altLang="zh-TW" dirty="0" smtClean="0"/>
+              <a:t>2022)</a:t>
+            </a:r>
+            <a:endParaRPr lang="zh-TW" altLang="en-US" dirty="0"/>
+          </a:p>
+        </p:txBody>
+      </p:sp>
+      <p:sp>
+        <p:nvSpPr>
+          <p:cNvPr id="4" name="文字方塊 3"/>
+          <p:cNvSpPr txBox="1"/>
+          <p:nvPr/>
+        </p:nvSpPr>
+        <p:spPr>
+          <a:xfrm>
+            <a:off x="7837733" y="900668"/>
+            <a:ext cx="1415772" cy="369332"/>
+          </a:xfrm>
+          <a:prstGeom prst="rect">
+            <a:avLst/>
+          </a:prstGeom>
+          <a:noFill/>
+        </p:spPr>
+        <p:txBody>
+          <a:bodyPr wrap="none" rtlCol="0">
+            <a:spAutoFit/>
+          </a:bodyPr>
+          <a:lstStyle/>
+          <a:p>
+            <a:r>
+              <a:rPr lang="en-US" altLang="zh-TW" b="1" dirty="0" smtClean="0"/>
+              <a:t>2022</a:t>
+            </a:r>
+            <a:r>
+              <a:rPr lang="zh-TW" altLang="en-US" b="1" dirty="0" smtClean="0"/>
+              <a:t>年資料</a:t>
+            </a:r>
+            <a:endParaRPr lang="zh-TW" altLang="en-US" b="1" dirty="0"/>
+          </a:p>
+        </p:txBody>
+      </p:sp>
+      <p:sp>
+        <p:nvSpPr>
+          <p:cNvPr id="6" name="橢圓 5"/>
+          <p:cNvSpPr/>
+          <p:nvPr/>
+        </p:nvSpPr>
+        <p:spPr>
+          <a:xfrm>
+            <a:off x="677334" y="2016252"/>
+            <a:ext cx="630936" cy="374904"/>
+          </a:xfrm>
+          <a:prstGeom prst="ellipse">
+            <a:avLst/>
+          </a:prstGeom>
+          <a:noFill/>
+          <a:ln w="38100">
+            <a:solidFill>
+              <a:srgbClr val="FF0000"/>
+            </a:solidFill>
+          </a:ln>
+        </p:spPr>
+        <p:style>
+          <a:lnRef idx="2">
+            <a:schemeClr val="accent1">
+              <a:shade val="50000"/>
+            </a:schemeClr>
+          </a:lnRef>
+          <a:fillRef idx="1">
+            <a:schemeClr val="accent1"/>
+          </a:fillRef>
+          <a:effectRef idx="0">
+            <a:schemeClr val="accent1"/>
+          </a:effectRef>
+          <a:fontRef idx="minor">
+            <a:schemeClr val="lt1"/>
+          </a:fontRef>
+        </p:style>
+        <p:txBody>
+          <a:bodyPr rtlCol="0" anchor="ctr"/>
+          <a:lstStyle/>
+          <a:p>
+            <a:pPr algn="ctr"/>
+            <a:endParaRPr lang="zh-TW" altLang="en-US"/>
+          </a:p>
+        </p:txBody>
+      </p:sp>
+      <p:sp>
+        <p:nvSpPr>
+          <p:cNvPr id="7" name="橢圓 6"/>
+          <p:cNvSpPr/>
+          <p:nvPr/>
+        </p:nvSpPr>
+        <p:spPr>
+          <a:xfrm>
+            <a:off x="5666232" y="3054096"/>
+            <a:ext cx="630936" cy="374904"/>
+          </a:xfrm>
+          <a:prstGeom prst="ellipse">
+            <a:avLst/>
+          </a:prstGeom>
+          <a:noFill/>
+          <a:ln w="38100">
+            <a:solidFill>
+              <a:srgbClr val="FF0000"/>
+            </a:solidFill>
+          </a:ln>
+        </p:spPr>
+        <p:style>
+          <a:lnRef idx="2">
+            <a:schemeClr val="accent1">
+              <a:shade val="50000"/>
+            </a:schemeClr>
+          </a:lnRef>
+          <a:fillRef idx="1">
+            <a:schemeClr val="accent1"/>
+          </a:fillRef>
+          <a:effectRef idx="0">
+            <a:schemeClr val="accent1"/>
+          </a:effectRef>
+          <a:fontRef idx="minor">
+            <a:schemeClr val="lt1"/>
+          </a:fontRef>
+        </p:style>
+        <p:txBody>
+          <a:bodyPr rtlCol="0" anchor="ctr"/>
+          <a:lstStyle/>
+          <a:p>
+            <a:pPr algn="ctr"/>
+            <a:endParaRPr lang="zh-TW" altLang="en-US"/>
+          </a:p>
+        </p:txBody>
+      </p:sp>
+    </p:spTree>
+    <p:extLst>
+      <p:ext uri="{BB962C8B-B14F-4D97-AF65-F5344CB8AC3E}">
+        <p14:creationId xmlns:p14="http://schemas.microsoft.com/office/powerpoint/2010/main" val="3837942254"/>
+      </p:ext>
+    </p:extLst>
+  </p:cSld>
+  <p:clrMapOvr>
+    <a:masterClrMapping/>
+  </p:clrMapOvr>
+  <p:timing>
+    <p:tnLst>
+      <p:par>
+        <p:cTn id="1" dur="indefinite" restart="never" nodeType="tmRoot"/>
+      </p:par>
+    </p:tnLst>
+  </p:timing>
+</p:sld>
+</file>
+
+<file path=ppt/slides/slide2.xml><?xml version="1.0" encoding="utf-8"?>
+<p:sld xmlns:a="http://schemas.openxmlformats.org/drawingml/2006/main" xmlns:r="http://schemas.openxmlformats.org/officeDocument/2006/relationships" xmlns:p="http://schemas.openxmlformats.org/presentationml/2006/main">
+  <p:cSld>
+    <p:spTree>
+      <p:nvGrpSpPr>
+        <p:cNvPr id="1" name=""/>
+        <p:cNvGrpSpPr/>
+        <p:nvPr/>
+      </p:nvGrpSpPr>
+      <p:grpSpPr>
+        <a:xfrm>
+          <a:off x="0" y="0"/>
+          <a:ext cx="0" cy="0"/>
+          <a:chOff x="0" y="0"/>
+          <a:chExt cx="0" cy="0"/>
+        </a:xfrm>
+      </p:grpSpPr>
+      <p:sp>
+        <p:nvSpPr>
+          <p:cNvPr id="4" name="標題 3"/>
+          <p:cNvSpPr>
+            <a:spLocks noGrp="1"/>
+          </p:cNvSpPr>
+          <p:nvPr>
+            <p:ph type="title"/>
+          </p:nvPr>
+        </p:nvSpPr>
+        <p:spPr/>
+        <p:txBody>
+          <a:bodyPr/>
+          <a:lstStyle/>
+          <a:p>
+            <a:r>
+              <a:rPr lang="zh-TW" altLang="en-US" dirty="0" smtClean="0"/>
+              <a:t>你為什麼要學</a:t>
+            </a:r>
+            <a:r>
+              <a:rPr lang="en-US" altLang="zh-TW" dirty="0" smtClean="0"/>
+              <a:t>Java</a:t>
+            </a:r>
+            <a:r>
+              <a:rPr lang="zh-TW" altLang="en-US" dirty="0" smtClean="0"/>
+              <a:t>？</a:t>
+            </a:r>
+            <a:endParaRPr lang="zh-TW" altLang="en-US" dirty="0"/>
+          </a:p>
+        </p:txBody>
+      </p:sp>
+      <p:sp>
+        <p:nvSpPr>
+          <p:cNvPr id="5" name="文字版面配置區 4"/>
+          <p:cNvSpPr>
+            <a:spLocks noGrp="1"/>
+          </p:cNvSpPr>
+          <p:nvPr>
+            <p:ph type="body" idx="1"/>
+          </p:nvPr>
+        </p:nvSpPr>
+        <p:spPr/>
+        <p:txBody>
+          <a:bodyPr/>
+          <a:lstStyle/>
+          <a:p>
+            <a:endParaRPr lang="zh-TW" altLang="en-US"/>
+          </a:p>
+        </p:txBody>
+      </p:sp>
+    </p:spTree>
+    <p:extLst>
+      <p:ext uri="{BB962C8B-B14F-4D97-AF65-F5344CB8AC3E}">
+        <p14:creationId xmlns:p14="http://schemas.microsoft.com/office/powerpoint/2010/main" val="190834195"/>
+      </p:ext>
+    </p:extLst>
+  </p:cSld>
+  <p:clrMapOvr>
+    <a:masterClrMapping/>
+  </p:clrMapOvr>
+  <p:timing>
+    <p:tnLst>
+      <p:par>
+        <p:cTn id="1" dur="indefinite" restart="never" nodeType="tmRoot"/>
+      </p:par>
+    </p:tnLst>
+  </p:timing>
+</p:sld>
+</file>
+
+<file path=ppt/slides/slide3.xml><?xml version="1.0" encoding="utf-8"?>
+<p:sld xmlns:a="http://schemas.openxmlformats.org/drawingml/2006/main" xmlns:r="http://schemas.openxmlformats.org/officeDocument/2006/relationships" xmlns:p="http://schemas.openxmlformats.org/presentationml/2006/main">
+  <p:cSld>
+    <p:spTree>
+      <p:nvGrpSpPr>
+        <p:cNvPr id="1" name=""/>
+        <p:cNvGrpSpPr/>
+        <p:nvPr/>
+      </p:nvGrpSpPr>
+      <p:grpSpPr>
+        <a:xfrm>
+          <a:off x="0" y="0"/>
+          <a:ext cx="0" cy="0"/>
+          <a:chOff x="0" y="0"/>
+          <a:chExt cx="0" cy="0"/>
+        </a:xfrm>
+      </p:grpSpPr>
+      <p:sp>
+        <p:nvSpPr>
+          <p:cNvPr id="2" name="標題 1"/>
+          <p:cNvSpPr>
+            <a:spLocks noGrp="1"/>
+          </p:cNvSpPr>
+          <p:nvPr>
+            <p:ph type="title"/>
+          </p:nvPr>
+        </p:nvSpPr>
+        <p:spPr/>
+        <p:txBody>
+          <a:bodyPr/>
+          <a:lstStyle/>
+          <a:p>
+            <a:r>
+              <a:rPr lang="zh-TW" altLang="en-US" dirty="0" smtClean="0"/>
+              <a:t>為什麼要學程式？</a:t>
+            </a:r>
+            <a:endParaRPr lang="zh-TW" altLang="en-US" dirty="0"/>
+          </a:p>
+        </p:txBody>
+      </p:sp>
+      <p:sp>
+        <p:nvSpPr>
+          <p:cNvPr id="3" name="內容版面配置區 2"/>
+          <p:cNvSpPr>
+            <a:spLocks noGrp="1"/>
+          </p:cNvSpPr>
+          <p:nvPr>
+            <p:ph idx="1"/>
+          </p:nvPr>
+        </p:nvSpPr>
+        <p:spPr/>
+        <p:txBody>
+          <a:bodyPr/>
+          <a:lstStyle/>
+          <a:p>
+            <a:r>
+              <a:rPr lang="zh-TW" altLang="en-US" b="1" dirty="0" smtClean="0"/>
+              <a:t>大數據、人工智慧、物聯網</a:t>
+            </a:r>
+            <a:r>
+              <a:rPr lang="zh-TW" altLang="en-US" dirty="0" smtClean="0"/>
+              <a:t>等資訊科技發展</a:t>
+            </a:r>
+            <a:r>
+              <a:rPr lang="zh-TW" altLang="en-US" dirty="0"/>
+              <a:t>如日中天，如何和電腦對話逐漸成為現代人必備</a:t>
+            </a:r>
+            <a:r>
+              <a:rPr lang="zh-TW" altLang="en-US" dirty="0" smtClean="0"/>
+              <a:t>的技能</a:t>
+            </a:r>
+            <a:r>
+              <a:rPr lang="zh-TW" altLang="en-US" dirty="0"/>
+              <a:t>之一</a:t>
+            </a:r>
+            <a:r>
+              <a:rPr lang="zh-TW" altLang="en-US" dirty="0" smtClean="0"/>
+              <a:t>。</a:t>
+            </a:r>
+            <a:endParaRPr lang="en-US" altLang="zh-TW" dirty="0" smtClean="0"/>
+          </a:p>
+          <a:p>
+            <a:r>
+              <a:rPr lang="en-US" altLang="zh-TW" dirty="0"/>
+              <a:t>108</a:t>
+            </a:r>
+            <a:r>
+              <a:rPr lang="zh-TW" altLang="en-US" dirty="0"/>
+              <a:t>課綱首度將程式語言納入</a:t>
+            </a:r>
+            <a:r>
+              <a:rPr lang="zh-TW" altLang="en-US" b="1" dirty="0"/>
+              <a:t>中學</a:t>
+            </a:r>
+            <a:r>
+              <a:rPr lang="zh-TW" altLang="en-US" dirty="0" smtClean="0"/>
+              <a:t>課程。</a:t>
+            </a:r>
+            <a:endParaRPr lang="en-US" altLang="zh-TW" dirty="0" smtClean="0"/>
+          </a:p>
+          <a:p>
+            <a:pPr lvl="1"/>
+            <a:r>
+              <a:rPr lang="zh-TW" altLang="en-US" dirty="0"/>
+              <a:t>推動</a:t>
+            </a:r>
+            <a:r>
+              <a:rPr lang="en-US" altLang="zh-TW" dirty="0"/>
+              <a:t>STEM</a:t>
+            </a:r>
+            <a:r>
+              <a:rPr lang="zh-TW" altLang="en-US" dirty="0" smtClean="0"/>
+              <a:t>教育：</a:t>
+            </a:r>
+            <a:endParaRPr lang="en-US" altLang="zh-TW" dirty="0" smtClean="0"/>
+          </a:p>
+          <a:p>
+            <a:pPr lvl="2"/>
+            <a:r>
+              <a:rPr lang="zh-TW" altLang="en-US" b="1" dirty="0" smtClean="0"/>
+              <a:t>科學</a:t>
+            </a:r>
+            <a:r>
+              <a:rPr lang="en-US" altLang="zh-TW" b="1" dirty="0"/>
+              <a:t>(</a:t>
+            </a:r>
+            <a:r>
+              <a:rPr lang="en-US" altLang="zh-TW" b="1" dirty="0" err="1">
+                <a:solidFill>
+                  <a:srgbClr val="FF0000"/>
+                </a:solidFill>
+              </a:rPr>
+              <a:t>S</a:t>
+            </a:r>
+            <a:r>
+              <a:rPr lang="en-US" altLang="zh-TW" b="1" dirty="0" err="1"/>
+              <a:t>ience</a:t>
+            </a:r>
+            <a:r>
+              <a:rPr lang="en-US" altLang="zh-TW" b="1" dirty="0"/>
+              <a:t>)</a:t>
+            </a:r>
+            <a:r>
+              <a:rPr lang="zh-TW" altLang="en-US" b="1" dirty="0"/>
+              <a:t>、科技</a:t>
+            </a:r>
+            <a:r>
+              <a:rPr lang="en-US" altLang="zh-TW" b="1" dirty="0"/>
+              <a:t>(</a:t>
+            </a:r>
+            <a:r>
+              <a:rPr lang="en-US" altLang="zh-TW" b="1" dirty="0">
+                <a:solidFill>
+                  <a:srgbClr val="FF0000"/>
+                </a:solidFill>
+              </a:rPr>
+              <a:t>T</a:t>
+            </a:r>
+            <a:r>
+              <a:rPr lang="en-US" altLang="zh-TW" b="1" dirty="0"/>
+              <a:t>echnology)</a:t>
+            </a:r>
+            <a:r>
+              <a:rPr lang="zh-TW" altLang="en-US" b="1" dirty="0"/>
+              <a:t>、工程</a:t>
+            </a:r>
+            <a:r>
+              <a:rPr lang="en-US" altLang="zh-TW" b="1" dirty="0"/>
+              <a:t>(</a:t>
+            </a:r>
+            <a:r>
+              <a:rPr lang="en-US" altLang="zh-TW" b="1" dirty="0">
+                <a:solidFill>
+                  <a:srgbClr val="FF0000"/>
+                </a:solidFill>
+              </a:rPr>
+              <a:t>E</a:t>
+            </a:r>
+            <a:r>
+              <a:rPr lang="en-US" altLang="zh-TW" b="1" dirty="0"/>
+              <a:t>ngineering)</a:t>
+            </a:r>
+            <a:r>
+              <a:rPr lang="zh-TW" altLang="en-US" b="1" dirty="0"/>
+              <a:t>以及數學</a:t>
+            </a:r>
+            <a:r>
+              <a:rPr lang="en-US" altLang="zh-TW" b="1" dirty="0"/>
+              <a:t>(</a:t>
+            </a:r>
+            <a:r>
+              <a:rPr lang="en-US" altLang="zh-TW" b="1" dirty="0">
+                <a:solidFill>
+                  <a:srgbClr val="FF0000"/>
+                </a:solidFill>
+              </a:rPr>
+              <a:t>M</a:t>
+            </a:r>
+            <a:r>
+              <a:rPr lang="en-US" altLang="zh-TW" b="1" dirty="0"/>
+              <a:t>ath)</a:t>
+            </a:r>
+            <a:endParaRPr lang="en-US" altLang="zh-TW" dirty="0" smtClean="0"/>
+          </a:p>
+          <a:p>
+            <a:r>
+              <a:rPr lang="zh-TW" altLang="en-US" dirty="0" smtClean="0"/>
+              <a:t>高中升大學推動</a:t>
+            </a:r>
+            <a:r>
+              <a:rPr lang="en-US" altLang="zh-TW" dirty="0" smtClean="0"/>
+              <a:t>APCS</a:t>
+            </a:r>
+          </a:p>
+          <a:p>
+            <a:pPr lvl="1"/>
+            <a:r>
+              <a:rPr lang="en-US" altLang="zh-TW" dirty="0">
+                <a:solidFill>
+                  <a:srgbClr val="FF0000"/>
+                </a:solidFill>
+              </a:rPr>
+              <a:t>A</a:t>
+            </a:r>
+            <a:r>
+              <a:rPr lang="en-US" altLang="zh-TW" dirty="0"/>
+              <a:t>dvanced </a:t>
+            </a:r>
+            <a:r>
+              <a:rPr lang="en-US" altLang="zh-TW" dirty="0">
+                <a:solidFill>
+                  <a:srgbClr val="FF0000"/>
+                </a:solidFill>
+              </a:rPr>
+              <a:t>P</a:t>
+            </a:r>
+            <a:r>
+              <a:rPr lang="en-US" altLang="zh-TW" dirty="0"/>
+              <a:t>lacement </a:t>
+            </a:r>
+            <a:r>
+              <a:rPr lang="en-US" altLang="zh-TW" dirty="0">
+                <a:solidFill>
+                  <a:srgbClr val="FF0000"/>
+                </a:solidFill>
+              </a:rPr>
+              <a:t>C</a:t>
+            </a:r>
+            <a:r>
+              <a:rPr lang="en-US" altLang="zh-TW" dirty="0"/>
+              <a:t>omputer </a:t>
+            </a:r>
+            <a:r>
+              <a:rPr lang="en-US" altLang="zh-TW" dirty="0" smtClean="0">
+                <a:solidFill>
+                  <a:srgbClr val="FF0000"/>
+                </a:solidFill>
+              </a:rPr>
+              <a:t>S</a:t>
+            </a:r>
+            <a:r>
+              <a:rPr lang="en-US" altLang="zh-TW" dirty="0" smtClean="0"/>
+              <a:t>cience</a:t>
+            </a:r>
+          </a:p>
+          <a:p>
+            <a:pPr lvl="1"/>
+            <a:r>
+              <a:rPr lang="zh-TW" altLang="en-US" dirty="0"/>
+              <a:t>大學</a:t>
+            </a:r>
+            <a:r>
+              <a:rPr lang="zh-TW" altLang="en-US" dirty="0" smtClean="0"/>
+              <a:t>程式設計</a:t>
+            </a:r>
+            <a:r>
+              <a:rPr lang="zh-TW" altLang="en-US" dirty="0"/>
+              <a:t>先修</a:t>
+            </a:r>
+            <a:r>
+              <a:rPr lang="zh-TW" altLang="en-US" dirty="0" smtClean="0"/>
+              <a:t>檢測</a:t>
+            </a:r>
+            <a:endParaRPr lang="en-US" altLang="zh-TW" dirty="0" smtClean="0"/>
+          </a:p>
+          <a:p>
+            <a:r>
+              <a:rPr lang="zh-TW" altLang="en-US" sz="3200" b="1" dirty="0" smtClean="0">
+                <a:solidFill>
+                  <a:srgbClr val="FF0000"/>
+                </a:solidFill>
+              </a:rPr>
+              <a:t>再不學程式，你就落伍了！</a:t>
+            </a:r>
+            <a:endParaRPr lang="zh-TW" altLang="en-US" sz="3200" b="1" dirty="0">
+              <a:solidFill>
+                <a:srgbClr val="FF0000"/>
+              </a:solidFill>
+            </a:endParaRPr>
+          </a:p>
+        </p:txBody>
+      </p:sp>
+    </p:spTree>
+    <p:extLst>
+      <p:ext uri="{BB962C8B-B14F-4D97-AF65-F5344CB8AC3E}">
+        <p14:creationId xmlns:p14="http://schemas.microsoft.com/office/powerpoint/2010/main" val="1866728257"/>
+      </p:ext>
+    </p:extLst>
+  </p:cSld>
+  <p:clrMapOvr>
+    <a:masterClrMapping/>
+  </p:clrMapOvr>
+  <p:timing>
+    <p:tnLst>
+      <p:par>
+        <p:cTn id="1" dur="indefinite" restart="never" nodeType="tmRoot"/>
+      </p:par>
+    </p:tnLst>
+  </p:timing>
+</p:sld>
+</file>
+
+<file path=ppt/slides/slide4.xml><?xml version="1.0" encoding="utf-8"?>
+<p:sld xmlns:a="http://schemas.openxmlformats.org/drawingml/2006/main" xmlns:r="http://schemas.openxmlformats.org/officeDocument/2006/relationships" xmlns:p="http://schemas.openxmlformats.org/presentationml/2006/main">
+  <p:cSld>
+    <p:spTree>
+      <p:nvGrpSpPr>
+        <p:cNvPr id="1" name=""/>
+        <p:cNvGrpSpPr/>
+        <p:nvPr/>
+      </p:nvGrpSpPr>
+      <p:grpSpPr>
+        <a:xfrm>
+          <a:off x="0" y="0"/>
+          <a:ext cx="0" cy="0"/>
+          <a:chOff x="0" y="0"/>
+          <a:chExt cx="0" cy="0"/>
+        </a:xfrm>
+      </p:grpSpPr>
+      <p:sp>
+        <p:nvSpPr>
+          <p:cNvPr id="2" name="標題 1"/>
+          <p:cNvSpPr>
+            <a:spLocks noGrp="1"/>
+          </p:cNvSpPr>
+          <p:nvPr>
+            <p:ph type="title"/>
+          </p:nvPr>
+        </p:nvSpPr>
+        <p:spPr/>
+        <p:txBody>
+          <a:bodyPr/>
+          <a:lstStyle/>
+          <a:p>
+            <a:r>
+              <a:rPr lang="zh-TW" altLang="en-US" dirty="0" smtClean="0"/>
+              <a:t>可是，混得不好是這樣</a:t>
+            </a:r>
+            <a:endParaRPr lang="zh-TW" altLang="en-US" dirty="0"/>
+          </a:p>
+        </p:txBody>
+      </p:sp>
+      <p:sp>
+        <p:nvSpPr>
+          <p:cNvPr id="3" name="內容版面配置區 2"/>
+          <p:cNvSpPr>
+            <a:spLocks noGrp="1"/>
+          </p:cNvSpPr>
+          <p:nvPr>
+            <p:ph idx="1"/>
+          </p:nvPr>
+        </p:nvSpPr>
+        <p:spPr/>
+        <p:txBody>
+          <a:bodyPr/>
+          <a:lstStyle/>
+          <a:p>
+            <a:endParaRPr lang="zh-TW" altLang="en-US" dirty="0"/>
+          </a:p>
+        </p:txBody>
+      </p:sp>
+      <p:pic>
+        <p:nvPicPr>
+          <p:cNvPr id="9" name="圖片 8"/>
+          <p:cNvPicPr>
+            <a:picLocks noChangeAspect="1"/>
+          </p:cNvPicPr>
+          <p:nvPr/>
+        </p:nvPicPr>
+        <p:blipFill>
+          <a:blip r:embed="rId2"/>
+          <a:stretch>
+            <a:fillRect/>
+          </a:stretch>
+        </p:blipFill>
+        <p:spPr>
+          <a:xfrm>
+            <a:off x="6419001" y="1976105"/>
+            <a:ext cx="1971675" cy="2324100"/>
+          </a:xfrm>
+          <a:prstGeom prst="rect">
+            <a:avLst/>
+          </a:prstGeom>
+        </p:spPr>
+      </p:pic>
+      <p:pic>
+        <p:nvPicPr>
+          <p:cNvPr id="10" name="圖片 9"/>
+          <p:cNvPicPr>
+            <a:picLocks noChangeAspect="1"/>
+          </p:cNvPicPr>
+          <p:nvPr/>
+        </p:nvPicPr>
+        <p:blipFill>
+          <a:blip r:embed="rId3"/>
+          <a:stretch>
+            <a:fillRect/>
+          </a:stretch>
+        </p:blipFill>
+        <p:spPr>
+          <a:xfrm>
+            <a:off x="877951" y="1976105"/>
+            <a:ext cx="3533775" cy="2009775"/>
+          </a:xfrm>
+          <a:prstGeom prst="rect">
+            <a:avLst/>
+          </a:prstGeom>
+        </p:spPr>
+      </p:pic>
+      <p:pic>
+        <p:nvPicPr>
+          <p:cNvPr id="1034" name="Picture 10" descr="108个程序员的笑话_雪梅零落-CSDN博客"/>
+          <p:cNvPicPr>
+            <a:picLocks noChangeAspect="1" noChangeArrowheads="1"/>
+          </p:cNvPicPr>
+          <p:nvPr/>
+        </p:nvPicPr>
+        <p:blipFill>
+          <a:blip r:embed="rId4">
+            <a:extLst>
+              <a:ext uri="{28A0092B-C50C-407E-A947-70E740481C1C}">
+                <a14:useLocalDpi xmlns:a14="http://schemas.microsoft.com/office/drawing/2010/main" val="0"/>
+              </a:ext>
+            </a:extLst>
+          </a:blip>
+          <a:srcRect/>
+          <a:stretch>
+            <a:fillRect/>
+          </a:stretch>
+        </p:blipFill>
+        <p:spPr bwMode="auto">
+          <a:xfrm>
+            <a:off x="877950" y="4242725"/>
+            <a:ext cx="4657725" cy="2028826"/>
+          </a:xfrm>
+          <a:prstGeom prst="rect">
+            <a:avLst/>
+          </a:prstGeom>
+          <a:noFill/>
+          <a:extLst>
+            <a:ext uri="{909E8E84-426E-40DD-AFC4-6F175D3DCCD1}">
+              <a14:hiddenFill xmlns:a14="http://schemas.microsoft.com/office/drawing/2010/main">
+                <a:solidFill>
+                  <a:srgbClr val="FFFFFF"/>
+                </a:solidFill>
+              </a14:hiddenFill>
+            </a:ext>
+          </a:extLst>
+        </p:spPr>
+      </p:pic>
+      <p:sp>
+        <p:nvSpPr>
+          <p:cNvPr id="4" name="矩形 3"/>
+          <p:cNvSpPr/>
+          <p:nvPr/>
+        </p:nvSpPr>
+        <p:spPr>
+          <a:xfrm>
+            <a:off x="330685" y="3491970"/>
+            <a:ext cx="9879628" cy="923330"/>
+          </a:xfrm>
+          <a:prstGeom prst="rect">
+            <a:avLst/>
+          </a:prstGeom>
+          <a:solidFill>
+            <a:schemeClr val="bg1"/>
+          </a:solidFill>
+        </p:spPr>
+        <p:txBody>
+          <a:bodyPr wrap="none" lIns="91440" tIns="45720" rIns="91440" bIns="45720">
+            <a:spAutoFit/>
+            <a:scene3d>
+              <a:camera prst="orthographicFront"/>
+              <a:lightRig rig="soft" dir="t">
+                <a:rot lat="0" lon="0" rev="15600000"/>
+              </a:lightRig>
+            </a:scene3d>
+            <a:sp3d extrusionH="57150" prstMaterial="softEdge">
+              <a:bevelT w="25400" h="38100"/>
+            </a:sp3d>
+          </a:bodyPr>
+          <a:lstStyle/>
+          <a:p>
+            <a:pPr algn="ctr"/>
+            <a:r>
+              <a:rPr lang="zh-TW" altLang="en-US" sz="5400" b="1" cap="none" spc="0" dirty="0" smtClean="0">
+                <a:ln/>
+                <a:solidFill>
+                  <a:srgbClr val="FF0000"/>
+                </a:solidFill>
+                <a:effectLst/>
+              </a:rPr>
+              <a:t>還好，這已經是很多年前的事！</a:t>
+            </a:r>
+            <a:endParaRPr lang="zh-TW" altLang="en-US" sz="5400" b="1" cap="none" spc="0" dirty="0">
+              <a:ln/>
+              <a:solidFill>
+                <a:srgbClr val="FF0000"/>
+              </a:solidFill>
+              <a:effectLst/>
+            </a:endParaRPr>
+          </a:p>
+        </p:txBody>
+      </p:sp>
+    </p:spTree>
+    <p:extLst>
+      <p:ext uri="{BB962C8B-B14F-4D97-AF65-F5344CB8AC3E}">
+        <p14:creationId xmlns:p14="http://schemas.microsoft.com/office/powerpoint/2010/main" val="1139431667"/>
+      </p:ext>
+    </p:extLst>
+  </p:cSld>
+  <p:clrMapOvr>
+    <a:masterClrMapping/>
+  </p:clrMapOvr>
+  <p:timing>
+    <p:tnLst>
+      <p:par>
+        <p:cTn id="1" dur="indefinite" restart="never" nodeType="tmRoot">
+          <p:childTnLst>
+            <p:seq concurrent="1" nextAc="seek">
+              <p:cTn id="2" dur="indefinite" nodeType="mainSeq">
+                <p:childTnLst>
+                  <p:par>
+                    <p:cTn id="3" fill="hold">
+                      <p:stCondLst>
+                        <p:cond delay="indefinite"/>
+                      </p:stCondLst>
+                      <p:childTnLst>
+                        <p:par>
+                          <p:cTn id="4" fill="hold">
+                            <p:stCondLst>
+                              <p:cond delay="0"/>
+                            </p:stCondLst>
+                            <p:childTnLst>
+                              <p:par>
+                                <p:cTn id="5" presetID="31" presetClass="entr" presetSubtype="0" fill="hold" grpId="0" nodeType="clickEffect">
+                                  <p:stCondLst>
+                                    <p:cond delay="0"/>
+                                  </p:stCondLst>
+                                  <p:childTnLst>
+                                    <p:set>
+                                      <p:cBhvr>
+                                        <p:cTn id="6" dur="1" fill="hold">
+                                          <p:stCondLst>
+                                            <p:cond delay="0"/>
+                                          </p:stCondLst>
+                                        </p:cTn>
+                                        <p:tgtEl>
+                                          <p:spTgt spid="4"/>
+                                        </p:tgtEl>
+                                        <p:attrNameLst>
+                                          <p:attrName>style.visibility</p:attrName>
+                                        </p:attrNameLst>
+                                      </p:cBhvr>
+                                      <p:to>
+                                        <p:strVal val="visible"/>
+                                      </p:to>
+                                    </p:set>
+                                    <p:anim calcmode="lin" valueType="num">
+                                      <p:cBhvr>
+                                        <p:cTn id="7" dur="1000" fill="hold"/>
+                                        <p:tgtEl>
+                                          <p:spTgt spid="4"/>
+                                        </p:tgtEl>
+                                        <p:attrNameLst>
+                                          <p:attrName>ppt_w</p:attrName>
+                                        </p:attrNameLst>
+                                      </p:cBhvr>
+                                      <p:tavLst>
+                                        <p:tav tm="0">
+                                          <p:val>
+                                            <p:fltVal val="0"/>
+                                          </p:val>
+                                        </p:tav>
+                                        <p:tav tm="100000">
+                                          <p:val>
+                                            <p:strVal val="#ppt_w"/>
+                                          </p:val>
+                                        </p:tav>
+                                      </p:tavLst>
+                                    </p:anim>
+                                    <p:anim calcmode="lin" valueType="num">
+                                      <p:cBhvr>
+                                        <p:cTn id="8" dur="1000" fill="hold"/>
+                                        <p:tgtEl>
+                                          <p:spTgt spid="4"/>
+                                        </p:tgtEl>
+                                        <p:attrNameLst>
+                                          <p:attrName>ppt_h</p:attrName>
+                                        </p:attrNameLst>
+                                      </p:cBhvr>
+                                      <p:tavLst>
+                                        <p:tav tm="0">
+                                          <p:val>
+                                            <p:fltVal val="0"/>
+                                          </p:val>
+                                        </p:tav>
+                                        <p:tav tm="100000">
+                                          <p:val>
+                                            <p:strVal val="#ppt_h"/>
+                                          </p:val>
+                                        </p:tav>
+                                      </p:tavLst>
+                                    </p:anim>
+                                    <p:anim calcmode="lin" valueType="num">
+                                      <p:cBhvr>
+                                        <p:cTn id="9" dur="1000" fill="hold"/>
+                                        <p:tgtEl>
+                                          <p:spTgt spid="4"/>
+                                        </p:tgtEl>
+                                        <p:attrNameLst>
+                                          <p:attrName>style.rotation</p:attrName>
+                                        </p:attrNameLst>
+                                      </p:cBhvr>
+                                      <p:tavLst>
+                                        <p:tav tm="0">
+                                          <p:val>
+                                            <p:fltVal val="90"/>
+                                          </p:val>
+                                        </p:tav>
+                                        <p:tav tm="100000">
+                                          <p:val>
+                                            <p:fltVal val="0"/>
+                                          </p:val>
+                                        </p:tav>
+                                      </p:tavLst>
+                                    </p:anim>
+                                    <p:animEffect transition="in" filter="fade">
+                                      <p:cBhvr>
+                                        <p:cTn id="10" dur="1000"/>
+                                        <p:tgtEl>
+                                          <p:spTgt spid="4"/>
+                                        </p:tgtEl>
+                                      </p:cBhvr>
+                                    </p:animEffect>
+                                  </p:childTnLst>
+                                </p:cTn>
+                              </p:par>
+                            </p:childTnLst>
+                          </p:cTn>
+                        </p:par>
+                      </p:childTnLst>
+                    </p:cTn>
+                  </p:par>
+                </p:childTnLst>
+              </p:cTn>
+              <p:prevCondLst>
+                <p:cond evt="onPrev" delay="0">
+                  <p:tgtEl>
+                    <p:sldTgt/>
+                  </p:tgtEl>
+                </p:cond>
+              </p:prevCondLst>
+              <p:nextCondLst>
+                <p:cond evt="onNext" delay="0">
+                  <p:tgtEl>
+                    <p:sldTgt/>
+                  </p:tgtEl>
+                </p:cond>
+              </p:nextCondLst>
+            </p:seq>
+          </p:childTnLst>
+        </p:cTn>
+      </p:par>
+    </p:tnLst>
+    <p:bldLst>
+      <p:bldP spid="4" grpId="0" animBg="1"/>
+    </p:bldLst>
+  </p:timing>
+</p:sld>
+</file>
+
+<file path=ppt/slides/slide5.xml><?xml version="1.0" encoding="utf-8"?>
+<p:sld xmlns:a="http://schemas.openxmlformats.org/drawingml/2006/main" xmlns:r="http://schemas.openxmlformats.org/officeDocument/2006/relationships" xmlns:p="http://schemas.openxmlformats.org/presentationml/2006/main">
+  <p:cSld>
+    <p:spTree>
+      <p:nvGrpSpPr>
+        <p:cNvPr id="1" name=""/>
+        <p:cNvGrpSpPr/>
+        <p:nvPr/>
+      </p:nvGrpSpPr>
+      <p:grpSpPr>
+        <a:xfrm>
+          <a:off x="0" y="0"/>
+          <a:ext cx="0" cy="0"/>
+          <a:chOff x="0" y="0"/>
+          <a:chExt cx="0" cy="0"/>
+        </a:xfrm>
+      </p:grpSpPr>
+      <p:sp>
+        <p:nvSpPr>
+          <p:cNvPr id="2" name="標題 1"/>
+          <p:cNvSpPr>
+            <a:spLocks noGrp="1"/>
+          </p:cNvSpPr>
+          <p:nvPr>
+            <p:ph type="title"/>
+          </p:nvPr>
+        </p:nvSpPr>
+        <p:spPr/>
+        <p:txBody>
+          <a:bodyPr/>
+          <a:lstStyle/>
+          <a:p>
+            <a:r>
+              <a:rPr lang="zh-TW" altLang="en-US" dirty="0" smtClean="0"/>
+              <a:t>不過，混得好的</a:t>
+            </a:r>
+            <a:r>
+              <a:rPr lang="en-US" altLang="zh-TW" dirty="0" smtClean="0"/>
+              <a:t>……</a:t>
+            </a:r>
+            <a:endParaRPr lang="zh-TW" altLang="en-US" dirty="0"/>
+          </a:p>
+        </p:txBody>
+      </p:sp>
+      <p:sp>
+        <p:nvSpPr>
+          <p:cNvPr id="3" name="內容版面配置區 2"/>
+          <p:cNvSpPr>
+            <a:spLocks noGrp="1"/>
+          </p:cNvSpPr>
+          <p:nvPr>
+            <p:ph idx="1"/>
+          </p:nvPr>
+        </p:nvSpPr>
+        <p:spPr>
+          <a:xfrm>
+            <a:off x="677334" y="2160589"/>
+            <a:ext cx="5183970" cy="3880773"/>
+          </a:xfrm>
+        </p:spPr>
+        <p:txBody>
+          <a:bodyPr/>
+          <a:lstStyle/>
+          <a:p>
+            <a:r>
+              <a:rPr lang="zh-TW" altLang="en-US" dirty="0"/>
+              <a:t>美國聯邦巡迴區上訴法院判決，</a:t>
+            </a:r>
+            <a:r>
+              <a:rPr lang="en-US" altLang="zh-TW" dirty="0"/>
+              <a:t>Google </a:t>
+            </a:r>
+            <a:r>
+              <a:rPr lang="zh-TW" altLang="en-US" dirty="0"/>
+              <a:t>的 </a:t>
+            </a:r>
+            <a:r>
+              <a:rPr lang="en-US" altLang="zh-TW" dirty="0"/>
+              <a:t>Android </a:t>
+            </a:r>
+            <a:r>
+              <a:rPr lang="zh-TW" altLang="en-US" dirty="0"/>
+              <a:t>作業系統未經許可使用使用 </a:t>
+            </a:r>
+            <a:r>
+              <a:rPr lang="en-US" altLang="zh-TW" dirty="0"/>
+              <a:t>Java API</a:t>
+            </a:r>
+            <a:r>
+              <a:rPr lang="zh-TW" altLang="en-US" dirty="0"/>
+              <a:t>，侵害了甲骨文的版權</a:t>
+            </a:r>
+            <a:r>
+              <a:rPr lang="zh-TW" altLang="en-US" dirty="0" smtClean="0"/>
+              <a:t>。</a:t>
+            </a:r>
+            <a:endParaRPr lang="en-US" altLang="zh-TW" dirty="0" smtClean="0"/>
+          </a:p>
+          <a:p>
+            <a:r>
+              <a:rPr lang="zh-TW" altLang="en-US" dirty="0" smtClean="0"/>
+              <a:t>求</a:t>
+            </a:r>
+            <a:r>
+              <a:rPr lang="zh-TW" altLang="en-US" dirty="0"/>
+              <a:t>償</a:t>
+            </a:r>
+            <a:r>
+              <a:rPr lang="zh-TW" altLang="en-US" dirty="0" smtClean="0"/>
+              <a:t>金額</a:t>
+            </a:r>
+            <a:r>
+              <a:rPr lang="zh-TW" altLang="en-US" dirty="0"/>
+              <a:t>高達 </a:t>
+            </a:r>
+            <a:r>
+              <a:rPr lang="en-US" altLang="zh-TW" sz="4000" b="1" dirty="0">
+                <a:solidFill>
+                  <a:schemeClr val="accent5"/>
+                </a:solidFill>
+              </a:rPr>
+              <a:t>93 </a:t>
+            </a:r>
+            <a:r>
+              <a:rPr lang="zh-TW" altLang="en-US" sz="4000" b="1" dirty="0">
+                <a:solidFill>
+                  <a:schemeClr val="accent5"/>
+                </a:solidFill>
+              </a:rPr>
+              <a:t>億美元 </a:t>
+            </a:r>
+            <a:r>
+              <a:rPr lang="zh-TW" altLang="en-US" sz="4000" b="1" dirty="0" smtClean="0">
+                <a:solidFill>
+                  <a:schemeClr val="accent5"/>
+                </a:solidFill>
+              </a:rPr>
+              <a:t>。</a:t>
+            </a:r>
+            <a:endParaRPr lang="en-US" altLang="zh-TW" sz="4000" b="1" dirty="0" smtClean="0">
+              <a:solidFill>
+                <a:schemeClr val="accent5"/>
+              </a:solidFill>
+            </a:endParaRPr>
+          </a:p>
+          <a:p>
+            <a:r>
+              <a:rPr lang="zh-TW" altLang="en-US" sz="3600" b="1" dirty="0">
+                <a:solidFill>
+                  <a:schemeClr val="accent5"/>
+                </a:solidFill>
+              </a:rPr>
+              <a:t>只</a:t>
+            </a:r>
+            <a:r>
+              <a:rPr lang="zh-TW" altLang="en-US" sz="3600" b="1" dirty="0" smtClean="0">
+                <a:solidFill>
+                  <a:schemeClr val="accent5"/>
+                </a:solidFill>
+              </a:rPr>
+              <a:t>為了</a:t>
+            </a:r>
+            <a:r>
+              <a:rPr lang="en-US" altLang="zh-TW" sz="3600" b="1" dirty="0" smtClean="0">
+                <a:solidFill>
+                  <a:schemeClr val="accent5"/>
+                </a:solidFill>
+              </a:rPr>
+              <a:t>9</a:t>
+            </a:r>
+            <a:r>
+              <a:rPr lang="zh-TW" altLang="en-US" sz="3600" b="1" dirty="0" smtClean="0">
+                <a:solidFill>
+                  <a:schemeClr val="accent5"/>
+                </a:solidFill>
+              </a:rPr>
+              <a:t>行程式碼！</a:t>
+            </a:r>
+            <a:endParaRPr lang="zh-TW" altLang="en-US" sz="3600" b="1" dirty="0">
+              <a:solidFill>
+                <a:schemeClr val="accent5"/>
+              </a:solidFill>
+            </a:endParaRPr>
+          </a:p>
+        </p:txBody>
+      </p:sp>
+      <p:pic>
+        <p:nvPicPr>
+          <p:cNvPr id="5" name="圖片 4"/>
+          <p:cNvPicPr>
+            <a:picLocks noChangeAspect="1"/>
+          </p:cNvPicPr>
+          <p:nvPr/>
+        </p:nvPicPr>
+        <p:blipFill>
+          <a:blip r:embed="rId2"/>
+          <a:stretch>
+            <a:fillRect/>
+          </a:stretch>
+        </p:blipFill>
+        <p:spPr>
+          <a:xfrm>
+            <a:off x="6096000" y="2136215"/>
+            <a:ext cx="3922581" cy="3905147"/>
+          </a:xfrm>
+          <a:prstGeom prst="rect">
+            <a:avLst/>
+          </a:prstGeom>
+        </p:spPr>
+      </p:pic>
+    </p:spTree>
+    <p:extLst>
+      <p:ext uri="{BB962C8B-B14F-4D97-AF65-F5344CB8AC3E}">
+        <p14:creationId xmlns:p14="http://schemas.microsoft.com/office/powerpoint/2010/main" val="353060557"/>
+      </p:ext>
+    </p:extLst>
+  </p:cSld>
+  <p:clrMapOvr>
+    <a:masterClrMapping/>
+  </p:clrMapOvr>
+  <p:timing>
+    <p:tnLst>
+      <p:par>
+        <p:cTn id="1" dur="indefinite" restart="never" nodeType="tmRoot"/>
+      </p:par>
+    </p:tnLst>
+  </p:timing>
+</p:sld>
+</file>
+
+<file path=ppt/slides/slide6.xml><?xml version="1.0" encoding="utf-8"?>
+<p:sld xmlns:a="http://schemas.openxmlformats.org/drawingml/2006/main" xmlns:r="http://schemas.openxmlformats.org/officeDocument/2006/relationships" xmlns:p="http://schemas.openxmlformats.org/presentationml/2006/main">
+  <p:cSld>
+    <p:spTree>
+      <p:nvGrpSpPr>
+        <p:cNvPr id="1" name=""/>
+        <p:cNvGrpSpPr/>
+        <p:nvPr/>
+      </p:nvGrpSpPr>
+      <p:grpSpPr>
+        <a:xfrm>
+          <a:off x="0" y="0"/>
+          <a:ext cx="0" cy="0"/>
+          <a:chOff x="0" y="0"/>
+          <a:chExt cx="0" cy="0"/>
+        </a:xfrm>
+      </p:grpSpPr>
+      <p:sp>
+        <p:nvSpPr>
+          <p:cNvPr id="4" name="標題 3"/>
+          <p:cNvSpPr>
+            <a:spLocks noGrp="1"/>
+          </p:cNvSpPr>
+          <p:nvPr>
+            <p:ph type="title"/>
+          </p:nvPr>
+        </p:nvSpPr>
+        <p:spPr/>
+        <p:txBody>
+          <a:bodyPr/>
+          <a:lstStyle/>
+          <a:p>
+            <a:r>
+              <a:rPr lang="zh-TW" altLang="en-US" dirty="0" smtClean="0"/>
+              <a:t>程式語言百百種</a:t>
+            </a:r>
+            <a:r>
+              <a:rPr lang="en-US" altLang="zh-TW" dirty="0" smtClean="0"/>
+              <a:t>……….</a:t>
+            </a:r>
+            <a:endParaRPr lang="zh-TW" altLang="en-US" dirty="0"/>
+          </a:p>
+        </p:txBody>
+      </p:sp>
+      <p:pic>
+        <p:nvPicPr>
+          <p:cNvPr id="4098" name="Picture 2" descr="Word cloud programming languages or IT related — Stock Photo © Mattz90  #43853639"/>
+          <p:cNvPicPr>
+            <a:picLocks noChangeAspect="1" noChangeArrowheads="1"/>
+          </p:cNvPicPr>
+          <p:nvPr/>
+        </p:nvPicPr>
+        <p:blipFill>
+          <a:blip r:embed="rId2">
+            <a:extLst>
+              <a:ext uri="{28A0092B-C50C-407E-A947-70E740481C1C}">
+                <a14:useLocalDpi xmlns:a14="http://schemas.microsoft.com/office/drawing/2010/main" val="0"/>
+              </a:ext>
+            </a:extLst>
+          </a:blip>
+          <a:srcRect/>
+          <a:stretch>
+            <a:fillRect/>
+          </a:stretch>
+        </p:blipFill>
+        <p:spPr bwMode="auto">
+          <a:xfrm>
+            <a:off x="757930" y="1383916"/>
+            <a:ext cx="8435476" cy="5099180"/>
+          </a:xfrm>
+          <a:prstGeom prst="rect">
+            <a:avLst/>
+          </a:prstGeom>
+          <a:noFill/>
+          <a:extLst>
+            <a:ext uri="{909E8E84-426E-40DD-AFC4-6F175D3DCCD1}">
+              <a14:hiddenFill xmlns:a14="http://schemas.microsoft.com/office/drawing/2010/main">
+                <a:solidFill>
+                  <a:srgbClr val="FFFFFF"/>
+                </a:solidFill>
+              </a14:hiddenFill>
+            </a:ext>
+          </a:extLst>
+        </p:spPr>
+      </p:pic>
+    </p:spTree>
+    <p:extLst>
+      <p:ext uri="{BB962C8B-B14F-4D97-AF65-F5344CB8AC3E}">
+        <p14:creationId xmlns:p14="http://schemas.microsoft.com/office/powerpoint/2010/main" val="2032222993"/>
+      </p:ext>
+    </p:extLst>
+  </p:cSld>
+  <p:clrMapOvr>
+    <a:masterClrMapping/>
+  </p:clrMapOvr>
+  <p:timing>
+    <p:tnLst>
+      <p:par>
+        <p:cTn id="1" dur="indefinite" restart="never" nodeType="tmRoot"/>
+      </p:par>
+    </p:tnLst>
+  </p:timing>
+</p:sld>
+</file>
+
+<file path=ppt/slides/slide7.xml><?xml version="1.0" encoding="utf-8"?>
+<p:sld xmlns:a="http://schemas.openxmlformats.org/drawingml/2006/main" xmlns:r="http://schemas.openxmlformats.org/officeDocument/2006/relationships" xmlns:p="http://schemas.openxmlformats.org/presentationml/2006/main">
+  <p:cSld>
+    <p:spTree>
+      <p:nvGrpSpPr>
+        <p:cNvPr id="1" name=""/>
+        <p:cNvGrpSpPr/>
+        <p:nvPr/>
+      </p:nvGrpSpPr>
+      <p:grpSpPr>
+        <a:xfrm>
+          <a:off x="0" y="0"/>
+          <a:ext cx="0" cy="0"/>
+          <a:chOff x="0" y="0"/>
+          <a:chExt cx="0" cy="0"/>
+        </a:xfrm>
+      </p:grpSpPr>
+      <p:sp>
+        <p:nvSpPr>
+          <p:cNvPr id="4" name="標題 3"/>
+          <p:cNvSpPr>
+            <a:spLocks noGrp="1"/>
+          </p:cNvSpPr>
+          <p:nvPr>
+            <p:ph type="title"/>
+          </p:nvPr>
+        </p:nvSpPr>
+        <p:spPr/>
+        <p:txBody>
+          <a:bodyPr/>
+          <a:lstStyle/>
+          <a:p>
+            <a:r>
+              <a:rPr lang="en-US" altLang="zh-TW" dirty="0"/>
+              <a:t>Java </a:t>
+            </a:r>
+            <a:r>
+              <a:rPr lang="zh-TW" altLang="en-US" dirty="0"/>
+              <a:t>是什麼</a:t>
+            </a:r>
+            <a:r>
+              <a:rPr lang="zh-TW" altLang="en-US" dirty="0" smtClean="0"/>
+              <a:t>？</a:t>
+            </a:r>
+            <a:endParaRPr lang="zh-TW" altLang="en-US" dirty="0"/>
+          </a:p>
+        </p:txBody>
+      </p:sp>
+      <p:sp>
+        <p:nvSpPr>
+          <p:cNvPr id="5" name="內容版面配置區 4"/>
+          <p:cNvSpPr>
+            <a:spLocks noGrp="1"/>
+          </p:cNvSpPr>
+          <p:nvPr>
+            <p:ph idx="1"/>
+          </p:nvPr>
+        </p:nvSpPr>
+        <p:spPr>
+          <a:xfrm>
+            <a:off x="677333" y="1724629"/>
+            <a:ext cx="9161147" cy="4316734"/>
+          </a:xfrm>
+        </p:spPr>
+        <p:txBody>
+          <a:bodyPr>
+            <a:normAutofit/>
+          </a:bodyPr>
+          <a:lstStyle/>
+          <a:p>
+            <a:r>
+              <a:rPr lang="en-US" altLang="zh-TW" sz="2000" b="1" dirty="0"/>
+              <a:t>Java </a:t>
+            </a:r>
+            <a:r>
+              <a:rPr lang="zh-TW" altLang="en-US" sz="2000" dirty="0"/>
+              <a:t>是一種廣泛使用的電腦程式設計語言，擁有</a:t>
+            </a:r>
+            <a:r>
+              <a:rPr lang="zh-TW" altLang="en-US" sz="2000" b="1" dirty="0">
+                <a:solidFill>
+                  <a:srgbClr val="FF0000"/>
+                </a:solidFill>
+              </a:rPr>
+              <a:t>跨平台</a:t>
+            </a:r>
+            <a:r>
+              <a:rPr lang="zh-TW" altLang="en-US" sz="2000" dirty="0">
+                <a:solidFill>
+                  <a:srgbClr val="FF0000"/>
+                </a:solidFill>
+              </a:rPr>
+              <a:t>、</a:t>
+            </a:r>
+            <a:r>
+              <a:rPr lang="zh-TW" altLang="en-US" sz="2000" b="1" dirty="0">
+                <a:solidFill>
+                  <a:srgbClr val="FF0000"/>
+                </a:solidFill>
+              </a:rPr>
+              <a:t>物件導向</a:t>
+            </a:r>
+            <a:r>
+              <a:rPr lang="zh-TW" altLang="en-US" sz="2000" dirty="0">
+                <a:solidFill>
+                  <a:srgbClr val="FF0000"/>
+                </a:solidFill>
+              </a:rPr>
+              <a:t>、</a:t>
+            </a:r>
+            <a:r>
+              <a:rPr lang="zh-TW" altLang="en-US" sz="2000" b="1" dirty="0">
+                <a:solidFill>
+                  <a:srgbClr val="FF0000"/>
+                </a:solidFill>
+              </a:rPr>
+              <a:t>泛型程式設計</a:t>
+            </a:r>
+            <a:r>
+              <a:rPr lang="zh-TW" altLang="en-US" sz="2000" dirty="0"/>
+              <a:t>的特性，廣泛應用於企業級</a:t>
+            </a:r>
+            <a:r>
+              <a:rPr lang="en-US" altLang="zh-TW" sz="2000" b="1" dirty="0"/>
+              <a:t>Web</a:t>
+            </a:r>
+            <a:r>
+              <a:rPr lang="zh-TW" altLang="en-US" sz="2000" b="1" dirty="0"/>
+              <a:t>應用開發</a:t>
+            </a:r>
+            <a:r>
+              <a:rPr lang="zh-TW" altLang="en-US" sz="2000" dirty="0"/>
+              <a:t>和</a:t>
+            </a:r>
+            <a:r>
+              <a:rPr lang="zh-TW" altLang="en-US" sz="2000" b="1" dirty="0"/>
+              <a:t>行動應用開發</a:t>
+            </a:r>
+            <a:r>
+              <a:rPr lang="zh-TW" altLang="en-US" sz="2000" dirty="0"/>
+              <a:t>。</a:t>
+            </a:r>
+          </a:p>
+          <a:p>
+            <a:r>
+              <a:rPr lang="en-US" altLang="zh-TW" sz="2000" b="1" dirty="0" smtClean="0"/>
+              <a:t>Java</a:t>
+            </a:r>
+            <a:r>
+              <a:rPr lang="en-US" altLang="zh-TW" sz="2000" dirty="0" smtClean="0"/>
+              <a:t> </a:t>
+            </a:r>
+            <a:r>
+              <a:rPr lang="zh-TW" altLang="en-US" sz="2000" dirty="0"/>
+              <a:t>是 </a:t>
+            </a:r>
+            <a:r>
+              <a:rPr lang="en-US" altLang="zh-TW" sz="2000" dirty="0"/>
+              <a:t>Sun Microsystems </a:t>
+            </a:r>
+            <a:r>
+              <a:rPr lang="zh-TW" altLang="en-US" sz="2000" dirty="0"/>
+              <a:t>於 </a:t>
+            </a:r>
+            <a:r>
+              <a:rPr lang="en-US" altLang="zh-TW" sz="2000" dirty="0"/>
+              <a:t>1995 </a:t>
+            </a:r>
+            <a:r>
+              <a:rPr lang="zh-TW" altLang="en-US" sz="2000" dirty="0"/>
+              <a:t>年率先發表的程式設計語言與運算平台。</a:t>
+            </a:r>
+          </a:p>
+          <a:p>
+            <a:r>
+              <a:rPr lang="zh-TW" altLang="en-US" sz="2000" dirty="0" smtClean="0"/>
+              <a:t>許多</a:t>
+            </a:r>
+            <a:r>
+              <a:rPr lang="zh-TW" altLang="en-US" sz="2000" dirty="0"/>
+              <a:t>應用程式和網站均需要安裝 </a:t>
+            </a:r>
+            <a:r>
+              <a:rPr lang="en-US" altLang="zh-TW" sz="2000" dirty="0"/>
+              <a:t>Java </a:t>
+            </a:r>
+            <a:r>
+              <a:rPr lang="zh-TW" altLang="en-US" sz="2000" dirty="0"/>
+              <a:t>才能夠執行，且數量日漸增長，既</a:t>
+            </a:r>
+            <a:r>
+              <a:rPr lang="zh-TW" altLang="en-US" sz="2000" b="1" dirty="0">
+                <a:solidFill>
+                  <a:srgbClr val="FF0000"/>
+                </a:solidFill>
+              </a:rPr>
+              <a:t>快速、安全又可靠</a:t>
+            </a:r>
+            <a:r>
+              <a:rPr lang="zh-TW" altLang="en-US" sz="2000" dirty="0"/>
+              <a:t>。</a:t>
+            </a:r>
+          </a:p>
+          <a:p>
+            <a:r>
+              <a:rPr lang="zh-TW" altLang="en-US" sz="2000" dirty="0" smtClean="0"/>
+              <a:t>從</a:t>
+            </a:r>
+            <a:r>
+              <a:rPr lang="zh-TW" altLang="en-US" sz="2000" dirty="0"/>
+              <a:t>膝上型電腦到資料中心、從遊戲機到科學用超級電腦、從行動電話到網際網路，</a:t>
+            </a:r>
+            <a:r>
+              <a:rPr lang="en-US" altLang="zh-TW" sz="2000" b="1" dirty="0"/>
+              <a:t>Java</a:t>
+            </a:r>
+            <a:r>
+              <a:rPr lang="en-US" altLang="zh-TW" sz="2000" dirty="0"/>
+              <a:t> </a:t>
+            </a:r>
+            <a:r>
+              <a:rPr lang="zh-TW" altLang="en-US" sz="2000" dirty="0"/>
+              <a:t>均無所不在！</a:t>
+            </a:r>
+          </a:p>
+          <a:p>
+            <a:r>
+              <a:rPr lang="en-US" altLang="zh-TW" sz="2000" b="1" dirty="0" smtClean="0"/>
+              <a:t>Java</a:t>
+            </a:r>
+            <a:r>
+              <a:rPr lang="en-US" altLang="zh-TW" sz="2000" dirty="0" smtClean="0"/>
+              <a:t> </a:t>
+            </a:r>
+            <a:r>
+              <a:rPr lang="zh-TW" altLang="en-US" sz="2000" dirty="0"/>
+              <a:t>跟 </a:t>
+            </a:r>
+            <a:r>
+              <a:rPr lang="en-US" altLang="zh-TW" sz="2000" dirty="0"/>
+              <a:t>C++ </a:t>
+            </a:r>
+            <a:r>
+              <a:rPr lang="zh-TW" altLang="en-US" sz="2000" dirty="0"/>
+              <a:t>非常像，繼承了 </a:t>
+            </a:r>
+            <a:r>
+              <a:rPr lang="en-US" altLang="zh-TW" sz="2000" dirty="0"/>
+              <a:t>C++ </a:t>
+            </a:r>
+            <a:r>
+              <a:rPr lang="zh-TW" altLang="en-US" sz="2000" dirty="0"/>
+              <a:t>語言物件導向技術的核心，捨棄了容易引起錯誤的指標，以 </a:t>
+            </a:r>
+            <a:r>
+              <a:rPr lang="en-US" altLang="zh-TW" sz="2000" dirty="0"/>
+              <a:t>reference </a:t>
+            </a:r>
+            <a:r>
+              <a:rPr lang="zh-TW" altLang="en-US" sz="2000" dirty="0"/>
+              <a:t>取代。</a:t>
+            </a:r>
+          </a:p>
+          <a:p>
+            <a:r>
+              <a:rPr lang="zh-TW" altLang="en-US" sz="2000" dirty="0" smtClean="0"/>
+              <a:t>簡單</a:t>
+            </a:r>
+            <a:r>
+              <a:rPr lang="zh-TW" altLang="en-US" sz="2000" dirty="0"/>
+              <a:t>來說，</a:t>
+            </a:r>
+            <a:r>
+              <a:rPr lang="en-US" altLang="zh-TW" sz="2000" dirty="0"/>
+              <a:t>Java </a:t>
+            </a:r>
+            <a:r>
+              <a:rPr lang="zh-TW" altLang="en-US" sz="2000" dirty="0"/>
+              <a:t>是非常受歡迎的程式語言，可以運用在各種領域，支援性非常強大！</a:t>
+            </a:r>
+          </a:p>
+        </p:txBody>
+      </p:sp>
+      <p:sp>
+        <p:nvSpPr>
+          <p:cNvPr id="6" name="矩形 5"/>
+          <p:cNvSpPr/>
+          <p:nvPr/>
+        </p:nvSpPr>
+        <p:spPr>
+          <a:xfrm>
+            <a:off x="787767" y="6086885"/>
+            <a:ext cx="5060616" cy="369332"/>
+          </a:xfrm>
+          <a:prstGeom prst="rect">
+            <a:avLst/>
+          </a:prstGeom>
+        </p:spPr>
+        <p:txBody>
+          <a:bodyPr wrap="none">
+            <a:spAutoFit/>
+          </a:bodyPr>
+          <a:lstStyle/>
+          <a:p>
+            <a:r>
+              <a:rPr lang="zh-TW" altLang="en-US" dirty="0"/>
+              <a:t>https://www.johntool.com/java-for-beginner/</a:t>
+            </a:r>
+          </a:p>
+        </p:txBody>
+      </p:sp>
+    </p:spTree>
+    <p:extLst>
+      <p:ext uri="{BB962C8B-B14F-4D97-AF65-F5344CB8AC3E}">
+        <p14:creationId xmlns:p14="http://schemas.microsoft.com/office/powerpoint/2010/main" val="3179168637"/>
+      </p:ext>
+    </p:extLst>
+  </p:cSld>
+  <p:clrMapOvr>
+    <a:masterClrMapping/>
+  </p:clrMapOvr>
+  <p:timing>
+    <p:tnLst>
+      <p:par>
+        <p:cTn id="1" dur="indefinite" restart="never" nodeType="tmRoot"/>
+      </p:par>
+    </p:tnLst>
+  </p:timing>
+</p:sld>
+</file>
+
+<file path=ppt/slides/slide8.xml><?xml version="1.0" encoding="utf-8"?>
+<p:sld xmlns:a="http://schemas.openxmlformats.org/drawingml/2006/main" xmlns:r="http://schemas.openxmlformats.org/officeDocument/2006/relationships" xmlns:p="http://schemas.openxmlformats.org/presentationml/2006/main">
+  <p:cSld>
+    <p:spTree>
+      <p:nvGrpSpPr>
+        <p:cNvPr id="1" name=""/>
+        <p:cNvGrpSpPr/>
+        <p:nvPr/>
+      </p:nvGrpSpPr>
+      <p:grpSpPr>
+        <a:xfrm>
+          <a:off x="0" y="0"/>
+          <a:ext cx="0" cy="0"/>
+          <a:chOff x="0" y="0"/>
+          <a:chExt cx="0" cy="0"/>
+        </a:xfrm>
+      </p:grpSpPr>
+      <p:sp>
+        <p:nvSpPr>
+          <p:cNvPr id="2" name="標題 1"/>
+          <p:cNvSpPr>
+            <a:spLocks noGrp="1"/>
+          </p:cNvSpPr>
+          <p:nvPr>
+            <p:ph type="title"/>
+          </p:nvPr>
+        </p:nvSpPr>
+        <p:spPr/>
+        <p:txBody>
+          <a:bodyPr/>
+          <a:lstStyle/>
+          <a:p>
+            <a:r>
+              <a:rPr lang="en-US" altLang="zh-TW" dirty="0" smtClean="0"/>
+              <a:t>Java</a:t>
+            </a:r>
+            <a:r>
+              <a:rPr lang="zh-TW" altLang="en-US" dirty="0" smtClean="0"/>
+              <a:t>的應用領域</a:t>
+            </a:r>
+            <a:endParaRPr lang="zh-TW" altLang="en-US" dirty="0"/>
+          </a:p>
+        </p:txBody>
+      </p:sp>
+      <p:sp>
+        <p:nvSpPr>
+          <p:cNvPr id="3" name="內容版面配置區 2"/>
+          <p:cNvSpPr>
+            <a:spLocks noGrp="1"/>
+          </p:cNvSpPr>
+          <p:nvPr>
+            <p:ph idx="1"/>
+          </p:nvPr>
+        </p:nvSpPr>
+        <p:spPr>
+          <a:xfrm>
+            <a:off x="677334" y="1930401"/>
+            <a:ext cx="8596668" cy="4324096"/>
+          </a:xfrm>
+        </p:spPr>
+        <p:txBody>
+          <a:bodyPr>
+            <a:normAutofit fontScale="92500" lnSpcReduction="20000"/>
+          </a:bodyPr>
+          <a:lstStyle/>
+          <a:p>
+            <a:r>
+              <a:rPr lang="zh-TW" altLang="en-US" sz="2000" dirty="0"/>
+              <a:t>開發</a:t>
+            </a:r>
+            <a:r>
+              <a:rPr lang="en-US" altLang="zh-TW" sz="2000" dirty="0"/>
+              <a:t>Android </a:t>
+            </a:r>
+            <a:r>
+              <a:rPr lang="en-US" altLang="zh-TW" sz="2000" dirty="0" smtClean="0"/>
+              <a:t>APP</a:t>
+            </a:r>
+          </a:p>
+          <a:p>
+            <a:pPr lvl="1"/>
+            <a:r>
+              <a:rPr lang="zh-TW" altLang="en-US" dirty="0"/>
+              <a:t>常見的 </a:t>
+            </a:r>
+            <a:r>
+              <a:rPr lang="en-US" altLang="zh-TW" dirty="0"/>
+              <a:t>Android APP </a:t>
+            </a:r>
+            <a:r>
+              <a:rPr lang="zh-TW" altLang="en-US" dirty="0"/>
+              <a:t>主要是由兩種 </a:t>
+            </a:r>
+            <a:r>
+              <a:rPr lang="en-US" altLang="zh-TW" dirty="0"/>
+              <a:t>Java </a:t>
+            </a:r>
+            <a:r>
+              <a:rPr lang="zh-TW" altLang="en-US" dirty="0"/>
+              <a:t>或是 </a:t>
+            </a:r>
+            <a:r>
+              <a:rPr lang="en-US" altLang="zh-TW" dirty="0" err="1"/>
+              <a:t>Kotlin</a:t>
+            </a:r>
+            <a:r>
+              <a:rPr lang="en-US" altLang="zh-TW" dirty="0"/>
+              <a:t> </a:t>
+            </a:r>
+            <a:r>
+              <a:rPr lang="zh-TW" altLang="en-US" dirty="0"/>
+              <a:t>撰寫而成</a:t>
+            </a:r>
+            <a:endParaRPr lang="en-US" altLang="zh-TW" sz="1800" dirty="0"/>
+          </a:p>
+          <a:p>
+            <a:r>
+              <a:rPr lang="zh-TW" altLang="en-US" sz="2000" dirty="0"/>
+              <a:t>架設</a:t>
+            </a:r>
+            <a:r>
+              <a:rPr lang="zh-TW" altLang="en-US" sz="2000" dirty="0" smtClean="0"/>
+              <a:t>網站</a:t>
+            </a:r>
+            <a:endParaRPr lang="en-US" altLang="zh-TW" sz="2000" dirty="0" smtClean="0"/>
+          </a:p>
+          <a:p>
+            <a:pPr lvl="1"/>
+            <a:r>
+              <a:rPr lang="zh-TW" altLang="en-US" dirty="0"/>
+              <a:t>在電子商務和網站開發上有著廣泛的運用。</a:t>
+            </a:r>
+            <a:endParaRPr lang="zh-TW" altLang="en-US" sz="1800" dirty="0"/>
+          </a:p>
+          <a:p>
+            <a:r>
+              <a:rPr lang="zh-TW" altLang="en-US" sz="2000" dirty="0"/>
+              <a:t>物聯網</a:t>
+            </a:r>
+            <a:r>
+              <a:rPr lang="zh-TW" altLang="en-US" sz="2000" dirty="0" smtClean="0"/>
+              <a:t>應用程式</a:t>
+            </a:r>
+            <a:endParaRPr lang="en-US" altLang="zh-TW" sz="2000" dirty="0" smtClean="0"/>
+          </a:p>
+          <a:p>
+            <a:pPr lvl="1"/>
+            <a:r>
+              <a:rPr lang="zh-TW" altLang="en-US" dirty="0"/>
+              <a:t>對於物聯網開發來說，主要的程式語言是 </a:t>
+            </a:r>
+            <a:r>
+              <a:rPr lang="en-US" altLang="zh-TW" dirty="0"/>
+              <a:t>Java</a:t>
+            </a:r>
+            <a:r>
+              <a:rPr lang="zh-TW" altLang="en-US" dirty="0"/>
+              <a:t>、</a:t>
+            </a:r>
+            <a:r>
+              <a:rPr lang="en-US" altLang="zh-TW" dirty="0"/>
+              <a:t>C</a:t>
+            </a:r>
+            <a:r>
+              <a:rPr lang="zh-TW" altLang="en-US" dirty="0"/>
+              <a:t>、</a:t>
+            </a:r>
+            <a:r>
+              <a:rPr lang="en-US" altLang="zh-TW" dirty="0"/>
+              <a:t>C ++</a:t>
+            </a:r>
+            <a:r>
+              <a:rPr lang="zh-TW" altLang="en-US" dirty="0"/>
+              <a:t>、</a:t>
+            </a:r>
+            <a:r>
+              <a:rPr lang="en-US" altLang="zh-TW" dirty="0"/>
+              <a:t>Python </a:t>
+            </a:r>
+            <a:r>
+              <a:rPr lang="zh-TW" altLang="en-US" dirty="0"/>
+              <a:t>等等。</a:t>
+            </a:r>
+            <a:endParaRPr lang="zh-TW" altLang="en-US" sz="1800" dirty="0"/>
+          </a:p>
+          <a:p>
+            <a:r>
+              <a:rPr lang="zh-TW" altLang="en-US" sz="2000" dirty="0"/>
+              <a:t>大數據</a:t>
+            </a:r>
+            <a:r>
+              <a:rPr lang="zh-TW" altLang="en-US" sz="2000" dirty="0" smtClean="0"/>
+              <a:t>分析</a:t>
+            </a:r>
+            <a:endParaRPr lang="en-US" altLang="zh-TW" sz="2000" dirty="0" smtClean="0"/>
+          </a:p>
+          <a:p>
+            <a:pPr lvl="1"/>
+            <a:r>
+              <a:rPr lang="zh-TW" altLang="en-US" dirty="0"/>
+              <a:t>知名處理大數據的軟體平台 </a:t>
+            </a:r>
+            <a:r>
+              <a:rPr lang="en-US" altLang="zh-TW" dirty="0">
+                <a:hlinkClick r:id="rId2"/>
+              </a:rPr>
+              <a:t>Hadoop</a:t>
+            </a:r>
+            <a:r>
+              <a:rPr lang="zh-TW" altLang="en-US" dirty="0"/>
+              <a:t> 就是以 </a:t>
+            </a:r>
+            <a:r>
+              <a:rPr lang="en-US" altLang="zh-TW" dirty="0"/>
+              <a:t>Java</a:t>
+            </a:r>
+            <a:r>
+              <a:rPr lang="zh-TW" altLang="en-US" dirty="0"/>
+              <a:t>為 框架來進行撰寫的</a:t>
+            </a:r>
+            <a:endParaRPr lang="zh-TW" altLang="en-US" sz="1800" dirty="0"/>
+          </a:p>
+          <a:p>
+            <a:r>
+              <a:rPr lang="zh-TW" altLang="en-US" sz="2000" dirty="0"/>
+              <a:t>金融業的帳務</a:t>
+            </a:r>
+            <a:r>
+              <a:rPr lang="zh-TW" altLang="en-US" sz="2000" dirty="0" smtClean="0"/>
+              <a:t>處理</a:t>
+            </a:r>
+            <a:endParaRPr lang="en-US" altLang="zh-TW" sz="2000" dirty="0" smtClean="0"/>
+          </a:p>
+          <a:p>
+            <a:pPr lvl="1"/>
+            <a:r>
+              <a:rPr lang="zh-TW" altLang="en-US" dirty="0"/>
+              <a:t>許多金融業的應用都是由 </a:t>
+            </a:r>
+            <a:r>
+              <a:rPr lang="en-US" altLang="zh-TW" dirty="0"/>
+              <a:t>Java </a:t>
+            </a:r>
+            <a:r>
+              <a:rPr lang="zh-TW" altLang="en-US" dirty="0"/>
+              <a:t>撰寫而成，像是高盛投資公司、花旗集團，和一些其他銀行都用 </a:t>
+            </a:r>
+            <a:r>
+              <a:rPr lang="en-US" altLang="zh-TW" dirty="0"/>
+              <a:t>Java </a:t>
+            </a:r>
+            <a:r>
+              <a:rPr lang="zh-TW" altLang="en-US" dirty="0"/>
+              <a:t>撰寫前台和後台的電子交易系統，結算、信息確認系統，數據處理項目等等。</a:t>
+            </a:r>
+            <a:endParaRPr lang="zh-TW" altLang="en-US" sz="1800" dirty="0"/>
+          </a:p>
+          <a:p>
+            <a:r>
+              <a:rPr lang="zh-TW" altLang="en-US" sz="2000" dirty="0"/>
+              <a:t>桌面</a:t>
+            </a:r>
+            <a:r>
+              <a:rPr lang="zh-TW" altLang="en-US" sz="2000" dirty="0" smtClean="0"/>
+              <a:t>應用程式</a:t>
+            </a:r>
+            <a:endParaRPr lang="en-US" altLang="zh-TW" sz="2000" dirty="0" smtClean="0"/>
+          </a:p>
+          <a:p>
+            <a:pPr lvl="1"/>
+            <a:r>
+              <a:rPr lang="zh-TW" altLang="en-US" dirty="0"/>
+              <a:t>許多電腦上的軟體介面，就是由 </a:t>
+            </a:r>
+            <a:r>
+              <a:rPr lang="en-US" altLang="zh-TW" dirty="0"/>
+              <a:t>Java </a:t>
+            </a:r>
+            <a:r>
+              <a:rPr lang="zh-TW" altLang="en-US" dirty="0"/>
+              <a:t>的 </a:t>
+            </a:r>
+            <a:r>
+              <a:rPr lang="en-US" altLang="zh-TW" dirty="0"/>
+              <a:t>Swing </a:t>
+            </a:r>
+            <a:r>
+              <a:rPr lang="zh-TW" altLang="en-US" dirty="0"/>
+              <a:t>製作而成。</a:t>
+            </a:r>
+            <a:endParaRPr lang="zh-TW" altLang="en-US" sz="1800" dirty="0"/>
+          </a:p>
+        </p:txBody>
+      </p:sp>
+    </p:spTree>
+    <p:extLst>
+      <p:ext uri="{BB962C8B-B14F-4D97-AF65-F5344CB8AC3E}">
+        <p14:creationId xmlns:p14="http://schemas.microsoft.com/office/powerpoint/2010/main" val="3467171325"/>
+      </p:ext>
+    </p:extLst>
+  </p:cSld>
+  <p:clrMapOvr>
+    <a:masterClrMapping/>
+  </p:clrMapOvr>
+  <p:timing>
+    <p:tnLst>
+      <p:par>
+        <p:cTn id="1" dur="indefinite" restart="never" nodeType="tmRoot"/>
+      </p:par>
+    </p:tnLst>
+  </p:timing>
+</p:sld>
+</file>
+
+<file path=ppt/slides/slide9.xml><?xml version="1.0" encoding="utf-8"?>
 <p:sld xmlns:a="http://schemas.openxmlformats.org/drawingml/2006/main" xmlns:r="http://schemas.openxmlformats.org/officeDocument/2006/relationships" xmlns:p="http://schemas.openxmlformats.org/presentationml/2006/main">
   <p:cSld>
     <p:spTree>
@@ -14595,93 +17614,16 @@
           </a:p>
         </p:txBody>
       </p:sp>
-    </p:spTree>
-    <p:extLst>
-      <p:ext uri="{BB962C8B-B14F-4D97-AF65-F5344CB8AC3E}">
-        <p14:creationId xmlns:p14="http://schemas.microsoft.com/office/powerpoint/2010/main" val="979392564"/>
-      </p:ext>
-    </p:extLst>
-  </p:cSld>
-  <p:clrMapOvr>
-    <a:masterClrMapping/>
-  </p:clrMapOvr>
-</p:sld>
-</file>
-
-<file path=ppt/slides/slide11.xml><?xml version="1.0" encoding="utf-8"?>
-<p:sld xmlns:a="http://schemas.openxmlformats.org/drawingml/2006/main" xmlns:r="http://schemas.openxmlformats.org/officeDocument/2006/relationships" xmlns:p="http://schemas.openxmlformats.org/presentationml/2006/main">
-  <p:cSld>
-    <p:spTree>
-      <p:nvGrpSpPr>
-        <p:cNvPr id="1" name=""/>
-        <p:cNvGrpSpPr/>
-        <p:nvPr/>
-      </p:nvGrpSpPr>
-      <p:grpSpPr>
-        <a:xfrm>
-          <a:off x="0" y="0"/>
-          <a:ext cx="0" cy="0"/>
-          <a:chOff x="0" y="0"/>
-          <a:chExt cx="0" cy="0"/>
-        </a:xfrm>
-      </p:grpSpPr>
       <p:sp>
         <p:nvSpPr>
-          <p:cNvPr id="5" name="標題 4"/>
-          <p:cNvSpPr>
-            <a:spLocks noGrp="1"/>
-          </p:cNvSpPr>
-          <p:nvPr>
-            <p:ph type="title"/>
-          </p:nvPr>
-        </p:nvSpPr>
-        <p:spPr/>
-        <p:txBody>
-          <a:bodyPr/>
-          <a:lstStyle/>
-          <a:p>
-            <a:r>
-              <a:rPr lang="en-US" altLang="zh-TW" dirty="0" smtClean="0"/>
-              <a:t>Top 10 Programming Language(202108)</a:t>
-            </a:r>
-            <a:endParaRPr lang="zh-TW" altLang="en-US" dirty="0"/>
-          </a:p>
-        </p:txBody>
-      </p:sp>
-      <p:pic>
-        <p:nvPicPr>
-          <p:cNvPr id="4" name="圖片 3"/>
-          <p:cNvPicPr>
-            <a:picLocks noChangeAspect="1"/>
-          </p:cNvPicPr>
-          <p:nvPr/>
-        </p:nvPicPr>
-        <p:blipFill>
-          <a:blip r:embed="rId2"/>
-          <a:stretch>
-            <a:fillRect/>
-          </a:stretch>
-        </p:blipFill>
-        <p:spPr>
-          <a:xfrm>
-            <a:off x="599590" y="1632858"/>
-            <a:ext cx="9740432" cy="4476038"/>
-          </a:xfrm>
-          <a:prstGeom prst="rect">
-            <a:avLst/>
-          </a:prstGeom>
-        </p:spPr>
-      </p:pic>
-      <p:sp>
-        <p:nvSpPr>
-          <p:cNvPr id="6" name="向右箭號 5"/>
+          <p:cNvPr id="26" name="向右箭號 25"/>
           <p:cNvSpPr/>
           <p:nvPr/>
         </p:nvSpPr>
         <p:spPr>
-          <a:xfrm rot="10800000">
-            <a:off x="9097347" y="3041779"/>
-            <a:ext cx="643812" cy="158621"/>
+          <a:xfrm>
+            <a:off x="479650" y="2298307"/>
+            <a:ext cx="320657" cy="246888"/>
           </a:xfrm>
           <a:prstGeom prst="rightArrow">
             <a:avLst/>
@@ -14723,2613 +17665,7 @@
     </p:spTree>
     <p:extLst>
       <p:ext uri="{BB962C8B-B14F-4D97-AF65-F5344CB8AC3E}">
-        <p14:creationId xmlns:p14="http://schemas.microsoft.com/office/powerpoint/2010/main" val="3759537546"/>
-      </p:ext>
-    </p:extLst>
-  </p:cSld>
-  <p:clrMapOvr>
-    <a:masterClrMapping/>
-  </p:clrMapOvr>
-</p:sld>
-</file>
-
-<file path=ppt/slides/slide12.xml><?xml version="1.0" encoding="utf-8"?>
-<p:sld xmlns:a="http://schemas.openxmlformats.org/drawingml/2006/main" xmlns:r="http://schemas.openxmlformats.org/officeDocument/2006/relationships" xmlns:p="http://schemas.openxmlformats.org/presentationml/2006/main">
-  <p:cSld>
-    <p:spTree>
-      <p:nvGrpSpPr>
-        <p:cNvPr id="1" name=""/>
-        <p:cNvGrpSpPr/>
-        <p:nvPr/>
-      </p:nvGrpSpPr>
-      <p:grpSpPr>
-        <a:xfrm>
-          <a:off x="0" y="0"/>
-          <a:ext cx="0" cy="0"/>
-          <a:chOff x="0" y="0"/>
-          <a:chExt cx="0" cy="0"/>
-        </a:xfrm>
-      </p:grpSpPr>
-      <p:sp>
-        <p:nvSpPr>
-          <p:cNvPr id="2" name="標題 1"/>
-          <p:cNvSpPr>
-            <a:spLocks noGrp="1"/>
-          </p:cNvSpPr>
-          <p:nvPr>
-            <p:ph type="title"/>
-          </p:nvPr>
-        </p:nvSpPr>
-        <p:spPr/>
-        <p:txBody>
-          <a:bodyPr/>
-          <a:lstStyle/>
-          <a:p>
-            <a:r>
-              <a:rPr lang="zh-TW" altLang="en-US" dirty="0" smtClean="0"/>
-              <a:t>哪個語言比較有</a:t>
-            </a:r>
-            <a:r>
-              <a:rPr lang="zh-TW" altLang="en-US" b="1" dirty="0">
-                <a:solidFill>
-                  <a:srgbClr val="FF0000"/>
-                </a:solidFill>
-              </a:rPr>
-              <a:t>錢</a:t>
-            </a:r>
-            <a:r>
-              <a:rPr lang="zh-TW" altLang="en-US" dirty="0" smtClean="0"/>
-              <a:t>途</a:t>
-            </a:r>
-            <a:endParaRPr lang="zh-TW" altLang="en-US" dirty="0"/>
-          </a:p>
-        </p:txBody>
-      </p:sp>
-      <p:pic>
-        <p:nvPicPr>
-          <p:cNvPr id="3074" name="Picture 2" descr="https://uploads-ssl.webflow.com/5d3a7aed4e11720246d46f49/5e03089b66a70d47be1d979d_2020%E8%81%B7%E7%BC%BA%E6%9C%80%E5%A4%9A%E7%9A%84%E7%A8%8B%E5%BC%8F%E8%AA%9E%E8%A8%80.png"/>
-          <p:cNvPicPr>
-            <a:picLocks noChangeAspect="1" noChangeArrowheads="1"/>
-          </p:cNvPicPr>
-          <p:nvPr/>
-        </p:nvPicPr>
-        <p:blipFill>
-          <a:blip r:embed="rId2">
-            <a:extLst>
-              <a:ext uri="{28A0092B-C50C-407E-A947-70E740481C1C}">
-                <a14:useLocalDpi xmlns:a14="http://schemas.microsoft.com/office/drawing/2010/main" val="0"/>
-              </a:ext>
-            </a:extLst>
-          </a:blip>
-          <a:srcRect/>
-          <a:stretch>
-            <a:fillRect/>
-          </a:stretch>
-        </p:blipFill>
-        <p:spPr bwMode="auto">
-          <a:xfrm>
-            <a:off x="5930028" y="1624170"/>
-            <a:ext cx="5654377" cy="4740053"/>
-          </a:xfrm>
-          <a:prstGeom prst="rect">
-            <a:avLst/>
-          </a:prstGeom>
-          <a:noFill/>
-          <a:ln>
-            <a:solidFill>
-              <a:schemeClr val="tx1"/>
-            </a:solidFill>
-          </a:ln>
-          <a:extLst>
-            <a:ext uri="{909E8E84-426E-40DD-AFC4-6F175D3DCCD1}">
-              <a14:hiddenFill xmlns:a14="http://schemas.microsoft.com/office/drawing/2010/main">
-                <a:solidFill>
-                  <a:srgbClr val="FFFFFF"/>
-                </a:solidFill>
-              </a14:hiddenFill>
-            </a:ext>
-          </a:extLst>
-        </p:spPr>
-      </p:pic>
-      <p:pic>
-        <p:nvPicPr>
-          <p:cNvPr id="3076" name="Picture 4" descr="https://uploads-ssl.webflow.com/5d3a7aed4e11720246d46f49/5e019a67bb25d02983285136_2020%E8%81%B7%E7%BC%BA%E6%9C%80%E5%A4%9A%E7%9A%84%E7%A8%8B%E5%BC%8F%E8%AA%9E%E8%A8%80.jpg"/>
-          <p:cNvPicPr>
-            <a:picLocks noChangeAspect="1" noChangeArrowheads="1"/>
-          </p:cNvPicPr>
-          <p:nvPr/>
-        </p:nvPicPr>
-        <p:blipFill>
-          <a:blip r:embed="rId3">
-            <a:extLst>
-              <a:ext uri="{28A0092B-C50C-407E-A947-70E740481C1C}">
-                <a14:useLocalDpi xmlns:a14="http://schemas.microsoft.com/office/drawing/2010/main" val="0"/>
-              </a:ext>
-            </a:extLst>
-          </a:blip>
-          <a:srcRect/>
-          <a:stretch>
-            <a:fillRect/>
-          </a:stretch>
-        </p:blipFill>
-        <p:spPr bwMode="auto">
-          <a:xfrm>
-            <a:off x="275652" y="1624171"/>
-            <a:ext cx="5654377" cy="4740053"/>
-          </a:xfrm>
-          <a:prstGeom prst="rect">
-            <a:avLst/>
-          </a:prstGeom>
-          <a:noFill/>
-          <a:ln>
-            <a:solidFill>
-              <a:schemeClr val="tx1"/>
-            </a:solidFill>
-          </a:ln>
-          <a:extLst>
-            <a:ext uri="{909E8E84-426E-40DD-AFC4-6F175D3DCCD1}">
-              <a14:hiddenFill xmlns:a14="http://schemas.microsoft.com/office/drawing/2010/main">
-                <a:solidFill>
-                  <a:srgbClr val="FFFFFF"/>
-                </a:solidFill>
-              </a14:hiddenFill>
-            </a:ext>
-          </a:extLst>
-        </p:spPr>
-      </p:pic>
-      <p:sp>
-        <p:nvSpPr>
-          <p:cNvPr id="4" name="橢圓 3"/>
-          <p:cNvSpPr/>
-          <p:nvPr/>
-        </p:nvSpPr>
-        <p:spPr>
-          <a:xfrm>
-            <a:off x="877824" y="2880963"/>
-            <a:ext cx="630936" cy="374904"/>
-          </a:xfrm>
-          <a:prstGeom prst="ellipse">
-            <a:avLst/>
-          </a:prstGeom>
-          <a:noFill/>
-          <a:ln w="38100">
-            <a:solidFill>
-              <a:srgbClr val="FF0000"/>
-            </a:solidFill>
-          </a:ln>
-        </p:spPr>
-        <p:style>
-          <a:lnRef idx="2">
-            <a:schemeClr val="accent1">
-              <a:shade val="50000"/>
-            </a:schemeClr>
-          </a:lnRef>
-          <a:fillRef idx="1">
-            <a:schemeClr val="accent1"/>
-          </a:fillRef>
-          <a:effectRef idx="0">
-            <a:schemeClr val="accent1"/>
-          </a:effectRef>
-          <a:fontRef idx="minor">
-            <a:schemeClr val="lt1"/>
-          </a:fontRef>
-        </p:style>
-        <p:txBody>
-          <a:bodyPr rtlCol="0" anchor="ctr"/>
-          <a:lstStyle/>
-          <a:p>
-            <a:pPr algn="ctr"/>
-            <a:endParaRPr lang="zh-TW" altLang="en-US"/>
-          </a:p>
-        </p:txBody>
-      </p:sp>
-      <p:sp>
-        <p:nvSpPr>
-          <p:cNvPr id="7" name="橢圓 6"/>
-          <p:cNvSpPr/>
-          <p:nvPr/>
-        </p:nvSpPr>
-        <p:spPr>
-          <a:xfrm>
-            <a:off x="6577921" y="2533491"/>
-            <a:ext cx="630936" cy="374904"/>
-          </a:xfrm>
-          <a:prstGeom prst="ellipse">
-            <a:avLst/>
-          </a:prstGeom>
-          <a:noFill/>
-          <a:ln w="38100">
-            <a:solidFill>
-              <a:srgbClr val="FF0000"/>
-            </a:solidFill>
-          </a:ln>
-        </p:spPr>
-        <p:style>
-          <a:lnRef idx="2">
-            <a:schemeClr val="accent1">
-              <a:shade val="50000"/>
-            </a:schemeClr>
-          </a:lnRef>
-          <a:fillRef idx="1">
-            <a:schemeClr val="accent1"/>
-          </a:fillRef>
-          <a:effectRef idx="0">
-            <a:schemeClr val="accent1"/>
-          </a:effectRef>
-          <a:fontRef idx="minor">
-            <a:schemeClr val="lt1"/>
-          </a:fontRef>
-        </p:style>
-        <p:txBody>
-          <a:bodyPr rtlCol="0" anchor="ctr"/>
-          <a:lstStyle/>
-          <a:p>
-            <a:pPr algn="ctr"/>
-            <a:endParaRPr lang="zh-TW" altLang="en-US"/>
-          </a:p>
-        </p:txBody>
-      </p:sp>
-      <p:sp>
-        <p:nvSpPr>
-          <p:cNvPr id="5" name="文字方塊 4"/>
-          <p:cNvSpPr txBox="1"/>
-          <p:nvPr/>
-        </p:nvSpPr>
-        <p:spPr>
-          <a:xfrm>
-            <a:off x="7837733" y="900668"/>
-            <a:ext cx="1915909" cy="369332"/>
-          </a:xfrm>
-          <a:prstGeom prst="rect">
-            <a:avLst/>
-          </a:prstGeom>
-          <a:noFill/>
-        </p:spPr>
-        <p:txBody>
-          <a:bodyPr wrap="none" rtlCol="0">
-            <a:spAutoFit/>
-          </a:bodyPr>
-          <a:lstStyle/>
-          <a:p>
-            <a:r>
-              <a:rPr lang="en-US" altLang="zh-TW" b="1" dirty="0" smtClean="0"/>
-              <a:t>2019</a:t>
-            </a:r>
-            <a:r>
-              <a:rPr lang="zh-TW" altLang="en-US" b="1" dirty="0" smtClean="0"/>
-              <a:t>年</a:t>
-            </a:r>
-            <a:r>
-              <a:rPr lang="en-US" altLang="zh-TW" b="1" dirty="0" smtClean="0"/>
-              <a:t>12</a:t>
-            </a:r>
-            <a:r>
-              <a:rPr lang="zh-TW" altLang="en-US" b="1" dirty="0"/>
-              <a:t>月</a:t>
-            </a:r>
-            <a:r>
-              <a:rPr lang="zh-TW" altLang="en-US" b="1" dirty="0" smtClean="0"/>
-              <a:t>資料</a:t>
-            </a:r>
-            <a:endParaRPr lang="zh-TW" altLang="en-US" b="1" dirty="0"/>
-          </a:p>
-        </p:txBody>
-      </p:sp>
-    </p:spTree>
-    <p:extLst>
-      <p:ext uri="{BB962C8B-B14F-4D97-AF65-F5344CB8AC3E}">
-        <p14:creationId xmlns:p14="http://schemas.microsoft.com/office/powerpoint/2010/main" val="784301048"/>
-      </p:ext>
-    </p:extLst>
-  </p:cSld>
-  <p:clrMapOvr>
-    <a:masterClrMapping/>
-  </p:clrMapOvr>
-  <p:timing>
-    <p:tnLst>
-      <p:par>
-        <p:cTn id="1" dur="indefinite" restart="never" nodeType="tmRoot"/>
-      </p:par>
-    </p:tnLst>
-  </p:timing>
-</p:sld>
-</file>
-
-<file path=ppt/slides/slide13.xml><?xml version="1.0" encoding="utf-8"?>
-<p:sld xmlns:a="http://schemas.openxmlformats.org/drawingml/2006/main" xmlns:r="http://schemas.openxmlformats.org/officeDocument/2006/relationships" xmlns:p="http://schemas.openxmlformats.org/presentationml/2006/main">
-  <p:cSld>
-    <p:spTree>
-      <p:nvGrpSpPr>
-        <p:cNvPr id="1" name=""/>
-        <p:cNvGrpSpPr/>
-        <p:nvPr/>
-      </p:nvGrpSpPr>
-      <p:grpSpPr>
-        <a:xfrm>
-          <a:off x="0" y="0"/>
-          <a:ext cx="0" cy="0"/>
-          <a:chOff x="0" y="0"/>
-          <a:chExt cx="0" cy="0"/>
-        </a:xfrm>
-      </p:grpSpPr>
-      <p:sp>
-        <p:nvSpPr>
-          <p:cNvPr id="2" name="標題 1"/>
-          <p:cNvSpPr>
-            <a:spLocks noGrp="1"/>
-          </p:cNvSpPr>
-          <p:nvPr>
-            <p:ph type="title"/>
-          </p:nvPr>
-        </p:nvSpPr>
-        <p:spPr/>
-        <p:txBody>
-          <a:bodyPr/>
-          <a:lstStyle/>
-          <a:p>
-            <a:r>
-              <a:rPr lang="zh-TW" altLang="en-US" dirty="0"/>
-              <a:t>哪個語言比較有</a:t>
-            </a:r>
-            <a:r>
-              <a:rPr lang="zh-TW" altLang="en-US" b="1" dirty="0">
-                <a:solidFill>
-                  <a:srgbClr val="FF0000"/>
-                </a:solidFill>
-              </a:rPr>
-              <a:t>錢</a:t>
-            </a:r>
-            <a:r>
-              <a:rPr lang="zh-TW" altLang="en-US" dirty="0" smtClean="0"/>
-              <a:t>途</a:t>
-            </a:r>
-            <a:r>
-              <a:rPr lang="en-US" altLang="zh-TW" dirty="0" smtClean="0"/>
-              <a:t>(</a:t>
-            </a:r>
-            <a:r>
-              <a:rPr lang="zh-TW" altLang="en-US" dirty="0" smtClean="0"/>
-              <a:t>續</a:t>
-            </a:r>
-            <a:r>
-              <a:rPr lang="en-US" altLang="zh-TW" dirty="0" smtClean="0"/>
-              <a:t>)</a:t>
-            </a:r>
-            <a:endParaRPr lang="zh-TW" altLang="en-US" dirty="0"/>
-          </a:p>
-        </p:txBody>
-      </p:sp>
-      <p:sp>
-        <p:nvSpPr>
-          <p:cNvPr id="3" name="文字方塊 2"/>
-          <p:cNvSpPr txBox="1"/>
-          <p:nvPr/>
-        </p:nvSpPr>
-        <p:spPr>
-          <a:xfrm>
-            <a:off x="8046720" y="900668"/>
-            <a:ext cx="1838965" cy="369332"/>
-          </a:xfrm>
-          <a:prstGeom prst="rect">
-            <a:avLst/>
-          </a:prstGeom>
-          <a:noFill/>
-        </p:spPr>
-        <p:txBody>
-          <a:bodyPr wrap="none" rtlCol="0">
-            <a:spAutoFit/>
-          </a:bodyPr>
-          <a:lstStyle/>
-          <a:p>
-            <a:r>
-              <a:rPr lang="en-US" altLang="zh-TW" dirty="0" smtClean="0"/>
-              <a:t>2019</a:t>
-            </a:r>
-            <a:r>
-              <a:rPr lang="zh-TW" altLang="en-US" dirty="0" smtClean="0"/>
-              <a:t>年</a:t>
-            </a:r>
-            <a:r>
-              <a:rPr lang="en-US" altLang="zh-TW" dirty="0" smtClean="0"/>
-              <a:t>12</a:t>
-            </a:r>
-            <a:r>
-              <a:rPr lang="zh-TW" altLang="en-US" dirty="0"/>
-              <a:t>月</a:t>
-            </a:r>
-            <a:r>
-              <a:rPr lang="zh-TW" altLang="en-US" dirty="0" smtClean="0"/>
-              <a:t>資料</a:t>
-            </a:r>
-            <a:endParaRPr lang="zh-TW" altLang="en-US" dirty="0"/>
-          </a:p>
-        </p:txBody>
-      </p:sp>
-      <p:pic>
-        <p:nvPicPr>
-          <p:cNvPr id="4098" name="Picture 2" descr="https://uploads-ssl.webflow.com/5d3a7aed4e11720246d46f49/5e030b3066a70d35871eebe8_2020%E8%81%B7%E7%BC%BA%E6%9C%80%E5%A4%9A%E7%9A%84%E7%A8%8B%E5%BC%8F%E8%AA%9E%E8%A8%80%20(2).jpg"/>
-          <p:cNvPicPr>
-            <a:picLocks noChangeAspect="1" noChangeArrowheads="1"/>
-          </p:cNvPicPr>
-          <p:nvPr/>
-        </p:nvPicPr>
-        <p:blipFill>
-          <a:blip r:embed="rId2">
-            <a:extLst>
-              <a:ext uri="{28A0092B-C50C-407E-A947-70E740481C1C}">
-                <a14:useLocalDpi xmlns:a14="http://schemas.microsoft.com/office/drawing/2010/main" val="0"/>
-              </a:ext>
-            </a:extLst>
-          </a:blip>
-          <a:srcRect/>
-          <a:stretch>
-            <a:fillRect/>
-          </a:stretch>
-        </p:blipFill>
-        <p:spPr bwMode="auto">
-          <a:xfrm>
-            <a:off x="5990652" y="1930400"/>
-            <a:ext cx="5557909" cy="4659184"/>
-          </a:xfrm>
-          <a:prstGeom prst="rect">
-            <a:avLst/>
-          </a:prstGeom>
-          <a:noFill/>
-          <a:ln>
-            <a:solidFill>
-              <a:schemeClr val="tx1"/>
-            </a:solidFill>
-          </a:ln>
-          <a:extLst>
-            <a:ext uri="{909E8E84-426E-40DD-AFC4-6F175D3DCCD1}">
-              <a14:hiddenFill xmlns:a14="http://schemas.microsoft.com/office/drawing/2010/main">
-                <a:solidFill>
-                  <a:srgbClr val="FFFFFF"/>
-                </a:solidFill>
-              </a14:hiddenFill>
-            </a:ext>
-          </a:extLst>
-        </p:spPr>
-      </p:pic>
-      <p:pic>
-        <p:nvPicPr>
-          <p:cNvPr id="4" name="圖片 3"/>
-          <p:cNvPicPr>
-            <a:picLocks noChangeAspect="1"/>
-          </p:cNvPicPr>
-          <p:nvPr/>
-        </p:nvPicPr>
-        <p:blipFill>
-          <a:blip r:embed="rId3"/>
-          <a:stretch>
-            <a:fillRect/>
-          </a:stretch>
-        </p:blipFill>
-        <p:spPr>
-          <a:xfrm>
-            <a:off x="186491" y="1930400"/>
-            <a:ext cx="5909509" cy="4659184"/>
-          </a:xfrm>
-          <a:prstGeom prst="rect">
-            <a:avLst/>
-          </a:prstGeom>
-          <a:ln>
-            <a:solidFill>
-              <a:schemeClr val="tx1"/>
-            </a:solidFill>
-          </a:ln>
-        </p:spPr>
-      </p:pic>
-      <p:sp>
-        <p:nvSpPr>
-          <p:cNvPr id="6" name="橢圓 5"/>
-          <p:cNvSpPr/>
-          <p:nvPr/>
-        </p:nvSpPr>
-        <p:spPr>
-          <a:xfrm>
-            <a:off x="5327712" y="3155283"/>
-            <a:ext cx="630936" cy="374904"/>
-          </a:xfrm>
-          <a:prstGeom prst="ellipse">
-            <a:avLst/>
-          </a:prstGeom>
-          <a:noFill/>
-          <a:ln w="38100">
-            <a:solidFill>
-              <a:srgbClr val="FF0000"/>
-            </a:solidFill>
-          </a:ln>
-        </p:spPr>
-        <p:style>
-          <a:lnRef idx="2">
-            <a:schemeClr val="accent1">
-              <a:shade val="50000"/>
-            </a:schemeClr>
-          </a:lnRef>
-          <a:fillRef idx="1">
-            <a:schemeClr val="accent1"/>
-          </a:fillRef>
-          <a:effectRef idx="0">
-            <a:schemeClr val="accent1"/>
-          </a:effectRef>
-          <a:fontRef idx="minor">
-            <a:schemeClr val="lt1"/>
-          </a:fontRef>
-        </p:style>
-        <p:txBody>
-          <a:bodyPr rtlCol="0" anchor="ctr"/>
-          <a:lstStyle/>
-          <a:p>
-            <a:pPr algn="ctr"/>
-            <a:endParaRPr lang="zh-TW" altLang="en-US"/>
-          </a:p>
-        </p:txBody>
-      </p:sp>
-      <p:sp>
-        <p:nvSpPr>
-          <p:cNvPr id="7" name="橢圓 6"/>
-          <p:cNvSpPr/>
-          <p:nvPr/>
-        </p:nvSpPr>
-        <p:spPr>
-          <a:xfrm>
-            <a:off x="6604824" y="3956907"/>
-            <a:ext cx="630936" cy="374904"/>
-          </a:xfrm>
-          <a:prstGeom prst="ellipse">
-            <a:avLst/>
-          </a:prstGeom>
-          <a:noFill/>
-          <a:ln w="38100">
-            <a:solidFill>
-              <a:srgbClr val="FF0000"/>
-            </a:solidFill>
-          </a:ln>
-        </p:spPr>
-        <p:style>
-          <a:lnRef idx="2">
-            <a:schemeClr val="accent1">
-              <a:shade val="50000"/>
-            </a:schemeClr>
-          </a:lnRef>
-          <a:fillRef idx="1">
-            <a:schemeClr val="accent1"/>
-          </a:fillRef>
-          <a:effectRef idx="0">
-            <a:schemeClr val="accent1"/>
-          </a:effectRef>
-          <a:fontRef idx="minor">
-            <a:schemeClr val="lt1"/>
-          </a:fontRef>
-        </p:style>
-        <p:txBody>
-          <a:bodyPr rtlCol="0" anchor="ctr"/>
-          <a:lstStyle/>
-          <a:p>
-            <a:pPr algn="ctr"/>
-            <a:endParaRPr lang="zh-TW" altLang="en-US"/>
-          </a:p>
-        </p:txBody>
-      </p:sp>
-    </p:spTree>
-    <p:extLst>
-      <p:ext uri="{BB962C8B-B14F-4D97-AF65-F5344CB8AC3E}">
-        <p14:creationId xmlns:p14="http://schemas.microsoft.com/office/powerpoint/2010/main" val="2751266355"/>
-      </p:ext>
-    </p:extLst>
-  </p:cSld>
-  <p:clrMapOvr>
-    <a:masterClrMapping/>
-  </p:clrMapOvr>
-  <p:timing>
-    <p:tnLst>
-      <p:par>
-        <p:cTn id="1" dur="indefinite" restart="never" nodeType="tmRoot"/>
-      </p:par>
-    </p:tnLst>
-  </p:timing>
-</p:sld>
-</file>
-
-<file path=ppt/slides/slide14.xml><?xml version="1.0" encoding="utf-8"?>
-<p:sld xmlns:a="http://schemas.openxmlformats.org/drawingml/2006/main" xmlns:r="http://schemas.openxmlformats.org/officeDocument/2006/relationships" xmlns:p="http://schemas.openxmlformats.org/presentationml/2006/main">
-  <p:cSld>
-    <p:spTree>
-      <p:nvGrpSpPr>
-        <p:cNvPr id="1" name=""/>
-        <p:cNvGrpSpPr/>
-        <p:nvPr/>
-      </p:nvGrpSpPr>
-      <p:grpSpPr>
-        <a:xfrm>
-          <a:off x="0" y="0"/>
-          <a:ext cx="0" cy="0"/>
-          <a:chOff x="0" y="0"/>
-          <a:chExt cx="0" cy="0"/>
-        </a:xfrm>
-      </p:grpSpPr>
-      <p:sp>
-        <p:nvSpPr>
-          <p:cNvPr id="2" name="標題 1"/>
-          <p:cNvSpPr>
-            <a:spLocks noGrp="1"/>
-          </p:cNvSpPr>
-          <p:nvPr>
-            <p:ph type="title"/>
-          </p:nvPr>
-        </p:nvSpPr>
-        <p:spPr/>
-        <p:txBody>
-          <a:bodyPr/>
-          <a:lstStyle/>
-          <a:p>
-            <a:r>
-              <a:rPr lang="zh-TW" altLang="en-US" dirty="0"/>
-              <a:t>哪個語言比較有</a:t>
-            </a:r>
-            <a:r>
-              <a:rPr lang="zh-TW" altLang="en-US" b="1" dirty="0">
-                <a:solidFill>
-                  <a:srgbClr val="FF0000"/>
-                </a:solidFill>
-              </a:rPr>
-              <a:t>錢</a:t>
-            </a:r>
-            <a:r>
-              <a:rPr lang="zh-TW" altLang="en-US" dirty="0" smtClean="0"/>
-              <a:t>途</a:t>
-            </a:r>
-            <a:r>
-              <a:rPr lang="en-US" altLang="zh-TW" dirty="0" smtClean="0"/>
-              <a:t>(2021)</a:t>
-            </a:r>
-            <a:endParaRPr lang="zh-TW" altLang="en-US" dirty="0"/>
-          </a:p>
-        </p:txBody>
-      </p:sp>
-      <p:pic>
-        <p:nvPicPr>
-          <p:cNvPr id="3" name="Picture 2" descr="https://uploads-ssl.webflow.com/60d29cc33f302e8be91cf0e2/60d29cc33f302e2ac11d0592_MnRKhuCTg76ezzLsvKdd6fZED2zFg8ZtO338tCDhTMoUOizmAxTT3TxHSZwXeu40AgUP-d8xz1fOTIdInvyvbUm8t0VnYGWoVUR4SHJbT8GEaoIxDkM19wr0uPVFCBJbMvUJLnGz.png"/>
-          <p:cNvPicPr>
-            <a:picLocks noChangeAspect="1" noChangeArrowheads="1"/>
-          </p:cNvPicPr>
-          <p:nvPr/>
-        </p:nvPicPr>
-        <p:blipFill>
-          <a:blip r:embed="rId2">
-            <a:extLst>
-              <a:ext uri="{28A0092B-C50C-407E-A947-70E740481C1C}">
-                <a14:useLocalDpi xmlns:a14="http://schemas.microsoft.com/office/drawing/2010/main" val="0"/>
-              </a:ext>
-            </a:extLst>
-          </a:blip>
-          <a:srcRect/>
-          <a:stretch>
-            <a:fillRect/>
-          </a:stretch>
-        </p:blipFill>
-        <p:spPr bwMode="auto">
-          <a:xfrm>
-            <a:off x="5534759" y="1802816"/>
-            <a:ext cx="5206548" cy="4364638"/>
-          </a:xfrm>
-          <a:prstGeom prst="rect">
-            <a:avLst/>
-          </a:prstGeom>
-          <a:noFill/>
-          <a:ln>
-            <a:solidFill>
-              <a:schemeClr val="tx1"/>
-            </a:solidFill>
-          </a:ln>
-          <a:extLst>
-            <a:ext uri="{909E8E84-426E-40DD-AFC4-6F175D3DCCD1}">
-              <a14:hiddenFill xmlns:a14="http://schemas.microsoft.com/office/drawing/2010/main">
-                <a:solidFill>
-                  <a:srgbClr val="FFFFFF"/>
-                </a:solidFill>
-              </a14:hiddenFill>
-            </a:ext>
-          </a:extLst>
-        </p:spPr>
-      </p:pic>
-      <p:sp>
-        <p:nvSpPr>
-          <p:cNvPr id="4" name="文字方塊 3"/>
-          <p:cNvSpPr txBox="1"/>
-          <p:nvPr/>
-        </p:nvSpPr>
-        <p:spPr>
-          <a:xfrm>
-            <a:off x="7837733" y="900668"/>
-            <a:ext cx="1781257" cy="369332"/>
-          </a:xfrm>
-          <a:prstGeom prst="rect">
-            <a:avLst/>
-          </a:prstGeom>
-          <a:noFill/>
-        </p:spPr>
-        <p:txBody>
-          <a:bodyPr wrap="none" rtlCol="0">
-            <a:spAutoFit/>
-          </a:bodyPr>
-          <a:lstStyle/>
-          <a:p>
-            <a:r>
-              <a:rPr lang="en-US" altLang="zh-TW" b="1" dirty="0" smtClean="0"/>
-              <a:t>2021</a:t>
-            </a:r>
-            <a:r>
-              <a:rPr lang="zh-TW" altLang="en-US" b="1" dirty="0" smtClean="0"/>
-              <a:t>年</a:t>
-            </a:r>
-            <a:r>
-              <a:rPr lang="en-US" altLang="zh-TW" b="1" dirty="0"/>
-              <a:t>8</a:t>
-            </a:r>
-            <a:r>
-              <a:rPr lang="zh-TW" altLang="en-US" b="1" dirty="0" smtClean="0"/>
-              <a:t>月資料</a:t>
-            </a:r>
-            <a:endParaRPr lang="zh-TW" altLang="en-US" b="1" dirty="0"/>
-          </a:p>
-        </p:txBody>
-      </p:sp>
-      <p:pic>
-        <p:nvPicPr>
-          <p:cNvPr id="3074" name="Picture 2" descr="https://uploads-ssl.webflow.com/60d29cc33f302e8be91cf0e2/60d29cc33f302e49b11d0595_egMunv3wOkMPclagp06I-LLMdzHVZU8S3mgdob2OdMHNqtupQY-YutwIWQXWedvc3Qw9tk0z4GdCiE-zzj8Dd5IJK4uF7_LrLkCGvg-ESlWKAwBqLhk7ToaNzbeVvynvznMrlU72.png"/>
-          <p:cNvPicPr>
-            <a:picLocks noChangeAspect="1" noChangeArrowheads="1"/>
-          </p:cNvPicPr>
-          <p:nvPr/>
-        </p:nvPicPr>
-        <p:blipFill>
-          <a:blip r:embed="rId3">
-            <a:extLst>
-              <a:ext uri="{28A0092B-C50C-407E-A947-70E740481C1C}">
-                <a14:useLocalDpi xmlns:a14="http://schemas.microsoft.com/office/drawing/2010/main" val="0"/>
-              </a:ext>
-            </a:extLst>
-          </a:blip>
-          <a:srcRect/>
-          <a:stretch>
-            <a:fillRect/>
-          </a:stretch>
-        </p:blipFill>
-        <p:spPr bwMode="auto">
-          <a:xfrm>
-            <a:off x="332346" y="1815621"/>
-            <a:ext cx="5203352" cy="4361960"/>
-          </a:xfrm>
-          <a:prstGeom prst="rect">
-            <a:avLst/>
-          </a:prstGeom>
-          <a:noFill/>
-          <a:ln>
-            <a:solidFill>
-              <a:schemeClr val="tx1"/>
-            </a:solidFill>
-          </a:ln>
-          <a:extLst>
-            <a:ext uri="{909E8E84-426E-40DD-AFC4-6F175D3DCCD1}">
-              <a14:hiddenFill xmlns:a14="http://schemas.microsoft.com/office/drawing/2010/main">
-                <a:solidFill>
-                  <a:srgbClr val="FFFFFF"/>
-                </a:solidFill>
-              </a14:hiddenFill>
-            </a:ext>
-          </a:extLst>
-        </p:spPr>
-      </p:pic>
-      <p:sp>
-        <p:nvSpPr>
-          <p:cNvPr id="6" name="橢圓 5"/>
-          <p:cNvSpPr/>
-          <p:nvPr/>
-        </p:nvSpPr>
-        <p:spPr>
-          <a:xfrm>
-            <a:off x="785227" y="3241548"/>
-            <a:ext cx="630936" cy="374904"/>
-          </a:xfrm>
-          <a:prstGeom prst="ellipse">
-            <a:avLst/>
-          </a:prstGeom>
-          <a:noFill/>
-          <a:ln w="38100">
-            <a:solidFill>
-              <a:srgbClr val="FF0000"/>
-            </a:solidFill>
-          </a:ln>
-        </p:spPr>
-        <p:style>
-          <a:lnRef idx="2">
-            <a:schemeClr val="accent1">
-              <a:shade val="50000"/>
-            </a:schemeClr>
-          </a:lnRef>
-          <a:fillRef idx="1">
-            <a:schemeClr val="accent1"/>
-          </a:fillRef>
-          <a:effectRef idx="0">
-            <a:schemeClr val="accent1"/>
-          </a:effectRef>
-          <a:fontRef idx="minor">
-            <a:schemeClr val="lt1"/>
-          </a:fontRef>
-        </p:style>
-        <p:txBody>
-          <a:bodyPr rtlCol="0" anchor="ctr"/>
-          <a:lstStyle/>
-          <a:p>
-            <a:pPr algn="ctr"/>
-            <a:endParaRPr lang="zh-TW" altLang="en-US"/>
-          </a:p>
-        </p:txBody>
-      </p:sp>
-      <p:sp>
-        <p:nvSpPr>
-          <p:cNvPr id="7" name="橢圓 6"/>
-          <p:cNvSpPr/>
-          <p:nvPr/>
-        </p:nvSpPr>
-        <p:spPr>
-          <a:xfrm>
-            <a:off x="6096000" y="2866644"/>
-            <a:ext cx="630936" cy="374904"/>
-          </a:xfrm>
-          <a:prstGeom prst="ellipse">
-            <a:avLst/>
-          </a:prstGeom>
-          <a:noFill/>
-          <a:ln w="38100">
-            <a:solidFill>
-              <a:srgbClr val="FF0000"/>
-            </a:solidFill>
-          </a:ln>
-        </p:spPr>
-        <p:style>
-          <a:lnRef idx="2">
-            <a:schemeClr val="accent1">
-              <a:shade val="50000"/>
-            </a:schemeClr>
-          </a:lnRef>
-          <a:fillRef idx="1">
-            <a:schemeClr val="accent1"/>
-          </a:fillRef>
-          <a:effectRef idx="0">
-            <a:schemeClr val="accent1"/>
-          </a:effectRef>
-          <a:fontRef idx="minor">
-            <a:schemeClr val="lt1"/>
-          </a:fontRef>
-        </p:style>
-        <p:txBody>
-          <a:bodyPr rtlCol="0" anchor="ctr"/>
-          <a:lstStyle/>
-          <a:p>
-            <a:pPr algn="ctr"/>
-            <a:endParaRPr lang="zh-TW" altLang="en-US"/>
-          </a:p>
-        </p:txBody>
-      </p:sp>
-    </p:spTree>
-    <p:extLst>
-      <p:ext uri="{BB962C8B-B14F-4D97-AF65-F5344CB8AC3E}">
-        <p14:creationId xmlns:p14="http://schemas.microsoft.com/office/powerpoint/2010/main" val="3837942254"/>
-      </p:ext>
-    </p:extLst>
-  </p:cSld>
-  <p:clrMapOvr>
-    <a:masterClrMapping/>
-  </p:clrMapOvr>
-</p:sld>
-</file>
-
-<file path=ppt/slides/slide2.xml><?xml version="1.0" encoding="utf-8"?>
-<p:sld xmlns:a="http://schemas.openxmlformats.org/drawingml/2006/main" xmlns:r="http://schemas.openxmlformats.org/officeDocument/2006/relationships" xmlns:p="http://schemas.openxmlformats.org/presentationml/2006/main">
-  <p:cSld>
-    <p:spTree>
-      <p:nvGrpSpPr>
-        <p:cNvPr id="1" name=""/>
-        <p:cNvGrpSpPr/>
-        <p:nvPr/>
-      </p:nvGrpSpPr>
-      <p:grpSpPr>
-        <a:xfrm>
-          <a:off x="0" y="0"/>
-          <a:ext cx="0" cy="0"/>
-          <a:chOff x="0" y="0"/>
-          <a:chExt cx="0" cy="0"/>
-        </a:xfrm>
-      </p:grpSpPr>
-      <p:sp>
-        <p:nvSpPr>
-          <p:cNvPr id="4" name="標題 3"/>
-          <p:cNvSpPr>
-            <a:spLocks noGrp="1"/>
-          </p:cNvSpPr>
-          <p:nvPr>
-            <p:ph type="title"/>
-          </p:nvPr>
-        </p:nvSpPr>
-        <p:spPr/>
-        <p:txBody>
-          <a:bodyPr/>
-          <a:lstStyle/>
-          <a:p>
-            <a:r>
-              <a:rPr lang="zh-TW" altLang="en-US" dirty="0" smtClean="0"/>
-              <a:t>你為什麼要學</a:t>
-            </a:r>
-            <a:r>
-              <a:rPr lang="en-US" altLang="zh-TW" dirty="0" smtClean="0"/>
-              <a:t>Java</a:t>
-            </a:r>
-            <a:r>
-              <a:rPr lang="zh-TW" altLang="en-US" dirty="0" smtClean="0"/>
-              <a:t>？</a:t>
-            </a:r>
-            <a:endParaRPr lang="zh-TW" altLang="en-US" dirty="0"/>
-          </a:p>
-        </p:txBody>
-      </p:sp>
-      <p:sp>
-        <p:nvSpPr>
-          <p:cNvPr id="5" name="文字版面配置區 4"/>
-          <p:cNvSpPr>
-            <a:spLocks noGrp="1"/>
-          </p:cNvSpPr>
-          <p:nvPr>
-            <p:ph type="body" idx="1"/>
-          </p:nvPr>
-        </p:nvSpPr>
-        <p:spPr/>
-        <p:txBody>
-          <a:bodyPr/>
-          <a:lstStyle/>
-          <a:p>
-            <a:endParaRPr lang="zh-TW" altLang="en-US"/>
-          </a:p>
-        </p:txBody>
-      </p:sp>
-    </p:spTree>
-    <p:extLst>
-      <p:ext uri="{BB962C8B-B14F-4D97-AF65-F5344CB8AC3E}">
-        <p14:creationId xmlns:p14="http://schemas.microsoft.com/office/powerpoint/2010/main" val="190834195"/>
-      </p:ext>
-    </p:extLst>
-  </p:cSld>
-  <p:clrMapOvr>
-    <a:masterClrMapping/>
-  </p:clrMapOvr>
-  <p:timing>
-    <p:tnLst>
-      <p:par>
-        <p:cTn id="1" dur="indefinite" restart="never" nodeType="tmRoot"/>
-      </p:par>
-    </p:tnLst>
-  </p:timing>
-</p:sld>
-</file>
-
-<file path=ppt/slides/slide3.xml><?xml version="1.0" encoding="utf-8"?>
-<p:sld xmlns:a="http://schemas.openxmlformats.org/drawingml/2006/main" xmlns:r="http://schemas.openxmlformats.org/officeDocument/2006/relationships" xmlns:p="http://schemas.openxmlformats.org/presentationml/2006/main">
-  <p:cSld>
-    <p:spTree>
-      <p:nvGrpSpPr>
-        <p:cNvPr id="1" name=""/>
-        <p:cNvGrpSpPr/>
-        <p:nvPr/>
-      </p:nvGrpSpPr>
-      <p:grpSpPr>
-        <a:xfrm>
-          <a:off x="0" y="0"/>
-          <a:ext cx="0" cy="0"/>
-          <a:chOff x="0" y="0"/>
-          <a:chExt cx="0" cy="0"/>
-        </a:xfrm>
-      </p:grpSpPr>
-      <p:sp>
-        <p:nvSpPr>
-          <p:cNvPr id="2" name="標題 1"/>
-          <p:cNvSpPr>
-            <a:spLocks noGrp="1"/>
-          </p:cNvSpPr>
-          <p:nvPr>
-            <p:ph type="title"/>
-          </p:nvPr>
-        </p:nvSpPr>
-        <p:spPr/>
-        <p:txBody>
-          <a:bodyPr/>
-          <a:lstStyle/>
-          <a:p>
-            <a:r>
-              <a:rPr lang="zh-TW" altLang="en-US" dirty="0" smtClean="0"/>
-              <a:t>為什麼要學程式？</a:t>
-            </a:r>
-            <a:endParaRPr lang="zh-TW" altLang="en-US" dirty="0"/>
-          </a:p>
-        </p:txBody>
-      </p:sp>
-      <p:sp>
-        <p:nvSpPr>
-          <p:cNvPr id="3" name="內容版面配置區 2"/>
-          <p:cNvSpPr>
-            <a:spLocks noGrp="1"/>
-          </p:cNvSpPr>
-          <p:nvPr>
-            <p:ph idx="1"/>
-          </p:nvPr>
-        </p:nvSpPr>
-        <p:spPr/>
-        <p:txBody>
-          <a:bodyPr/>
-          <a:lstStyle/>
-          <a:p>
-            <a:r>
-              <a:rPr lang="zh-TW" altLang="en-US" b="1" dirty="0" smtClean="0"/>
-              <a:t>大數據、人工智慧、物聯網</a:t>
-            </a:r>
-            <a:r>
-              <a:rPr lang="zh-TW" altLang="en-US" dirty="0" smtClean="0"/>
-              <a:t>等資訊科技發展</a:t>
-            </a:r>
-            <a:r>
-              <a:rPr lang="zh-TW" altLang="en-US" dirty="0"/>
-              <a:t>如日中天，如何和電腦對話逐漸成為現代人必備</a:t>
-            </a:r>
-            <a:r>
-              <a:rPr lang="zh-TW" altLang="en-US" dirty="0" smtClean="0"/>
-              <a:t>的技能</a:t>
-            </a:r>
-            <a:r>
-              <a:rPr lang="zh-TW" altLang="en-US" dirty="0"/>
-              <a:t>之一</a:t>
-            </a:r>
-            <a:r>
-              <a:rPr lang="zh-TW" altLang="en-US" dirty="0" smtClean="0"/>
-              <a:t>。</a:t>
-            </a:r>
-            <a:endParaRPr lang="en-US" altLang="zh-TW" dirty="0" smtClean="0"/>
-          </a:p>
-          <a:p>
-            <a:r>
-              <a:rPr lang="en-US" altLang="zh-TW" dirty="0"/>
-              <a:t>108</a:t>
-            </a:r>
-            <a:r>
-              <a:rPr lang="zh-TW" altLang="en-US" dirty="0"/>
-              <a:t>課綱首度將程式語言納入</a:t>
-            </a:r>
-            <a:r>
-              <a:rPr lang="zh-TW" altLang="en-US" b="1" dirty="0"/>
-              <a:t>中學</a:t>
-            </a:r>
-            <a:r>
-              <a:rPr lang="zh-TW" altLang="en-US" dirty="0" smtClean="0"/>
-              <a:t>課程。</a:t>
-            </a:r>
-            <a:endParaRPr lang="en-US" altLang="zh-TW" dirty="0" smtClean="0"/>
-          </a:p>
-          <a:p>
-            <a:pPr lvl="1"/>
-            <a:r>
-              <a:rPr lang="zh-TW" altLang="en-US" dirty="0"/>
-              <a:t>推動</a:t>
-            </a:r>
-            <a:r>
-              <a:rPr lang="en-US" altLang="zh-TW" dirty="0"/>
-              <a:t>STEM</a:t>
-            </a:r>
-            <a:r>
-              <a:rPr lang="zh-TW" altLang="en-US" dirty="0" smtClean="0"/>
-              <a:t>教育：</a:t>
-            </a:r>
-            <a:endParaRPr lang="en-US" altLang="zh-TW" dirty="0" smtClean="0"/>
-          </a:p>
-          <a:p>
-            <a:pPr lvl="2"/>
-            <a:r>
-              <a:rPr lang="zh-TW" altLang="en-US" b="1" dirty="0" smtClean="0"/>
-              <a:t>科學</a:t>
-            </a:r>
-            <a:r>
-              <a:rPr lang="en-US" altLang="zh-TW" b="1" dirty="0"/>
-              <a:t>(</a:t>
-            </a:r>
-            <a:r>
-              <a:rPr lang="en-US" altLang="zh-TW" b="1" dirty="0" err="1">
-                <a:solidFill>
-                  <a:srgbClr val="FF0000"/>
-                </a:solidFill>
-              </a:rPr>
-              <a:t>S</a:t>
-            </a:r>
-            <a:r>
-              <a:rPr lang="en-US" altLang="zh-TW" b="1" dirty="0" err="1"/>
-              <a:t>ience</a:t>
-            </a:r>
-            <a:r>
-              <a:rPr lang="en-US" altLang="zh-TW" b="1" dirty="0"/>
-              <a:t>)</a:t>
-            </a:r>
-            <a:r>
-              <a:rPr lang="zh-TW" altLang="en-US" b="1" dirty="0"/>
-              <a:t>、科技</a:t>
-            </a:r>
-            <a:r>
-              <a:rPr lang="en-US" altLang="zh-TW" b="1" dirty="0"/>
-              <a:t>(</a:t>
-            </a:r>
-            <a:r>
-              <a:rPr lang="en-US" altLang="zh-TW" b="1" dirty="0">
-                <a:solidFill>
-                  <a:srgbClr val="FF0000"/>
-                </a:solidFill>
-              </a:rPr>
-              <a:t>T</a:t>
-            </a:r>
-            <a:r>
-              <a:rPr lang="en-US" altLang="zh-TW" b="1" dirty="0"/>
-              <a:t>echnology)</a:t>
-            </a:r>
-            <a:r>
-              <a:rPr lang="zh-TW" altLang="en-US" b="1" dirty="0"/>
-              <a:t>、工程</a:t>
-            </a:r>
-            <a:r>
-              <a:rPr lang="en-US" altLang="zh-TW" b="1" dirty="0"/>
-              <a:t>(</a:t>
-            </a:r>
-            <a:r>
-              <a:rPr lang="en-US" altLang="zh-TW" b="1" dirty="0">
-                <a:solidFill>
-                  <a:srgbClr val="FF0000"/>
-                </a:solidFill>
-              </a:rPr>
-              <a:t>E</a:t>
-            </a:r>
-            <a:r>
-              <a:rPr lang="en-US" altLang="zh-TW" b="1" dirty="0"/>
-              <a:t>ngineering)</a:t>
-            </a:r>
-            <a:r>
-              <a:rPr lang="zh-TW" altLang="en-US" b="1" dirty="0"/>
-              <a:t>以及數學</a:t>
-            </a:r>
-            <a:r>
-              <a:rPr lang="en-US" altLang="zh-TW" b="1" dirty="0"/>
-              <a:t>(</a:t>
-            </a:r>
-            <a:r>
-              <a:rPr lang="en-US" altLang="zh-TW" b="1" dirty="0">
-                <a:solidFill>
-                  <a:srgbClr val="FF0000"/>
-                </a:solidFill>
-              </a:rPr>
-              <a:t>M</a:t>
-            </a:r>
-            <a:r>
-              <a:rPr lang="en-US" altLang="zh-TW" b="1" dirty="0"/>
-              <a:t>ath)</a:t>
-            </a:r>
-            <a:endParaRPr lang="en-US" altLang="zh-TW" dirty="0" smtClean="0"/>
-          </a:p>
-          <a:p>
-            <a:r>
-              <a:rPr lang="zh-TW" altLang="en-US" dirty="0" smtClean="0"/>
-              <a:t>高中升大學推動</a:t>
-            </a:r>
-            <a:r>
-              <a:rPr lang="en-US" altLang="zh-TW" dirty="0" smtClean="0"/>
-              <a:t>APCS</a:t>
-            </a:r>
-          </a:p>
-          <a:p>
-            <a:pPr lvl="1"/>
-            <a:r>
-              <a:rPr lang="en-US" altLang="zh-TW" dirty="0">
-                <a:solidFill>
-                  <a:srgbClr val="FF0000"/>
-                </a:solidFill>
-              </a:rPr>
-              <a:t>A</a:t>
-            </a:r>
-            <a:r>
-              <a:rPr lang="en-US" altLang="zh-TW" dirty="0"/>
-              <a:t>dvanced </a:t>
-            </a:r>
-            <a:r>
-              <a:rPr lang="en-US" altLang="zh-TW" dirty="0">
-                <a:solidFill>
-                  <a:srgbClr val="FF0000"/>
-                </a:solidFill>
-              </a:rPr>
-              <a:t>P</a:t>
-            </a:r>
-            <a:r>
-              <a:rPr lang="en-US" altLang="zh-TW" dirty="0"/>
-              <a:t>lacement </a:t>
-            </a:r>
-            <a:r>
-              <a:rPr lang="en-US" altLang="zh-TW" dirty="0">
-                <a:solidFill>
-                  <a:srgbClr val="FF0000"/>
-                </a:solidFill>
-              </a:rPr>
-              <a:t>C</a:t>
-            </a:r>
-            <a:r>
-              <a:rPr lang="en-US" altLang="zh-TW" dirty="0"/>
-              <a:t>omputer </a:t>
-            </a:r>
-            <a:r>
-              <a:rPr lang="en-US" altLang="zh-TW" dirty="0" smtClean="0">
-                <a:solidFill>
-                  <a:srgbClr val="FF0000"/>
-                </a:solidFill>
-              </a:rPr>
-              <a:t>S</a:t>
-            </a:r>
-            <a:r>
-              <a:rPr lang="en-US" altLang="zh-TW" dirty="0" smtClean="0"/>
-              <a:t>cience</a:t>
-            </a:r>
-          </a:p>
-          <a:p>
-            <a:pPr lvl="1"/>
-            <a:r>
-              <a:rPr lang="zh-TW" altLang="en-US" dirty="0"/>
-              <a:t>大學</a:t>
-            </a:r>
-            <a:r>
-              <a:rPr lang="zh-TW" altLang="en-US" dirty="0" smtClean="0"/>
-              <a:t>程式設計</a:t>
-            </a:r>
-            <a:r>
-              <a:rPr lang="zh-TW" altLang="en-US" dirty="0"/>
-              <a:t>先修</a:t>
-            </a:r>
-            <a:r>
-              <a:rPr lang="zh-TW" altLang="en-US" dirty="0" smtClean="0"/>
-              <a:t>檢測</a:t>
-            </a:r>
-            <a:endParaRPr lang="en-US" altLang="zh-TW" dirty="0" smtClean="0"/>
-          </a:p>
-          <a:p>
-            <a:r>
-              <a:rPr lang="zh-TW" altLang="en-US" sz="3200" b="1" dirty="0" smtClean="0">
-                <a:solidFill>
-                  <a:srgbClr val="FF0000"/>
-                </a:solidFill>
-              </a:rPr>
-              <a:t>再不學程式，你就落伍了！</a:t>
-            </a:r>
-            <a:endParaRPr lang="zh-TW" altLang="en-US" sz="3200" b="1" dirty="0">
-              <a:solidFill>
-                <a:srgbClr val="FF0000"/>
-              </a:solidFill>
-            </a:endParaRPr>
-          </a:p>
-        </p:txBody>
-      </p:sp>
-    </p:spTree>
-    <p:extLst>
-      <p:ext uri="{BB962C8B-B14F-4D97-AF65-F5344CB8AC3E}">
-        <p14:creationId xmlns:p14="http://schemas.microsoft.com/office/powerpoint/2010/main" val="1866728257"/>
-      </p:ext>
-    </p:extLst>
-  </p:cSld>
-  <p:clrMapOvr>
-    <a:masterClrMapping/>
-  </p:clrMapOvr>
-  <p:timing>
-    <p:tnLst>
-      <p:par>
-        <p:cTn id="1" dur="indefinite" restart="never" nodeType="tmRoot"/>
-      </p:par>
-    </p:tnLst>
-  </p:timing>
-</p:sld>
-</file>
-
-<file path=ppt/slides/slide4.xml><?xml version="1.0" encoding="utf-8"?>
-<p:sld xmlns:a="http://schemas.openxmlformats.org/drawingml/2006/main" xmlns:r="http://schemas.openxmlformats.org/officeDocument/2006/relationships" xmlns:p="http://schemas.openxmlformats.org/presentationml/2006/main">
-  <p:cSld>
-    <p:spTree>
-      <p:nvGrpSpPr>
-        <p:cNvPr id="1" name=""/>
-        <p:cNvGrpSpPr/>
-        <p:nvPr/>
-      </p:nvGrpSpPr>
-      <p:grpSpPr>
-        <a:xfrm>
-          <a:off x="0" y="0"/>
-          <a:ext cx="0" cy="0"/>
-          <a:chOff x="0" y="0"/>
-          <a:chExt cx="0" cy="0"/>
-        </a:xfrm>
-      </p:grpSpPr>
-      <p:sp>
-        <p:nvSpPr>
-          <p:cNvPr id="2" name="標題 1"/>
-          <p:cNvSpPr>
-            <a:spLocks noGrp="1"/>
-          </p:cNvSpPr>
-          <p:nvPr>
-            <p:ph type="title"/>
-          </p:nvPr>
-        </p:nvSpPr>
-        <p:spPr/>
-        <p:txBody>
-          <a:bodyPr/>
-          <a:lstStyle/>
-          <a:p>
-            <a:r>
-              <a:rPr lang="zh-TW" altLang="en-US" dirty="0" smtClean="0"/>
-              <a:t>可是，混得不好是這樣</a:t>
-            </a:r>
-            <a:endParaRPr lang="zh-TW" altLang="en-US" dirty="0"/>
-          </a:p>
-        </p:txBody>
-      </p:sp>
-      <p:sp>
-        <p:nvSpPr>
-          <p:cNvPr id="3" name="內容版面配置區 2"/>
-          <p:cNvSpPr>
-            <a:spLocks noGrp="1"/>
-          </p:cNvSpPr>
-          <p:nvPr>
-            <p:ph idx="1"/>
-          </p:nvPr>
-        </p:nvSpPr>
-        <p:spPr/>
-        <p:txBody>
-          <a:bodyPr/>
-          <a:lstStyle/>
-          <a:p>
-            <a:endParaRPr lang="zh-TW" altLang="en-US"/>
-          </a:p>
-        </p:txBody>
-      </p:sp>
-      <p:pic>
-        <p:nvPicPr>
-          <p:cNvPr id="9" name="圖片 8"/>
-          <p:cNvPicPr>
-            <a:picLocks noChangeAspect="1"/>
-          </p:cNvPicPr>
-          <p:nvPr/>
-        </p:nvPicPr>
-        <p:blipFill>
-          <a:blip r:embed="rId2"/>
-          <a:stretch>
-            <a:fillRect/>
-          </a:stretch>
-        </p:blipFill>
-        <p:spPr>
-          <a:xfrm>
-            <a:off x="6419001" y="1976105"/>
-            <a:ext cx="1971675" cy="2324100"/>
-          </a:xfrm>
-          <a:prstGeom prst="rect">
-            <a:avLst/>
-          </a:prstGeom>
-        </p:spPr>
-      </p:pic>
-      <p:pic>
-        <p:nvPicPr>
-          <p:cNvPr id="10" name="圖片 9"/>
-          <p:cNvPicPr>
-            <a:picLocks noChangeAspect="1"/>
-          </p:cNvPicPr>
-          <p:nvPr/>
-        </p:nvPicPr>
-        <p:blipFill>
-          <a:blip r:embed="rId3"/>
-          <a:stretch>
-            <a:fillRect/>
-          </a:stretch>
-        </p:blipFill>
-        <p:spPr>
-          <a:xfrm>
-            <a:off x="877951" y="1976105"/>
-            <a:ext cx="3533775" cy="2009775"/>
-          </a:xfrm>
-          <a:prstGeom prst="rect">
-            <a:avLst/>
-          </a:prstGeom>
-        </p:spPr>
-      </p:pic>
-      <p:pic>
-        <p:nvPicPr>
-          <p:cNvPr id="1034" name="Picture 10" descr="108个程序员的笑话_雪梅零落-CSDN博客"/>
-          <p:cNvPicPr>
-            <a:picLocks noChangeAspect="1" noChangeArrowheads="1"/>
-          </p:cNvPicPr>
-          <p:nvPr/>
-        </p:nvPicPr>
-        <p:blipFill>
-          <a:blip r:embed="rId4">
-            <a:extLst>
-              <a:ext uri="{28A0092B-C50C-407E-A947-70E740481C1C}">
-                <a14:useLocalDpi xmlns:a14="http://schemas.microsoft.com/office/drawing/2010/main" val="0"/>
-              </a:ext>
-            </a:extLst>
-          </a:blip>
-          <a:srcRect/>
-          <a:stretch>
-            <a:fillRect/>
-          </a:stretch>
-        </p:blipFill>
-        <p:spPr bwMode="auto">
-          <a:xfrm>
-            <a:off x="877950" y="4242725"/>
-            <a:ext cx="4657725" cy="2028826"/>
-          </a:xfrm>
-          <a:prstGeom prst="rect">
-            <a:avLst/>
-          </a:prstGeom>
-          <a:noFill/>
-          <a:extLst>
-            <a:ext uri="{909E8E84-426E-40DD-AFC4-6F175D3DCCD1}">
-              <a14:hiddenFill xmlns:a14="http://schemas.microsoft.com/office/drawing/2010/main">
-                <a:solidFill>
-                  <a:srgbClr val="FFFFFF"/>
-                </a:solidFill>
-              </a14:hiddenFill>
-            </a:ext>
-          </a:extLst>
-        </p:spPr>
-      </p:pic>
-    </p:spTree>
-    <p:extLst>
-      <p:ext uri="{BB962C8B-B14F-4D97-AF65-F5344CB8AC3E}">
-        <p14:creationId xmlns:p14="http://schemas.microsoft.com/office/powerpoint/2010/main" val="1139431667"/>
-      </p:ext>
-    </p:extLst>
-  </p:cSld>
-  <p:clrMapOvr>
-    <a:masterClrMapping/>
-  </p:clrMapOvr>
-  <p:timing>
-    <p:tnLst>
-      <p:par>
-        <p:cTn id="1" dur="indefinite" restart="never" nodeType="tmRoot"/>
-      </p:par>
-    </p:tnLst>
-  </p:timing>
-</p:sld>
-</file>
-
-<file path=ppt/slides/slide5.xml><?xml version="1.0" encoding="utf-8"?>
-<p:sld xmlns:a="http://schemas.openxmlformats.org/drawingml/2006/main" xmlns:r="http://schemas.openxmlformats.org/officeDocument/2006/relationships" xmlns:p="http://schemas.openxmlformats.org/presentationml/2006/main">
-  <p:cSld>
-    <p:spTree>
-      <p:nvGrpSpPr>
-        <p:cNvPr id="1" name=""/>
-        <p:cNvGrpSpPr/>
-        <p:nvPr/>
-      </p:nvGrpSpPr>
-      <p:grpSpPr>
-        <a:xfrm>
-          <a:off x="0" y="0"/>
-          <a:ext cx="0" cy="0"/>
-          <a:chOff x="0" y="0"/>
-          <a:chExt cx="0" cy="0"/>
-        </a:xfrm>
-      </p:grpSpPr>
-      <p:sp>
-        <p:nvSpPr>
-          <p:cNvPr id="2" name="標題 1"/>
-          <p:cNvSpPr>
-            <a:spLocks noGrp="1"/>
-          </p:cNvSpPr>
-          <p:nvPr>
-            <p:ph type="title"/>
-          </p:nvPr>
-        </p:nvSpPr>
-        <p:spPr/>
-        <p:txBody>
-          <a:bodyPr/>
-          <a:lstStyle/>
-          <a:p>
-            <a:r>
-              <a:rPr lang="zh-TW" altLang="en-US" dirty="0" smtClean="0"/>
-              <a:t>不過，混得好的</a:t>
-            </a:r>
-            <a:r>
-              <a:rPr lang="en-US" altLang="zh-TW" dirty="0" smtClean="0"/>
-              <a:t>……</a:t>
-            </a:r>
-            <a:endParaRPr lang="zh-TW" altLang="en-US" dirty="0"/>
-          </a:p>
-        </p:txBody>
-      </p:sp>
-      <p:sp>
-        <p:nvSpPr>
-          <p:cNvPr id="3" name="內容版面配置區 2"/>
-          <p:cNvSpPr>
-            <a:spLocks noGrp="1"/>
-          </p:cNvSpPr>
-          <p:nvPr>
-            <p:ph idx="1"/>
-          </p:nvPr>
-        </p:nvSpPr>
-        <p:spPr>
-          <a:xfrm>
-            <a:off x="677334" y="2160589"/>
-            <a:ext cx="5183970" cy="3880773"/>
-          </a:xfrm>
-        </p:spPr>
-        <p:txBody>
-          <a:bodyPr/>
-          <a:lstStyle/>
-          <a:p>
-            <a:r>
-              <a:rPr lang="zh-TW" altLang="en-US" dirty="0"/>
-              <a:t>美國聯邦巡迴區上訴法院判決，</a:t>
-            </a:r>
-            <a:r>
-              <a:rPr lang="en-US" altLang="zh-TW" dirty="0"/>
-              <a:t>Google </a:t>
-            </a:r>
-            <a:r>
-              <a:rPr lang="zh-TW" altLang="en-US" dirty="0"/>
-              <a:t>的 </a:t>
-            </a:r>
-            <a:r>
-              <a:rPr lang="en-US" altLang="zh-TW" dirty="0"/>
-              <a:t>Android </a:t>
-            </a:r>
-            <a:r>
-              <a:rPr lang="zh-TW" altLang="en-US" dirty="0"/>
-              <a:t>作業系統未經許可使用使用 </a:t>
-            </a:r>
-            <a:r>
-              <a:rPr lang="en-US" altLang="zh-TW" dirty="0"/>
-              <a:t>Java API</a:t>
-            </a:r>
-            <a:r>
-              <a:rPr lang="zh-TW" altLang="en-US" dirty="0"/>
-              <a:t>，侵害了甲骨文的版權</a:t>
-            </a:r>
-            <a:r>
-              <a:rPr lang="zh-TW" altLang="en-US" dirty="0" smtClean="0"/>
-              <a:t>。</a:t>
-            </a:r>
-            <a:endParaRPr lang="en-US" altLang="zh-TW" dirty="0" smtClean="0"/>
-          </a:p>
-          <a:p>
-            <a:r>
-              <a:rPr lang="zh-TW" altLang="en-US" dirty="0" smtClean="0"/>
-              <a:t>求</a:t>
-            </a:r>
-            <a:r>
-              <a:rPr lang="zh-TW" altLang="en-US" dirty="0"/>
-              <a:t>償</a:t>
-            </a:r>
-            <a:r>
-              <a:rPr lang="zh-TW" altLang="en-US" dirty="0" smtClean="0"/>
-              <a:t>金額</a:t>
-            </a:r>
-            <a:r>
-              <a:rPr lang="zh-TW" altLang="en-US" dirty="0"/>
-              <a:t>高達 </a:t>
-            </a:r>
-            <a:r>
-              <a:rPr lang="en-US" altLang="zh-TW" sz="4000" b="1" dirty="0">
-                <a:solidFill>
-                  <a:schemeClr val="accent5"/>
-                </a:solidFill>
-              </a:rPr>
-              <a:t>93 </a:t>
-            </a:r>
-            <a:r>
-              <a:rPr lang="zh-TW" altLang="en-US" sz="4000" b="1" dirty="0">
-                <a:solidFill>
-                  <a:schemeClr val="accent5"/>
-                </a:solidFill>
-              </a:rPr>
-              <a:t>億美元 </a:t>
-            </a:r>
-            <a:r>
-              <a:rPr lang="zh-TW" altLang="en-US" sz="4000" b="1" dirty="0" smtClean="0">
-                <a:solidFill>
-                  <a:schemeClr val="accent5"/>
-                </a:solidFill>
-              </a:rPr>
-              <a:t>。</a:t>
-            </a:r>
-            <a:endParaRPr lang="en-US" altLang="zh-TW" sz="4000" b="1" dirty="0" smtClean="0">
-              <a:solidFill>
-                <a:schemeClr val="accent5"/>
-              </a:solidFill>
-            </a:endParaRPr>
-          </a:p>
-          <a:p>
-            <a:r>
-              <a:rPr lang="zh-TW" altLang="en-US" sz="3600" b="1" dirty="0">
-                <a:solidFill>
-                  <a:schemeClr val="accent5"/>
-                </a:solidFill>
-              </a:rPr>
-              <a:t>只</a:t>
-            </a:r>
-            <a:r>
-              <a:rPr lang="zh-TW" altLang="en-US" sz="3600" b="1" dirty="0" smtClean="0">
-                <a:solidFill>
-                  <a:schemeClr val="accent5"/>
-                </a:solidFill>
-              </a:rPr>
-              <a:t>為了</a:t>
-            </a:r>
-            <a:r>
-              <a:rPr lang="en-US" altLang="zh-TW" sz="3600" b="1" dirty="0" smtClean="0">
-                <a:solidFill>
-                  <a:schemeClr val="accent5"/>
-                </a:solidFill>
-              </a:rPr>
-              <a:t>9</a:t>
-            </a:r>
-            <a:r>
-              <a:rPr lang="zh-TW" altLang="en-US" sz="3600" b="1" dirty="0" smtClean="0">
-                <a:solidFill>
-                  <a:schemeClr val="accent5"/>
-                </a:solidFill>
-              </a:rPr>
-              <a:t>行程式碼！</a:t>
-            </a:r>
-            <a:endParaRPr lang="zh-TW" altLang="en-US" sz="3600" b="1" dirty="0">
-              <a:solidFill>
-                <a:schemeClr val="accent5"/>
-              </a:solidFill>
-            </a:endParaRPr>
-          </a:p>
-        </p:txBody>
-      </p:sp>
-      <p:pic>
-        <p:nvPicPr>
-          <p:cNvPr id="5" name="圖片 4"/>
-          <p:cNvPicPr>
-            <a:picLocks noChangeAspect="1"/>
-          </p:cNvPicPr>
-          <p:nvPr/>
-        </p:nvPicPr>
-        <p:blipFill>
-          <a:blip r:embed="rId2"/>
-          <a:stretch>
-            <a:fillRect/>
-          </a:stretch>
-        </p:blipFill>
-        <p:spPr>
-          <a:xfrm>
-            <a:off x="6096000" y="2136215"/>
-            <a:ext cx="3922581" cy="3905147"/>
-          </a:xfrm>
-          <a:prstGeom prst="rect">
-            <a:avLst/>
-          </a:prstGeom>
-        </p:spPr>
-      </p:pic>
-    </p:spTree>
-    <p:extLst>
-      <p:ext uri="{BB962C8B-B14F-4D97-AF65-F5344CB8AC3E}">
-        <p14:creationId xmlns:p14="http://schemas.microsoft.com/office/powerpoint/2010/main" val="353060557"/>
-      </p:ext>
-    </p:extLst>
-  </p:cSld>
-  <p:clrMapOvr>
-    <a:masterClrMapping/>
-  </p:clrMapOvr>
-  <p:timing>
-    <p:tnLst>
-      <p:par>
-        <p:cTn id="1" dur="indefinite" restart="never" nodeType="tmRoot"/>
-      </p:par>
-    </p:tnLst>
-  </p:timing>
-</p:sld>
-</file>
-
-<file path=ppt/slides/slide6.xml><?xml version="1.0" encoding="utf-8"?>
-<p:sld xmlns:a="http://schemas.openxmlformats.org/drawingml/2006/main" xmlns:r="http://schemas.openxmlformats.org/officeDocument/2006/relationships" xmlns:p="http://schemas.openxmlformats.org/presentationml/2006/main">
-  <p:cSld>
-    <p:spTree>
-      <p:nvGrpSpPr>
-        <p:cNvPr id="1" name=""/>
-        <p:cNvGrpSpPr/>
-        <p:nvPr/>
-      </p:nvGrpSpPr>
-      <p:grpSpPr>
-        <a:xfrm>
-          <a:off x="0" y="0"/>
-          <a:ext cx="0" cy="0"/>
-          <a:chOff x="0" y="0"/>
-          <a:chExt cx="0" cy="0"/>
-        </a:xfrm>
-      </p:grpSpPr>
-      <p:sp>
-        <p:nvSpPr>
-          <p:cNvPr id="4" name="標題 3"/>
-          <p:cNvSpPr>
-            <a:spLocks noGrp="1"/>
-          </p:cNvSpPr>
-          <p:nvPr>
-            <p:ph type="title"/>
-          </p:nvPr>
-        </p:nvSpPr>
-        <p:spPr/>
-        <p:txBody>
-          <a:bodyPr/>
-          <a:lstStyle/>
-          <a:p>
-            <a:r>
-              <a:rPr lang="zh-TW" altLang="en-US" dirty="0" smtClean="0"/>
-              <a:t>程式語言百百種</a:t>
-            </a:r>
-            <a:r>
-              <a:rPr lang="en-US" altLang="zh-TW" dirty="0" smtClean="0"/>
-              <a:t>……….</a:t>
-            </a:r>
-            <a:endParaRPr lang="zh-TW" altLang="en-US" dirty="0"/>
-          </a:p>
-        </p:txBody>
-      </p:sp>
-      <p:pic>
-        <p:nvPicPr>
-          <p:cNvPr id="4098" name="Picture 2" descr="Word cloud programming languages or IT related — Stock Photo © Mattz90  #43853639"/>
-          <p:cNvPicPr>
-            <a:picLocks noChangeAspect="1" noChangeArrowheads="1"/>
-          </p:cNvPicPr>
-          <p:nvPr/>
-        </p:nvPicPr>
-        <p:blipFill>
-          <a:blip r:embed="rId2">
-            <a:extLst>
-              <a:ext uri="{28A0092B-C50C-407E-A947-70E740481C1C}">
-                <a14:useLocalDpi xmlns:a14="http://schemas.microsoft.com/office/drawing/2010/main" val="0"/>
-              </a:ext>
-            </a:extLst>
-          </a:blip>
-          <a:srcRect/>
-          <a:stretch>
-            <a:fillRect/>
-          </a:stretch>
-        </p:blipFill>
-        <p:spPr bwMode="auto">
-          <a:xfrm>
-            <a:off x="757930" y="1383916"/>
-            <a:ext cx="8435476" cy="5099180"/>
-          </a:xfrm>
-          <a:prstGeom prst="rect">
-            <a:avLst/>
-          </a:prstGeom>
-          <a:noFill/>
-          <a:extLst>
-            <a:ext uri="{909E8E84-426E-40DD-AFC4-6F175D3DCCD1}">
-              <a14:hiddenFill xmlns:a14="http://schemas.microsoft.com/office/drawing/2010/main">
-                <a:solidFill>
-                  <a:srgbClr val="FFFFFF"/>
-                </a:solidFill>
-              </a14:hiddenFill>
-            </a:ext>
-          </a:extLst>
-        </p:spPr>
-      </p:pic>
-    </p:spTree>
-    <p:extLst>
-      <p:ext uri="{BB962C8B-B14F-4D97-AF65-F5344CB8AC3E}">
-        <p14:creationId xmlns:p14="http://schemas.microsoft.com/office/powerpoint/2010/main" val="2032222993"/>
-      </p:ext>
-    </p:extLst>
-  </p:cSld>
-  <p:clrMapOvr>
-    <a:masterClrMapping/>
-  </p:clrMapOvr>
-  <p:timing>
-    <p:tnLst>
-      <p:par>
-        <p:cTn id="1" dur="indefinite" restart="never" nodeType="tmRoot"/>
-      </p:par>
-    </p:tnLst>
-  </p:timing>
-</p:sld>
-</file>
-
-<file path=ppt/slides/slide7.xml><?xml version="1.0" encoding="utf-8"?>
-<p:sld xmlns:a="http://schemas.openxmlformats.org/drawingml/2006/main" xmlns:r="http://schemas.openxmlformats.org/officeDocument/2006/relationships" xmlns:p="http://schemas.openxmlformats.org/presentationml/2006/main">
-  <p:cSld>
-    <p:spTree>
-      <p:nvGrpSpPr>
-        <p:cNvPr id="1" name=""/>
-        <p:cNvGrpSpPr/>
-        <p:nvPr/>
-      </p:nvGrpSpPr>
-      <p:grpSpPr>
-        <a:xfrm>
-          <a:off x="0" y="0"/>
-          <a:ext cx="0" cy="0"/>
-          <a:chOff x="0" y="0"/>
-          <a:chExt cx="0" cy="0"/>
-        </a:xfrm>
-      </p:grpSpPr>
-      <p:sp>
-        <p:nvSpPr>
-          <p:cNvPr id="4" name="標題 3"/>
-          <p:cNvSpPr>
-            <a:spLocks noGrp="1"/>
-          </p:cNvSpPr>
-          <p:nvPr>
-            <p:ph type="title"/>
-          </p:nvPr>
-        </p:nvSpPr>
-        <p:spPr/>
-        <p:txBody>
-          <a:bodyPr/>
-          <a:lstStyle/>
-          <a:p>
-            <a:r>
-              <a:rPr lang="en-US" altLang="zh-TW" dirty="0"/>
-              <a:t>Java </a:t>
-            </a:r>
-            <a:r>
-              <a:rPr lang="zh-TW" altLang="en-US" dirty="0"/>
-              <a:t>是什麼</a:t>
-            </a:r>
-            <a:r>
-              <a:rPr lang="zh-TW" altLang="en-US" dirty="0" smtClean="0"/>
-              <a:t>？</a:t>
-            </a:r>
-            <a:endParaRPr lang="zh-TW" altLang="en-US" dirty="0"/>
-          </a:p>
-        </p:txBody>
-      </p:sp>
-      <p:sp>
-        <p:nvSpPr>
-          <p:cNvPr id="5" name="內容版面配置區 4"/>
-          <p:cNvSpPr>
-            <a:spLocks noGrp="1"/>
-          </p:cNvSpPr>
-          <p:nvPr>
-            <p:ph idx="1"/>
-          </p:nvPr>
-        </p:nvSpPr>
-        <p:spPr>
-          <a:xfrm>
-            <a:off x="677333" y="1724629"/>
-            <a:ext cx="9161147" cy="4316734"/>
-          </a:xfrm>
-        </p:spPr>
-        <p:txBody>
-          <a:bodyPr>
-            <a:normAutofit/>
-          </a:bodyPr>
-          <a:lstStyle/>
-          <a:p>
-            <a:r>
-              <a:rPr lang="en-US" altLang="zh-TW" sz="2000" b="1" dirty="0"/>
-              <a:t>Java </a:t>
-            </a:r>
-            <a:r>
-              <a:rPr lang="zh-TW" altLang="en-US" sz="2000" dirty="0"/>
-              <a:t>是一種廣泛使用的電腦程式設計語言，擁有</a:t>
-            </a:r>
-            <a:r>
-              <a:rPr lang="zh-TW" altLang="en-US" sz="2000" b="1" dirty="0">
-                <a:solidFill>
-                  <a:srgbClr val="FF0000"/>
-                </a:solidFill>
-              </a:rPr>
-              <a:t>跨平台</a:t>
-            </a:r>
-            <a:r>
-              <a:rPr lang="zh-TW" altLang="en-US" sz="2000" dirty="0">
-                <a:solidFill>
-                  <a:srgbClr val="FF0000"/>
-                </a:solidFill>
-              </a:rPr>
-              <a:t>、</a:t>
-            </a:r>
-            <a:r>
-              <a:rPr lang="zh-TW" altLang="en-US" sz="2000" b="1" dirty="0">
-                <a:solidFill>
-                  <a:srgbClr val="FF0000"/>
-                </a:solidFill>
-              </a:rPr>
-              <a:t>物件導向</a:t>
-            </a:r>
-            <a:r>
-              <a:rPr lang="zh-TW" altLang="en-US" sz="2000" dirty="0">
-                <a:solidFill>
-                  <a:srgbClr val="FF0000"/>
-                </a:solidFill>
-              </a:rPr>
-              <a:t>、</a:t>
-            </a:r>
-            <a:r>
-              <a:rPr lang="zh-TW" altLang="en-US" sz="2000" b="1" dirty="0">
-                <a:solidFill>
-                  <a:srgbClr val="FF0000"/>
-                </a:solidFill>
-              </a:rPr>
-              <a:t>泛型程式設計</a:t>
-            </a:r>
-            <a:r>
-              <a:rPr lang="zh-TW" altLang="en-US" sz="2000" dirty="0"/>
-              <a:t>的特性，廣泛應用於企業級</a:t>
-            </a:r>
-            <a:r>
-              <a:rPr lang="en-US" altLang="zh-TW" sz="2000" b="1" dirty="0"/>
-              <a:t>Web</a:t>
-            </a:r>
-            <a:r>
-              <a:rPr lang="zh-TW" altLang="en-US" sz="2000" b="1" dirty="0"/>
-              <a:t>應用開發</a:t>
-            </a:r>
-            <a:r>
-              <a:rPr lang="zh-TW" altLang="en-US" sz="2000" dirty="0"/>
-              <a:t>和</a:t>
-            </a:r>
-            <a:r>
-              <a:rPr lang="zh-TW" altLang="en-US" sz="2000" b="1" dirty="0"/>
-              <a:t>行動應用開發</a:t>
-            </a:r>
-            <a:r>
-              <a:rPr lang="zh-TW" altLang="en-US" sz="2000" dirty="0"/>
-              <a:t>。</a:t>
-            </a:r>
-          </a:p>
-          <a:p>
-            <a:r>
-              <a:rPr lang="en-US" altLang="zh-TW" sz="2000" b="1" dirty="0" smtClean="0"/>
-              <a:t>Java</a:t>
-            </a:r>
-            <a:r>
-              <a:rPr lang="en-US" altLang="zh-TW" sz="2000" dirty="0" smtClean="0"/>
-              <a:t> </a:t>
-            </a:r>
-            <a:r>
-              <a:rPr lang="zh-TW" altLang="en-US" sz="2000" dirty="0"/>
-              <a:t>是 </a:t>
-            </a:r>
-            <a:r>
-              <a:rPr lang="en-US" altLang="zh-TW" sz="2000" dirty="0"/>
-              <a:t>Sun Microsystems </a:t>
-            </a:r>
-            <a:r>
-              <a:rPr lang="zh-TW" altLang="en-US" sz="2000" dirty="0"/>
-              <a:t>於 </a:t>
-            </a:r>
-            <a:r>
-              <a:rPr lang="en-US" altLang="zh-TW" sz="2000" dirty="0"/>
-              <a:t>1995 </a:t>
-            </a:r>
-            <a:r>
-              <a:rPr lang="zh-TW" altLang="en-US" sz="2000" dirty="0"/>
-              <a:t>年率先發表的程式設計語言與運算平台。</a:t>
-            </a:r>
-          </a:p>
-          <a:p>
-            <a:r>
-              <a:rPr lang="zh-TW" altLang="en-US" sz="2000" dirty="0" smtClean="0"/>
-              <a:t>許多</a:t>
-            </a:r>
-            <a:r>
-              <a:rPr lang="zh-TW" altLang="en-US" sz="2000" dirty="0"/>
-              <a:t>應用程式和網站均需要安裝 </a:t>
-            </a:r>
-            <a:r>
-              <a:rPr lang="en-US" altLang="zh-TW" sz="2000" dirty="0"/>
-              <a:t>Java </a:t>
-            </a:r>
-            <a:r>
-              <a:rPr lang="zh-TW" altLang="en-US" sz="2000" dirty="0"/>
-              <a:t>才能夠執行，且數量日漸增長，既</a:t>
-            </a:r>
-            <a:r>
-              <a:rPr lang="zh-TW" altLang="en-US" sz="2000" b="1" dirty="0">
-                <a:solidFill>
-                  <a:srgbClr val="FF0000"/>
-                </a:solidFill>
-              </a:rPr>
-              <a:t>快速、安全又可靠</a:t>
-            </a:r>
-            <a:r>
-              <a:rPr lang="zh-TW" altLang="en-US" sz="2000" dirty="0"/>
-              <a:t>。</a:t>
-            </a:r>
-          </a:p>
-          <a:p>
-            <a:r>
-              <a:rPr lang="zh-TW" altLang="en-US" sz="2000" dirty="0" smtClean="0"/>
-              <a:t>從</a:t>
-            </a:r>
-            <a:r>
-              <a:rPr lang="zh-TW" altLang="en-US" sz="2000" dirty="0"/>
-              <a:t>膝上型電腦到資料中心、從遊戲機到科學用超級電腦、從行動電話到網際網路，</a:t>
-            </a:r>
-            <a:r>
-              <a:rPr lang="en-US" altLang="zh-TW" sz="2000" b="1" dirty="0"/>
-              <a:t>Java</a:t>
-            </a:r>
-            <a:r>
-              <a:rPr lang="en-US" altLang="zh-TW" sz="2000" dirty="0"/>
-              <a:t> </a:t>
-            </a:r>
-            <a:r>
-              <a:rPr lang="zh-TW" altLang="en-US" sz="2000" dirty="0"/>
-              <a:t>均無所不在！</a:t>
-            </a:r>
-          </a:p>
-          <a:p>
-            <a:r>
-              <a:rPr lang="en-US" altLang="zh-TW" sz="2000" b="1" dirty="0" smtClean="0"/>
-              <a:t>Java</a:t>
-            </a:r>
-            <a:r>
-              <a:rPr lang="en-US" altLang="zh-TW" sz="2000" dirty="0" smtClean="0"/>
-              <a:t> </a:t>
-            </a:r>
-            <a:r>
-              <a:rPr lang="zh-TW" altLang="en-US" sz="2000" dirty="0"/>
-              <a:t>跟 </a:t>
-            </a:r>
-            <a:r>
-              <a:rPr lang="en-US" altLang="zh-TW" sz="2000" dirty="0"/>
-              <a:t>C++ </a:t>
-            </a:r>
-            <a:r>
-              <a:rPr lang="zh-TW" altLang="en-US" sz="2000" dirty="0"/>
-              <a:t>非常像，繼承了 </a:t>
-            </a:r>
-            <a:r>
-              <a:rPr lang="en-US" altLang="zh-TW" sz="2000" dirty="0"/>
-              <a:t>C++ </a:t>
-            </a:r>
-            <a:r>
-              <a:rPr lang="zh-TW" altLang="en-US" sz="2000" dirty="0"/>
-              <a:t>語言物件導向技術的核心，捨棄了容易引起錯誤的指標，以 </a:t>
-            </a:r>
-            <a:r>
-              <a:rPr lang="en-US" altLang="zh-TW" sz="2000" dirty="0"/>
-              <a:t>reference </a:t>
-            </a:r>
-            <a:r>
-              <a:rPr lang="zh-TW" altLang="en-US" sz="2000" dirty="0"/>
-              <a:t>取代。</a:t>
-            </a:r>
-          </a:p>
-          <a:p>
-            <a:r>
-              <a:rPr lang="zh-TW" altLang="en-US" sz="2000" dirty="0" smtClean="0"/>
-              <a:t>簡單</a:t>
-            </a:r>
-            <a:r>
-              <a:rPr lang="zh-TW" altLang="en-US" sz="2000" dirty="0"/>
-              <a:t>來說，</a:t>
-            </a:r>
-            <a:r>
-              <a:rPr lang="en-US" altLang="zh-TW" sz="2000" dirty="0"/>
-              <a:t>Java </a:t>
-            </a:r>
-            <a:r>
-              <a:rPr lang="zh-TW" altLang="en-US" sz="2000" dirty="0"/>
-              <a:t>是非常受歡迎的程式語言，可以運用在各種領域，支援性非常強大！</a:t>
-            </a:r>
-          </a:p>
-        </p:txBody>
-      </p:sp>
-      <p:sp>
-        <p:nvSpPr>
-          <p:cNvPr id="6" name="矩形 5"/>
-          <p:cNvSpPr/>
-          <p:nvPr/>
-        </p:nvSpPr>
-        <p:spPr>
-          <a:xfrm>
-            <a:off x="787767" y="6086885"/>
-            <a:ext cx="5060616" cy="369332"/>
-          </a:xfrm>
-          <a:prstGeom prst="rect">
-            <a:avLst/>
-          </a:prstGeom>
-        </p:spPr>
-        <p:txBody>
-          <a:bodyPr wrap="none">
-            <a:spAutoFit/>
-          </a:bodyPr>
-          <a:lstStyle/>
-          <a:p>
-            <a:r>
-              <a:rPr lang="zh-TW" altLang="en-US" dirty="0"/>
-              <a:t>https://www.johntool.com/java-for-beginner/</a:t>
-            </a:r>
-          </a:p>
-        </p:txBody>
-      </p:sp>
-    </p:spTree>
-    <p:extLst>
-      <p:ext uri="{BB962C8B-B14F-4D97-AF65-F5344CB8AC3E}">
-        <p14:creationId xmlns:p14="http://schemas.microsoft.com/office/powerpoint/2010/main" val="3179168637"/>
-      </p:ext>
-    </p:extLst>
-  </p:cSld>
-  <p:clrMapOvr>
-    <a:masterClrMapping/>
-  </p:clrMapOvr>
-</p:sld>
-</file>
-
-<file path=ppt/slides/slide8.xml><?xml version="1.0" encoding="utf-8"?>
-<p:sld xmlns:a="http://schemas.openxmlformats.org/drawingml/2006/main" xmlns:r="http://schemas.openxmlformats.org/officeDocument/2006/relationships" xmlns:p="http://schemas.openxmlformats.org/presentationml/2006/main">
-  <p:cSld>
-    <p:spTree>
-      <p:nvGrpSpPr>
-        <p:cNvPr id="1" name=""/>
-        <p:cNvGrpSpPr/>
-        <p:nvPr/>
-      </p:nvGrpSpPr>
-      <p:grpSpPr>
-        <a:xfrm>
-          <a:off x="0" y="0"/>
-          <a:ext cx="0" cy="0"/>
-          <a:chOff x="0" y="0"/>
-          <a:chExt cx="0" cy="0"/>
-        </a:xfrm>
-      </p:grpSpPr>
-      <p:sp>
-        <p:nvSpPr>
-          <p:cNvPr id="2" name="標題 1"/>
-          <p:cNvSpPr>
-            <a:spLocks noGrp="1"/>
-          </p:cNvSpPr>
-          <p:nvPr>
-            <p:ph type="title"/>
-          </p:nvPr>
-        </p:nvSpPr>
-        <p:spPr/>
-        <p:txBody>
-          <a:bodyPr/>
-          <a:lstStyle/>
-          <a:p>
-            <a:r>
-              <a:rPr lang="en-US" altLang="zh-TW" dirty="0" smtClean="0"/>
-              <a:t>Java</a:t>
-            </a:r>
-            <a:r>
-              <a:rPr lang="zh-TW" altLang="en-US" dirty="0" smtClean="0"/>
-              <a:t>的應用領域</a:t>
-            </a:r>
-            <a:endParaRPr lang="zh-TW" altLang="en-US" dirty="0"/>
-          </a:p>
-        </p:txBody>
-      </p:sp>
-      <p:sp>
-        <p:nvSpPr>
-          <p:cNvPr id="3" name="內容版面配置區 2"/>
-          <p:cNvSpPr>
-            <a:spLocks noGrp="1"/>
-          </p:cNvSpPr>
-          <p:nvPr>
-            <p:ph idx="1"/>
-          </p:nvPr>
-        </p:nvSpPr>
-        <p:spPr>
-          <a:xfrm>
-            <a:off x="677334" y="1930401"/>
-            <a:ext cx="8596668" cy="4324096"/>
-          </a:xfrm>
-        </p:spPr>
-        <p:txBody>
-          <a:bodyPr>
-            <a:normAutofit fontScale="92500" lnSpcReduction="20000"/>
-          </a:bodyPr>
-          <a:lstStyle/>
-          <a:p>
-            <a:r>
-              <a:rPr lang="zh-TW" altLang="en-US" sz="2000" dirty="0"/>
-              <a:t>開發</a:t>
-            </a:r>
-            <a:r>
-              <a:rPr lang="en-US" altLang="zh-TW" sz="2000" dirty="0"/>
-              <a:t>Android </a:t>
-            </a:r>
-            <a:r>
-              <a:rPr lang="en-US" altLang="zh-TW" sz="2000" dirty="0" smtClean="0"/>
-              <a:t>APP</a:t>
-            </a:r>
-          </a:p>
-          <a:p>
-            <a:pPr lvl="1"/>
-            <a:r>
-              <a:rPr lang="zh-TW" altLang="en-US" dirty="0"/>
-              <a:t>常見的 </a:t>
-            </a:r>
-            <a:r>
-              <a:rPr lang="en-US" altLang="zh-TW" dirty="0"/>
-              <a:t>Android APP </a:t>
-            </a:r>
-            <a:r>
-              <a:rPr lang="zh-TW" altLang="en-US" dirty="0"/>
-              <a:t>主要是由兩種 </a:t>
-            </a:r>
-            <a:r>
-              <a:rPr lang="en-US" altLang="zh-TW" dirty="0"/>
-              <a:t>Java </a:t>
-            </a:r>
-            <a:r>
-              <a:rPr lang="zh-TW" altLang="en-US" dirty="0"/>
-              <a:t>或是 </a:t>
-            </a:r>
-            <a:r>
-              <a:rPr lang="en-US" altLang="zh-TW" dirty="0" err="1"/>
-              <a:t>Kotlin</a:t>
-            </a:r>
-            <a:r>
-              <a:rPr lang="en-US" altLang="zh-TW" dirty="0"/>
-              <a:t> </a:t>
-            </a:r>
-            <a:r>
-              <a:rPr lang="zh-TW" altLang="en-US" dirty="0"/>
-              <a:t>撰寫而成</a:t>
-            </a:r>
-            <a:endParaRPr lang="en-US" altLang="zh-TW" sz="1800" dirty="0"/>
-          </a:p>
-          <a:p>
-            <a:r>
-              <a:rPr lang="zh-TW" altLang="en-US" sz="2000" dirty="0"/>
-              <a:t>架設</a:t>
-            </a:r>
-            <a:r>
-              <a:rPr lang="zh-TW" altLang="en-US" sz="2000" dirty="0" smtClean="0"/>
-              <a:t>網站</a:t>
-            </a:r>
-            <a:endParaRPr lang="en-US" altLang="zh-TW" sz="2000" dirty="0" smtClean="0"/>
-          </a:p>
-          <a:p>
-            <a:pPr lvl="1"/>
-            <a:r>
-              <a:rPr lang="zh-TW" altLang="en-US" dirty="0"/>
-              <a:t>在電子商務和網站開發上有著廣泛的運用。</a:t>
-            </a:r>
-            <a:endParaRPr lang="zh-TW" altLang="en-US" sz="1800" dirty="0"/>
-          </a:p>
-          <a:p>
-            <a:r>
-              <a:rPr lang="zh-TW" altLang="en-US" sz="2000" dirty="0"/>
-              <a:t>物聯網</a:t>
-            </a:r>
-            <a:r>
-              <a:rPr lang="zh-TW" altLang="en-US" sz="2000" dirty="0" smtClean="0"/>
-              <a:t>應用程式</a:t>
-            </a:r>
-            <a:endParaRPr lang="en-US" altLang="zh-TW" sz="2000" dirty="0" smtClean="0"/>
-          </a:p>
-          <a:p>
-            <a:pPr lvl="1"/>
-            <a:r>
-              <a:rPr lang="zh-TW" altLang="en-US" dirty="0"/>
-              <a:t>對於物聯網開發來說，主要的程式語言是 </a:t>
-            </a:r>
-            <a:r>
-              <a:rPr lang="en-US" altLang="zh-TW" dirty="0"/>
-              <a:t>Java</a:t>
-            </a:r>
-            <a:r>
-              <a:rPr lang="zh-TW" altLang="en-US" dirty="0"/>
-              <a:t>、</a:t>
-            </a:r>
-            <a:r>
-              <a:rPr lang="en-US" altLang="zh-TW" dirty="0"/>
-              <a:t>C</a:t>
-            </a:r>
-            <a:r>
-              <a:rPr lang="zh-TW" altLang="en-US" dirty="0"/>
-              <a:t>、</a:t>
-            </a:r>
-            <a:r>
-              <a:rPr lang="en-US" altLang="zh-TW" dirty="0"/>
-              <a:t>C ++</a:t>
-            </a:r>
-            <a:r>
-              <a:rPr lang="zh-TW" altLang="en-US" dirty="0"/>
-              <a:t>、</a:t>
-            </a:r>
-            <a:r>
-              <a:rPr lang="en-US" altLang="zh-TW" dirty="0"/>
-              <a:t>Python </a:t>
-            </a:r>
-            <a:r>
-              <a:rPr lang="zh-TW" altLang="en-US" dirty="0"/>
-              <a:t>等等。</a:t>
-            </a:r>
-            <a:endParaRPr lang="zh-TW" altLang="en-US" sz="1800" dirty="0"/>
-          </a:p>
-          <a:p>
-            <a:r>
-              <a:rPr lang="zh-TW" altLang="en-US" sz="2000" dirty="0"/>
-              <a:t>大數據</a:t>
-            </a:r>
-            <a:r>
-              <a:rPr lang="zh-TW" altLang="en-US" sz="2000" dirty="0" smtClean="0"/>
-              <a:t>分析</a:t>
-            </a:r>
-            <a:endParaRPr lang="en-US" altLang="zh-TW" sz="2000" dirty="0" smtClean="0"/>
-          </a:p>
-          <a:p>
-            <a:pPr lvl="1"/>
-            <a:r>
-              <a:rPr lang="zh-TW" altLang="en-US" dirty="0"/>
-              <a:t>知名處理大數據的軟體平台 </a:t>
-            </a:r>
-            <a:r>
-              <a:rPr lang="en-US" altLang="zh-TW" dirty="0">
-                <a:hlinkClick r:id="rId2"/>
-              </a:rPr>
-              <a:t>Hadoop</a:t>
-            </a:r>
-            <a:r>
-              <a:rPr lang="zh-TW" altLang="en-US" dirty="0"/>
-              <a:t> 就是以 </a:t>
-            </a:r>
-            <a:r>
-              <a:rPr lang="en-US" altLang="zh-TW" dirty="0"/>
-              <a:t>Java</a:t>
-            </a:r>
-            <a:r>
-              <a:rPr lang="zh-TW" altLang="en-US" dirty="0"/>
-              <a:t>為 框架來進行撰寫的</a:t>
-            </a:r>
-            <a:endParaRPr lang="zh-TW" altLang="en-US" sz="1800" dirty="0"/>
-          </a:p>
-          <a:p>
-            <a:r>
-              <a:rPr lang="zh-TW" altLang="en-US" sz="2000" dirty="0"/>
-              <a:t>金融業的帳務</a:t>
-            </a:r>
-            <a:r>
-              <a:rPr lang="zh-TW" altLang="en-US" sz="2000" dirty="0" smtClean="0"/>
-              <a:t>處理</a:t>
-            </a:r>
-            <a:endParaRPr lang="en-US" altLang="zh-TW" sz="2000" dirty="0" smtClean="0"/>
-          </a:p>
-          <a:p>
-            <a:pPr lvl="1"/>
-            <a:r>
-              <a:rPr lang="zh-TW" altLang="en-US" dirty="0"/>
-              <a:t>許多金融業的應用都是由 </a:t>
-            </a:r>
-            <a:r>
-              <a:rPr lang="en-US" altLang="zh-TW" dirty="0"/>
-              <a:t>Java </a:t>
-            </a:r>
-            <a:r>
-              <a:rPr lang="zh-TW" altLang="en-US" dirty="0"/>
-              <a:t>撰寫而成，像是高盛投資公司、花旗集團，和一些其他銀行都用 </a:t>
-            </a:r>
-            <a:r>
-              <a:rPr lang="en-US" altLang="zh-TW" dirty="0"/>
-              <a:t>Java </a:t>
-            </a:r>
-            <a:r>
-              <a:rPr lang="zh-TW" altLang="en-US" dirty="0"/>
-              <a:t>撰寫前台和後台的電子交易系統，結算、信息確認系統，數據處理項目等等。</a:t>
-            </a:r>
-            <a:endParaRPr lang="zh-TW" altLang="en-US" sz="1800" dirty="0"/>
-          </a:p>
-          <a:p>
-            <a:r>
-              <a:rPr lang="zh-TW" altLang="en-US" sz="2000" dirty="0"/>
-              <a:t>桌面</a:t>
-            </a:r>
-            <a:r>
-              <a:rPr lang="zh-TW" altLang="en-US" sz="2000" dirty="0" smtClean="0"/>
-              <a:t>應用程式</a:t>
-            </a:r>
-            <a:endParaRPr lang="en-US" altLang="zh-TW" sz="2000" dirty="0" smtClean="0"/>
-          </a:p>
-          <a:p>
-            <a:pPr lvl="1"/>
-            <a:r>
-              <a:rPr lang="zh-TW" altLang="en-US" dirty="0"/>
-              <a:t>許多電腦上的軟體介面，就是由 </a:t>
-            </a:r>
-            <a:r>
-              <a:rPr lang="en-US" altLang="zh-TW" dirty="0"/>
-              <a:t>Java </a:t>
-            </a:r>
-            <a:r>
-              <a:rPr lang="zh-TW" altLang="en-US" dirty="0"/>
-              <a:t>的 </a:t>
-            </a:r>
-            <a:r>
-              <a:rPr lang="en-US" altLang="zh-TW" dirty="0"/>
-              <a:t>Swing </a:t>
-            </a:r>
-            <a:r>
-              <a:rPr lang="zh-TW" altLang="en-US" dirty="0"/>
-              <a:t>製作而成。</a:t>
-            </a:r>
-            <a:endParaRPr lang="zh-TW" altLang="en-US" sz="1800" dirty="0"/>
-          </a:p>
-        </p:txBody>
-      </p:sp>
-    </p:spTree>
-    <p:extLst>
-      <p:ext uri="{BB962C8B-B14F-4D97-AF65-F5344CB8AC3E}">
-        <p14:creationId xmlns:p14="http://schemas.microsoft.com/office/powerpoint/2010/main" val="3467171325"/>
-      </p:ext>
-    </p:extLst>
-  </p:cSld>
-  <p:clrMapOvr>
-    <a:masterClrMapping/>
-  </p:clrMapOvr>
-</p:sld>
-</file>
-
-<file path=ppt/slides/slide9.xml><?xml version="1.0" encoding="utf-8"?>
-<p:sld xmlns:a="http://schemas.openxmlformats.org/drawingml/2006/main" xmlns:r="http://schemas.openxmlformats.org/officeDocument/2006/relationships" xmlns:p="http://schemas.openxmlformats.org/presentationml/2006/main">
-  <p:cSld>
-    <p:spTree>
-      <p:nvGrpSpPr>
-        <p:cNvPr id="1" name=""/>
-        <p:cNvGrpSpPr/>
-        <p:nvPr/>
-      </p:nvGrpSpPr>
-      <p:grpSpPr>
-        <a:xfrm>
-          <a:off x="0" y="0"/>
-          <a:ext cx="0" cy="0"/>
-          <a:chOff x="0" y="0"/>
-          <a:chExt cx="0" cy="0"/>
-        </a:xfrm>
-      </p:grpSpPr>
-      <p:sp>
-        <p:nvSpPr>
-          <p:cNvPr id="4" name="標題 3"/>
-          <p:cNvSpPr>
-            <a:spLocks noGrp="1"/>
-          </p:cNvSpPr>
-          <p:nvPr>
-            <p:ph type="title"/>
-          </p:nvPr>
-        </p:nvSpPr>
-        <p:spPr/>
-        <p:txBody>
-          <a:bodyPr/>
-          <a:lstStyle/>
-          <a:p>
-            <a:r>
-              <a:rPr lang="zh-TW" altLang="en-US" dirty="0" smtClean="0"/>
-              <a:t>程式語言排行榜</a:t>
-            </a:r>
-            <a:endParaRPr lang="zh-TW" altLang="en-US" dirty="0"/>
-          </a:p>
-        </p:txBody>
-      </p:sp>
-      <p:sp>
-        <p:nvSpPr>
-          <p:cNvPr id="24" name="內容版面配置區 23"/>
-          <p:cNvSpPr>
-            <a:spLocks noGrp="1"/>
-          </p:cNvSpPr>
-          <p:nvPr>
-            <p:ph idx="1"/>
-          </p:nvPr>
-        </p:nvSpPr>
-        <p:spPr>
-          <a:xfrm>
-            <a:off x="6096000" y="2160589"/>
-            <a:ext cx="4419600" cy="2219387"/>
-          </a:xfrm>
-        </p:spPr>
-        <p:txBody>
-          <a:bodyPr/>
-          <a:lstStyle/>
-          <a:p>
-            <a:r>
-              <a:rPr lang="en-US" altLang="zh-TW" dirty="0"/>
-              <a:t>TIOBE</a:t>
-            </a:r>
-            <a:r>
-              <a:rPr lang="zh-TW" altLang="en-US" dirty="0"/>
-              <a:t>編程社區索引是編程語言受歡迎程度的指標。索引每月更新一次。評級基於全球熟練的工程師，課程和第三方供應商的數量。諸如</a:t>
-            </a:r>
-            <a:r>
-              <a:rPr lang="en-US" altLang="zh-TW" dirty="0"/>
-              <a:t>Google</a:t>
-            </a:r>
-            <a:r>
-              <a:rPr lang="zh-TW" altLang="en-US" dirty="0"/>
-              <a:t>，</a:t>
-            </a:r>
-            <a:r>
-              <a:rPr lang="en-US" altLang="zh-TW" dirty="0"/>
-              <a:t>Bing</a:t>
-            </a:r>
-            <a:r>
-              <a:rPr lang="zh-TW" altLang="en-US" dirty="0"/>
-              <a:t>，</a:t>
-            </a:r>
-            <a:r>
-              <a:rPr lang="en-US" altLang="zh-TW" dirty="0"/>
-              <a:t>Yahoo</a:t>
-            </a:r>
-            <a:r>
-              <a:rPr lang="zh-TW" altLang="en-US" dirty="0"/>
-              <a:t>！，</a:t>
-            </a:r>
-            <a:r>
-              <a:rPr lang="en-US" altLang="zh-TW" dirty="0"/>
-              <a:t>Wikipedia</a:t>
-            </a:r>
-            <a:r>
-              <a:rPr lang="zh-TW" altLang="en-US" dirty="0"/>
-              <a:t>，</a:t>
-            </a:r>
-            <a:r>
-              <a:rPr lang="en-US" altLang="zh-TW" dirty="0"/>
-              <a:t>Amazon</a:t>
-            </a:r>
-            <a:r>
-              <a:rPr lang="zh-TW" altLang="en-US" dirty="0"/>
-              <a:t>，</a:t>
-            </a:r>
-            <a:r>
-              <a:rPr lang="en-US" altLang="zh-TW" dirty="0"/>
-              <a:t>YouTube</a:t>
-            </a:r>
-            <a:r>
-              <a:rPr lang="zh-TW" altLang="en-US" dirty="0"/>
-              <a:t>和</a:t>
-            </a:r>
-            <a:r>
-              <a:rPr lang="en-US" altLang="zh-TW" dirty="0"/>
-              <a:t>Baidu</a:t>
-            </a:r>
-            <a:r>
-              <a:rPr lang="zh-TW" altLang="en-US" dirty="0"/>
-              <a:t>等流行的搜索引擎用於計算評分。</a:t>
-            </a:r>
-          </a:p>
-        </p:txBody>
-      </p:sp>
-      <p:pic>
-        <p:nvPicPr>
-          <p:cNvPr id="23" name="圖片 22"/>
-          <p:cNvPicPr>
-            <a:picLocks noChangeAspect="1"/>
-          </p:cNvPicPr>
-          <p:nvPr/>
-        </p:nvPicPr>
-        <p:blipFill>
-          <a:blip r:embed="rId2"/>
-          <a:stretch>
-            <a:fillRect/>
-          </a:stretch>
-        </p:blipFill>
-        <p:spPr>
-          <a:xfrm>
-            <a:off x="388620" y="1508630"/>
-            <a:ext cx="5564124" cy="5097719"/>
-          </a:xfrm>
-          <a:prstGeom prst="rect">
-            <a:avLst/>
-          </a:prstGeom>
-          <a:ln>
-            <a:solidFill>
-              <a:schemeClr val="tx1"/>
-            </a:solidFill>
-          </a:ln>
-        </p:spPr>
-      </p:pic>
-    </p:spTree>
-    <p:extLst>
-      <p:ext uri="{BB962C8B-B14F-4D97-AF65-F5344CB8AC3E}">
-        <p14:creationId xmlns:p14="http://schemas.microsoft.com/office/powerpoint/2010/main" val="823597170"/>
+        <p14:creationId xmlns:p14="http://schemas.microsoft.com/office/powerpoint/2010/main" val="979392564"/>
       </p:ext>
     </p:extLst>
   </p:cSld>

--- a/LCC/Java/00a_想喝杯Java咖啡嗎.pptx
+++ b/LCC/Java/00a_想喝杯Java咖啡嗎.pptx
@@ -5,23 +5,25 @@
     <p:sldMasterId id="2147483711" r:id="rId1"/>
   </p:sldMasterIdLst>
   <p:handoutMasterIdLst>
-    <p:handoutMasterId r:id="rId16"/>
+    <p:handoutMasterId r:id="rId18"/>
   </p:handoutMasterIdLst>
   <p:sldIdLst>
     <p:sldId id="287" r:id="rId2"/>
     <p:sldId id="282" r:id="rId3"/>
     <p:sldId id="288" r:id="rId4"/>
-    <p:sldId id="289" r:id="rId5"/>
-    <p:sldId id="290" r:id="rId6"/>
+    <p:sldId id="290" r:id="rId5"/>
+    <p:sldId id="289" r:id="rId6"/>
     <p:sldId id="291" r:id="rId7"/>
     <p:sldId id="285" r:id="rId8"/>
     <p:sldId id="286" r:id="rId9"/>
     <p:sldId id="281" r:id="rId10"/>
     <p:sldId id="258" r:id="rId11"/>
-    <p:sldId id="280" r:id="rId12"/>
-    <p:sldId id="259" r:id="rId13"/>
-    <p:sldId id="260" r:id="rId14"/>
-    <p:sldId id="284" r:id="rId15"/>
+    <p:sldId id="292" r:id="rId12"/>
+    <p:sldId id="293" r:id="rId13"/>
+    <p:sldId id="294" r:id="rId14"/>
+    <p:sldId id="260" r:id="rId15"/>
+    <p:sldId id="259" r:id="rId16"/>
+    <p:sldId id="284" r:id="rId17"/>
   </p:sldIdLst>
   <p:sldSz cx="12192000" cy="6858000"/>
   <p:notesSz cx="6858000" cy="9144000"/>
@@ -224,7 +226,7 @@
           <a:p>
             <a:fld id="{6294484C-C2AD-4758-A495-0303CF78BBA2}" type="datetimeFigureOut">
               <a:rPr lang="zh-TW" altLang="en-US" smtClean="0"/>
-              <a:t>2022/6/29</a:t>
+              <a:t>2024/4/19</a:t>
             </a:fld>
             <a:endParaRPr lang="zh-TW" altLang="en-US"/>
           </a:p>
@@ -1029,7 +1031,7 @@
           <a:p>
             <a:fld id="{9D5C10DA-9D88-4773-8D30-78F5C5DDFCBA}" type="datetimeFigureOut">
               <a:rPr lang="zh-TW" altLang="en-US" smtClean="0"/>
-              <a:t>2022/6/29</a:t>
+              <a:t>2024/4/19</a:t>
             </a:fld>
             <a:endParaRPr lang="zh-TW" altLang="en-US"/>
           </a:p>
@@ -1280,7 +1282,7 @@
           <a:p>
             <a:fld id="{9D5C10DA-9D88-4773-8D30-78F5C5DDFCBA}" type="datetimeFigureOut">
               <a:rPr lang="zh-TW" altLang="en-US" smtClean="0"/>
-              <a:t>2022/6/29</a:t>
+              <a:t>2024/4/19</a:t>
             </a:fld>
             <a:endParaRPr lang="zh-TW" altLang="en-US"/>
           </a:p>
@@ -1594,7 +1596,7 @@
           <a:p>
             <a:fld id="{9D5C10DA-9D88-4773-8D30-78F5C5DDFCBA}" type="datetimeFigureOut">
               <a:rPr lang="zh-TW" altLang="en-US" smtClean="0"/>
-              <a:t>2022/6/29</a:t>
+              <a:t>2024/4/19</a:t>
             </a:fld>
             <a:endParaRPr lang="zh-TW" altLang="en-US"/>
           </a:p>
@@ -1935,7 +1937,7 @@
           <a:p>
             <a:fld id="{9D5C10DA-9D88-4773-8D30-78F5C5DDFCBA}" type="datetimeFigureOut">
               <a:rPr lang="zh-TW" altLang="en-US" smtClean="0"/>
-              <a:t>2022/6/29</a:t>
+              <a:t>2024/4/19</a:t>
             </a:fld>
             <a:endParaRPr lang="zh-TW" altLang="en-US"/>
           </a:p>
@@ -2249,7 +2251,7 @@
           <a:p>
             <a:fld id="{9D5C10DA-9D88-4773-8D30-78F5C5DDFCBA}" type="datetimeFigureOut">
               <a:rPr lang="zh-TW" altLang="en-US" smtClean="0"/>
-              <a:t>2022/6/29</a:t>
+              <a:t>2024/4/19</a:t>
             </a:fld>
             <a:endParaRPr lang="zh-TW" altLang="en-US"/>
           </a:p>
@@ -2642,7 +2644,7 @@
           <a:p>
             <a:fld id="{9D5C10DA-9D88-4773-8D30-78F5C5DDFCBA}" type="datetimeFigureOut">
               <a:rPr lang="zh-TW" altLang="en-US" smtClean="0"/>
-              <a:t>2022/6/29</a:t>
+              <a:t>2024/4/19</a:t>
             </a:fld>
             <a:endParaRPr lang="zh-TW" altLang="en-US"/>
           </a:p>
@@ -2812,7 +2814,7 @@
           <a:p>
             <a:fld id="{9D5C10DA-9D88-4773-8D30-78F5C5DDFCBA}" type="datetimeFigureOut">
               <a:rPr lang="zh-TW" altLang="en-US" smtClean="0"/>
-              <a:t>2022/6/29</a:t>
+              <a:t>2024/4/19</a:t>
             </a:fld>
             <a:endParaRPr lang="zh-TW" altLang="en-US"/>
           </a:p>
@@ -2992,7 +2994,7 @@
           <a:p>
             <a:fld id="{9D5C10DA-9D88-4773-8D30-78F5C5DDFCBA}" type="datetimeFigureOut">
               <a:rPr lang="zh-TW" altLang="en-US" smtClean="0"/>
-              <a:t>2022/6/29</a:t>
+              <a:t>2024/4/19</a:t>
             </a:fld>
             <a:endParaRPr lang="zh-TW" altLang="en-US"/>
           </a:p>
@@ -3168,7 +3170,7 @@
           <a:p>
             <a:fld id="{9D5C10DA-9D88-4773-8D30-78F5C5DDFCBA}" type="datetimeFigureOut">
               <a:rPr lang="zh-TW" altLang="en-US" smtClean="0"/>
-              <a:t>2022/6/29</a:t>
+              <a:t>2024/4/19</a:t>
             </a:fld>
             <a:endParaRPr lang="zh-TW" altLang="en-US"/>
           </a:p>
@@ -3415,7 +3417,7 @@
           <a:p>
             <a:fld id="{9D5C10DA-9D88-4773-8D30-78F5C5DDFCBA}" type="datetimeFigureOut">
               <a:rPr lang="zh-TW" altLang="en-US" smtClean="0"/>
-              <a:t>2022/6/29</a:t>
+              <a:t>2024/4/19</a:t>
             </a:fld>
             <a:endParaRPr lang="zh-TW" altLang="en-US"/>
           </a:p>
@@ -3647,7 +3649,7 @@
           <a:p>
             <a:fld id="{9D5C10DA-9D88-4773-8D30-78F5C5DDFCBA}" type="datetimeFigureOut">
               <a:rPr lang="zh-TW" altLang="en-US" smtClean="0"/>
-              <a:t>2022/6/29</a:t>
+              <a:t>2024/4/19</a:t>
             </a:fld>
             <a:endParaRPr lang="zh-TW" altLang="en-US"/>
           </a:p>
@@ -4021,7 +4023,7 @@
           <a:p>
             <a:fld id="{9D5C10DA-9D88-4773-8D30-78F5C5DDFCBA}" type="datetimeFigureOut">
               <a:rPr lang="zh-TW" altLang="en-US" smtClean="0"/>
-              <a:t>2022/6/29</a:t>
+              <a:t>2024/4/19</a:t>
             </a:fld>
             <a:endParaRPr lang="zh-TW" altLang="en-US"/>
           </a:p>
@@ -4144,7 +4146,7 @@
           <a:p>
             <a:fld id="{9D5C10DA-9D88-4773-8D30-78F5C5DDFCBA}" type="datetimeFigureOut">
               <a:rPr lang="zh-TW" altLang="en-US" smtClean="0"/>
-              <a:t>2022/6/29</a:t>
+              <a:t>2024/4/19</a:t>
             </a:fld>
             <a:endParaRPr lang="zh-TW" altLang="en-US"/>
           </a:p>
@@ -4239,7 +4241,7 @@
           <a:p>
             <a:fld id="{9D5C10DA-9D88-4773-8D30-78F5C5DDFCBA}" type="datetimeFigureOut">
               <a:rPr lang="zh-TW" altLang="en-US" smtClean="0"/>
-              <a:t>2022/6/29</a:t>
+              <a:t>2024/4/19</a:t>
             </a:fld>
             <a:endParaRPr lang="zh-TW" altLang="en-US"/>
           </a:p>
@@ -4494,7 +4496,7 @@
           <a:p>
             <a:fld id="{9D5C10DA-9D88-4773-8D30-78F5C5DDFCBA}" type="datetimeFigureOut">
               <a:rPr lang="zh-TW" altLang="en-US" smtClean="0"/>
-              <a:t>2022/6/29</a:t>
+              <a:t>2024/4/19</a:t>
             </a:fld>
             <a:endParaRPr lang="zh-TW" altLang="en-US"/>
           </a:p>
@@ -4757,7 +4759,7 @@
           <a:p>
             <a:fld id="{9D5C10DA-9D88-4773-8D30-78F5C5DDFCBA}" type="datetimeFigureOut">
               <a:rPr lang="zh-TW" altLang="en-US" smtClean="0"/>
-              <a:t>2022/6/29</a:t>
+              <a:t>2024/4/19</a:t>
             </a:fld>
             <a:endParaRPr lang="zh-TW" altLang="en-US"/>
           </a:p>
@@ -5500,7 +5502,7 @@
           <a:p>
             <a:fld id="{9D5C10DA-9D88-4773-8D30-78F5C5DDFCBA}" type="datetimeFigureOut">
               <a:rPr lang="zh-TW" altLang="en-US" smtClean="0"/>
-              <a:t>2022/6/29</a:t>
+              <a:t>2024/4/19</a:t>
             </a:fld>
             <a:endParaRPr lang="zh-TW" altLang="en-US"/>
           </a:p>
@@ -5632,7 +5634,7 @@
         <p:spPr>
           <a:xfrm>
             <a:off x="379705" y="6488668"/>
-            <a:ext cx="2800767" cy="369332"/>
+            <a:ext cx="2850460" cy="369332"/>
           </a:xfrm>
           <a:prstGeom prst="rect">
             <a:avLst/>
@@ -5646,7 +5648,7 @@
           <a:p>
             <a:r>
               <a:rPr lang="fr-FR" altLang="zh-TW" dirty="0" smtClean="0"/>
-              <a:t>https://reurl.cc/Kb1Xmg</a:t>
+              <a:t>https://reurl.cc/WxELMO</a:t>
             </a:r>
             <a:endParaRPr lang="zh-TW" altLang="en-US" dirty="0"/>
           </a:p>
@@ -6165,7 +6167,7 @@
           <a:p>
             <a:fld id="{BDC7E28B-62FB-49D0-8416-0FE6FF46DA76}" type="datetime4">
               <a:rPr lang="zh-TW" altLang="en-US" smtClean="0"/>
-              <a:t>111年6月29日星期三</a:t>
+              <a:t>113年4月19日星期五</a:t>
             </a:fld>
             <a:endParaRPr lang="zh-TW" altLang="en-US" dirty="0"/>
           </a:p>
@@ -6245,14 +6247,14 @@
       </p:sp>
       <p:sp>
         <p:nvSpPr>
-          <p:cNvPr id="7" name="矩形 6"/>
+          <p:cNvPr id="11" name="矩形 10"/>
           <p:cNvSpPr/>
           <p:nvPr/>
         </p:nvSpPr>
         <p:spPr>
           <a:xfrm>
-            <a:off x="821058" y="62743"/>
-            <a:ext cx="2800767" cy="369332"/>
+            <a:off x="827704" y="87935"/>
+            <a:ext cx="2850460" cy="369332"/>
           </a:xfrm>
           <a:prstGeom prst="rect">
             <a:avLst/>
@@ -6262,11 +6264,105 @@
           <a:bodyPr wrap="none">
             <a:spAutoFit/>
           </a:bodyPr>
-          <a:lstStyle/>
+          <a:lstStyle>
+            <a:defPPr>
+              <a:defRPr lang="en-US"/>
+            </a:defPPr>
+            <a:lvl1pPr marL="0" algn="l" defTabSz="457200" rtl="0" eaLnBrk="1" latinLnBrk="0" hangingPunct="1">
+              <a:defRPr sz="1800" kern="1200">
+                <a:solidFill>
+                  <a:schemeClr val="tx1"/>
+                </a:solidFill>
+                <a:latin typeface="+mn-lt"/>
+                <a:ea typeface="+mn-ea"/>
+                <a:cs typeface="+mn-cs"/>
+              </a:defRPr>
+            </a:lvl1pPr>
+            <a:lvl2pPr marL="457200" algn="l" defTabSz="457200" rtl="0" eaLnBrk="1" latinLnBrk="0" hangingPunct="1">
+              <a:defRPr sz="1800" kern="1200">
+                <a:solidFill>
+                  <a:schemeClr val="tx1"/>
+                </a:solidFill>
+                <a:latin typeface="+mn-lt"/>
+                <a:ea typeface="+mn-ea"/>
+                <a:cs typeface="+mn-cs"/>
+              </a:defRPr>
+            </a:lvl2pPr>
+            <a:lvl3pPr marL="914400" algn="l" defTabSz="457200" rtl="0" eaLnBrk="1" latinLnBrk="0" hangingPunct="1">
+              <a:defRPr sz="1800" kern="1200">
+                <a:solidFill>
+                  <a:schemeClr val="tx1"/>
+                </a:solidFill>
+                <a:latin typeface="+mn-lt"/>
+                <a:ea typeface="+mn-ea"/>
+                <a:cs typeface="+mn-cs"/>
+              </a:defRPr>
+            </a:lvl3pPr>
+            <a:lvl4pPr marL="1371600" algn="l" defTabSz="457200" rtl="0" eaLnBrk="1" latinLnBrk="0" hangingPunct="1">
+              <a:defRPr sz="1800" kern="1200">
+                <a:solidFill>
+                  <a:schemeClr val="tx1"/>
+                </a:solidFill>
+                <a:latin typeface="+mn-lt"/>
+                <a:ea typeface="+mn-ea"/>
+                <a:cs typeface="+mn-cs"/>
+              </a:defRPr>
+            </a:lvl4pPr>
+            <a:lvl5pPr marL="1828800" algn="l" defTabSz="457200" rtl="0" eaLnBrk="1" latinLnBrk="0" hangingPunct="1">
+              <a:defRPr sz="1800" kern="1200">
+                <a:solidFill>
+                  <a:schemeClr val="tx1"/>
+                </a:solidFill>
+                <a:latin typeface="+mn-lt"/>
+                <a:ea typeface="+mn-ea"/>
+                <a:cs typeface="+mn-cs"/>
+              </a:defRPr>
+            </a:lvl5pPr>
+            <a:lvl6pPr marL="2286000" algn="l" defTabSz="457200" rtl="0" eaLnBrk="1" latinLnBrk="0" hangingPunct="1">
+              <a:defRPr sz="1800" kern="1200">
+                <a:solidFill>
+                  <a:schemeClr val="tx1"/>
+                </a:solidFill>
+                <a:latin typeface="+mn-lt"/>
+                <a:ea typeface="+mn-ea"/>
+                <a:cs typeface="+mn-cs"/>
+              </a:defRPr>
+            </a:lvl6pPr>
+            <a:lvl7pPr marL="2743200" algn="l" defTabSz="457200" rtl="0" eaLnBrk="1" latinLnBrk="0" hangingPunct="1">
+              <a:defRPr sz="1800" kern="1200">
+                <a:solidFill>
+                  <a:schemeClr val="tx1"/>
+                </a:solidFill>
+                <a:latin typeface="+mn-lt"/>
+                <a:ea typeface="+mn-ea"/>
+                <a:cs typeface="+mn-cs"/>
+              </a:defRPr>
+            </a:lvl7pPr>
+            <a:lvl8pPr marL="3200400" algn="l" defTabSz="457200" rtl="0" eaLnBrk="1" latinLnBrk="0" hangingPunct="1">
+              <a:defRPr sz="1800" kern="1200">
+                <a:solidFill>
+                  <a:schemeClr val="tx1"/>
+                </a:solidFill>
+                <a:latin typeface="+mn-lt"/>
+                <a:ea typeface="+mn-ea"/>
+                <a:cs typeface="+mn-cs"/>
+              </a:defRPr>
+            </a:lvl8pPr>
+            <a:lvl9pPr marL="3657600" algn="l" defTabSz="457200" rtl="0" eaLnBrk="1" latinLnBrk="0" hangingPunct="1">
+              <a:defRPr sz="1800" kern="1200">
+                <a:solidFill>
+                  <a:schemeClr val="tx1"/>
+                </a:solidFill>
+                <a:latin typeface="+mn-lt"/>
+                <a:ea typeface="+mn-ea"/>
+                <a:cs typeface="+mn-cs"/>
+              </a:defRPr>
+            </a:lvl9pPr>
+          </a:lstStyle>
           <a:p>
             <a:r>
               <a:rPr lang="fr-FR" altLang="zh-TW" dirty="0"/>
-              <a:t>https://reurl.cc/Kb1Xmg</a:t>
+              <a:t>https://reurl.cc/WxELMO</a:t>
             </a:r>
             <a:endParaRPr lang="zh-TW" altLang="en-US" dirty="0"/>
           </a:p>
@@ -6274,7 +6370,7 @@
       </p:sp>
       <p:pic>
         <p:nvPicPr>
-          <p:cNvPr id="9" name="圖片 8"/>
+          <p:cNvPr id="12" name="圖片 11"/>
           <p:cNvPicPr>
             <a:picLocks noChangeAspect="1"/>
           </p:cNvPicPr>
@@ -6288,8 +6384,8 @@
         </p:blipFill>
         <p:spPr>
           <a:xfrm>
-            <a:off x="929852" y="419414"/>
-            <a:ext cx="1428750" cy="1428750"/>
+            <a:off x="915266" y="457267"/>
+            <a:ext cx="1818698" cy="1818698"/>
           </a:xfrm>
           <a:prstGeom prst="rect">
             <a:avLst/>
@@ -6351,6 +6447,10 @@
             <a:r>
               <a:rPr lang="zh-TW" altLang="en-US" dirty="0" smtClean="0"/>
               <a:t>程式語言排行榜</a:t>
+            </a:r>
+            <a:r>
+              <a:rPr lang="en-US" altLang="zh-TW" dirty="0" smtClean="0"/>
+              <a:t>(2021~2022)</a:t>
             </a:r>
             <a:endParaRPr lang="zh-TW" altLang="en-US" dirty="0"/>
           </a:p>
@@ -6562,7 +6662,7 @@
       </p:grpSpPr>
       <p:sp>
         <p:nvSpPr>
-          <p:cNvPr id="5" name="標題 4"/>
+          <p:cNvPr id="4" name="標題 3"/>
           <p:cNvSpPr>
             <a:spLocks noGrp="1"/>
           </p:cNvSpPr>
@@ -6570,10 +6670,41 @@
             <p:ph type="title"/>
           </p:nvPr>
         </p:nvSpPr>
+        <p:spPr/>
+        <p:txBody>
+          <a:bodyPr/>
+          <a:lstStyle/>
+          <a:p>
+            <a:r>
+              <a:rPr lang="zh-TW" altLang="en-US" dirty="0"/>
+              <a:t>程式語言</a:t>
+            </a:r>
+            <a:r>
+              <a:rPr lang="zh-TW" altLang="en-US" dirty="0" smtClean="0"/>
+              <a:t>排行榜</a:t>
+            </a:r>
+            <a:r>
+              <a:rPr lang="en-US" altLang="zh-TW" dirty="0" smtClean="0"/>
+              <a:t>(2023~2024)</a:t>
+            </a:r>
+            <a:endParaRPr lang="zh-TW" altLang="en-US" dirty="0"/>
+          </a:p>
+        </p:txBody>
+      </p:sp>
+      <p:sp>
+        <p:nvSpPr>
+          <p:cNvPr id="6" name="內容版面配置區 5"/>
+          <p:cNvSpPr>
+            <a:spLocks noGrp="1"/>
+          </p:cNvSpPr>
+          <p:nvPr>
+            <p:ph idx="1"/>
+          </p:nvPr>
+        </p:nvSpPr>
         <p:spPr>
           <a:xfrm>
-            <a:off x="677334" y="609600"/>
-            <a:ext cx="9006162" cy="1320800"/>
+            <a:off x="6539344" y="2160589"/>
+            <a:ext cx="2734657" cy="3880773"/>
           </a:xfrm>
         </p:spPr>
         <p:txBody>
@@ -6582,11 +6713,11 @@
           <a:p>
             <a:r>
               <a:rPr lang="en-US" altLang="zh-TW" dirty="0" smtClean="0"/>
-              <a:t>Top 10 Programming </a:t>
-            </a:r>
-            <a:r>
-              <a:rPr lang="en-US" altLang="zh-TW" dirty="0" smtClean="0"/>
-              <a:t>Language(2002~2022)</a:t>
+              <a:t>Java</a:t>
+            </a:r>
+            <a:r>
+              <a:rPr lang="zh-TW" altLang="en-US" dirty="0" smtClean="0"/>
+              <a:t>微幅下滑。但是還是最重要的程式語言之一。</a:t>
             </a:r>
             <a:endParaRPr lang="zh-TW" altLang="en-US" dirty="0"/>
           </a:p>
@@ -6594,54 +6725,118 @@
       </p:sp>
       <p:pic>
         <p:nvPicPr>
-          <p:cNvPr id="1026" name="Picture 2" descr="歷年程式語言排名走勢"/>
+          <p:cNvPr id="5" name="圖片 4"/>
           <p:cNvPicPr>
-            <a:picLocks noChangeAspect="1" noChangeArrowheads="1"/>
+            <a:picLocks noChangeAspect="1"/>
           </p:cNvPicPr>
           <p:nvPr/>
         </p:nvPicPr>
         <p:blipFill>
-          <a:blip r:embed="rId2">
-            <a:extLst>
-              <a:ext uri="{28A0092B-C50C-407E-A947-70E740481C1C}">
-                <a14:useLocalDpi xmlns:a14="http://schemas.microsoft.com/office/drawing/2010/main" val="0"/>
-              </a:ext>
-            </a:extLst>
-          </a:blip>
-          <a:srcRect/>
+          <a:blip r:embed="rId2"/>
           <a:stretch>
             <a:fillRect/>
           </a:stretch>
         </p:blipFill>
-        <p:spPr bwMode="auto">
+        <p:spPr>
           <a:xfrm>
-            <a:off x="603631" y="1647126"/>
-            <a:ext cx="8991600" cy="4314826"/>
+            <a:off x="922996" y="1653309"/>
+            <a:ext cx="6660059" cy="4884158"/>
           </a:xfrm>
           <a:prstGeom prst="rect">
             <a:avLst/>
           </a:prstGeom>
-          <a:noFill/>
-          <a:extLst>
-            <a:ext uri="{909E8E84-426E-40DD-AFC4-6F175D3DCCD1}">
-              <a14:hiddenFill xmlns:a14="http://schemas.microsoft.com/office/drawing/2010/main">
-                <a:solidFill>
-                  <a:srgbClr val="FFFFFF"/>
-                </a:solidFill>
-              </a14:hiddenFill>
-            </a:ext>
-          </a:extLst>
+        </p:spPr>
+      </p:pic>
+    </p:spTree>
+    <p:extLst>
+      <p:ext uri="{BB962C8B-B14F-4D97-AF65-F5344CB8AC3E}">
+        <p14:creationId xmlns:p14="http://schemas.microsoft.com/office/powerpoint/2010/main" val="248297537"/>
+      </p:ext>
+    </p:extLst>
+  </p:cSld>
+  <p:clrMapOvr>
+    <a:masterClrMapping/>
+  </p:clrMapOvr>
+</p:sld>
+</file>
+
+<file path=ppt/slides/slide12.xml><?xml version="1.0" encoding="utf-8"?>
+<p:sld xmlns:a="http://schemas.openxmlformats.org/drawingml/2006/main" xmlns:r="http://schemas.openxmlformats.org/officeDocument/2006/relationships" xmlns:p="http://schemas.openxmlformats.org/presentationml/2006/main">
+  <p:cSld>
+    <p:spTree>
+      <p:nvGrpSpPr>
+        <p:cNvPr id="1" name=""/>
+        <p:cNvGrpSpPr/>
+        <p:nvPr/>
+      </p:nvGrpSpPr>
+      <p:grpSpPr>
+        <a:xfrm>
+          <a:off x="0" y="0"/>
+          <a:ext cx="0" cy="0"/>
+          <a:chOff x="0" y="0"/>
+          <a:chExt cx="0" cy="0"/>
+        </a:xfrm>
+      </p:grpSpPr>
+      <p:sp>
+        <p:nvSpPr>
+          <p:cNvPr id="2" name="標題 1"/>
+          <p:cNvSpPr>
+            <a:spLocks noGrp="1"/>
+          </p:cNvSpPr>
+          <p:nvPr>
+            <p:ph type="title"/>
+          </p:nvPr>
+        </p:nvSpPr>
+        <p:spPr/>
+        <p:txBody>
+          <a:bodyPr/>
+          <a:lstStyle/>
+          <a:p>
+            <a:r>
+              <a:rPr lang="en-US" altLang="zh-TW" dirty="0"/>
+              <a:t>Top 10 Programming </a:t>
+            </a:r>
+            <a:r>
+              <a:rPr lang="en-US" altLang="zh-TW" dirty="0" smtClean="0"/>
+              <a:t>Language(2002~2024)</a:t>
+            </a:r>
+            <a:endParaRPr lang="zh-TW" altLang="en-US" dirty="0"/>
+          </a:p>
+        </p:txBody>
+      </p:sp>
+      <p:pic>
+        <p:nvPicPr>
+          <p:cNvPr id="3" name="圖片 2"/>
+          <p:cNvPicPr>
+            <a:picLocks noChangeAspect="1"/>
+          </p:cNvPicPr>
+          <p:nvPr/>
+        </p:nvPicPr>
+        <p:blipFill>
+          <a:blip r:embed="rId2"/>
+          <a:stretch>
+            <a:fillRect/>
+          </a:stretch>
+        </p:blipFill>
+        <p:spPr>
+          <a:xfrm>
+            <a:off x="320207" y="2220533"/>
+            <a:ext cx="9310921" cy="3407072"/>
+          </a:xfrm>
+          <a:prstGeom prst="rect">
+            <a:avLst/>
+          </a:prstGeom>
         </p:spPr>
       </p:pic>
       <p:sp>
         <p:nvSpPr>
-          <p:cNvPr id="6" name="向右箭號 5"/>
+          <p:cNvPr id="4" name="向右箭號 3"/>
           <p:cNvSpPr/>
           <p:nvPr/>
         </p:nvSpPr>
         <p:spPr>
           <a:xfrm rot="14404911">
-            <a:off x="2568531" y="5912994"/>
+            <a:off x="3889330" y="5626666"/>
             <a:ext cx="643812" cy="268349"/>
           </a:xfrm>
           <a:prstGeom prst="rightArrow">
@@ -6683,13 +6878,13 @@
       </p:sp>
       <p:sp>
         <p:nvSpPr>
-          <p:cNvPr id="7" name="向右箭號 6"/>
+          <p:cNvPr id="5" name="向右箭號 4"/>
           <p:cNvSpPr/>
           <p:nvPr/>
         </p:nvSpPr>
         <p:spPr>
           <a:xfrm rot="10800000">
-            <a:off x="9414338" y="3925699"/>
+            <a:off x="9631128" y="4221263"/>
             <a:ext cx="643812" cy="268349"/>
           </a:xfrm>
           <a:prstGeom prst="rightArrow">
@@ -6732,7 +6927,475 @@
     </p:spTree>
     <p:extLst>
       <p:ext uri="{BB962C8B-B14F-4D97-AF65-F5344CB8AC3E}">
-        <p14:creationId xmlns:p14="http://schemas.microsoft.com/office/powerpoint/2010/main" val="3759537546"/>
+        <p14:creationId xmlns:p14="http://schemas.microsoft.com/office/powerpoint/2010/main" val="1879735009"/>
+      </p:ext>
+    </p:extLst>
+  </p:cSld>
+  <p:clrMapOvr>
+    <a:masterClrMapping/>
+  </p:clrMapOvr>
+</p:sld>
+</file>
+
+<file path=ppt/slides/slide13.xml><?xml version="1.0" encoding="utf-8"?>
+<p:sld xmlns:a="http://schemas.openxmlformats.org/drawingml/2006/main" xmlns:r="http://schemas.openxmlformats.org/officeDocument/2006/relationships" xmlns:p="http://schemas.openxmlformats.org/presentationml/2006/main">
+  <p:cSld>
+    <p:spTree>
+      <p:nvGrpSpPr>
+        <p:cNvPr id="1" name=""/>
+        <p:cNvGrpSpPr/>
+        <p:nvPr/>
+      </p:nvGrpSpPr>
+      <p:grpSpPr>
+        <a:xfrm>
+          <a:off x="0" y="0"/>
+          <a:ext cx="0" cy="0"/>
+          <a:chOff x="0" y="0"/>
+          <a:chExt cx="0" cy="0"/>
+        </a:xfrm>
+      </p:grpSpPr>
+      <p:sp>
+        <p:nvSpPr>
+          <p:cNvPr id="2" name="標題 1"/>
+          <p:cNvSpPr>
+            <a:spLocks noGrp="1"/>
+          </p:cNvSpPr>
+          <p:nvPr>
+            <p:ph type="title"/>
+          </p:nvPr>
+        </p:nvSpPr>
+        <p:spPr/>
+        <p:txBody>
+          <a:bodyPr/>
+          <a:lstStyle/>
+          <a:p>
+            <a:r>
+              <a:rPr lang="zh-TW" altLang="en-US" dirty="0"/>
+              <a:t>工程師社群程式語言使用狀況</a:t>
+            </a:r>
+            <a:br>
+              <a:rPr lang="zh-TW" altLang="en-US" dirty="0"/>
+            </a:br>
+            <a:r>
+              <a:rPr lang="en-US" altLang="zh-TW" dirty="0" smtClean="0"/>
+              <a:t>(</a:t>
+            </a:r>
+            <a:r>
+              <a:rPr lang="en-US" altLang="zh-TW" dirty="0" err="1" smtClean="0"/>
+              <a:t>Stackoverflow</a:t>
+            </a:r>
+            <a:r>
+              <a:rPr lang="en-US" altLang="zh-TW" dirty="0" smtClean="0"/>
+              <a:t>)</a:t>
+            </a:r>
+            <a:endParaRPr lang="zh-TW" altLang="en-US" dirty="0"/>
+          </a:p>
+        </p:txBody>
+      </p:sp>
+      <p:sp>
+        <p:nvSpPr>
+          <p:cNvPr id="3" name="內容版面配置區 2"/>
+          <p:cNvSpPr>
+            <a:spLocks noGrp="1"/>
+          </p:cNvSpPr>
+          <p:nvPr>
+            <p:ph idx="1"/>
+          </p:nvPr>
+        </p:nvSpPr>
+        <p:spPr>
+          <a:xfrm>
+            <a:off x="677334" y="2160589"/>
+            <a:ext cx="4042448" cy="3880773"/>
+          </a:xfrm>
+        </p:spPr>
+        <p:txBody>
+          <a:bodyPr/>
+          <a:lstStyle/>
+          <a:p>
+            <a:r>
+              <a:rPr lang="zh-TW" altLang="en-US" dirty="0"/>
+              <a:t>對專業工程師來說，最熱門、應用最多的程式語言是</a:t>
+            </a:r>
+            <a:r>
+              <a:rPr lang="en-US" altLang="zh-TW" dirty="0"/>
+              <a:t>JavaScript</a:t>
+            </a:r>
+            <a:r>
+              <a:rPr lang="zh-TW" altLang="en-US" dirty="0"/>
+              <a:t>、</a:t>
+            </a:r>
+            <a:r>
+              <a:rPr lang="en-US" altLang="zh-TW" dirty="0"/>
+              <a:t>HTML/CSS</a:t>
+            </a:r>
+            <a:r>
+              <a:rPr lang="zh-TW" altLang="en-US" dirty="0"/>
+              <a:t>、</a:t>
+            </a:r>
+            <a:r>
+              <a:rPr lang="en-US" altLang="zh-TW" dirty="0"/>
+              <a:t>Python</a:t>
+            </a:r>
+            <a:r>
+              <a:rPr lang="zh-TW" altLang="en-US" dirty="0"/>
+              <a:t>和</a:t>
+            </a:r>
+            <a:r>
+              <a:rPr lang="en-US" altLang="zh-TW" dirty="0"/>
+              <a:t>SQL</a:t>
+            </a:r>
+            <a:r>
+              <a:rPr lang="zh-TW" altLang="en-US" dirty="0" smtClean="0"/>
+              <a:t>。</a:t>
+            </a:r>
+            <a:endParaRPr lang="en-US" altLang="zh-TW" dirty="0" smtClean="0"/>
+          </a:p>
+          <a:p>
+            <a:r>
+              <a:rPr lang="zh-TW" altLang="en-US" dirty="0"/>
+              <a:t>反映出網頁</a:t>
+            </a:r>
+            <a:r>
+              <a:rPr lang="zh-TW" altLang="en-US" dirty="0" smtClean="0"/>
+              <a:t>設計相關職</a:t>
+            </a:r>
+            <a:r>
+              <a:rPr lang="zh-TW" altLang="en-US" dirty="0"/>
+              <a:t>缺比例很高</a:t>
+            </a:r>
+            <a:r>
+              <a:rPr lang="zh-TW" altLang="en-US" dirty="0" smtClean="0"/>
+              <a:t>。</a:t>
+            </a:r>
+            <a:endParaRPr lang="en-US" altLang="zh-TW" dirty="0" smtClean="0"/>
+          </a:p>
+          <a:p>
+            <a:r>
+              <a:rPr lang="en-US" altLang="zh-TW" dirty="0" smtClean="0"/>
+              <a:t>AI</a:t>
+            </a:r>
+            <a:r>
+              <a:rPr lang="zh-TW" altLang="en-US" dirty="0" smtClean="0"/>
+              <a:t>用的</a:t>
+            </a:r>
+            <a:r>
+              <a:rPr lang="en-US" altLang="zh-TW" dirty="0" smtClean="0"/>
+              <a:t>Python</a:t>
+            </a:r>
+            <a:r>
+              <a:rPr lang="zh-TW" altLang="en-US" dirty="0" smtClean="0"/>
+              <a:t>比例也高。</a:t>
+            </a:r>
+            <a:endParaRPr lang="en-US" altLang="zh-TW" dirty="0" smtClean="0"/>
+          </a:p>
+          <a:p>
+            <a:r>
+              <a:rPr lang="zh-TW" altLang="en-US" dirty="0"/>
+              <a:t>接著就是</a:t>
+            </a:r>
+            <a:r>
+              <a:rPr lang="en-US" altLang="zh-TW" dirty="0" smtClean="0"/>
+              <a:t>Java</a:t>
+            </a:r>
+            <a:r>
+              <a:rPr lang="zh-TW" altLang="en-US" dirty="0" smtClean="0"/>
+              <a:t>。</a:t>
+            </a:r>
+            <a:endParaRPr lang="zh-TW" altLang="en-US" dirty="0"/>
+          </a:p>
+        </p:txBody>
+      </p:sp>
+      <p:pic>
+        <p:nvPicPr>
+          <p:cNvPr id="2050" name="Picture 2" descr="https://i0.wp.com/tw.alphacamp.co/wp-content/uploads/2022/12/63858fa1a9d92e1e3c038311_stackoverflow-2022-tech.png?w=800&amp;ssl=1"/>
+          <p:cNvPicPr>
+            <a:picLocks noChangeAspect="1" noChangeArrowheads="1"/>
+          </p:cNvPicPr>
+          <p:nvPr/>
+        </p:nvPicPr>
+        <p:blipFill>
+          <a:blip r:embed="rId2">
+            <a:extLst>
+              <a:ext uri="{28A0092B-C50C-407E-A947-70E740481C1C}">
+                <a14:useLocalDpi xmlns:a14="http://schemas.microsoft.com/office/drawing/2010/main" val="0"/>
+              </a:ext>
+            </a:extLst>
+          </a:blip>
+          <a:srcRect/>
+          <a:stretch>
+            <a:fillRect/>
+          </a:stretch>
+        </p:blipFill>
+        <p:spPr bwMode="auto">
+          <a:xfrm>
+            <a:off x="5919065" y="1270000"/>
+            <a:ext cx="5483614" cy="5511033"/>
+          </a:xfrm>
+          <a:prstGeom prst="rect">
+            <a:avLst/>
+          </a:prstGeom>
+          <a:noFill/>
+          <a:extLst>
+            <a:ext uri="{909E8E84-426E-40DD-AFC4-6F175D3DCCD1}">
+              <a14:hiddenFill xmlns:a14="http://schemas.microsoft.com/office/drawing/2010/main">
+                <a:solidFill>
+                  <a:srgbClr val="FFFFFF"/>
+                </a:solidFill>
+              </a14:hiddenFill>
+            </a:ext>
+          </a:extLst>
+        </p:spPr>
+      </p:pic>
+    </p:spTree>
+    <p:extLst>
+      <p:ext uri="{BB962C8B-B14F-4D97-AF65-F5344CB8AC3E}">
+        <p14:creationId xmlns:p14="http://schemas.microsoft.com/office/powerpoint/2010/main" val="391595186"/>
+      </p:ext>
+    </p:extLst>
+  </p:cSld>
+  <p:clrMapOvr>
+    <a:masterClrMapping/>
+  </p:clrMapOvr>
+</p:sld>
+</file>
+
+<file path=ppt/slides/slide14.xml><?xml version="1.0" encoding="utf-8"?>
+<p:sld xmlns:a="http://schemas.openxmlformats.org/drawingml/2006/main" xmlns:r="http://schemas.openxmlformats.org/officeDocument/2006/relationships" xmlns:p="http://schemas.openxmlformats.org/presentationml/2006/main">
+  <p:cSld>
+    <p:spTree>
+      <p:nvGrpSpPr>
+        <p:cNvPr id="1" name=""/>
+        <p:cNvGrpSpPr/>
+        <p:nvPr/>
+      </p:nvGrpSpPr>
+      <p:grpSpPr>
+        <a:xfrm>
+          <a:off x="0" y="0"/>
+          <a:ext cx="0" cy="0"/>
+          <a:chOff x="0" y="0"/>
+          <a:chExt cx="0" cy="0"/>
+        </a:xfrm>
+      </p:grpSpPr>
+      <p:sp>
+        <p:nvSpPr>
+          <p:cNvPr id="2" name="標題 1"/>
+          <p:cNvSpPr>
+            <a:spLocks noGrp="1"/>
+          </p:cNvSpPr>
+          <p:nvPr>
+            <p:ph type="title"/>
+          </p:nvPr>
+        </p:nvSpPr>
+        <p:spPr/>
+        <p:txBody>
+          <a:bodyPr/>
+          <a:lstStyle/>
+          <a:p>
+            <a:r>
+              <a:rPr lang="zh-TW" altLang="en-US" dirty="0"/>
+              <a:t>哪個語言比較有</a:t>
+            </a:r>
+            <a:r>
+              <a:rPr lang="zh-TW" altLang="en-US" b="1" dirty="0">
+                <a:solidFill>
+                  <a:srgbClr val="FF0000"/>
+                </a:solidFill>
+              </a:rPr>
+              <a:t>錢</a:t>
+            </a:r>
+            <a:r>
+              <a:rPr lang="zh-TW" altLang="en-US" dirty="0" smtClean="0"/>
+              <a:t>途</a:t>
+            </a:r>
+            <a:r>
+              <a:rPr lang="en-US" altLang="zh-TW" dirty="0" smtClean="0"/>
+              <a:t>(</a:t>
+            </a:r>
+            <a:r>
+              <a:rPr lang="zh-TW" altLang="en-US" dirty="0" smtClean="0"/>
+              <a:t>續</a:t>
+            </a:r>
+            <a:r>
+              <a:rPr lang="en-US" altLang="zh-TW" dirty="0" smtClean="0"/>
+              <a:t>)</a:t>
+            </a:r>
+            <a:endParaRPr lang="zh-TW" altLang="en-US" dirty="0"/>
+          </a:p>
+        </p:txBody>
+      </p:sp>
+      <p:sp>
+        <p:nvSpPr>
+          <p:cNvPr id="3" name="文字方塊 2"/>
+          <p:cNvSpPr txBox="1"/>
+          <p:nvPr/>
+        </p:nvSpPr>
+        <p:spPr>
+          <a:xfrm>
+            <a:off x="8046720" y="900668"/>
+            <a:ext cx="1364476" cy="369332"/>
+          </a:xfrm>
+          <a:prstGeom prst="rect">
+            <a:avLst/>
+          </a:prstGeom>
+          <a:noFill/>
+        </p:spPr>
+        <p:txBody>
+          <a:bodyPr wrap="none" rtlCol="0">
+            <a:spAutoFit/>
+          </a:bodyPr>
+          <a:lstStyle/>
+          <a:p>
+            <a:r>
+              <a:rPr lang="en-US" altLang="zh-TW" dirty="0" smtClean="0"/>
+              <a:t>2022</a:t>
+            </a:r>
+            <a:r>
+              <a:rPr lang="zh-TW" altLang="en-US" dirty="0" smtClean="0"/>
+              <a:t>年資料</a:t>
+            </a:r>
+            <a:endParaRPr lang="zh-TW" altLang="en-US" dirty="0"/>
+          </a:p>
+        </p:txBody>
+      </p:sp>
+      <p:pic>
+        <p:nvPicPr>
+          <p:cNvPr id="4098" name="Picture 2" descr="https://i0.wp.com/tw.alphacamp.co/wp-content/uploads/2022/12/638590bca9d92e71bb0391e6_2022-github-language.png?w=800&amp;ssl=1"/>
+          <p:cNvPicPr>
+            <a:picLocks noChangeAspect="1" noChangeArrowheads="1"/>
+          </p:cNvPicPr>
+          <p:nvPr/>
+        </p:nvPicPr>
+        <p:blipFill>
+          <a:blip r:embed="rId2">
+            <a:extLst>
+              <a:ext uri="{28A0092B-C50C-407E-A947-70E740481C1C}">
+                <a14:useLocalDpi xmlns:a14="http://schemas.microsoft.com/office/drawing/2010/main" val="0"/>
+              </a:ext>
+            </a:extLst>
+          </a:blip>
+          <a:srcRect/>
+          <a:stretch>
+            <a:fillRect/>
+          </a:stretch>
+        </p:blipFill>
+        <p:spPr bwMode="auto">
+          <a:xfrm>
+            <a:off x="925985" y="1924848"/>
+            <a:ext cx="7935469" cy="4449474"/>
+          </a:xfrm>
+          <a:prstGeom prst="rect">
+            <a:avLst/>
+          </a:prstGeom>
+          <a:noFill/>
+          <a:extLst>
+            <a:ext uri="{909E8E84-426E-40DD-AFC4-6F175D3DCCD1}">
+              <a14:hiddenFill xmlns:a14="http://schemas.microsoft.com/office/drawing/2010/main">
+                <a:solidFill>
+                  <a:srgbClr val="FFFFFF"/>
+                </a:solidFill>
+              </a14:hiddenFill>
+            </a:ext>
+          </a:extLst>
+        </p:spPr>
+      </p:pic>
+      <p:sp>
+        <p:nvSpPr>
+          <p:cNvPr id="6" name="橢圓 5"/>
+          <p:cNvSpPr/>
+          <p:nvPr/>
+        </p:nvSpPr>
+        <p:spPr>
+          <a:xfrm>
+            <a:off x="8230518" y="3058196"/>
+            <a:ext cx="630936" cy="374904"/>
+          </a:xfrm>
+          <a:prstGeom prst="ellipse">
+            <a:avLst/>
+          </a:prstGeom>
+          <a:noFill/>
+          <a:ln w="38100">
+            <a:solidFill>
+              <a:srgbClr val="FF0000"/>
+            </a:solidFill>
+          </a:ln>
+        </p:spPr>
+        <p:style>
+          <a:lnRef idx="2">
+            <a:schemeClr val="accent1">
+              <a:shade val="50000"/>
+            </a:schemeClr>
+          </a:lnRef>
+          <a:fillRef idx="1">
+            <a:schemeClr val="accent1"/>
+          </a:fillRef>
+          <a:effectRef idx="0">
+            <a:schemeClr val="accent1"/>
+          </a:effectRef>
+          <a:fontRef idx="minor">
+            <a:schemeClr val="lt1"/>
+          </a:fontRef>
+        </p:style>
+        <p:txBody>
+          <a:bodyPr rtlCol="0" anchor="ctr"/>
+          <a:lstStyle/>
+          <a:p>
+            <a:pPr algn="ctr"/>
+            <a:endParaRPr lang="zh-TW" altLang="en-US"/>
+          </a:p>
+        </p:txBody>
+      </p:sp>
+      <p:sp>
+        <p:nvSpPr>
+          <p:cNvPr id="4" name="矩形 3"/>
+          <p:cNvSpPr/>
+          <p:nvPr/>
+        </p:nvSpPr>
+        <p:spPr>
+          <a:xfrm>
+            <a:off x="796174" y="1740182"/>
+            <a:ext cx="3392275" cy="369332"/>
+          </a:xfrm>
+          <a:prstGeom prst="rect">
+            <a:avLst/>
+          </a:prstGeom>
+        </p:spPr>
+        <p:txBody>
+          <a:bodyPr wrap="none">
+            <a:spAutoFit/>
+          </a:bodyPr>
+          <a:lstStyle/>
+          <a:p>
+            <a:r>
+              <a:rPr lang="zh-TW" altLang="en-US" dirty="0"/>
+              <a:t> </a:t>
+            </a:r>
+            <a:r>
+              <a:rPr lang="en-US" altLang="zh-TW" dirty="0"/>
+              <a:t>2022 </a:t>
+            </a:r>
+            <a:r>
+              <a:rPr lang="zh-TW" altLang="en-US" dirty="0"/>
+              <a:t>年 </a:t>
+            </a:r>
+            <a:r>
+              <a:rPr lang="en-US" altLang="zh-TW" dirty="0"/>
+              <a:t>GitHub </a:t>
+            </a:r>
+            <a:r>
+              <a:rPr lang="en-US" altLang="zh-TW" dirty="0" err="1"/>
+              <a:t>Octoverse</a:t>
+            </a:r>
+            <a:r>
+              <a:rPr lang="zh-TW" altLang="en-US" dirty="0"/>
+              <a:t>報告</a:t>
+            </a:r>
+          </a:p>
+        </p:txBody>
+      </p:sp>
+    </p:spTree>
+    <p:extLst>
+      <p:ext uri="{BB962C8B-B14F-4D97-AF65-F5344CB8AC3E}">
+        <p14:creationId xmlns:p14="http://schemas.microsoft.com/office/powerpoint/2010/main" val="2751266355"/>
       </p:ext>
     </p:extLst>
   </p:cSld>
@@ -6749,7 +7412,7 @@
 </p:sld>
 </file>
 
-<file path=ppt/slides/slide12.xml><?xml version="1.0" encoding="utf-8"?>
+<file path=ppt/slides/slide15.xml><?xml version="1.0" encoding="utf-8"?>
 <p:sld xmlns:a="http://schemas.openxmlformats.org/drawingml/2006/main" xmlns:r="http://schemas.openxmlformats.org/officeDocument/2006/relationships" xmlns:p="http://schemas.openxmlformats.org/presentationml/2006/main">
   <p:cSld>
     <p:spTree>
@@ -7067,224 +7730,7 @@
 </p:sld>
 </file>
 
-<file path=ppt/slides/slide13.xml><?xml version="1.0" encoding="utf-8"?>
-<p:sld xmlns:a="http://schemas.openxmlformats.org/drawingml/2006/main" xmlns:r="http://schemas.openxmlformats.org/officeDocument/2006/relationships" xmlns:p="http://schemas.openxmlformats.org/presentationml/2006/main">
-  <p:cSld>
-    <p:spTree>
-      <p:nvGrpSpPr>
-        <p:cNvPr id="1" name=""/>
-        <p:cNvGrpSpPr/>
-        <p:nvPr/>
-      </p:nvGrpSpPr>
-      <p:grpSpPr>
-        <a:xfrm>
-          <a:off x="0" y="0"/>
-          <a:ext cx="0" cy="0"/>
-          <a:chOff x="0" y="0"/>
-          <a:chExt cx="0" cy="0"/>
-        </a:xfrm>
-      </p:grpSpPr>
-      <p:pic>
-        <p:nvPicPr>
-          <p:cNvPr id="3074" name="Picture 2" descr="https://uploads-ssl.webflow.com/60d29cc33f302e8be91cf0e2/6221deaaf2b2afa85a21bab0_Untitled.png"/>
-          <p:cNvPicPr>
-            <a:picLocks noChangeAspect="1" noChangeArrowheads="1"/>
-          </p:cNvPicPr>
-          <p:nvPr/>
-        </p:nvPicPr>
-        <p:blipFill>
-          <a:blip r:embed="rId2">
-            <a:extLst>
-              <a:ext uri="{28A0092B-C50C-407E-A947-70E740481C1C}">
-                <a14:useLocalDpi xmlns:a14="http://schemas.microsoft.com/office/drawing/2010/main" val="0"/>
-              </a:ext>
-            </a:extLst>
-          </a:blip>
-          <a:srcRect/>
-          <a:stretch>
-            <a:fillRect/>
-          </a:stretch>
-        </p:blipFill>
-        <p:spPr bwMode="auto">
-          <a:xfrm>
-            <a:off x="565152" y="1751869"/>
-            <a:ext cx="8172450" cy="4410076"/>
-          </a:xfrm>
-          <a:prstGeom prst="rect">
-            <a:avLst/>
-          </a:prstGeom>
-          <a:noFill/>
-          <a:extLst>
-            <a:ext uri="{909E8E84-426E-40DD-AFC4-6F175D3DCCD1}">
-              <a14:hiddenFill xmlns:a14="http://schemas.microsoft.com/office/drawing/2010/main">
-                <a:solidFill>
-                  <a:srgbClr val="FFFFFF"/>
-                </a:solidFill>
-              </a14:hiddenFill>
-            </a:ext>
-          </a:extLst>
-        </p:spPr>
-      </p:pic>
-      <p:sp>
-        <p:nvSpPr>
-          <p:cNvPr id="2" name="標題 1"/>
-          <p:cNvSpPr>
-            <a:spLocks noGrp="1"/>
-          </p:cNvSpPr>
-          <p:nvPr>
-            <p:ph type="title"/>
-          </p:nvPr>
-        </p:nvSpPr>
-        <p:spPr/>
-        <p:txBody>
-          <a:bodyPr/>
-          <a:lstStyle/>
-          <a:p>
-            <a:r>
-              <a:rPr lang="zh-TW" altLang="en-US" dirty="0"/>
-              <a:t>哪個語言比較有</a:t>
-            </a:r>
-            <a:r>
-              <a:rPr lang="zh-TW" altLang="en-US" b="1" dirty="0">
-                <a:solidFill>
-                  <a:srgbClr val="FF0000"/>
-                </a:solidFill>
-              </a:rPr>
-              <a:t>錢</a:t>
-            </a:r>
-            <a:r>
-              <a:rPr lang="zh-TW" altLang="en-US" dirty="0" smtClean="0"/>
-              <a:t>途</a:t>
-            </a:r>
-            <a:r>
-              <a:rPr lang="en-US" altLang="zh-TW" dirty="0" smtClean="0"/>
-              <a:t>(</a:t>
-            </a:r>
-            <a:r>
-              <a:rPr lang="zh-TW" altLang="en-US" dirty="0" smtClean="0"/>
-              <a:t>續</a:t>
-            </a:r>
-            <a:r>
-              <a:rPr lang="en-US" altLang="zh-TW" dirty="0" smtClean="0"/>
-              <a:t>)</a:t>
-            </a:r>
-            <a:endParaRPr lang="zh-TW" altLang="en-US" dirty="0"/>
-          </a:p>
-        </p:txBody>
-      </p:sp>
-      <p:sp>
-        <p:nvSpPr>
-          <p:cNvPr id="3" name="文字方塊 2"/>
-          <p:cNvSpPr txBox="1"/>
-          <p:nvPr/>
-        </p:nvSpPr>
-        <p:spPr>
-          <a:xfrm>
-            <a:off x="8046720" y="900668"/>
-            <a:ext cx="1717137" cy="369332"/>
-          </a:xfrm>
-          <a:prstGeom prst="rect">
-            <a:avLst/>
-          </a:prstGeom>
-          <a:noFill/>
-        </p:spPr>
-        <p:txBody>
-          <a:bodyPr wrap="none" rtlCol="0">
-            <a:spAutoFit/>
-          </a:bodyPr>
-          <a:lstStyle/>
-          <a:p>
-            <a:r>
-              <a:rPr lang="en-US" altLang="zh-TW" dirty="0" smtClean="0"/>
-              <a:t>2022</a:t>
-            </a:r>
-            <a:r>
-              <a:rPr lang="zh-TW" altLang="en-US" dirty="0" smtClean="0"/>
-              <a:t>年</a:t>
-            </a:r>
-            <a:r>
-              <a:rPr lang="en-US" altLang="zh-TW" dirty="0" smtClean="0"/>
-              <a:t>3</a:t>
-            </a:r>
-            <a:r>
-              <a:rPr lang="zh-TW" altLang="en-US" dirty="0" smtClean="0"/>
-              <a:t>月</a:t>
-            </a:r>
-            <a:r>
-              <a:rPr lang="zh-TW" altLang="en-US" dirty="0" smtClean="0"/>
-              <a:t>資料</a:t>
-            </a:r>
-            <a:endParaRPr lang="zh-TW" altLang="en-US" dirty="0"/>
-          </a:p>
-        </p:txBody>
-      </p:sp>
-      <p:sp>
-        <p:nvSpPr>
-          <p:cNvPr id="6" name="橢圓 5"/>
-          <p:cNvSpPr/>
-          <p:nvPr/>
-        </p:nvSpPr>
-        <p:spPr>
-          <a:xfrm>
-            <a:off x="7814880" y="2785045"/>
-            <a:ext cx="630936" cy="374904"/>
-          </a:xfrm>
-          <a:prstGeom prst="ellipse">
-            <a:avLst/>
-          </a:prstGeom>
-          <a:noFill/>
-          <a:ln w="38100">
-            <a:solidFill>
-              <a:srgbClr val="FF0000"/>
-            </a:solidFill>
-          </a:ln>
-        </p:spPr>
-        <p:style>
-          <a:lnRef idx="2">
-            <a:schemeClr val="accent1">
-              <a:shade val="50000"/>
-            </a:schemeClr>
-          </a:lnRef>
-          <a:fillRef idx="1">
-            <a:schemeClr val="accent1"/>
-          </a:fillRef>
-          <a:effectRef idx="0">
-            <a:schemeClr val="accent1"/>
-          </a:effectRef>
-          <a:fontRef idx="minor">
-            <a:schemeClr val="lt1"/>
-          </a:fontRef>
-        </p:style>
-        <p:txBody>
-          <a:bodyPr rtlCol="0" anchor="ctr"/>
-          <a:lstStyle/>
-          <a:p>
-            <a:pPr algn="ctr"/>
-            <a:endParaRPr lang="zh-TW" altLang="en-US"/>
-          </a:p>
-        </p:txBody>
-      </p:sp>
-    </p:spTree>
-    <p:extLst>
-      <p:ext uri="{BB962C8B-B14F-4D97-AF65-F5344CB8AC3E}">
-        <p14:creationId xmlns:p14="http://schemas.microsoft.com/office/powerpoint/2010/main" val="2751266355"/>
-      </p:ext>
-    </p:extLst>
-  </p:cSld>
-  <p:clrMapOvr>
-    <a:masterClrMapping/>
-  </p:clrMapOvr>
-  <p:timing>
-    <p:tnLst>
-      <p:par>
-        <p:cTn id="1" dur="indefinite" restart="never" nodeType="tmRoot"/>
-      </p:par>
-    </p:tnLst>
-  </p:timing>
-</p:sld>
-</file>
-
-<file path=ppt/slides/slide14.xml><?xml version="1.0" encoding="utf-8"?>
+<file path=ppt/slides/slide16.xml><?xml version="1.0" encoding="utf-8"?>
 <p:sld xmlns:a="http://schemas.openxmlformats.org/drawingml/2006/main" xmlns:r="http://schemas.openxmlformats.org/officeDocument/2006/relationships" xmlns:p="http://schemas.openxmlformats.org/presentationml/2006/main">
   <p:cSld>
     <p:spTree>
@@ -7426,11 +7872,7 @@
             </a:r>
             <a:r>
               <a:rPr lang="en-US" altLang="zh-TW" dirty="0" smtClean="0"/>
-              <a:t>(</a:t>
-            </a:r>
-            <a:r>
-              <a:rPr lang="en-US" altLang="zh-TW" dirty="0" smtClean="0"/>
-              <a:t>2022)</a:t>
+              <a:t>(2022)</a:t>
             </a:r>
             <a:endParaRPr lang="zh-TW" altLang="en-US" dirty="0"/>
           </a:p>
@@ -7645,7 +8087,23 @@
           <a:bodyPr/>
           <a:lstStyle/>
           <a:p>
-            <a:endParaRPr lang="zh-TW" altLang="en-US"/>
+            <a:r>
+              <a:rPr lang="zh-TW" altLang="en-US" dirty="0"/>
+              <a:t>工作需要</a:t>
+            </a:r>
+            <a:r>
+              <a:rPr lang="zh-TW" altLang="en-US" dirty="0" smtClean="0"/>
+              <a:t>？學校課業？想</a:t>
+            </a:r>
+            <a:r>
+              <a:rPr lang="zh-TW" altLang="en-US" dirty="0"/>
+              <a:t>斜槓</a:t>
+            </a:r>
+            <a:r>
+              <a:rPr lang="zh-TW" altLang="en-US" dirty="0" smtClean="0"/>
+              <a:t>？興趣？</a:t>
+            </a:r>
+            <a:endParaRPr lang="zh-TW" altLang="en-US" dirty="0"/>
           </a:p>
         </p:txBody>
       </p:sp>
@@ -7992,6 +8450,236 @@
 </file>
 
 <file path=ppt/slides/slide4.xml><?xml version="1.0" encoding="utf-8"?>
+<p:sld xmlns:a="http://schemas.openxmlformats.org/drawingml/2006/main" xmlns:r="http://schemas.openxmlformats.org/officeDocument/2006/relationships" xmlns:p="http://schemas.openxmlformats.org/presentationml/2006/main">
+  <p:cSld>
+    <p:spTree>
+      <p:nvGrpSpPr>
+        <p:cNvPr id="1" name=""/>
+        <p:cNvGrpSpPr/>
+        <p:nvPr/>
+      </p:nvGrpSpPr>
+      <p:grpSpPr>
+        <a:xfrm>
+          <a:off x="0" y="0"/>
+          <a:ext cx="0" cy="0"/>
+          <a:chOff x="0" y="0"/>
+          <a:chExt cx="0" cy="0"/>
+        </a:xfrm>
+      </p:grpSpPr>
+      <p:sp>
+        <p:nvSpPr>
+          <p:cNvPr id="2" name="標題 1"/>
+          <p:cNvSpPr>
+            <a:spLocks noGrp="1"/>
+          </p:cNvSpPr>
+          <p:nvPr>
+            <p:ph type="title"/>
+          </p:nvPr>
+        </p:nvSpPr>
+        <p:spPr/>
+        <p:txBody>
+          <a:bodyPr/>
+          <a:lstStyle/>
+          <a:p>
+            <a:r>
+              <a:rPr lang="zh-TW" altLang="en-US" dirty="0" smtClean="0"/>
+              <a:t>混得好的</a:t>
+            </a:r>
+            <a:r>
+              <a:rPr lang="en-US" altLang="zh-TW" dirty="0" smtClean="0"/>
+              <a:t>……</a:t>
+            </a:r>
+            <a:endParaRPr lang="zh-TW" altLang="en-US" dirty="0"/>
+          </a:p>
+        </p:txBody>
+      </p:sp>
+      <p:sp>
+        <p:nvSpPr>
+          <p:cNvPr id="3" name="內容版面配置區 2"/>
+          <p:cNvSpPr>
+            <a:spLocks noGrp="1"/>
+          </p:cNvSpPr>
+          <p:nvPr>
+            <p:ph idx="1"/>
+          </p:nvPr>
+        </p:nvSpPr>
+        <p:spPr>
+          <a:xfrm>
+            <a:off x="677334" y="2160589"/>
+            <a:ext cx="5183970" cy="3880773"/>
+          </a:xfrm>
+        </p:spPr>
+        <p:txBody>
+          <a:bodyPr/>
+          <a:lstStyle/>
+          <a:p>
+            <a:r>
+              <a:rPr lang="zh-TW" altLang="en-US" dirty="0"/>
+              <a:t>美國聯邦巡迴區上訴法院判決，</a:t>
+            </a:r>
+            <a:r>
+              <a:rPr lang="en-US" altLang="zh-TW" dirty="0"/>
+              <a:t>Google </a:t>
+            </a:r>
+            <a:r>
+              <a:rPr lang="zh-TW" altLang="en-US" dirty="0"/>
+              <a:t>的 </a:t>
+            </a:r>
+            <a:r>
+              <a:rPr lang="en-US" altLang="zh-TW" dirty="0"/>
+              <a:t>Android </a:t>
+            </a:r>
+            <a:r>
+              <a:rPr lang="zh-TW" altLang="en-US" dirty="0"/>
+              <a:t>作業系統未經許可使用使用 </a:t>
+            </a:r>
+            <a:r>
+              <a:rPr lang="en-US" altLang="zh-TW" dirty="0"/>
+              <a:t>Java API</a:t>
+            </a:r>
+            <a:r>
+              <a:rPr lang="zh-TW" altLang="en-US" dirty="0"/>
+              <a:t>，侵害了甲骨文的版權</a:t>
+            </a:r>
+            <a:r>
+              <a:rPr lang="zh-TW" altLang="en-US" dirty="0" smtClean="0"/>
+              <a:t>。</a:t>
+            </a:r>
+            <a:endParaRPr lang="en-US" altLang="zh-TW" dirty="0" smtClean="0"/>
+          </a:p>
+          <a:p>
+            <a:r>
+              <a:rPr lang="zh-TW" altLang="en-US" dirty="0" smtClean="0"/>
+              <a:t>求</a:t>
+            </a:r>
+            <a:r>
+              <a:rPr lang="zh-TW" altLang="en-US" dirty="0"/>
+              <a:t>償</a:t>
+            </a:r>
+            <a:r>
+              <a:rPr lang="zh-TW" altLang="en-US" dirty="0" smtClean="0"/>
+              <a:t>金額</a:t>
+            </a:r>
+            <a:r>
+              <a:rPr lang="zh-TW" altLang="en-US" dirty="0"/>
+              <a:t>高達 </a:t>
+            </a:r>
+            <a:r>
+              <a:rPr lang="en-US" altLang="zh-TW" sz="4000" b="1" dirty="0">
+                <a:solidFill>
+                  <a:schemeClr val="accent5"/>
+                </a:solidFill>
+              </a:rPr>
+              <a:t>93 </a:t>
+            </a:r>
+            <a:r>
+              <a:rPr lang="zh-TW" altLang="en-US" sz="4000" b="1" dirty="0">
+                <a:solidFill>
+                  <a:schemeClr val="accent5"/>
+                </a:solidFill>
+              </a:rPr>
+              <a:t>億美元 </a:t>
+            </a:r>
+            <a:r>
+              <a:rPr lang="zh-TW" altLang="en-US" sz="4000" b="1" dirty="0" smtClean="0">
+                <a:solidFill>
+                  <a:schemeClr val="accent5"/>
+                </a:solidFill>
+              </a:rPr>
+              <a:t>。</a:t>
+            </a:r>
+            <a:endParaRPr lang="en-US" altLang="zh-TW" sz="4000" b="1" dirty="0" smtClean="0">
+              <a:solidFill>
+                <a:schemeClr val="accent5"/>
+              </a:solidFill>
+            </a:endParaRPr>
+          </a:p>
+          <a:p>
+            <a:r>
+              <a:rPr lang="zh-TW" altLang="en-US" sz="3600" b="1" dirty="0">
+                <a:solidFill>
+                  <a:schemeClr val="accent5"/>
+                </a:solidFill>
+              </a:rPr>
+              <a:t>只</a:t>
+            </a:r>
+            <a:r>
+              <a:rPr lang="zh-TW" altLang="en-US" sz="3600" b="1" dirty="0" smtClean="0">
+                <a:solidFill>
+                  <a:schemeClr val="accent5"/>
+                </a:solidFill>
+              </a:rPr>
+              <a:t>為了</a:t>
+            </a:r>
+            <a:r>
+              <a:rPr lang="en-US" altLang="zh-TW" sz="3600" b="1" dirty="0" smtClean="0">
+                <a:solidFill>
+                  <a:schemeClr val="accent5"/>
+                </a:solidFill>
+              </a:rPr>
+              <a:t>9</a:t>
+            </a:r>
+            <a:r>
+              <a:rPr lang="zh-TW" altLang="en-US" sz="3600" b="1" dirty="0" smtClean="0">
+                <a:solidFill>
+                  <a:schemeClr val="accent5"/>
+                </a:solidFill>
+              </a:rPr>
+              <a:t>行程式碼！</a:t>
+            </a:r>
+            <a:endParaRPr lang="zh-TW" altLang="en-US" sz="3600" b="1" dirty="0">
+              <a:solidFill>
+                <a:schemeClr val="accent5"/>
+              </a:solidFill>
+            </a:endParaRPr>
+          </a:p>
+        </p:txBody>
+      </p:sp>
+      <p:pic>
+        <p:nvPicPr>
+          <p:cNvPr id="5" name="圖片 4"/>
+          <p:cNvPicPr>
+            <a:picLocks noChangeAspect="1"/>
+          </p:cNvPicPr>
+          <p:nvPr/>
+        </p:nvPicPr>
+        <p:blipFill>
+          <a:blip r:embed="rId2"/>
+          <a:stretch>
+            <a:fillRect/>
+          </a:stretch>
+        </p:blipFill>
+        <p:spPr>
+          <a:xfrm>
+            <a:off x="6096000" y="2136215"/>
+            <a:ext cx="3922581" cy="3905147"/>
+          </a:xfrm>
+          <a:prstGeom prst="rect">
+            <a:avLst/>
+          </a:prstGeom>
+        </p:spPr>
+      </p:pic>
+    </p:spTree>
+    <p:extLst>
+      <p:ext uri="{BB962C8B-B14F-4D97-AF65-F5344CB8AC3E}">
+        <p14:creationId xmlns:p14="http://schemas.microsoft.com/office/powerpoint/2010/main" val="353060557"/>
+      </p:ext>
+    </p:extLst>
+  </p:cSld>
+  <p:clrMapOvr>
+    <a:masterClrMapping/>
+  </p:clrMapOvr>
+  <p:timing>
+    <p:tnLst>
+      <p:par>
+        <p:cTn id="1" dur="indefinite" restart="never" nodeType="tmRoot"/>
+      </p:par>
+    </p:tnLst>
+  </p:timing>
+</p:sld>
+</file>
+
+<file path=ppt/slides/slide5.xml><?xml version="1.0" encoding="utf-8"?>
 <p:sld xmlns:a="http://schemas.openxmlformats.org/drawingml/2006/main" xmlns:r="http://schemas.openxmlformats.org/officeDocument/2006/relationships" xmlns:p="http://schemas.openxmlformats.org/presentationml/2006/main">
   <p:cSld>
     <p:spTree>
@@ -8357,236 +9045,6 @@
     <p:bldLst>
       <p:bldP spid="4" grpId="0" animBg="1"/>
     </p:bldLst>
-  </p:timing>
-</p:sld>
-</file>
-
-<file path=ppt/slides/slide5.xml><?xml version="1.0" encoding="utf-8"?>
-<p:sld xmlns:a="http://schemas.openxmlformats.org/drawingml/2006/main" xmlns:r="http://schemas.openxmlformats.org/officeDocument/2006/relationships" xmlns:p="http://schemas.openxmlformats.org/presentationml/2006/main">
-  <p:cSld>
-    <p:spTree>
-      <p:nvGrpSpPr>
-        <p:cNvPr id="1" name=""/>
-        <p:cNvGrpSpPr/>
-        <p:nvPr/>
-      </p:nvGrpSpPr>
-      <p:grpSpPr>
-        <a:xfrm>
-          <a:off x="0" y="0"/>
-          <a:ext cx="0" cy="0"/>
-          <a:chOff x="0" y="0"/>
-          <a:chExt cx="0" cy="0"/>
-        </a:xfrm>
-      </p:grpSpPr>
-      <p:sp>
-        <p:nvSpPr>
-          <p:cNvPr id="2" name="標題 1"/>
-          <p:cNvSpPr>
-            <a:spLocks noGrp="1"/>
-          </p:cNvSpPr>
-          <p:nvPr>
-            <p:ph type="title"/>
-          </p:nvPr>
-        </p:nvSpPr>
-        <p:spPr/>
-        <p:txBody>
-          <a:bodyPr/>
-          <a:lstStyle/>
-          <a:p>
-            <a:r>
-              <a:rPr lang="zh-TW" altLang="en-US" dirty="0" smtClean="0"/>
-              <a:t>不過，混得好的</a:t>
-            </a:r>
-            <a:r>
-              <a:rPr lang="en-US" altLang="zh-TW" dirty="0" smtClean="0"/>
-              <a:t>……</a:t>
-            </a:r>
-            <a:endParaRPr lang="zh-TW" altLang="en-US" dirty="0"/>
-          </a:p>
-        </p:txBody>
-      </p:sp>
-      <p:sp>
-        <p:nvSpPr>
-          <p:cNvPr id="3" name="內容版面配置區 2"/>
-          <p:cNvSpPr>
-            <a:spLocks noGrp="1"/>
-          </p:cNvSpPr>
-          <p:nvPr>
-            <p:ph idx="1"/>
-          </p:nvPr>
-        </p:nvSpPr>
-        <p:spPr>
-          <a:xfrm>
-            <a:off x="677334" y="2160589"/>
-            <a:ext cx="5183970" cy="3880773"/>
-          </a:xfrm>
-        </p:spPr>
-        <p:txBody>
-          <a:bodyPr/>
-          <a:lstStyle/>
-          <a:p>
-            <a:r>
-              <a:rPr lang="zh-TW" altLang="en-US" dirty="0"/>
-              <a:t>美國聯邦巡迴區上訴法院判決，</a:t>
-            </a:r>
-            <a:r>
-              <a:rPr lang="en-US" altLang="zh-TW" dirty="0"/>
-              <a:t>Google </a:t>
-            </a:r>
-            <a:r>
-              <a:rPr lang="zh-TW" altLang="en-US" dirty="0"/>
-              <a:t>的 </a:t>
-            </a:r>
-            <a:r>
-              <a:rPr lang="en-US" altLang="zh-TW" dirty="0"/>
-              <a:t>Android </a:t>
-            </a:r>
-            <a:r>
-              <a:rPr lang="zh-TW" altLang="en-US" dirty="0"/>
-              <a:t>作業系統未經許可使用使用 </a:t>
-            </a:r>
-            <a:r>
-              <a:rPr lang="en-US" altLang="zh-TW" dirty="0"/>
-              <a:t>Java API</a:t>
-            </a:r>
-            <a:r>
-              <a:rPr lang="zh-TW" altLang="en-US" dirty="0"/>
-              <a:t>，侵害了甲骨文的版權</a:t>
-            </a:r>
-            <a:r>
-              <a:rPr lang="zh-TW" altLang="en-US" dirty="0" smtClean="0"/>
-              <a:t>。</a:t>
-            </a:r>
-            <a:endParaRPr lang="en-US" altLang="zh-TW" dirty="0" smtClean="0"/>
-          </a:p>
-          <a:p>
-            <a:r>
-              <a:rPr lang="zh-TW" altLang="en-US" dirty="0" smtClean="0"/>
-              <a:t>求</a:t>
-            </a:r>
-            <a:r>
-              <a:rPr lang="zh-TW" altLang="en-US" dirty="0"/>
-              <a:t>償</a:t>
-            </a:r>
-            <a:r>
-              <a:rPr lang="zh-TW" altLang="en-US" dirty="0" smtClean="0"/>
-              <a:t>金額</a:t>
-            </a:r>
-            <a:r>
-              <a:rPr lang="zh-TW" altLang="en-US" dirty="0"/>
-              <a:t>高達 </a:t>
-            </a:r>
-            <a:r>
-              <a:rPr lang="en-US" altLang="zh-TW" sz="4000" b="1" dirty="0">
-                <a:solidFill>
-                  <a:schemeClr val="accent5"/>
-                </a:solidFill>
-              </a:rPr>
-              <a:t>93 </a:t>
-            </a:r>
-            <a:r>
-              <a:rPr lang="zh-TW" altLang="en-US" sz="4000" b="1" dirty="0">
-                <a:solidFill>
-                  <a:schemeClr val="accent5"/>
-                </a:solidFill>
-              </a:rPr>
-              <a:t>億美元 </a:t>
-            </a:r>
-            <a:r>
-              <a:rPr lang="zh-TW" altLang="en-US" sz="4000" b="1" dirty="0" smtClean="0">
-                <a:solidFill>
-                  <a:schemeClr val="accent5"/>
-                </a:solidFill>
-              </a:rPr>
-              <a:t>。</a:t>
-            </a:r>
-            <a:endParaRPr lang="en-US" altLang="zh-TW" sz="4000" b="1" dirty="0" smtClean="0">
-              <a:solidFill>
-                <a:schemeClr val="accent5"/>
-              </a:solidFill>
-            </a:endParaRPr>
-          </a:p>
-          <a:p>
-            <a:r>
-              <a:rPr lang="zh-TW" altLang="en-US" sz="3600" b="1" dirty="0">
-                <a:solidFill>
-                  <a:schemeClr val="accent5"/>
-                </a:solidFill>
-              </a:rPr>
-              <a:t>只</a:t>
-            </a:r>
-            <a:r>
-              <a:rPr lang="zh-TW" altLang="en-US" sz="3600" b="1" dirty="0" smtClean="0">
-                <a:solidFill>
-                  <a:schemeClr val="accent5"/>
-                </a:solidFill>
-              </a:rPr>
-              <a:t>為了</a:t>
-            </a:r>
-            <a:r>
-              <a:rPr lang="en-US" altLang="zh-TW" sz="3600" b="1" dirty="0" smtClean="0">
-                <a:solidFill>
-                  <a:schemeClr val="accent5"/>
-                </a:solidFill>
-              </a:rPr>
-              <a:t>9</a:t>
-            </a:r>
-            <a:r>
-              <a:rPr lang="zh-TW" altLang="en-US" sz="3600" b="1" dirty="0" smtClean="0">
-                <a:solidFill>
-                  <a:schemeClr val="accent5"/>
-                </a:solidFill>
-              </a:rPr>
-              <a:t>行程式碼！</a:t>
-            </a:r>
-            <a:endParaRPr lang="zh-TW" altLang="en-US" sz="3600" b="1" dirty="0">
-              <a:solidFill>
-                <a:schemeClr val="accent5"/>
-              </a:solidFill>
-            </a:endParaRPr>
-          </a:p>
-        </p:txBody>
-      </p:sp>
-      <p:pic>
-        <p:nvPicPr>
-          <p:cNvPr id="5" name="圖片 4"/>
-          <p:cNvPicPr>
-            <a:picLocks noChangeAspect="1"/>
-          </p:cNvPicPr>
-          <p:nvPr/>
-        </p:nvPicPr>
-        <p:blipFill>
-          <a:blip r:embed="rId2"/>
-          <a:stretch>
-            <a:fillRect/>
-          </a:stretch>
-        </p:blipFill>
-        <p:spPr>
-          <a:xfrm>
-            <a:off x="6096000" y="2136215"/>
-            <a:ext cx="3922581" cy="3905147"/>
-          </a:xfrm>
-          <a:prstGeom prst="rect">
-            <a:avLst/>
-          </a:prstGeom>
-        </p:spPr>
-      </p:pic>
-    </p:spTree>
-    <p:extLst>
-      <p:ext uri="{BB962C8B-B14F-4D97-AF65-F5344CB8AC3E}">
-        <p14:creationId xmlns:p14="http://schemas.microsoft.com/office/powerpoint/2010/main" val="353060557"/>
-      </p:ext>
-    </p:extLst>
-  </p:cSld>
-  <p:clrMapOvr>
-    <a:masterClrMapping/>
-  </p:clrMapOvr>
-  <p:timing>
-    <p:tnLst>
-      <p:par>
-        <p:cTn id="1" dur="indefinite" restart="never" nodeType="tmRoot"/>
-      </p:par>
-    </p:tnLst>
   </p:timing>
 </p:sld>
 </file>
@@ -17662,6 +18120,3245 @@
           </a:p>
         </p:txBody>
       </p:sp>
+      <p:pic>
+        <p:nvPicPr>
+          <p:cNvPr id="1061" name="Picture 37" descr="change"/>
+          <p:cNvPicPr>
+            <a:picLocks noChangeAspect="1" noChangeArrowheads="1"/>
+          </p:cNvPicPr>
+          <p:nvPr/>
+        </p:nvPicPr>
+        <p:blipFill>
+          <a:blip r:embed="rId2">
+            <a:extLst>
+              <a:ext uri="{28A0092B-C50C-407E-A947-70E740481C1C}">
+                <a14:useLocalDpi xmlns:a14="http://schemas.microsoft.com/office/drawing/2010/main" val="0"/>
+              </a:ext>
+            </a:extLst>
+          </a:blip>
+          <a:srcRect/>
+          <a:stretch>
+            <a:fillRect/>
+          </a:stretch>
+        </p:blipFill>
+        <p:spPr bwMode="auto">
+          <a:xfrm>
+            <a:off x="3304815" y="2952585"/>
+            <a:ext cx="152400" cy="152400"/>
+          </a:xfrm>
+          <a:prstGeom prst="rect">
+            <a:avLst/>
+          </a:prstGeom>
+          <a:noFill/>
+          <a:extLst>
+            <a:ext uri="{909E8E84-426E-40DD-AFC4-6F175D3DCCD1}">
+              <a14:hiddenFill xmlns:a14="http://schemas.microsoft.com/office/drawing/2010/main">
+                <a:solidFill>
+                  <a:srgbClr val="FFFFFF"/>
+                </a:solidFill>
+              </a14:hiddenFill>
+            </a:ext>
+          </a:extLst>
+        </p:spPr>
+      </p:pic>
+      <p:pic>
+        <p:nvPicPr>
+          <p:cNvPr id="1063" name="Picture 39" descr="change"/>
+          <p:cNvPicPr>
+            <a:picLocks noChangeAspect="1" noChangeArrowheads="1"/>
+          </p:cNvPicPr>
+          <p:nvPr/>
+        </p:nvPicPr>
+        <p:blipFill>
+          <a:blip r:embed="rId3">
+            <a:extLst>
+              <a:ext uri="{28A0092B-C50C-407E-A947-70E740481C1C}">
+                <a14:useLocalDpi xmlns:a14="http://schemas.microsoft.com/office/drawing/2010/main" val="0"/>
+              </a:ext>
+            </a:extLst>
+          </a:blip>
+          <a:srcRect/>
+          <a:stretch>
+            <a:fillRect/>
+          </a:stretch>
+        </p:blipFill>
+        <p:spPr bwMode="auto">
+          <a:xfrm>
+            <a:off x="3304815" y="2952585"/>
+            <a:ext cx="152400" cy="152400"/>
+          </a:xfrm>
+          <a:prstGeom prst="rect">
+            <a:avLst/>
+          </a:prstGeom>
+          <a:noFill/>
+          <a:extLst>
+            <a:ext uri="{909E8E84-426E-40DD-AFC4-6F175D3DCCD1}">
+              <a14:hiddenFill xmlns:a14="http://schemas.microsoft.com/office/drawing/2010/main">
+                <a:solidFill>
+                  <a:srgbClr val="FFFFFF"/>
+                </a:solidFill>
+              </a14:hiddenFill>
+            </a:ext>
+          </a:extLst>
+        </p:spPr>
+      </p:pic>
+      <p:pic>
+        <p:nvPicPr>
+          <p:cNvPr id="1066" name="Picture 42" descr="change"/>
+          <p:cNvPicPr>
+            <a:picLocks noChangeAspect="1" noChangeArrowheads="1"/>
+          </p:cNvPicPr>
+          <p:nvPr/>
+        </p:nvPicPr>
+        <p:blipFill>
+          <a:blip r:embed="rId2">
+            <a:extLst>
+              <a:ext uri="{28A0092B-C50C-407E-A947-70E740481C1C}">
+                <a14:useLocalDpi xmlns:a14="http://schemas.microsoft.com/office/drawing/2010/main" val="0"/>
+              </a:ext>
+            </a:extLst>
+          </a:blip>
+          <a:srcRect/>
+          <a:stretch>
+            <a:fillRect/>
+          </a:stretch>
+        </p:blipFill>
+        <p:spPr bwMode="auto">
+          <a:xfrm>
+            <a:off x="3304815" y="2952585"/>
+            <a:ext cx="152400" cy="152400"/>
+          </a:xfrm>
+          <a:prstGeom prst="rect">
+            <a:avLst/>
+          </a:prstGeom>
+          <a:noFill/>
+          <a:extLst>
+            <a:ext uri="{909E8E84-426E-40DD-AFC4-6F175D3DCCD1}">
+              <a14:hiddenFill xmlns:a14="http://schemas.microsoft.com/office/drawing/2010/main">
+                <a:solidFill>
+                  <a:srgbClr val="FFFFFF"/>
+                </a:solidFill>
+              </a14:hiddenFill>
+            </a:ext>
+          </a:extLst>
+        </p:spPr>
+      </p:pic>
+      <p:pic>
+        <p:nvPicPr>
+          <p:cNvPr id="1068" name="Picture 44" descr="change"/>
+          <p:cNvPicPr>
+            <a:picLocks noChangeAspect="1" noChangeArrowheads="1"/>
+          </p:cNvPicPr>
+          <p:nvPr/>
+        </p:nvPicPr>
+        <p:blipFill>
+          <a:blip r:embed="rId2">
+            <a:extLst>
+              <a:ext uri="{28A0092B-C50C-407E-A947-70E740481C1C}">
+                <a14:useLocalDpi xmlns:a14="http://schemas.microsoft.com/office/drawing/2010/main" val="0"/>
+              </a:ext>
+            </a:extLst>
+          </a:blip>
+          <a:srcRect/>
+          <a:stretch>
+            <a:fillRect/>
+          </a:stretch>
+        </p:blipFill>
+        <p:spPr bwMode="auto">
+          <a:xfrm>
+            <a:off x="3304815" y="2952585"/>
+            <a:ext cx="152400" cy="152400"/>
+          </a:xfrm>
+          <a:prstGeom prst="rect">
+            <a:avLst/>
+          </a:prstGeom>
+          <a:noFill/>
+          <a:extLst>
+            <a:ext uri="{909E8E84-426E-40DD-AFC4-6F175D3DCCD1}">
+              <a14:hiddenFill xmlns:a14="http://schemas.microsoft.com/office/drawing/2010/main">
+                <a:solidFill>
+                  <a:srgbClr val="FFFFFF"/>
+                </a:solidFill>
+              </a14:hiddenFill>
+            </a:ext>
+          </a:extLst>
+        </p:spPr>
+      </p:pic>
+      <p:pic>
+        <p:nvPicPr>
+          <p:cNvPr id="1070" name="Picture 46" descr="change"/>
+          <p:cNvPicPr>
+            <a:picLocks noChangeAspect="1" noChangeArrowheads="1"/>
+          </p:cNvPicPr>
+          <p:nvPr/>
+        </p:nvPicPr>
+        <p:blipFill>
+          <a:blip r:embed="rId3">
+            <a:extLst>
+              <a:ext uri="{28A0092B-C50C-407E-A947-70E740481C1C}">
+                <a14:useLocalDpi xmlns:a14="http://schemas.microsoft.com/office/drawing/2010/main" val="0"/>
+              </a:ext>
+            </a:extLst>
+          </a:blip>
+          <a:srcRect/>
+          <a:stretch>
+            <a:fillRect/>
+          </a:stretch>
+        </p:blipFill>
+        <p:spPr bwMode="auto">
+          <a:xfrm>
+            <a:off x="3304815" y="2952585"/>
+            <a:ext cx="152400" cy="152400"/>
+          </a:xfrm>
+          <a:prstGeom prst="rect">
+            <a:avLst/>
+          </a:prstGeom>
+          <a:noFill/>
+          <a:extLst>
+            <a:ext uri="{909E8E84-426E-40DD-AFC4-6F175D3DCCD1}">
+              <a14:hiddenFill xmlns:a14="http://schemas.microsoft.com/office/drawing/2010/main">
+                <a:solidFill>
+                  <a:srgbClr val="FFFFFF"/>
+                </a:solidFill>
+              </a14:hiddenFill>
+            </a:ext>
+          </a:extLst>
+        </p:spPr>
+      </p:pic>
+      <p:pic>
+        <p:nvPicPr>
+          <p:cNvPr id="1072" name="Picture 48" descr="change"/>
+          <p:cNvPicPr>
+            <a:picLocks noChangeAspect="1" noChangeArrowheads="1"/>
+          </p:cNvPicPr>
+          <p:nvPr/>
+        </p:nvPicPr>
+        <p:blipFill>
+          <a:blip r:embed="rId3">
+            <a:extLst>
+              <a:ext uri="{28A0092B-C50C-407E-A947-70E740481C1C}">
+                <a14:useLocalDpi xmlns:a14="http://schemas.microsoft.com/office/drawing/2010/main" val="0"/>
+              </a:ext>
+            </a:extLst>
+          </a:blip>
+          <a:srcRect/>
+          <a:stretch>
+            <a:fillRect/>
+          </a:stretch>
+        </p:blipFill>
+        <p:spPr bwMode="auto">
+          <a:xfrm>
+            <a:off x="3304815" y="2952585"/>
+            <a:ext cx="152400" cy="152400"/>
+          </a:xfrm>
+          <a:prstGeom prst="rect">
+            <a:avLst/>
+          </a:prstGeom>
+          <a:noFill/>
+          <a:extLst>
+            <a:ext uri="{909E8E84-426E-40DD-AFC4-6F175D3DCCD1}">
+              <a14:hiddenFill xmlns:a14="http://schemas.microsoft.com/office/drawing/2010/main">
+                <a:solidFill>
+                  <a:srgbClr val="FFFFFF"/>
+                </a:solidFill>
+              </a14:hiddenFill>
+            </a:ext>
+          </a:extLst>
+        </p:spPr>
+      </p:pic>
+      <p:pic>
+        <p:nvPicPr>
+          <p:cNvPr id="1074" name="Picture 50" descr="change"/>
+          <p:cNvPicPr>
+            <a:picLocks noChangeAspect="1" noChangeArrowheads="1"/>
+          </p:cNvPicPr>
+          <p:nvPr/>
+        </p:nvPicPr>
+        <p:blipFill>
+          <a:blip r:embed="rId4">
+            <a:extLst>
+              <a:ext uri="{28A0092B-C50C-407E-A947-70E740481C1C}">
+                <a14:useLocalDpi xmlns:a14="http://schemas.microsoft.com/office/drawing/2010/main" val="0"/>
+              </a:ext>
+            </a:extLst>
+          </a:blip>
+          <a:srcRect/>
+          <a:stretch>
+            <a:fillRect/>
+          </a:stretch>
+        </p:blipFill>
+        <p:spPr bwMode="auto">
+          <a:xfrm>
+            <a:off x="3304815" y="2952585"/>
+            <a:ext cx="152400" cy="152400"/>
+          </a:xfrm>
+          <a:prstGeom prst="rect">
+            <a:avLst/>
+          </a:prstGeom>
+          <a:noFill/>
+          <a:extLst>
+            <a:ext uri="{909E8E84-426E-40DD-AFC4-6F175D3DCCD1}">
+              <a14:hiddenFill xmlns:a14="http://schemas.microsoft.com/office/drawing/2010/main">
+                <a:solidFill>
+                  <a:srgbClr val="FFFFFF"/>
+                </a:solidFill>
+              </a14:hiddenFill>
+            </a:ext>
+          </a:extLst>
+        </p:spPr>
+      </p:pic>
+      <p:pic>
+        <p:nvPicPr>
+          <p:cNvPr id="1078" name="Picture 54" descr="change"/>
+          <p:cNvPicPr>
+            <a:picLocks noChangeAspect="1" noChangeArrowheads="1"/>
+          </p:cNvPicPr>
+          <p:nvPr/>
+        </p:nvPicPr>
+        <p:blipFill>
+          <a:blip r:embed="rId4">
+            <a:extLst>
+              <a:ext uri="{28A0092B-C50C-407E-A947-70E740481C1C}">
+                <a14:useLocalDpi xmlns:a14="http://schemas.microsoft.com/office/drawing/2010/main" val="0"/>
+              </a:ext>
+            </a:extLst>
+          </a:blip>
+          <a:srcRect/>
+          <a:stretch>
+            <a:fillRect/>
+          </a:stretch>
+        </p:blipFill>
+        <p:spPr bwMode="auto">
+          <a:xfrm>
+            <a:off x="3304815" y="2952585"/>
+            <a:ext cx="152400" cy="152400"/>
+          </a:xfrm>
+          <a:prstGeom prst="rect">
+            <a:avLst/>
+          </a:prstGeom>
+          <a:noFill/>
+          <a:extLst>
+            <a:ext uri="{909E8E84-426E-40DD-AFC4-6F175D3DCCD1}">
+              <a14:hiddenFill xmlns:a14="http://schemas.microsoft.com/office/drawing/2010/main">
+                <a:solidFill>
+                  <a:srgbClr val="FFFFFF"/>
+                </a:solidFill>
+              </a14:hiddenFill>
+            </a:ext>
+          </a:extLst>
+        </p:spPr>
+      </p:pic>
+      <p:pic>
+        <p:nvPicPr>
+          <p:cNvPr id="1080" name="Picture 56" descr="change"/>
+          <p:cNvPicPr>
+            <a:picLocks noChangeAspect="1" noChangeArrowheads="1"/>
+          </p:cNvPicPr>
+          <p:nvPr/>
+        </p:nvPicPr>
+        <p:blipFill>
+          <a:blip r:embed="rId2">
+            <a:extLst>
+              <a:ext uri="{28A0092B-C50C-407E-A947-70E740481C1C}">
+                <a14:useLocalDpi xmlns:a14="http://schemas.microsoft.com/office/drawing/2010/main" val="0"/>
+              </a:ext>
+            </a:extLst>
+          </a:blip>
+          <a:srcRect/>
+          <a:stretch>
+            <a:fillRect/>
+          </a:stretch>
+        </p:blipFill>
+        <p:spPr bwMode="auto">
+          <a:xfrm>
+            <a:off x="3304815" y="2952585"/>
+            <a:ext cx="152400" cy="152400"/>
+          </a:xfrm>
+          <a:prstGeom prst="rect">
+            <a:avLst/>
+          </a:prstGeom>
+          <a:noFill/>
+          <a:extLst>
+            <a:ext uri="{909E8E84-426E-40DD-AFC4-6F175D3DCCD1}">
+              <a14:hiddenFill xmlns:a14="http://schemas.microsoft.com/office/drawing/2010/main">
+                <a:solidFill>
+                  <a:srgbClr val="FFFFFF"/>
+                </a:solidFill>
+              </a14:hiddenFill>
+            </a:ext>
+          </a:extLst>
+        </p:spPr>
+      </p:pic>
+      <p:pic>
+        <p:nvPicPr>
+          <p:cNvPr id="1083" name="Picture 59" descr="change"/>
+          <p:cNvPicPr>
+            <a:picLocks noChangeAspect="1" noChangeArrowheads="1"/>
+          </p:cNvPicPr>
+          <p:nvPr/>
+        </p:nvPicPr>
+        <p:blipFill>
+          <a:blip r:embed="rId3">
+            <a:extLst>
+              <a:ext uri="{28A0092B-C50C-407E-A947-70E740481C1C}">
+                <a14:useLocalDpi xmlns:a14="http://schemas.microsoft.com/office/drawing/2010/main" val="0"/>
+              </a:ext>
+            </a:extLst>
+          </a:blip>
+          <a:srcRect/>
+          <a:stretch>
+            <a:fillRect/>
+          </a:stretch>
+        </p:blipFill>
+        <p:spPr bwMode="auto">
+          <a:xfrm>
+            <a:off x="3304815" y="2952585"/>
+            <a:ext cx="152400" cy="152400"/>
+          </a:xfrm>
+          <a:prstGeom prst="rect">
+            <a:avLst/>
+          </a:prstGeom>
+          <a:noFill/>
+          <a:extLst>
+            <a:ext uri="{909E8E84-426E-40DD-AFC4-6F175D3DCCD1}">
+              <a14:hiddenFill xmlns:a14="http://schemas.microsoft.com/office/drawing/2010/main">
+                <a:solidFill>
+                  <a:srgbClr val="FFFFFF"/>
+                </a:solidFill>
+              </a14:hiddenFill>
+            </a:ext>
+          </a:extLst>
+        </p:spPr>
+      </p:pic>
+      <p:pic>
+        <p:nvPicPr>
+          <p:cNvPr id="1085" name="Picture 61" descr="change"/>
+          <p:cNvPicPr>
+            <a:picLocks noChangeAspect="1" noChangeArrowheads="1"/>
+          </p:cNvPicPr>
+          <p:nvPr/>
+        </p:nvPicPr>
+        <p:blipFill>
+          <a:blip r:embed="rId5">
+            <a:extLst>
+              <a:ext uri="{28A0092B-C50C-407E-A947-70E740481C1C}">
+                <a14:useLocalDpi xmlns:a14="http://schemas.microsoft.com/office/drawing/2010/main" val="0"/>
+              </a:ext>
+            </a:extLst>
+          </a:blip>
+          <a:srcRect/>
+          <a:stretch>
+            <a:fillRect/>
+          </a:stretch>
+        </p:blipFill>
+        <p:spPr bwMode="auto">
+          <a:xfrm>
+            <a:off x="3304815" y="2952585"/>
+            <a:ext cx="152400" cy="152400"/>
+          </a:xfrm>
+          <a:prstGeom prst="rect">
+            <a:avLst/>
+          </a:prstGeom>
+          <a:noFill/>
+          <a:extLst>
+            <a:ext uri="{909E8E84-426E-40DD-AFC4-6F175D3DCCD1}">
+              <a14:hiddenFill xmlns:a14="http://schemas.microsoft.com/office/drawing/2010/main">
+                <a:solidFill>
+                  <a:srgbClr val="FFFFFF"/>
+                </a:solidFill>
+              </a14:hiddenFill>
+            </a:ext>
+          </a:extLst>
+        </p:spPr>
+      </p:pic>
+      <p:pic>
+        <p:nvPicPr>
+          <p:cNvPr id="1087" name="Picture 63" descr="change"/>
+          <p:cNvPicPr>
+            <a:picLocks noChangeAspect="1" noChangeArrowheads="1"/>
+          </p:cNvPicPr>
+          <p:nvPr/>
+        </p:nvPicPr>
+        <p:blipFill>
+          <a:blip r:embed="rId4">
+            <a:extLst>
+              <a:ext uri="{28A0092B-C50C-407E-A947-70E740481C1C}">
+                <a14:useLocalDpi xmlns:a14="http://schemas.microsoft.com/office/drawing/2010/main" val="0"/>
+              </a:ext>
+            </a:extLst>
+          </a:blip>
+          <a:srcRect/>
+          <a:stretch>
+            <a:fillRect/>
+          </a:stretch>
+        </p:blipFill>
+        <p:spPr bwMode="auto">
+          <a:xfrm>
+            <a:off x="3304815" y="2952585"/>
+            <a:ext cx="152400" cy="152400"/>
+          </a:xfrm>
+          <a:prstGeom prst="rect">
+            <a:avLst/>
+          </a:prstGeom>
+          <a:noFill/>
+          <a:extLst>
+            <a:ext uri="{909E8E84-426E-40DD-AFC4-6F175D3DCCD1}">
+              <a14:hiddenFill xmlns:a14="http://schemas.microsoft.com/office/drawing/2010/main">
+                <a:solidFill>
+                  <a:srgbClr val="FFFFFF"/>
+                </a:solidFill>
+              </a14:hiddenFill>
+            </a:ext>
+          </a:extLst>
+        </p:spPr>
+      </p:pic>
+      <p:pic>
+        <p:nvPicPr>
+          <p:cNvPr id="1090" name="Picture 66" descr="change"/>
+          <p:cNvPicPr>
+            <a:picLocks noChangeAspect="1" noChangeArrowheads="1"/>
+          </p:cNvPicPr>
+          <p:nvPr/>
+        </p:nvPicPr>
+        <p:blipFill>
+          <a:blip r:embed="rId5">
+            <a:extLst>
+              <a:ext uri="{28A0092B-C50C-407E-A947-70E740481C1C}">
+                <a14:useLocalDpi xmlns:a14="http://schemas.microsoft.com/office/drawing/2010/main" val="0"/>
+              </a:ext>
+            </a:extLst>
+          </a:blip>
+          <a:srcRect/>
+          <a:stretch>
+            <a:fillRect/>
+          </a:stretch>
+        </p:blipFill>
+        <p:spPr bwMode="auto">
+          <a:xfrm>
+            <a:off x="3304815" y="2952585"/>
+            <a:ext cx="152400" cy="152400"/>
+          </a:xfrm>
+          <a:prstGeom prst="rect">
+            <a:avLst/>
+          </a:prstGeom>
+          <a:noFill/>
+          <a:extLst>
+            <a:ext uri="{909E8E84-426E-40DD-AFC4-6F175D3DCCD1}">
+              <a14:hiddenFill xmlns:a14="http://schemas.microsoft.com/office/drawing/2010/main">
+                <a:solidFill>
+                  <a:srgbClr val="FFFFFF"/>
+                </a:solidFill>
+              </a14:hiddenFill>
+            </a:ext>
+          </a:extLst>
+        </p:spPr>
+      </p:pic>
+      <p:pic>
+        <p:nvPicPr>
+          <p:cNvPr id="1025" name="Picture 1" descr="Python page"/>
+          <p:cNvPicPr>
+            <a:picLocks noChangeAspect="1" noChangeArrowheads="1"/>
+          </p:cNvPicPr>
+          <p:nvPr/>
+        </p:nvPicPr>
+        <p:blipFill>
+          <a:blip r:embed="rId6">
+            <a:extLst>
+              <a:ext uri="{28A0092B-C50C-407E-A947-70E740481C1C}">
+                <a14:useLocalDpi xmlns:a14="http://schemas.microsoft.com/office/drawing/2010/main" val="0"/>
+              </a:ext>
+            </a:extLst>
+          </a:blip>
+          <a:srcRect/>
+          <a:stretch>
+            <a:fillRect/>
+          </a:stretch>
+        </p:blipFill>
+        <p:spPr bwMode="auto">
+          <a:xfrm>
+            <a:off x="0" y="0"/>
+            <a:ext cx="314325" cy="314325"/>
+          </a:xfrm>
+          <a:prstGeom prst="rect">
+            <a:avLst/>
+          </a:prstGeom>
+          <a:noFill/>
+          <a:extLst>
+            <a:ext uri="{909E8E84-426E-40DD-AFC4-6F175D3DCCD1}">
+              <a14:hiddenFill xmlns:a14="http://schemas.microsoft.com/office/drawing/2010/main">
+                <a:solidFill>
+                  <a:srgbClr val="FFFFFF"/>
+                </a:solidFill>
+              </a14:hiddenFill>
+            </a:ext>
+          </a:extLst>
+        </p:spPr>
+      </p:pic>
+      <p:pic>
+        <p:nvPicPr>
+          <p:cNvPr id="1026" name="Picture 2" descr="C page"/>
+          <p:cNvPicPr>
+            <a:picLocks noChangeAspect="1" noChangeArrowheads="1"/>
+          </p:cNvPicPr>
+          <p:nvPr/>
+        </p:nvPicPr>
+        <p:blipFill>
+          <a:blip r:embed="rId7">
+            <a:extLst>
+              <a:ext uri="{28A0092B-C50C-407E-A947-70E740481C1C}">
+                <a14:useLocalDpi xmlns:a14="http://schemas.microsoft.com/office/drawing/2010/main" val="0"/>
+              </a:ext>
+            </a:extLst>
+          </a:blip>
+          <a:srcRect/>
+          <a:stretch>
+            <a:fillRect/>
+          </a:stretch>
+        </p:blipFill>
+        <p:spPr bwMode="auto">
+          <a:xfrm>
+            <a:off x="0" y="0"/>
+            <a:ext cx="314325" cy="314325"/>
+          </a:xfrm>
+          <a:prstGeom prst="rect">
+            <a:avLst/>
+          </a:prstGeom>
+          <a:noFill/>
+          <a:extLst>
+            <a:ext uri="{909E8E84-426E-40DD-AFC4-6F175D3DCCD1}">
+              <a14:hiddenFill xmlns:a14="http://schemas.microsoft.com/office/drawing/2010/main">
+                <a:solidFill>
+                  <a:srgbClr val="FFFFFF"/>
+                </a:solidFill>
+              </a14:hiddenFill>
+            </a:ext>
+          </a:extLst>
+        </p:spPr>
+      </p:pic>
+      <p:pic>
+        <p:nvPicPr>
+          <p:cNvPr id="1027" name="Picture 3" descr="change"/>
+          <p:cNvPicPr>
+            <a:picLocks noChangeAspect="1" noChangeArrowheads="1"/>
+          </p:cNvPicPr>
+          <p:nvPr/>
+        </p:nvPicPr>
+        <p:blipFill>
+          <a:blip r:embed="rId2">
+            <a:extLst>
+              <a:ext uri="{28A0092B-C50C-407E-A947-70E740481C1C}">
+                <a14:useLocalDpi xmlns:a14="http://schemas.microsoft.com/office/drawing/2010/main" val="0"/>
+              </a:ext>
+            </a:extLst>
+          </a:blip>
+          <a:srcRect/>
+          <a:stretch>
+            <a:fillRect/>
+          </a:stretch>
+        </p:blipFill>
+        <p:spPr bwMode="auto">
+          <a:xfrm>
+            <a:off x="0" y="0"/>
+            <a:ext cx="152400" cy="152400"/>
+          </a:xfrm>
+          <a:prstGeom prst="rect">
+            <a:avLst/>
+          </a:prstGeom>
+          <a:noFill/>
+          <a:extLst>
+            <a:ext uri="{909E8E84-426E-40DD-AFC4-6F175D3DCCD1}">
+              <a14:hiddenFill xmlns:a14="http://schemas.microsoft.com/office/drawing/2010/main">
+                <a:solidFill>
+                  <a:srgbClr val="FFFFFF"/>
+                </a:solidFill>
+              </a14:hiddenFill>
+            </a:ext>
+          </a:extLst>
+        </p:spPr>
+      </p:pic>
+      <p:pic>
+        <p:nvPicPr>
+          <p:cNvPr id="1028" name="Picture 4" descr="C++ page"/>
+          <p:cNvPicPr>
+            <a:picLocks noChangeAspect="1" noChangeArrowheads="1"/>
+          </p:cNvPicPr>
+          <p:nvPr/>
+        </p:nvPicPr>
+        <p:blipFill>
+          <a:blip r:embed="rId8">
+            <a:extLst>
+              <a:ext uri="{28A0092B-C50C-407E-A947-70E740481C1C}">
+                <a14:useLocalDpi xmlns:a14="http://schemas.microsoft.com/office/drawing/2010/main" val="0"/>
+              </a:ext>
+            </a:extLst>
+          </a:blip>
+          <a:srcRect/>
+          <a:stretch>
+            <a:fillRect/>
+          </a:stretch>
+        </p:blipFill>
+        <p:spPr bwMode="auto">
+          <a:xfrm>
+            <a:off x="0" y="0"/>
+            <a:ext cx="314325" cy="314325"/>
+          </a:xfrm>
+          <a:prstGeom prst="rect">
+            <a:avLst/>
+          </a:prstGeom>
+          <a:noFill/>
+          <a:extLst>
+            <a:ext uri="{909E8E84-426E-40DD-AFC4-6F175D3DCCD1}">
+              <a14:hiddenFill xmlns:a14="http://schemas.microsoft.com/office/drawing/2010/main">
+                <a:solidFill>
+                  <a:srgbClr val="FFFFFF"/>
+                </a:solidFill>
+              </a14:hiddenFill>
+            </a:ext>
+          </a:extLst>
+        </p:spPr>
+      </p:pic>
+      <p:pic>
+        <p:nvPicPr>
+          <p:cNvPr id="1029" name="Picture 5" descr="change"/>
+          <p:cNvPicPr>
+            <a:picLocks noChangeAspect="1" noChangeArrowheads="1"/>
+          </p:cNvPicPr>
+          <p:nvPr/>
+        </p:nvPicPr>
+        <p:blipFill>
+          <a:blip r:embed="rId3">
+            <a:extLst>
+              <a:ext uri="{28A0092B-C50C-407E-A947-70E740481C1C}">
+                <a14:useLocalDpi xmlns:a14="http://schemas.microsoft.com/office/drawing/2010/main" val="0"/>
+              </a:ext>
+            </a:extLst>
+          </a:blip>
+          <a:srcRect/>
+          <a:stretch>
+            <a:fillRect/>
+          </a:stretch>
+        </p:blipFill>
+        <p:spPr bwMode="auto">
+          <a:xfrm>
+            <a:off x="0" y="0"/>
+            <a:ext cx="152400" cy="152400"/>
+          </a:xfrm>
+          <a:prstGeom prst="rect">
+            <a:avLst/>
+          </a:prstGeom>
+          <a:noFill/>
+          <a:extLst>
+            <a:ext uri="{909E8E84-426E-40DD-AFC4-6F175D3DCCD1}">
+              <a14:hiddenFill xmlns:a14="http://schemas.microsoft.com/office/drawing/2010/main">
+                <a:solidFill>
+                  <a:srgbClr val="FFFFFF"/>
+                </a:solidFill>
+              </a14:hiddenFill>
+            </a:ext>
+          </a:extLst>
+        </p:spPr>
+      </p:pic>
+      <p:pic>
+        <p:nvPicPr>
+          <p:cNvPr id="1030" name="Picture 6" descr="Java page"/>
+          <p:cNvPicPr>
+            <a:picLocks noChangeAspect="1" noChangeArrowheads="1"/>
+          </p:cNvPicPr>
+          <p:nvPr/>
+        </p:nvPicPr>
+        <p:blipFill>
+          <a:blip r:embed="rId9">
+            <a:extLst>
+              <a:ext uri="{28A0092B-C50C-407E-A947-70E740481C1C}">
+                <a14:useLocalDpi xmlns:a14="http://schemas.microsoft.com/office/drawing/2010/main" val="0"/>
+              </a:ext>
+            </a:extLst>
+          </a:blip>
+          <a:srcRect/>
+          <a:stretch>
+            <a:fillRect/>
+          </a:stretch>
+        </p:blipFill>
+        <p:spPr bwMode="auto">
+          <a:xfrm>
+            <a:off x="0" y="0"/>
+            <a:ext cx="314325" cy="314325"/>
+          </a:xfrm>
+          <a:prstGeom prst="rect">
+            <a:avLst/>
+          </a:prstGeom>
+          <a:noFill/>
+          <a:extLst>
+            <a:ext uri="{909E8E84-426E-40DD-AFC4-6F175D3DCCD1}">
+              <a14:hiddenFill xmlns:a14="http://schemas.microsoft.com/office/drawing/2010/main">
+                <a:solidFill>
+                  <a:srgbClr val="FFFFFF"/>
+                </a:solidFill>
+              </a14:hiddenFill>
+            </a:ext>
+          </a:extLst>
+        </p:spPr>
+      </p:pic>
+      <p:pic>
+        <p:nvPicPr>
+          <p:cNvPr id="1031" name="Picture 7" descr="C# page"/>
+          <p:cNvPicPr>
+            <a:picLocks noChangeAspect="1" noChangeArrowheads="1"/>
+          </p:cNvPicPr>
+          <p:nvPr/>
+        </p:nvPicPr>
+        <p:blipFill>
+          <a:blip r:embed="rId10">
+            <a:extLst>
+              <a:ext uri="{28A0092B-C50C-407E-A947-70E740481C1C}">
+                <a14:useLocalDpi xmlns:a14="http://schemas.microsoft.com/office/drawing/2010/main" val="0"/>
+              </a:ext>
+            </a:extLst>
+          </a:blip>
+          <a:srcRect/>
+          <a:stretch>
+            <a:fillRect/>
+          </a:stretch>
+        </p:blipFill>
+        <p:spPr bwMode="auto">
+          <a:xfrm>
+            <a:off x="0" y="0"/>
+            <a:ext cx="314325" cy="314325"/>
+          </a:xfrm>
+          <a:prstGeom prst="rect">
+            <a:avLst/>
+          </a:prstGeom>
+          <a:noFill/>
+          <a:extLst>
+            <a:ext uri="{909E8E84-426E-40DD-AFC4-6F175D3DCCD1}">
+              <a14:hiddenFill xmlns:a14="http://schemas.microsoft.com/office/drawing/2010/main">
+                <a:solidFill>
+                  <a:srgbClr val="FFFFFF"/>
+                </a:solidFill>
+              </a14:hiddenFill>
+            </a:ext>
+          </a:extLst>
+        </p:spPr>
+      </p:pic>
+      <p:pic>
+        <p:nvPicPr>
+          <p:cNvPr id="1032" name="Picture 8" descr="change"/>
+          <p:cNvPicPr>
+            <a:picLocks noChangeAspect="1" noChangeArrowheads="1"/>
+          </p:cNvPicPr>
+          <p:nvPr/>
+        </p:nvPicPr>
+        <p:blipFill>
+          <a:blip r:embed="rId2">
+            <a:extLst>
+              <a:ext uri="{28A0092B-C50C-407E-A947-70E740481C1C}">
+                <a14:useLocalDpi xmlns:a14="http://schemas.microsoft.com/office/drawing/2010/main" val="0"/>
+              </a:ext>
+            </a:extLst>
+          </a:blip>
+          <a:srcRect/>
+          <a:stretch>
+            <a:fillRect/>
+          </a:stretch>
+        </p:blipFill>
+        <p:spPr bwMode="auto">
+          <a:xfrm>
+            <a:off x="0" y="0"/>
+            <a:ext cx="152400" cy="152400"/>
+          </a:xfrm>
+          <a:prstGeom prst="rect">
+            <a:avLst/>
+          </a:prstGeom>
+          <a:noFill/>
+          <a:extLst>
+            <a:ext uri="{909E8E84-426E-40DD-AFC4-6F175D3DCCD1}">
+              <a14:hiddenFill xmlns:a14="http://schemas.microsoft.com/office/drawing/2010/main">
+                <a:solidFill>
+                  <a:srgbClr val="FFFFFF"/>
+                </a:solidFill>
+              </a14:hiddenFill>
+            </a:ext>
+          </a:extLst>
+        </p:spPr>
+      </p:pic>
+      <p:pic>
+        <p:nvPicPr>
+          <p:cNvPr id="1033" name="Picture 9" descr="JavaScript page"/>
+          <p:cNvPicPr>
+            <a:picLocks noChangeAspect="1" noChangeArrowheads="1"/>
+          </p:cNvPicPr>
+          <p:nvPr/>
+        </p:nvPicPr>
+        <p:blipFill>
+          <a:blip r:embed="rId11">
+            <a:extLst>
+              <a:ext uri="{28A0092B-C50C-407E-A947-70E740481C1C}">
+                <a14:useLocalDpi xmlns:a14="http://schemas.microsoft.com/office/drawing/2010/main" val="0"/>
+              </a:ext>
+            </a:extLst>
+          </a:blip>
+          <a:srcRect/>
+          <a:stretch>
+            <a:fillRect/>
+          </a:stretch>
+        </p:blipFill>
+        <p:spPr bwMode="auto">
+          <a:xfrm>
+            <a:off x="0" y="0"/>
+            <a:ext cx="314325" cy="314325"/>
+          </a:xfrm>
+          <a:prstGeom prst="rect">
+            <a:avLst/>
+          </a:prstGeom>
+          <a:noFill/>
+          <a:extLst>
+            <a:ext uri="{909E8E84-426E-40DD-AFC4-6F175D3DCCD1}">
+              <a14:hiddenFill xmlns:a14="http://schemas.microsoft.com/office/drawing/2010/main">
+                <a:solidFill>
+                  <a:srgbClr val="FFFFFF"/>
+                </a:solidFill>
+              </a14:hiddenFill>
+            </a:ext>
+          </a:extLst>
+        </p:spPr>
+      </p:pic>
+      <p:pic>
+        <p:nvPicPr>
+          <p:cNvPr id="1034" name="Picture 10" descr="change"/>
+          <p:cNvPicPr>
+            <a:picLocks noChangeAspect="1" noChangeArrowheads="1"/>
+          </p:cNvPicPr>
+          <p:nvPr/>
+        </p:nvPicPr>
+        <p:blipFill>
+          <a:blip r:embed="rId2">
+            <a:extLst>
+              <a:ext uri="{28A0092B-C50C-407E-A947-70E740481C1C}">
+                <a14:useLocalDpi xmlns:a14="http://schemas.microsoft.com/office/drawing/2010/main" val="0"/>
+              </a:ext>
+            </a:extLst>
+          </a:blip>
+          <a:srcRect/>
+          <a:stretch>
+            <a:fillRect/>
+          </a:stretch>
+        </p:blipFill>
+        <p:spPr bwMode="auto">
+          <a:xfrm>
+            <a:off x="0" y="0"/>
+            <a:ext cx="152400" cy="152400"/>
+          </a:xfrm>
+          <a:prstGeom prst="rect">
+            <a:avLst/>
+          </a:prstGeom>
+          <a:noFill/>
+          <a:extLst>
+            <a:ext uri="{909E8E84-426E-40DD-AFC4-6F175D3DCCD1}">
+              <a14:hiddenFill xmlns:a14="http://schemas.microsoft.com/office/drawing/2010/main">
+                <a:solidFill>
+                  <a:srgbClr val="FFFFFF"/>
+                </a:solidFill>
+              </a14:hiddenFill>
+            </a:ext>
+          </a:extLst>
+        </p:spPr>
+      </p:pic>
+      <p:pic>
+        <p:nvPicPr>
+          <p:cNvPr id="1035" name="Picture 11" descr="Go page"/>
+          <p:cNvPicPr>
+            <a:picLocks noChangeAspect="1" noChangeArrowheads="1"/>
+          </p:cNvPicPr>
+          <p:nvPr/>
+        </p:nvPicPr>
+        <p:blipFill>
+          <a:blip r:embed="rId12">
+            <a:extLst>
+              <a:ext uri="{28A0092B-C50C-407E-A947-70E740481C1C}">
+                <a14:useLocalDpi xmlns:a14="http://schemas.microsoft.com/office/drawing/2010/main" val="0"/>
+              </a:ext>
+            </a:extLst>
+          </a:blip>
+          <a:srcRect/>
+          <a:stretch>
+            <a:fillRect/>
+          </a:stretch>
+        </p:blipFill>
+        <p:spPr bwMode="auto">
+          <a:xfrm>
+            <a:off x="0" y="0"/>
+            <a:ext cx="314325" cy="314325"/>
+          </a:xfrm>
+          <a:prstGeom prst="rect">
+            <a:avLst/>
+          </a:prstGeom>
+          <a:noFill/>
+          <a:extLst>
+            <a:ext uri="{909E8E84-426E-40DD-AFC4-6F175D3DCCD1}">
+              <a14:hiddenFill xmlns:a14="http://schemas.microsoft.com/office/drawing/2010/main">
+                <a:solidFill>
+                  <a:srgbClr val="FFFFFF"/>
+                </a:solidFill>
+              </a14:hiddenFill>
+            </a:ext>
+          </a:extLst>
+        </p:spPr>
+      </p:pic>
+      <p:pic>
+        <p:nvPicPr>
+          <p:cNvPr id="1036" name="Picture 12" descr="change"/>
+          <p:cNvPicPr>
+            <a:picLocks noChangeAspect="1" noChangeArrowheads="1"/>
+          </p:cNvPicPr>
+          <p:nvPr/>
+        </p:nvPicPr>
+        <p:blipFill>
+          <a:blip r:embed="rId3">
+            <a:extLst>
+              <a:ext uri="{28A0092B-C50C-407E-A947-70E740481C1C}">
+                <a14:useLocalDpi xmlns:a14="http://schemas.microsoft.com/office/drawing/2010/main" val="0"/>
+              </a:ext>
+            </a:extLst>
+          </a:blip>
+          <a:srcRect/>
+          <a:stretch>
+            <a:fillRect/>
+          </a:stretch>
+        </p:blipFill>
+        <p:spPr bwMode="auto">
+          <a:xfrm>
+            <a:off x="0" y="0"/>
+            <a:ext cx="152400" cy="152400"/>
+          </a:xfrm>
+          <a:prstGeom prst="rect">
+            <a:avLst/>
+          </a:prstGeom>
+          <a:noFill/>
+          <a:extLst>
+            <a:ext uri="{909E8E84-426E-40DD-AFC4-6F175D3DCCD1}">
+              <a14:hiddenFill xmlns:a14="http://schemas.microsoft.com/office/drawing/2010/main">
+                <a:solidFill>
+                  <a:srgbClr val="FFFFFF"/>
+                </a:solidFill>
+              </a14:hiddenFill>
+            </a:ext>
+          </a:extLst>
+        </p:spPr>
+      </p:pic>
+      <p:pic>
+        <p:nvPicPr>
+          <p:cNvPr id="1037" name="Picture 13" descr="Visual Basic page"/>
+          <p:cNvPicPr>
+            <a:picLocks noChangeAspect="1" noChangeArrowheads="1"/>
+          </p:cNvPicPr>
+          <p:nvPr/>
+        </p:nvPicPr>
+        <p:blipFill>
+          <a:blip r:embed="rId13">
+            <a:extLst>
+              <a:ext uri="{28A0092B-C50C-407E-A947-70E740481C1C}">
+                <a14:useLocalDpi xmlns:a14="http://schemas.microsoft.com/office/drawing/2010/main" val="0"/>
+              </a:ext>
+            </a:extLst>
+          </a:blip>
+          <a:srcRect/>
+          <a:stretch>
+            <a:fillRect/>
+          </a:stretch>
+        </p:blipFill>
+        <p:spPr bwMode="auto">
+          <a:xfrm>
+            <a:off x="0" y="0"/>
+            <a:ext cx="314325" cy="314325"/>
+          </a:xfrm>
+          <a:prstGeom prst="rect">
+            <a:avLst/>
+          </a:prstGeom>
+          <a:noFill/>
+          <a:extLst>
+            <a:ext uri="{909E8E84-426E-40DD-AFC4-6F175D3DCCD1}">
+              <a14:hiddenFill xmlns:a14="http://schemas.microsoft.com/office/drawing/2010/main">
+                <a:solidFill>
+                  <a:srgbClr val="FFFFFF"/>
+                </a:solidFill>
+              </a14:hiddenFill>
+            </a:ext>
+          </a:extLst>
+        </p:spPr>
+      </p:pic>
+      <p:pic>
+        <p:nvPicPr>
+          <p:cNvPr id="1038" name="Picture 14" descr="change"/>
+          <p:cNvPicPr>
+            <a:picLocks noChangeAspect="1" noChangeArrowheads="1"/>
+          </p:cNvPicPr>
+          <p:nvPr/>
+        </p:nvPicPr>
+        <p:blipFill>
+          <a:blip r:embed="rId3">
+            <a:extLst>
+              <a:ext uri="{28A0092B-C50C-407E-A947-70E740481C1C}">
+                <a14:useLocalDpi xmlns:a14="http://schemas.microsoft.com/office/drawing/2010/main" val="0"/>
+              </a:ext>
+            </a:extLst>
+          </a:blip>
+          <a:srcRect/>
+          <a:stretch>
+            <a:fillRect/>
+          </a:stretch>
+        </p:blipFill>
+        <p:spPr bwMode="auto">
+          <a:xfrm>
+            <a:off x="0" y="0"/>
+            <a:ext cx="152400" cy="152400"/>
+          </a:xfrm>
+          <a:prstGeom prst="rect">
+            <a:avLst/>
+          </a:prstGeom>
+          <a:noFill/>
+          <a:extLst>
+            <a:ext uri="{909E8E84-426E-40DD-AFC4-6F175D3DCCD1}">
+              <a14:hiddenFill xmlns:a14="http://schemas.microsoft.com/office/drawing/2010/main">
+                <a:solidFill>
+                  <a:srgbClr val="FFFFFF"/>
+                </a:solidFill>
+              </a14:hiddenFill>
+            </a:ext>
+          </a:extLst>
+        </p:spPr>
+      </p:pic>
+      <p:pic>
+        <p:nvPicPr>
+          <p:cNvPr id="1039" name="Picture 15" descr="SQL page"/>
+          <p:cNvPicPr>
+            <a:picLocks noChangeAspect="1" noChangeArrowheads="1"/>
+          </p:cNvPicPr>
+          <p:nvPr/>
+        </p:nvPicPr>
+        <p:blipFill>
+          <a:blip r:embed="rId14">
+            <a:extLst>
+              <a:ext uri="{28A0092B-C50C-407E-A947-70E740481C1C}">
+                <a14:useLocalDpi xmlns:a14="http://schemas.microsoft.com/office/drawing/2010/main" val="0"/>
+              </a:ext>
+            </a:extLst>
+          </a:blip>
+          <a:srcRect/>
+          <a:stretch>
+            <a:fillRect/>
+          </a:stretch>
+        </p:blipFill>
+        <p:spPr bwMode="auto">
+          <a:xfrm>
+            <a:off x="0" y="0"/>
+            <a:ext cx="314325" cy="314325"/>
+          </a:xfrm>
+          <a:prstGeom prst="rect">
+            <a:avLst/>
+          </a:prstGeom>
+          <a:noFill/>
+          <a:extLst>
+            <a:ext uri="{909E8E84-426E-40DD-AFC4-6F175D3DCCD1}">
+              <a14:hiddenFill xmlns:a14="http://schemas.microsoft.com/office/drawing/2010/main">
+                <a:solidFill>
+                  <a:srgbClr val="FFFFFF"/>
+                </a:solidFill>
+              </a14:hiddenFill>
+            </a:ext>
+          </a:extLst>
+        </p:spPr>
+      </p:pic>
+      <p:pic>
+        <p:nvPicPr>
+          <p:cNvPr id="1040" name="Picture 16" descr="change"/>
+          <p:cNvPicPr>
+            <a:picLocks noChangeAspect="1" noChangeArrowheads="1"/>
+          </p:cNvPicPr>
+          <p:nvPr/>
+        </p:nvPicPr>
+        <p:blipFill>
+          <a:blip r:embed="rId4">
+            <a:extLst>
+              <a:ext uri="{28A0092B-C50C-407E-A947-70E740481C1C}">
+                <a14:useLocalDpi xmlns:a14="http://schemas.microsoft.com/office/drawing/2010/main" val="0"/>
+              </a:ext>
+            </a:extLst>
+          </a:blip>
+          <a:srcRect/>
+          <a:stretch>
+            <a:fillRect/>
+          </a:stretch>
+        </p:blipFill>
+        <p:spPr bwMode="auto">
+          <a:xfrm>
+            <a:off x="0" y="0"/>
+            <a:ext cx="152400" cy="152400"/>
+          </a:xfrm>
+          <a:prstGeom prst="rect">
+            <a:avLst/>
+          </a:prstGeom>
+          <a:noFill/>
+          <a:extLst>
+            <a:ext uri="{909E8E84-426E-40DD-AFC4-6F175D3DCCD1}">
+              <a14:hiddenFill xmlns:a14="http://schemas.microsoft.com/office/drawing/2010/main">
+                <a:solidFill>
+                  <a:srgbClr val="FFFFFF"/>
+                </a:solidFill>
+              </a14:hiddenFill>
+            </a:ext>
+          </a:extLst>
+        </p:spPr>
+      </p:pic>
+      <p:pic>
+        <p:nvPicPr>
+          <p:cNvPr id="1041" name="Picture 17" descr="Fortran page"/>
+          <p:cNvPicPr>
+            <a:picLocks noChangeAspect="1" noChangeArrowheads="1"/>
+          </p:cNvPicPr>
+          <p:nvPr/>
+        </p:nvPicPr>
+        <p:blipFill>
+          <a:blip r:embed="rId15">
+            <a:extLst>
+              <a:ext uri="{28A0092B-C50C-407E-A947-70E740481C1C}">
+                <a14:useLocalDpi xmlns:a14="http://schemas.microsoft.com/office/drawing/2010/main" val="0"/>
+              </a:ext>
+            </a:extLst>
+          </a:blip>
+          <a:srcRect/>
+          <a:stretch>
+            <a:fillRect/>
+          </a:stretch>
+        </p:blipFill>
+        <p:spPr bwMode="auto">
+          <a:xfrm>
+            <a:off x="0" y="0"/>
+            <a:ext cx="304800" cy="314325"/>
+          </a:xfrm>
+          <a:prstGeom prst="rect">
+            <a:avLst/>
+          </a:prstGeom>
+          <a:noFill/>
+          <a:extLst>
+            <a:ext uri="{909E8E84-426E-40DD-AFC4-6F175D3DCCD1}">
+              <a14:hiddenFill xmlns:a14="http://schemas.microsoft.com/office/drawing/2010/main">
+                <a:solidFill>
+                  <a:srgbClr val="FFFFFF"/>
+                </a:solidFill>
+              </a14:hiddenFill>
+            </a:ext>
+          </a:extLst>
+        </p:spPr>
+      </p:pic>
+      <p:pic>
+        <p:nvPicPr>
+          <p:cNvPr id="1042" name="Picture 18" descr="Delphi/Object Pascal page"/>
+          <p:cNvPicPr>
+            <a:picLocks noChangeAspect="1" noChangeArrowheads="1"/>
+          </p:cNvPicPr>
+          <p:nvPr/>
+        </p:nvPicPr>
+        <p:blipFill>
+          <a:blip r:embed="rId16">
+            <a:extLst>
+              <a:ext uri="{28A0092B-C50C-407E-A947-70E740481C1C}">
+                <a14:useLocalDpi xmlns:a14="http://schemas.microsoft.com/office/drawing/2010/main" val="0"/>
+              </a:ext>
+            </a:extLst>
+          </a:blip>
+          <a:srcRect/>
+          <a:stretch>
+            <a:fillRect/>
+          </a:stretch>
+        </p:blipFill>
+        <p:spPr bwMode="auto">
+          <a:xfrm>
+            <a:off x="0" y="0"/>
+            <a:ext cx="314325" cy="314325"/>
+          </a:xfrm>
+          <a:prstGeom prst="rect">
+            <a:avLst/>
+          </a:prstGeom>
+          <a:noFill/>
+          <a:extLst>
+            <a:ext uri="{909E8E84-426E-40DD-AFC4-6F175D3DCCD1}">
+              <a14:hiddenFill xmlns:a14="http://schemas.microsoft.com/office/drawing/2010/main">
+                <a:solidFill>
+                  <a:srgbClr val="FFFFFF"/>
+                </a:solidFill>
+              </a14:hiddenFill>
+            </a:ext>
+          </a:extLst>
+        </p:spPr>
+      </p:pic>
+      <p:pic>
+        <p:nvPicPr>
+          <p:cNvPr id="1043" name="Picture 19" descr="Assembly language page"/>
+          <p:cNvPicPr>
+            <a:picLocks noChangeAspect="1" noChangeArrowheads="1"/>
+          </p:cNvPicPr>
+          <p:nvPr/>
+        </p:nvPicPr>
+        <p:blipFill>
+          <a:blip r:embed="rId17">
+            <a:extLst>
+              <a:ext uri="{28A0092B-C50C-407E-A947-70E740481C1C}">
+                <a14:useLocalDpi xmlns:a14="http://schemas.microsoft.com/office/drawing/2010/main" val="0"/>
+              </a:ext>
+            </a:extLst>
+          </a:blip>
+          <a:srcRect/>
+          <a:stretch>
+            <a:fillRect/>
+          </a:stretch>
+        </p:blipFill>
+        <p:spPr bwMode="auto">
+          <a:xfrm>
+            <a:off x="0" y="0"/>
+            <a:ext cx="314325" cy="314325"/>
+          </a:xfrm>
+          <a:prstGeom prst="rect">
+            <a:avLst/>
+          </a:prstGeom>
+          <a:noFill/>
+          <a:extLst>
+            <a:ext uri="{909E8E84-426E-40DD-AFC4-6F175D3DCCD1}">
+              <a14:hiddenFill xmlns:a14="http://schemas.microsoft.com/office/drawing/2010/main">
+                <a:solidFill>
+                  <a:srgbClr val="FFFFFF"/>
+                </a:solidFill>
+              </a14:hiddenFill>
+            </a:ext>
+          </a:extLst>
+        </p:spPr>
+      </p:pic>
+      <p:pic>
+        <p:nvPicPr>
+          <p:cNvPr id="1044" name="Picture 20" descr="change"/>
+          <p:cNvPicPr>
+            <a:picLocks noChangeAspect="1" noChangeArrowheads="1"/>
+          </p:cNvPicPr>
+          <p:nvPr/>
+        </p:nvPicPr>
+        <p:blipFill>
+          <a:blip r:embed="rId4">
+            <a:extLst>
+              <a:ext uri="{28A0092B-C50C-407E-A947-70E740481C1C}">
+                <a14:useLocalDpi xmlns:a14="http://schemas.microsoft.com/office/drawing/2010/main" val="0"/>
+              </a:ext>
+            </a:extLst>
+          </a:blip>
+          <a:srcRect/>
+          <a:stretch>
+            <a:fillRect/>
+          </a:stretch>
+        </p:blipFill>
+        <p:spPr bwMode="auto">
+          <a:xfrm>
+            <a:off x="0" y="0"/>
+            <a:ext cx="152400" cy="152400"/>
+          </a:xfrm>
+          <a:prstGeom prst="rect">
+            <a:avLst/>
+          </a:prstGeom>
+          <a:noFill/>
+          <a:extLst>
+            <a:ext uri="{909E8E84-426E-40DD-AFC4-6F175D3DCCD1}">
+              <a14:hiddenFill xmlns:a14="http://schemas.microsoft.com/office/drawing/2010/main">
+                <a:solidFill>
+                  <a:srgbClr val="FFFFFF"/>
+                </a:solidFill>
+              </a14:hiddenFill>
+            </a:ext>
+          </a:extLst>
+        </p:spPr>
+      </p:pic>
+      <p:pic>
+        <p:nvPicPr>
+          <p:cNvPr id="1045" name="Picture 21" descr="Ruby page"/>
+          <p:cNvPicPr>
+            <a:picLocks noChangeAspect="1" noChangeArrowheads="1"/>
+          </p:cNvPicPr>
+          <p:nvPr/>
+        </p:nvPicPr>
+        <p:blipFill>
+          <a:blip r:embed="rId18">
+            <a:extLst>
+              <a:ext uri="{28A0092B-C50C-407E-A947-70E740481C1C}">
+                <a14:useLocalDpi xmlns:a14="http://schemas.microsoft.com/office/drawing/2010/main" val="0"/>
+              </a:ext>
+            </a:extLst>
+          </a:blip>
+          <a:srcRect/>
+          <a:stretch>
+            <a:fillRect/>
+          </a:stretch>
+        </p:blipFill>
+        <p:spPr bwMode="auto">
+          <a:xfrm>
+            <a:off x="0" y="0"/>
+            <a:ext cx="314325" cy="314325"/>
+          </a:xfrm>
+          <a:prstGeom prst="rect">
+            <a:avLst/>
+          </a:prstGeom>
+          <a:noFill/>
+          <a:extLst>
+            <a:ext uri="{909E8E84-426E-40DD-AFC4-6F175D3DCCD1}">
+              <a14:hiddenFill xmlns:a14="http://schemas.microsoft.com/office/drawing/2010/main">
+                <a:solidFill>
+                  <a:srgbClr val="FFFFFF"/>
+                </a:solidFill>
+              </a14:hiddenFill>
+            </a:ext>
+          </a:extLst>
+        </p:spPr>
+      </p:pic>
+      <p:pic>
+        <p:nvPicPr>
+          <p:cNvPr id="1046" name="Picture 22" descr="change"/>
+          <p:cNvPicPr>
+            <a:picLocks noChangeAspect="1" noChangeArrowheads="1"/>
+          </p:cNvPicPr>
+          <p:nvPr/>
+        </p:nvPicPr>
+        <p:blipFill>
+          <a:blip r:embed="rId2">
+            <a:extLst>
+              <a:ext uri="{28A0092B-C50C-407E-A947-70E740481C1C}">
+                <a14:useLocalDpi xmlns:a14="http://schemas.microsoft.com/office/drawing/2010/main" val="0"/>
+              </a:ext>
+            </a:extLst>
+          </a:blip>
+          <a:srcRect/>
+          <a:stretch>
+            <a:fillRect/>
+          </a:stretch>
+        </p:blipFill>
+        <p:spPr bwMode="auto">
+          <a:xfrm>
+            <a:off x="0" y="0"/>
+            <a:ext cx="152400" cy="152400"/>
+          </a:xfrm>
+          <a:prstGeom prst="rect">
+            <a:avLst/>
+          </a:prstGeom>
+          <a:noFill/>
+          <a:extLst>
+            <a:ext uri="{909E8E84-426E-40DD-AFC4-6F175D3DCCD1}">
+              <a14:hiddenFill xmlns:a14="http://schemas.microsoft.com/office/drawing/2010/main">
+                <a:solidFill>
+                  <a:srgbClr val="FFFFFF"/>
+                </a:solidFill>
+              </a14:hiddenFill>
+            </a:ext>
+          </a:extLst>
+        </p:spPr>
+      </p:pic>
+      <p:pic>
+        <p:nvPicPr>
+          <p:cNvPr id="1047" name="Picture 23" descr="Swift page"/>
+          <p:cNvPicPr>
+            <a:picLocks noChangeAspect="1" noChangeArrowheads="1"/>
+          </p:cNvPicPr>
+          <p:nvPr/>
+        </p:nvPicPr>
+        <p:blipFill>
+          <a:blip r:embed="rId19">
+            <a:extLst>
+              <a:ext uri="{28A0092B-C50C-407E-A947-70E740481C1C}">
+                <a14:useLocalDpi xmlns:a14="http://schemas.microsoft.com/office/drawing/2010/main" val="0"/>
+              </a:ext>
+            </a:extLst>
+          </a:blip>
+          <a:srcRect/>
+          <a:stretch>
+            <a:fillRect/>
+          </a:stretch>
+        </p:blipFill>
+        <p:spPr bwMode="auto">
+          <a:xfrm>
+            <a:off x="0" y="0"/>
+            <a:ext cx="314325" cy="314325"/>
+          </a:xfrm>
+          <a:prstGeom prst="rect">
+            <a:avLst/>
+          </a:prstGeom>
+          <a:noFill/>
+          <a:extLst>
+            <a:ext uri="{909E8E84-426E-40DD-AFC4-6F175D3DCCD1}">
+              <a14:hiddenFill xmlns:a14="http://schemas.microsoft.com/office/drawing/2010/main">
+                <a:solidFill>
+                  <a:srgbClr val="FFFFFF"/>
+                </a:solidFill>
+              </a14:hiddenFill>
+            </a:ext>
+          </a:extLst>
+        </p:spPr>
+      </p:pic>
+      <p:pic>
+        <p:nvPicPr>
+          <p:cNvPr id="1048" name="Picture 24" descr="Scratch page"/>
+          <p:cNvPicPr>
+            <a:picLocks noChangeAspect="1" noChangeArrowheads="1"/>
+          </p:cNvPicPr>
+          <p:nvPr/>
+        </p:nvPicPr>
+        <p:blipFill>
+          <a:blip r:embed="rId20">
+            <a:extLst>
+              <a:ext uri="{28A0092B-C50C-407E-A947-70E740481C1C}">
+                <a14:useLocalDpi xmlns:a14="http://schemas.microsoft.com/office/drawing/2010/main" val="0"/>
+              </a:ext>
+            </a:extLst>
+          </a:blip>
+          <a:srcRect/>
+          <a:stretch>
+            <a:fillRect/>
+          </a:stretch>
+        </p:blipFill>
+        <p:spPr bwMode="auto">
+          <a:xfrm>
+            <a:off x="0" y="0"/>
+            <a:ext cx="314325" cy="314325"/>
+          </a:xfrm>
+          <a:prstGeom prst="rect">
+            <a:avLst/>
+          </a:prstGeom>
+          <a:noFill/>
+          <a:extLst>
+            <a:ext uri="{909E8E84-426E-40DD-AFC4-6F175D3DCCD1}">
+              <a14:hiddenFill xmlns:a14="http://schemas.microsoft.com/office/drawing/2010/main">
+                <a:solidFill>
+                  <a:srgbClr val="FFFFFF"/>
+                </a:solidFill>
+              </a14:hiddenFill>
+            </a:ext>
+          </a:extLst>
+        </p:spPr>
+      </p:pic>
+      <p:pic>
+        <p:nvPicPr>
+          <p:cNvPr id="1049" name="Picture 25" descr="change"/>
+          <p:cNvPicPr>
+            <a:picLocks noChangeAspect="1" noChangeArrowheads="1"/>
+          </p:cNvPicPr>
+          <p:nvPr/>
+        </p:nvPicPr>
+        <p:blipFill>
+          <a:blip r:embed="rId3">
+            <a:extLst>
+              <a:ext uri="{28A0092B-C50C-407E-A947-70E740481C1C}">
+                <a14:useLocalDpi xmlns:a14="http://schemas.microsoft.com/office/drawing/2010/main" val="0"/>
+              </a:ext>
+            </a:extLst>
+          </a:blip>
+          <a:srcRect/>
+          <a:stretch>
+            <a:fillRect/>
+          </a:stretch>
+        </p:blipFill>
+        <p:spPr bwMode="auto">
+          <a:xfrm>
+            <a:off x="0" y="0"/>
+            <a:ext cx="152400" cy="152400"/>
+          </a:xfrm>
+          <a:prstGeom prst="rect">
+            <a:avLst/>
+          </a:prstGeom>
+          <a:noFill/>
+          <a:extLst>
+            <a:ext uri="{909E8E84-426E-40DD-AFC4-6F175D3DCCD1}">
+              <a14:hiddenFill xmlns:a14="http://schemas.microsoft.com/office/drawing/2010/main">
+                <a:solidFill>
+                  <a:srgbClr val="FFFFFF"/>
+                </a:solidFill>
+              </a14:hiddenFill>
+            </a:ext>
+          </a:extLst>
+        </p:spPr>
+      </p:pic>
+      <p:pic>
+        <p:nvPicPr>
+          <p:cNvPr id="1050" name="Picture 26" descr="MATLAB page"/>
+          <p:cNvPicPr>
+            <a:picLocks noChangeAspect="1" noChangeArrowheads="1"/>
+          </p:cNvPicPr>
+          <p:nvPr/>
+        </p:nvPicPr>
+        <p:blipFill>
+          <a:blip r:embed="rId21">
+            <a:extLst>
+              <a:ext uri="{28A0092B-C50C-407E-A947-70E740481C1C}">
+                <a14:useLocalDpi xmlns:a14="http://schemas.microsoft.com/office/drawing/2010/main" val="0"/>
+              </a:ext>
+            </a:extLst>
+          </a:blip>
+          <a:srcRect/>
+          <a:stretch>
+            <a:fillRect/>
+          </a:stretch>
+        </p:blipFill>
+        <p:spPr bwMode="auto">
+          <a:xfrm>
+            <a:off x="0" y="0"/>
+            <a:ext cx="314325" cy="314325"/>
+          </a:xfrm>
+          <a:prstGeom prst="rect">
+            <a:avLst/>
+          </a:prstGeom>
+          <a:noFill/>
+          <a:extLst>
+            <a:ext uri="{909E8E84-426E-40DD-AFC4-6F175D3DCCD1}">
+              <a14:hiddenFill xmlns:a14="http://schemas.microsoft.com/office/drawing/2010/main">
+                <a:solidFill>
+                  <a:srgbClr val="FFFFFF"/>
+                </a:solidFill>
+              </a14:hiddenFill>
+            </a:ext>
+          </a:extLst>
+        </p:spPr>
+      </p:pic>
+      <p:pic>
+        <p:nvPicPr>
+          <p:cNvPr id="1051" name="Picture 27" descr="change"/>
+          <p:cNvPicPr>
+            <a:picLocks noChangeAspect="1" noChangeArrowheads="1"/>
+          </p:cNvPicPr>
+          <p:nvPr/>
+        </p:nvPicPr>
+        <p:blipFill>
+          <a:blip r:embed="rId5">
+            <a:extLst>
+              <a:ext uri="{28A0092B-C50C-407E-A947-70E740481C1C}">
+                <a14:useLocalDpi xmlns:a14="http://schemas.microsoft.com/office/drawing/2010/main" val="0"/>
+              </a:ext>
+            </a:extLst>
+          </a:blip>
+          <a:srcRect/>
+          <a:stretch>
+            <a:fillRect/>
+          </a:stretch>
+        </p:blipFill>
+        <p:spPr bwMode="auto">
+          <a:xfrm>
+            <a:off x="0" y="0"/>
+            <a:ext cx="152400" cy="152400"/>
+          </a:xfrm>
+          <a:prstGeom prst="rect">
+            <a:avLst/>
+          </a:prstGeom>
+          <a:noFill/>
+          <a:extLst>
+            <a:ext uri="{909E8E84-426E-40DD-AFC4-6F175D3DCCD1}">
+              <a14:hiddenFill xmlns:a14="http://schemas.microsoft.com/office/drawing/2010/main">
+                <a:solidFill>
+                  <a:srgbClr val="FFFFFF"/>
+                </a:solidFill>
+              </a14:hiddenFill>
+            </a:ext>
+          </a:extLst>
+        </p:spPr>
+      </p:pic>
+      <p:pic>
+        <p:nvPicPr>
+          <p:cNvPr id="1052" name="Picture 28" descr="PHP page"/>
+          <p:cNvPicPr>
+            <a:picLocks noChangeAspect="1" noChangeArrowheads="1"/>
+          </p:cNvPicPr>
+          <p:nvPr/>
+        </p:nvPicPr>
+        <p:blipFill>
+          <a:blip r:embed="rId22">
+            <a:extLst>
+              <a:ext uri="{28A0092B-C50C-407E-A947-70E740481C1C}">
+                <a14:useLocalDpi xmlns:a14="http://schemas.microsoft.com/office/drawing/2010/main" val="0"/>
+              </a:ext>
+            </a:extLst>
+          </a:blip>
+          <a:srcRect/>
+          <a:stretch>
+            <a:fillRect/>
+          </a:stretch>
+        </p:blipFill>
+        <p:spPr bwMode="auto">
+          <a:xfrm>
+            <a:off x="0" y="0"/>
+            <a:ext cx="314325" cy="314325"/>
+          </a:xfrm>
+          <a:prstGeom prst="rect">
+            <a:avLst/>
+          </a:prstGeom>
+          <a:noFill/>
+          <a:extLst>
+            <a:ext uri="{909E8E84-426E-40DD-AFC4-6F175D3DCCD1}">
+              <a14:hiddenFill xmlns:a14="http://schemas.microsoft.com/office/drawing/2010/main">
+                <a:solidFill>
+                  <a:srgbClr val="FFFFFF"/>
+                </a:solidFill>
+              </a14:hiddenFill>
+            </a:ext>
+          </a:extLst>
+        </p:spPr>
+      </p:pic>
+      <p:pic>
+        <p:nvPicPr>
+          <p:cNvPr id="1053" name="Picture 29" descr="change"/>
+          <p:cNvPicPr>
+            <a:picLocks noChangeAspect="1" noChangeArrowheads="1"/>
+          </p:cNvPicPr>
+          <p:nvPr/>
+        </p:nvPicPr>
+        <p:blipFill>
+          <a:blip r:embed="rId4">
+            <a:extLst>
+              <a:ext uri="{28A0092B-C50C-407E-A947-70E740481C1C}">
+                <a14:useLocalDpi xmlns:a14="http://schemas.microsoft.com/office/drawing/2010/main" val="0"/>
+              </a:ext>
+            </a:extLst>
+          </a:blip>
+          <a:srcRect/>
+          <a:stretch>
+            <a:fillRect/>
+          </a:stretch>
+        </p:blipFill>
+        <p:spPr bwMode="auto">
+          <a:xfrm>
+            <a:off x="0" y="0"/>
+            <a:ext cx="152400" cy="152400"/>
+          </a:xfrm>
+          <a:prstGeom prst="rect">
+            <a:avLst/>
+          </a:prstGeom>
+          <a:noFill/>
+          <a:extLst>
+            <a:ext uri="{909E8E84-426E-40DD-AFC4-6F175D3DCCD1}">
+              <a14:hiddenFill xmlns:a14="http://schemas.microsoft.com/office/drawing/2010/main">
+                <a:solidFill>
+                  <a:srgbClr val="FFFFFF"/>
+                </a:solidFill>
+              </a14:hiddenFill>
+            </a:ext>
+          </a:extLst>
+        </p:spPr>
+      </p:pic>
+      <p:pic>
+        <p:nvPicPr>
+          <p:cNvPr id="1054" name="Picture 30" descr="Kotlin page"/>
+          <p:cNvPicPr>
+            <a:picLocks noChangeAspect="1" noChangeArrowheads="1"/>
+          </p:cNvPicPr>
+          <p:nvPr/>
+        </p:nvPicPr>
+        <p:blipFill>
+          <a:blip r:embed="rId23">
+            <a:extLst>
+              <a:ext uri="{28A0092B-C50C-407E-A947-70E740481C1C}">
+                <a14:useLocalDpi xmlns:a14="http://schemas.microsoft.com/office/drawing/2010/main" val="0"/>
+              </a:ext>
+            </a:extLst>
+          </a:blip>
+          <a:srcRect/>
+          <a:stretch>
+            <a:fillRect/>
+          </a:stretch>
+        </p:blipFill>
+        <p:spPr bwMode="auto">
+          <a:xfrm>
+            <a:off x="0" y="0"/>
+            <a:ext cx="314325" cy="314325"/>
+          </a:xfrm>
+          <a:prstGeom prst="rect">
+            <a:avLst/>
+          </a:prstGeom>
+          <a:noFill/>
+          <a:extLst>
+            <a:ext uri="{909E8E84-426E-40DD-AFC4-6F175D3DCCD1}">
+              <a14:hiddenFill xmlns:a14="http://schemas.microsoft.com/office/drawing/2010/main">
+                <a:solidFill>
+                  <a:srgbClr val="FFFFFF"/>
+                </a:solidFill>
+              </a14:hiddenFill>
+            </a:ext>
+          </a:extLst>
+        </p:spPr>
+      </p:pic>
+      <p:pic>
+        <p:nvPicPr>
+          <p:cNvPr id="1055" name="Picture 31" descr="Rust page"/>
+          <p:cNvPicPr>
+            <a:picLocks noChangeAspect="1" noChangeArrowheads="1"/>
+          </p:cNvPicPr>
+          <p:nvPr/>
+        </p:nvPicPr>
+        <p:blipFill>
+          <a:blip r:embed="rId24">
+            <a:extLst>
+              <a:ext uri="{28A0092B-C50C-407E-A947-70E740481C1C}">
+                <a14:useLocalDpi xmlns:a14="http://schemas.microsoft.com/office/drawing/2010/main" val="0"/>
+              </a:ext>
+            </a:extLst>
+          </a:blip>
+          <a:srcRect/>
+          <a:stretch>
+            <a:fillRect/>
+          </a:stretch>
+        </p:blipFill>
+        <p:spPr bwMode="auto">
+          <a:xfrm>
+            <a:off x="0" y="0"/>
+            <a:ext cx="314325" cy="314325"/>
+          </a:xfrm>
+          <a:prstGeom prst="rect">
+            <a:avLst/>
+          </a:prstGeom>
+          <a:noFill/>
+          <a:extLst>
+            <a:ext uri="{909E8E84-426E-40DD-AFC4-6F175D3DCCD1}">
+              <a14:hiddenFill xmlns:a14="http://schemas.microsoft.com/office/drawing/2010/main">
+                <a:solidFill>
+                  <a:srgbClr val="FFFFFF"/>
+                </a:solidFill>
+              </a14:hiddenFill>
+            </a:ext>
+          </a:extLst>
+        </p:spPr>
+      </p:pic>
+      <p:pic>
+        <p:nvPicPr>
+          <p:cNvPr id="1056" name="Picture 32" descr="change"/>
+          <p:cNvPicPr>
+            <a:picLocks noChangeAspect="1" noChangeArrowheads="1"/>
+          </p:cNvPicPr>
+          <p:nvPr/>
+        </p:nvPicPr>
+        <p:blipFill>
+          <a:blip r:embed="rId5">
+            <a:extLst>
+              <a:ext uri="{28A0092B-C50C-407E-A947-70E740481C1C}">
+                <a14:useLocalDpi xmlns:a14="http://schemas.microsoft.com/office/drawing/2010/main" val="0"/>
+              </a:ext>
+            </a:extLst>
+          </a:blip>
+          <a:srcRect/>
+          <a:stretch>
+            <a:fillRect/>
+          </a:stretch>
+        </p:blipFill>
+        <p:spPr bwMode="auto">
+          <a:xfrm>
+            <a:off x="0" y="0"/>
+            <a:ext cx="152400" cy="152400"/>
+          </a:xfrm>
+          <a:prstGeom prst="rect">
+            <a:avLst/>
+          </a:prstGeom>
+          <a:noFill/>
+          <a:extLst>
+            <a:ext uri="{909E8E84-426E-40DD-AFC4-6F175D3DCCD1}">
+              <a14:hiddenFill xmlns:a14="http://schemas.microsoft.com/office/drawing/2010/main">
+                <a:solidFill>
+                  <a:srgbClr val="FFFFFF"/>
+                </a:solidFill>
+              </a14:hiddenFill>
+            </a:ext>
+          </a:extLst>
+        </p:spPr>
+      </p:pic>
+      <p:pic>
+        <p:nvPicPr>
+          <p:cNvPr id="1057" name="Picture 33" descr="R page"/>
+          <p:cNvPicPr>
+            <a:picLocks noChangeAspect="1" noChangeArrowheads="1"/>
+          </p:cNvPicPr>
+          <p:nvPr/>
+        </p:nvPicPr>
+        <p:blipFill>
+          <a:blip r:embed="rId25">
+            <a:extLst>
+              <a:ext uri="{28A0092B-C50C-407E-A947-70E740481C1C}">
+                <a14:useLocalDpi xmlns:a14="http://schemas.microsoft.com/office/drawing/2010/main" val="0"/>
+              </a:ext>
+            </a:extLst>
+          </a:blip>
+          <a:srcRect/>
+          <a:stretch>
+            <a:fillRect/>
+          </a:stretch>
+        </p:blipFill>
+        <p:spPr bwMode="auto">
+          <a:xfrm>
+            <a:off x="0" y="0"/>
+            <a:ext cx="314325" cy="314325"/>
+          </a:xfrm>
+          <a:prstGeom prst="rect">
+            <a:avLst/>
+          </a:prstGeom>
+          <a:noFill/>
+          <a:extLst>
+            <a:ext uri="{909E8E84-426E-40DD-AFC4-6F175D3DCCD1}">
+              <a14:hiddenFill xmlns:a14="http://schemas.microsoft.com/office/drawing/2010/main">
+                <a:solidFill>
+                  <a:srgbClr val="FFFFFF"/>
+                </a:solidFill>
+              </a14:hiddenFill>
+            </a:ext>
+          </a:extLst>
+        </p:spPr>
+      </p:pic>
+      <p:pic>
+        <p:nvPicPr>
+          <p:cNvPr id="1125" name="圖片 33" descr="Python page"/>
+          <p:cNvPicPr>
+            <a:picLocks noChangeAspect="1" noChangeArrowheads="1"/>
+          </p:cNvPicPr>
+          <p:nvPr/>
+        </p:nvPicPr>
+        <p:blipFill>
+          <a:blip r:embed="rId6">
+            <a:extLst>
+              <a:ext uri="{28A0092B-C50C-407E-A947-70E740481C1C}">
+                <a14:useLocalDpi xmlns:a14="http://schemas.microsoft.com/office/drawing/2010/main" val="0"/>
+              </a:ext>
+            </a:extLst>
+          </a:blip>
+          <a:srcRect/>
+          <a:stretch>
+            <a:fillRect/>
+          </a:stretch>
+        </p:blipFill>
+        <p:spPr bwMode="auto">
+          <a:xfrm>
+            <a:off x="0" y="0"/>
+            <a:ext cx="312738" cy="312738"/>
+          </a:xfrm>
+          <a:prstGeom prst="rect">
+            <a:avLst/>
+          </a:prstGeom>
+          <a:noFill/>
+          <a:extLst>
+            <a:ext uri="{909E8E84-426E-40DD-AFC4-6F175D3DCCD1}">
+              <a14:hiddenFill xmlns:a14="http://schemas.microsoft.com/office/drawing/2010/main">
+                <a:solidFill>
+                  <a:srgbClr val="FFFFFF"/>
+                </a:solidFill>
+              </a14:hiddenFill>
+            </a:ext>
+          </a:extLst>
+        </p:spPr>
+      </p:pic>
+      <p:pic>
+        <p:nvPicPr>
+          <p:cNvPr id="1124" name="圖片 32" descr="C page"/>
+          <p:cNvPicPr>
+            <a:picLocks noChangeAspect="1" noChangeArrowheads="1"/>
+          </p:cNvPicPr>
+          <p:nvPr/>
+        </p:nvPicPr>
+        <p:blipFill>
+          <a:blip r:embed="rId7">
+            <a:extLst>
+              <a:ext uri="{28A0092B-C50C-407E-A947-70E740481C1C}">
+                <a14:useLocalDpi xmlns:a14="http://schemas.microsoft.com/office/drawing/2010/main" val="0"/>
+              </a:ext>
+            </a:extLst>
+          </a:blip>
+          <a:srcRect/>
+          <a:stretch>
+            <a:fillRect/>
+          </a:stretch>
+        </p:blipFill>
+        <p:spPr bwMode="auto">
+          <a:xfrm>
+            <a:off x="0" y="0"/>
+            <a:ext cx="312738" cy="312738"/>
+          </a:xfrm>
+          <a:prstGeom prst="rect">
+            <a:avLst/>
+          </a:prstGeom>
+          <a:noFill/>
+          <a:extLst>
+            <a:ext uri="{909E8E84-426E-40DD-AFC4-6F175D3DCCD1}">
+              <a14:hiddenFill xmlns:a14="http://schemas.microsoft.com/office/drawing/2010/main">
+                <a:solidFill>
+                  <a:srgbClr val="FFFFFF"/>
+                </a:solidFill>
+              </a14:hiddenFill>
+            </a:ext>
+          </a:extLst>
+        </p:spPr>
+      </p:pic>
+      <p:pic>
+        <p:nvPicPr>
+          <p:cNvPr id="1123" name="圖片 31" descr="change"/>
+          <p:cNvPicPr>
+            <a:picLocks noChangeAspect="1" noChangeArrowheads="1"/>
+          </p:cNvPicPr>
+          <p:nvPr/>
+        </p:nvPicPr>
+        <p:blipFill>
+          <a:blip r:embed="rId2">
+            <a:extLst>
+              <a:ext uri="{28A0092B-C50C-407E-A947-70E740481C1C}">
+                <a14:useLocalDpi xmlns:a14="http://schemas.microsoft.com/office/drawing/2010/main" val="0"/>
+              </a:ext>
+            </a:extLst>
+          </a:blip>
+          <a:srcRect/>
+          <a:stretch>
+            <a:fillRect/>
+          </a:stretch>
+        </p:blipFill>
+        <p:spPr bwMode="auto">
+          <a:xfrm>
+            <a:off x="0" y="0"/>
+            <a:ext cx="152400" cy="152400"/>
+          </a:xfrm>
+          <a:prstGeom prst="rect">
+            <a:avLst/>
+          </a:prstGeom>
+          <a:noFill/>
+          <a:extLst>
+            <a:ext uri="{909E8E84-426E-40DD-AFC4-6F175D3DCCD1}">
+              <a14:hiddenFill xmlns:a14="http://schemas.microsoft.com/office/drawing/2010/main">
+                <a:solidFill>
+                  <a:srgbClr val="FFFFFF"/>
+                </a:solidFill>
+              </a14:hiddenFill>
+            </a:ext>
+          </a:extLst>
+        </p:spPr>
+      </p:pic>
+      <p:pic>
+        <p:nvPicPr>
+          <p:cNvPr id="1122" name="圖片 30" descr="C++ page"/>
+          <p:cNvPicPr>
+            <a:picLocks noChangeAspect="1" noChangeArrowheads="1"/>
+          </p:cNvPicPr>
+          <p:nvPr/>
+        </p:nvPicPr>
+        <p:blipFill>
+          <a:blip r:embed="rId8">
+            <a:extLst>
+              <a:ext uri="{28A0092B-C50C-407E-A947-70E740481C1C}">
+                <a14:useLocalDpi xmlns:a14="http://schemas.microsoft.com/office/drawing/2010/main" val="0"/>
+              </a:ext>
+            </a:extLst>
+          </a:blip>
+          <a:srcRect/>
+          <a:stretch>
+            <a:fillRect/>
+          </a:stretch>
+        </p:blipFill>
+        <p:spPr bwMode="auto">
+          <a:xfrm>
+            <a:off x="0" y="0"/>
+            <a:ext cx="312738" cy="312738"/>
+          </a:xfrm>
+          <a:prstGeom prst="rect">
+            <a:avLst/>
+          </a:prstGeom>
+          <a:noFill/>
+          <a:extLst>
+            <a:ext uri="{909E8E84-426E-40DD-AFC4-6F175D3DCCD1}">
+              <a14:hiddenFill xmlns:a14="http://schemas.microsoft.com/office/drawing/2010/main">
+                <a:solidFill>
+                  <a:srgbClr val="FFFFFF"/>
+                </a:solidFill>
+              </a14:hiddenFill>
+            </a:ext>
+          </a:extLst>
+        </p:spPr>
+      </p:pic>
+      <p:pic>
+        <p:nvPicPr>
+          <p:cNvPr id="1121" name="圖片 29" descr="change"/>
+          <p:cNvPicPr>
+            <a:picLocks noChangeAspect="1" noChangeArrowheads="1"/>
+          </p:cNvPicPr>
+          <p:nvPr/>
+        </p:nvPicPr>
+        <p:blipFill>
+          <a:blip r:embed="rId3">
+            <a:extLst>
+              <a:ext uri="{28A0092B-C50C-407E-A947-70E740481C1C}">
+                <a14:useLocalDpi xmlns:a14="http://schemas.microsoft.com/office/drawing/2010/main" val="0"/>
+              </a:ext>
+            </a:extLst>
+          </a:blip>
+          <a:srcRect/>
+          <a:stretch>
+            <a:fillRect/>
+          </a:stretch>
+        </p:blipFill>
+        <p:spPr bwMode="auto">
+          <a:xfrm>
+            <a:off x="0" y="0"/>
+            <a:ext cx="152400" cy="152400"/>
+          </a:xfrm>
+          <a:prstGeom prst="rect">
+            <a:avLst/>
+          </a:prstGeom>
+          <a:noFill/>
+          <a:extLst>
+            <a:ext uri="{909E8E84-426E-40DD-AFC4-6F175D3DCCD1}">
+              <a14:hiddenFill xmlns:a14="http://schemas.microsoft.com/office/drawing/2010/main">
+                <a:solidFill>
+                  <a:srgbClr val="FFFFFF"/>
+                </a:solidFill>
+              </a14:hiddenFill>
+            </a:ext>
+          </a:extLst>
+        </p:spPr>
+      </p:pic>
+      <p:pic>
+        <p:nvPicPr>
+          <p:cNvPr id="1120" name="圖片 28" descr="Java page"/>
+          <p:cNvPicPr>
+            <a:picLocks noChangeAspect="1" noChangeArrowheads="1"/>
+          </p:cNvPicPr>
+          <p:nvPr/>
+        </p:nvPicPr>
+        <p:blipFill>
+          <a:blip r:embed="rId9">
+            <a:extLst>
+              <a:ext uri="{28A0092B-C50C-407E-A947-70E740481C1C}">
+                <a14:useLocalDpi xmlns:a14="http://schemas.microsoft.com/office/drawing/2010/main" val="0"/>
+              </a:ext>
+            </a:extLst>
+          </a:blip>
+          <a:srcRect/>
+          <a:stretch>
+            <a:fillRect/>
+          </a:stretch>
+        </p:blipFill>
+        <p:spPr bwMode="auto">
+          <a:xfrm>
+            <a:off x="0" y="0"/>
+            <a:ext cx="312738" cy="312738"/>
+          </a:xfrm>
+          <a:prstGeom prst="rect">
+            <a:avLst/>
+          </a:prstGeom>
+          <a:noFill/>
+          <a:extLst>
+            <a:ext uri="{909E8E84-426E-40DD-AFC4-6F175D3DCCD1}">
+              <a14:hiddenFill xmlns:a14="http://schemas.microsoft.com/office/drawing/2010/main">
+                <a:solidFill>
+                  <a:srgbClr val="FFFFFF"/>
+                </a:solidFill>
+              </a14:hiddenFill>
+            </a:ext>
+          </a:extLst>
+        </p:spPr>
+      </p:pic>
+      <p:pic>
+        <p:nvPicPr>
+          <p:cNvPr id="1119" name="圖片 27" descr="C# page"/>
+          <p:cNvPicPr>
+            <a:picLocks noChangeAspect="1" noChangeArrowheads="1"/>
+          </p:cNvPicPr>
+          <p:nvPr/>
+        </p:nvPicPr>
+        <p:blipFill>
+          <a:blip r:embed="rId10">
+            <a:extLst>
+              <a:ext uri="{28A0092B-C50C-407E-A947-70E740481C1C}">
+                <a14:useLocalDpi xmlns:a14="http://schemas.microsoft.com/office/drawing/2010/main" val="0"/>
+              </a:ext>
+            </a:extLst>
+          </a:blip>
+          <a:srcRect/>
+          <a:stretch>
+            <a:fillRect/>
+          </a:stretch>
+        </p:blipFill>
+        <p:spPr bwMode="auto">
+          <a:xfrm>
+            <a:off x="0" y="0"/>
+            <a:ext cx="312738" cy="312738"/>
+          </a:xfrm>
+          <a:prstGeom prst="rect">
+            <a:avLst/>
+          </a:prstGeom>
+          <a:noFill/>
+          <a:extLst>
+            <a:ext uri="{909E8E84-426E-40DD-AFC4-6F175D3DCCD1}">
+              <a14:hiddenFill xmlns:a14="http://schemas.microsoft.com/office/drawing/2010/main">
+                <a:solidFill>
+                  <a:srgbClr val="FFFFFF"/>
+                </a:solidFill>
+              </a14:hiddenFill>
+            </a:ext>
+          </a:extLst>
+        </p:spPr>
+      </p:pic>
+      <p:pic>
+        <p:nvPicPr>
+          <p:cNvPr id="1118" name="圖片 26" descr="change"/>
+          <p:cNvPicPr>
+            <a:picLocks noChangeAspect="1" noChangeArrowheads="1"/>
+          </p:cNvPicPr>
+          <p:nvPr/>
+        </p:nvPicPr>
+        <p:blipFill>
+          <a:blip r:embed="rId2">
+            <a:extLst>
+              <a:ext uri="{28A0092B-C50C-407E-A947-70E740481C1C}">
+                <a14:useLocalDpi xmlns:a14="http://schemas.microsoft.com/office/drawing/2010/main" val="0"/>
+              </a:ext>
+            </a:extLst>
+          </a:blip>
+          <a:srcRect/>
+          <a:stretch>
+            <a:fillRect/>
+          </a:stretch>
+        </p:blipFill>
+        <p:spPr bwMode="auto">
+          <a:xfrm>
+            <a:off x="0" y="0"/>
+            <a:ext cx="152400" cy="152400"/>
+          </a:xfrm>
+          <a:prstGeom prst="rect">
+            <a:avLst/>
+          </a:prstGeom>
+          <a:noFill/>
+          <a:extLst>
+            <a:ext uri="{909E8E84-426E-40DD-AFC4-6F175D3DCCD1}">
+              <a14:hiddenFill xmlns:a14="http://schemas.microsoft.com/office/drawing/2010/main">
+                <a:solidFill>
+                  <a:srgbClr val="FFFFFF"/>
+                </a:solidFill>
+              </a14:hiddenFill>
+            </a:ext>
+          </a:extLst>
+        </p:spPr>
+      </p:pic>
+      <p:pic>
+        <p:nvPicPr>
+          <p:cNvPr id="1117" name="圖片 25" descr="JavaScript page"/>
+          <p:cNvPicPr>
+            <a:picLocks noChangeAspect="1" noChangeArrowheads="1"/>
+          </p:cNvPicPr>
+          <p:nvPr/>
+        </p:nvPicPr>
+        <p:blipFill>
+          <a:blip r:embed="rId11">
+            <a:extLst>
+              <a:ext uri="{28A0092B-C50C-407E-A947-70E740481C1C}">
+                <a14:useLocalDpi xmlns:a14="http://schemas.microsoft.com/office/drawing/2010/main" val="0"/>
+              </a:ext>
+            </a:extLst>
+          </a:blip>
+          <a:srcRect/>
+          <a:stretch>
+            <a:fillRect/>
+          </a:stretch>
+        </p:blipFill>
+        <p:spPr bwMode="auto">
+          <a:xfrm>
+            <a:off x="0" y="0"/>
+            <a:ext cx="312738" cy="312738"/>
+          </a:xfrm>
+          <a:prstGeom prst="rect">
+            <a:avLst/>
+          </a:prstGeom>
+          <a:noFill/>
+          <a:extLst>
+            <a:ext uri="{909E8E84-426E-40DD-AFC4-6F175D3DCCD1}">
+              <a14:hiddenFill xmlns:a14="http://schemas.microsoft.com/office/drawing/2010/main">
+                <a:solidFill>
+                  <a:srgbClr val="FFFFFF"/>
+                </a:solidFill>
+              </a14:hiddenFill>
+            </a:ext>
+          </a:extLst>
+        </p:spPr>
+      </p:pic>
+      <p:pic>
+        <p:nvPicPr>
+          <p:cNvPr id="1116" name="圖片 24" descr="change"/>
+          <p:cNvPicPr>
+            <a:picLocks noChangeAspect="1" noChangeArrowheads="1"/>
+          </p:cNvPicPr>
+          <p:nvPr/>
+        </p:nvPicPr>
+        <p:blipFill>
+          <a:blip r:embed="rId2">
+            <a:extLst>
+              <a:ext uri="{28A0092B-C50C-407E-A947-70E740481C1C}">
+                <a14:useLocalDpi xmlns:a14="http://schemas.microsoft.com/office/drawing/2010/main" val="0"/>
+              </a:ext>
+            </a:extLst>
+          </a:blip>
+          <a:srcRect/>
+          <a:stretch>
+            <a:fillRect/>
+          </a:stretch>
+        </p:blipFill>
+        <p:spPr bwMode="auto">
+          <a:xfrm>
+            <a:off x="0" y="0"/>
+            <a:ext cx="152400" cy="152400"/>
+          </a:xfrm>
+          <a:prstGeom prst="rect">
+            <a:avLst/>
+          </a:prstGeom>
+          <a:noFill/>
+          <a:extLst>
+            <a:ext uri="{909E8E84-426E-40DD-AFC4-6F175D3DCCD1}">
+              <a14:hiddenFill xmlns:a14="http://schemas.microsoft.com/office/drawing/2010/main">
+                <a:solidFill>
+                  <a:srgbClr val="FFFFFF"/>
+                </a:solidFill>
+              </a14:hiddenFill>
+            </a:ext>
+          </a:extLst>
+        </p:spPr>
+      </p:pic>
+      <p:pic>
+        <p:nvPicPr>
+          <p:cNvPr id="1115" name="圖片 23" descr="Go page"/>
+          <p:cNvPicPr>
+            <a:picLocks noChangeAspect="1" noChangeArrowheads="1"/>
+          </p:cNvPicPr>
+          <p:nvPr/>
+        </p:nvPicPr>
+        <p:blipFill>
+          <a:blip r:embed="rId12">
+            <a:extLst>
+              <a:ext uri="{28A0092B-C50C-407E-A947-70E740481C1C}">
+                <a14:useLocalDpi xmlns:a14="http://schemas.microsoft.com/office/drawing/2010/main" val="0"/>
+              </a:ext>
+            </a:extLst>
+          </a:blip>
+          <a:srcRect/>
+          <a:stretch>
+            <a:fillRect/>
+          </a:stretch>
+        </p:blipFill>
+        <p:spPr bwMode="auto">
+          <a:xfrm>
+            <a:off x="0" y="0"/>
+            <a:ext cx="312738" cy="312738"/>
+          </a:xfrm>
+          <a:prstGeom prst="rect">
+            <a:avLst/>
+          </a:prstGeom>
+          <a:noFill/>
+          <a:extLst>
+            <a:ext uri="{909E8E84-426E-40DD-AFC4-6F175D3DCCD1}">
+              <a14:hiddenFill xmlns:a14="http://schemas.microsoft.com/office/drawing/2010/main">
+                <a:solidFill>
+                  <a:srgbClr val="FFFFFF"/>
+                </a:solidFill>
+              </a14:hiddenFill>
+            </a:ext>
+          </a:extLst>
+        </p:spPr>
+      </p:pic>
+      <p:pic>
+        <p:nvPicPr>
+          <p:cNvPr id="1114" name="圖片 22" descr="change"/>
+          <p:cNvPicPr>
+            <a:picLocks noChangeAspect="1" noChangeArrowheads="1"/>
+          </p:cNvPicPr>
+          <p:nvPr/>
+        </p:nvPicPr>
+        <p:blipFill>
+          <a:blip r:embed="rId3">
+            <a:extLst>
+              <a:ext uri="{28A0092B-C50C-407E-A947-70E740481C1C}">
+                <a14:useLocalDpi xmlns:a14="http://schemas.microsoft.com/office/drawing/2010/main" val="0"/>
+              </a:ext>
+            </a:extLst>
+          </a:blip>
+          <a:srcRect/>
+          <a:stretch>
+            <a:fillRect/>
+          </a:stretch>
+        </p:blipFill>
+        <p:spPr bwMode="auto">
+          <a:xfrm>
+            <a:off x="0" y="0"/>
+            <a:ext cx="152400" cy="152400"/>
+          </a:xfrm>
+          <a:prstGeom prst="rect">
+            <a:avLst/>
+          </a:prstGeom>
+          <a:noFill/>
+          <a:extLst>
+            <a:ext uri="{909E8E84-426E-40DD-AFC4-6F175D3DCCD1}">
+              <a14:hiddenFill xmlns:a14="http://schemas.microsoft.com/office/drawing/2010/main">
+                <a:solidFill>
+                  <a:srgbClr val="FFFFFF"/>
+                </a:solidFill>
+              </a14:hiddenFill>
+            </a:ext>
+          </a:extLst>
+        </p:spPr>
+      </p:pic>
+      <p:pic>
+        <p:nvPicPr>
+          <p:cNvPr id="1113" name="圖片 21" descr="Visual Basic page"/>
+          <p:cNvPicPr>
+            <a:picLocks noChangeAspect="1" noChangeArrowheads="1"/>
+          </p:cNvPicPr>
+          <p:nvPr/>
+        </p:nvPicPr>
+        <p:blipFill>
+          <a:blip r:embed="rId13">
+            <a:extLst>
+              <a:ext uri="{28A0092B-C50C-407E-A947-70E740481C1C}">
+                <a14:useLocalDpi xmlns:a14="http://schemas.microsoft.com/office/drawing/2010/main" val="0"/>
+              </a:ext>
+            </a:extLst>
+          </a:blip>
+          <a:srcRect/>
+          <a:stretch>
+            <a:fillRect/>
+          </a:stretch>
+        </p:blipFill>
+        <p:spPr bwMode="auto">
+          <a:xfrm>
+            <a:off x="0" y="0"/>
+            <a:ext cx="312738" cy="312738"/>
+          </a:xfrm>
+          <a:prstGeom prst="rect">
+            <a:avLst/>
+          </a:prstGeom>
+          <a:noFill/>
+          <a:extLst>
+            <a:ext uri="{909E8E84-426E-40DD-AFC4-6F175D3DCCD1}">
+              <a14:hiddenFill xmlns:a14="http://schemas.microsoft.com/office/drawing/2010/main">
+                <a:solidFill>
+                  <a:srgbClr val="FFFFFF"/>
+                </a:solidFill>
+              </a14:hiddenFill>
+            </a:ext>
+          </a:extLst>
+        </p:spPr>
+      </p:pic>
+      <p:pic>
+        <p:nvPicPr>
+          <p:cNvPr id="1112" name="圖片 20" descr="change"/>
+          <p:cNvPicPr>
+            <a:picLocks noChangeAspect="1" noChangeArrowheads="1"/>
+          </p:cNvPicPr>
+          <p:nvPr/>
+        </p:nvPicPr>
+        <p:blipFill>
+          <a:blip r:embed="rId3">
+            <a:extLst>
+              <a:ext uri="{28A0092B-C50C-407E-A947-70E740481C1C}">
+                <a14:useLocalDpi xmlns:a14="http://schemas.microsoft.com/office/drawing/2010/main" val="0"/>
+              </a:ext>
+            </a:extLst>
+          </a:blip>
+          <a:srcRect/>
+          <a:stretch>
+            <a:fillRect/>
+          </a:stretch>
+        </p:blipFill>
+        <p:spPr bwMode="auto">
+          <a:xfrm>
+            <a:off x="0" y="0"/>
+            <a:ext cx="152400" cy="152400"/>
+          </a:xfrm>
+          <a:prstGeom prst="rect">
+            <a:avLst/>
+          </a:prstGeom>
+          <a:noFill/>
+          <a:extLst>
+            <a:ext uri="{909E8E84-426E-40DD-AFC4-6F175D3DCCD1}">
+              <a14:hiddenFill xmlns:a14="http://schemas.microsoft.com/office/drawing/2010/main">
+                <a:solidFill>
+                  <a:srgbClr val="FFFFFF"/>
+                </a:solidFill>
+              </a14:hiddenFill>
+            </a:ext>
+          </a:extLst>
+        </p:spPr>
+      </p:pic>
+      <p:pic>
+        <p:nvPicPr>
+          <p:cNvPr id="1111" name="圖片 19" descr="SQL page"/>
+          <p:cNvPicPr>
+            <a:picLocks noChangeAspect="1" noChangeArrowheads="1"/>
+          </p:cNvPicPr>
+          <p:nvPr/>
+        </p:nvPicPr>
+        <p:blipFill>
+          <a:blip r:embed="rId14">
+            <a:extLst>
+              <a:ext uri="{28A0092B-C50C-407E-A947-70E740481C1C}">
+                <a14:useLocalDpi xmlns:a14="http://schemas.microsoft.com/office/drawing/2010/main" val="0"/>
+              </a:ext>
+            </a:extLst>
+          </a:blip>
+          <a:srcRect/>
+          <a:stretch>
+            <a:fillRect/>
+          </a:stretch>
+        </p:blipFill>
+        <p:spPr bwMode="auto">
+          <a:xfrm>
+            <a:off x="0" y="0"/>
+            <a:ext cx="312738" cy="312738"/>
+          </a:xfrm>
+          <a:prstGeom prst="rect">
+            <a:avLst/>
+          </a:prstGeom>
+          <a:noFill/>
+          <a:extLst>
+            <a:ext uri="{909E8E84-426E-40DD-AFC4-6F175D3DCCD1}">
+              <a14:hiddenFill xmlns:a14="http://schemas.microsoft.com/office/drawing/2010/main">
+                <a:solidFill>
+                  <a:srgbClr val="FFFFFF"/>
+                </a:solidFill>
+              </a14:hiddenFill>
+            </a:ext>
+          </a:extLst>
+        </p:spPr>
+      </p:pic>
+      <p:pic>
+        <p:nvPicPr>
+          <p:cNvPr id="1110" name="圖片 18" descr="change"/>
+          <p:cNvPicPr>
+            <a:picLocks noChangeAspect="1" noChangeArrowheads="1"/>
+          </p:cNvPicPr>
+          <p:nvPr/>
+        </p:nvPicPr>
+        <p:blipFill>
+          <a:blip r:embed="rId4">
+            <a:extLst>
+              <a:ext uri="{28A0092B-C50C-407E-A947-70E740481C1C}">
+                <a14:useLocalDpi xmlns:a14="http://schemas.microsoft.com/office/drawing/2010/main" val="0"/>
+              </a:ext>
+            </a:extLst>
+          </a:blip>
+          <a:srcRect/>
+          <a:stretch>
+            <a:fillRect/>
+          </a:stretch>
+        </p:blipFill>
+        <p:spPr bwMode="auto">
+          <a:xfrm>
+            <a:off x="0" y="0"/>
+            <a:ext cx="152400" cy="152400"/>
+          </a:xfrm>
+          <a:prstGeom prst="rect">
+            <a:avLst/>
+          </a:prstGeom>
+          <a:noFill/>
+          <a:extLst>
+            <a:ext uri="{909E8E84-426E-40DD-AFC4-6F175D3DCCD1}">
+              <a14:hiddenFill xmlns:a14="http://schemas.microsoft.com/office/drawing/2010/main">
+                <a:solidFill>
+                  <a:srgbClr val="FFFFFF"/>
+                </a:solidFill>
+              </a14:hiddenFill>
+            </a:ext>
+          </a:extLst>
+        </p:spPr>
+      </p:pic>
+      <p:pic>
+        <p:nvPicPr>
+          <p:cNvPr id="1109" name="圖片 17" descr="Fortran page"/>
+          <p:cNvPicPr>
+            <a:picLocks noChangeAspect="1" noChangeArrowheads="1"/>
+          </p:cNvPicPr>
+          <p:nvPr/>
+        </p:nvPicPr>
+        <p:blipFill>
+          <a:blip r:embed="rId15">
+            <a:extLst>
+              <a:ext uri="{28A0092B-C50C-407E-A947-70E740481C1C}">
+                <a14:useLocalDpi xmlns:a14="http://schemas.microsoft.com/office/drawing/2010/main" val="0"/>
+              </a:ext>
+            </a:extLst>
+          </a:blip>
+          <a:srcRect/>
+          <a:stretch>
+            <a:fillRect/>
+          </a:stretch>
+        </p:blipFill>
+        <p:spPr bwMode="auto">
+          <a:xfrm>
+            <a:off x="0" y="0"/>
+            <a:ext cx="304800" cy="312738"/>
+          </a:xfrm>
+          <a:prstGeom prst="rect">
+            <a:avLst/>
+          </a:prstGeom>
+          <a:noFill/>
+          <a:extLst>
+            <a:ext uri="{909E8E84-426E-40DD-AFC4-6F175D3DCCD1}">
+              <a14:hiddenFill xmlns:a14="http://schemas.microsoft.com/office/drawing/2010/main">
+                <a:solidFill>
+                  <a:srgbClr val="FFFFFF"/>
+                </a:solidFill>
+              </a14:hiddenFill>
+            </a:ext>
+          </a:extLst>
+        </p:spPr>
+      </p:pic>
+      <p:pic>
+        <p:nvPicPr>
+          <p:cNvPr id="1108" name="圖片 16" descr="Delphi/Object Pascal page"/>
+          <p:cNvPicPr>
+            <a:picLocks noChangeAspect="1" noChangeArrowheads="1"/>
+          </p:cNvPicPr>
+          <p:nvPr/>
+        </p:nvPicPr>
+        <p:blipFill>
+          <a:blip r:embed="rId16">
+            <a:extLst>
+              <a:ext uri="{28A0092B-C50C-407E-A947-70E740481C1C}">
+                <a14:useLocalDpi xmlns:a14="http://schemas.microsoft.com/office/drawing/2010/main" val="0"/>
+              </a:ext>
+            </a:extLst>
+          </a:blip>
+          <a:srcRect/>
+          <a:stretch>
+            <a:fillRect/>
+          </a:stretch>
+        </p:blipFill>
+        <p:spPr bwMode="auto">
+          <a:xfrm>
+            <a:off x="0" y="0"/>
+            <a:ext cx="312738" cy="312738"/>
+          </a:xfrm>
+          <a:prstGeom prst="rect">
+            <a:avLst/>
+          </a:prstGeom>
+          <a:noFill/>
+          <a:extLst>
+            <a:ext uri="{909E8E84-426E-40DD-AFC4-6F175D3DCCD1}">
+              <a14:hiddenFill xmlns:a14="http://schemas.microsoft.com/office/drawing/2010/main">
+                <a:solidFill>
+                  <a:srgbClr val="FFFFFF"/>
+                </a:solidFill>
+              </a14:hiddenFill>
+            </a:ext>
+          </a:extLst>
+        </p:spPr>
+      </p:pic>
+      <p:pic>
+        <p:nvPicPr>
+          <p:cNvPr id="1107" name="圖片 15" descr="Assembly language page"/>
+          <p:cNvPicPr>
+            <a:picLocks noChangeAspect="1" noChangeArrowheads="1"/>
+          </p:cNvPicPr>
+          <p:nvPr/>
+        </p:nvPicPr>
+        <p:blipFill>
+          <a:blip r:embed="rId17">
+            <a:extLst>
+              <a:ext uri="{28A0092B-C50C-407E-A947-70E740481C1C}">
+                <a14:useLocalDpi xmlns:a14="http://schemas.microsoft.com/office/drawing/2010/main" val="0"/>
+              </a:ext>
+            </a:extLst>
+          </a:blip>
+          <a:srcRect/>
+          <a:stretch>
+            <a:fillRect/>
+          </a:stretch>
+        </p:blipFill>
+        <p:spPr bwMode="auto">
+          <a:xfrm>
+            <a:off x="0" y="0"/>
+            <a:ext cx="312738" cy="312738"/>
+          </a:xfrm>
+          <a:prstGeom prst="rect">
+            <a:avLst/>
+          </a:prstGeom>
+          <a:noFill/>
+          <a:extLst>
+            <a:ext uri="{909E8E84-426E-40DD-AFC4-6F175D3DCCD1}">
+              <a14:hiddenFill xmlns:a14="http://schemas.microsoft.com/office/drawing/2010/main">
+                <a:solidFill>
+                  <a:srgbClr val="FFFFFF"/>
+                </a:solidFill>
+              </a14:hiddenFill>
+            </a:ext>
+          </a:extLst>
+        </p:spPr>
+      </p:pic>
+      <p:pic>
+        <p:nvPicPr>
+          <p:cNvPr id="1106" name="圖片 14" descr="change"/>
+          <p:cNvPicPr>
+            <a:picLocks noChangeAspect="1" noChangeArrowheads="1"/>
+          </p:cNvPicPr>
+          <p:nvPr/>
+        </p:nvPicPr>
+        <p:blipFill>
+          <a:blip r:embed="rId4">
+            <a:extLst>
+              <a:ext uri="{28A0092B-C50C-407E-A947-70E740481C1C}">
+                <a14:useLocalDpi xmlns:a14="http://schemas.microsoft.com/office/drawing/2010/main" val="0"/>
+              </a:ext>
+            </a:extLst>
+          </a:blip>
+          <a:srcRect/>
+          <a:stretch>
+            <a:fillRect/>
+          </a:stretch>
+        </p:blipFill>
+        <p:spPr bwMode="auto">
+          <a:xfrm>
+            <a:off x="0" y="0"/>
+            <a:ext cx="152400" cy="152400"/>
+          </a:xfrm>
+          <a:prstGeom prst="rect">
+            <a:avLst/>
+          </a:prstGeom>
+          <a:noFill/>
+          <a:extLst>
+            <a:ext uri="{909E8E84-426E-40DD-AFC4-6F175D3DCCD1}">
+              <a14:hiddenFill xmlns:a14="http://schemas.microsoft.com/office/drawing/2010/main">
+                <a:solidFill>
+                  <a:srgbClr val="FFFFFF"/>
+                </a:solidFill>
+              </a14:hiddenFill>
+            </a:ext>
+          </a:extLst>
+        </p:spPr>
+      </p:pic>
+      <p:pic>
+        <p:nvPicPr>
+          <p:cNvPr id="1105" name="圖片 13" descr="Ruby page"/>
+          <p:cNvPicPr>
+            <a:picLocks noChangeAspect="1" noChangeArrowheads="1"/>
+          </p:cNvPicPr>
+          <p:nvPr/>
+        </p:nvPicPr>
+        <p:blipFill>
+          <a:blip r:embed="rId18">
+            <a:extLst>
+              <a:ext uri="{28A0092B-C50C-407E-A947-70E740481C1C}">
+                <a14:useLocalDpi xmlns:a14="http://schemas.microsoft.com/office/drawing/2010/main" val="0"/>
+              </a:ext>
+            </a:extLst>
+          </a:blip>
+          <a:srcRect/>
+          <a:stretch>
+            <a:fillRect/>
+          </a:stretch>
+        </p:blipFill>
+        <p:spPr bwMode="auto">
+          <a:xfrm>
+            <a:off x="0" y="0"/>
+            <a:ext cx="312738" cy="312738"/>
+          </a:xfrm>
+          <a:prstGeom prst="rect">
+            <a:avLst/>
+          </a:prstGeom>
+          <a:noFill/>
+          <a:extLst>
+            <a:ext uri="{909E8E84-426E-40DD-AFC4-6F175D3DCCD1}">
+              <a14:hiddenFill xmlns:a14="http://schemas.microsoft.com/office/drawing/2010/main">
+                <a:solidFill>
+                  <a:srgbClr val="FFFFFF"/>
+                </a:solidFill>
+              </a14:hiddenFill>
+            </a:ext>
+          </a:extLst>
+        </p:spPr>
+      </p:pic>
+      <p:pic>
+        <p:nvPicPr>
+          <p:cNvPr id="1104" name="圖片 12" descr="change"/>
+          <p:cNvPicPr>
+            <a:picLocks noChangeAspect="1" noChangeArrowheads="1"/>
+          </p:cNvPicPr>
+          <p:nvPr/>
+        </p:nvPicPr>
+        <p:blipFill>
+          <a:blip r:embed="rId2">
+            <a:extLst>
+              <a:ext uri="{28A0092B-C50C-407E-A947-70E740481C1C}">
+                <a14:useLocalDpi xmlns:a14="http://schemas.microsoft.com/office/drawing/2010/main" val="0"/>
+              </a:ext>
+            </a:extLst>
+          </a:blip>
+          <a:srcRect/>
+          <a:stretch>
+            <a:fillRect/>
+          </a:stretch>
+        </p:blipFill>
+        <p:spPr bwMode="auto">
+          <a:xfrm>
+            <a:off x="0" y="0"/>
+            <a:ext cx="152400" cy="152400"/>
+          </a:xfrm>
+          <a:prstGeom prst="rect">
+            <a:avLst/>
+          </a:prstGeom>
+          <a:noFill/>
+          <a:extLst>
+            <a:ext uri="{909E8E84-426E-40DD-AFC4-6F175D3DCCD1}">
+              <a14:hiddenFill xmlns:a14="http://schemas.microsoft.com/office/drawing/2010/main">
+                <a:solidFill>
+                  <a:srgbClr val="FFFFFF"/>
+                </a:solidFill>
+              </a14:hiddenFill>
+            </a:ext>
+          </a:extLst>
+        </p:spPr>
+      </p:pic>
+      <p:pic>
+        <p:nvPicPr>
+          <p:cNvPr id="1103" name="圖片 11" descr="Swift page"/>
+          <p:cNvPicPr>
+            <a:picLocks noChangeAspect="1" noChangeArrowheads="1"/>
+          </p:cNvPicPr>
+          <p:nvPr/>
+        </p:nvPicPr>
+        <p:blipFill>
+          <a:blip r:embed="rId19">
+            <a:extLst>
+              <a:ext uri="{28A0092B-C50C-407E-A947-70E740481C1C}">
+                <a14:useLocalDpi xmlns:a14="http://schemas.microsoft.com/office/drawing/2010/main" val="0"/>
+              </a:ext>
+            </a:extLst>
+          </a:blip>
+          <a:srcRect/>
+          <a:stretch>
+            <a:fillRect/>
+          </a:stretch>
+        </p:blipFill>
+        <p:spPr bwMode="auto">
+          <a:xfrm>
+            <a:off x="0" y="0"/>
+            <a:ext cx="312738" cy="312738"/>
+          </a:xfrm>
+          <a:prstGeom prst="rect">
+            <a:avLst/>
+          </a:prstGeom>
+          <a:noFill/>
+          <a:extLst>
+            <a:ext uri="{909E8E84-426E-40DD-AFC4-6F175D3DCCD1}">
+              <a14:hiddenFill xmlns:a14="http://schemas.microsoft.com/office/drawing/2010/main">
+                <a:solidFill>
+                  <a:srgbClr val="FFFFFF"/>
+                </a:solidFill>
+              </a14:hiddenFill>
+            </a:ext>
+          </a:extLst>
+        </p:spPr>
+      </p:pic>
+      <p:pic>
+        <p:nvPicPr>
+          <p:cNvPr id="1102" name="圖片 10" descr="Scratch page"/>
+          <p:cNvPicPr>
+            <a:picLocks noChangeAspect="1" noChangeArrowheads="1"/>
+          </p:cNvPicPr>
+          <p:nvPr/>
+        </p:nvPicPr>
+        <p:blipFill>
+          <a:blip r:embed="rId20">
+            <a:extLst>
+              <a:ext uri="{28A0092B-C50C-407E-A947-70E740481C1C}">
+                <a14:useLocalDpi xmlns:a14="http://schemas.microsoft.com/office/drawing/2010/main" val="0"/>
+              </a:ext>
+            </a:extLst>
+          </a:blip>
+          <a:srcRect/>
+          <a:stretch>
+            <a:fillRect/>
+          </a:stretch>
+        </p:blipFill>
+        <p:spPr bwMode="auto">
+          <a:xfrm>
+            <a:off x="0" y="0"/>
+            <a:ext cx="312738" cy="312738"/>
+          </a:xfrm>
+          <a:prstGeom prst="rect">
+            <a:avLst/>
+          </a:prstGeom>
+          <a:noFill/>
+          <a:extLst>
+            <a:ext uri="{909E8E84-426E-40DD-AFC4-6F175D3DCCD1}">
+              <a14:hiddenFill xmlns:a14="http://schemas.microsoft.com/office/drawing/2010/main">
+                <a:solidFill>
+                  <a:srgbClr val="FFFFFF"/>
+                </a:solidFill>
+              </a14:hiddenFill>
+            </a:ext>
+          </a:extLst>
+        </p:spPr>
+      </p:pic>
+      <p:pic>
+        <p:nvPicPr>
+          <p:cNvPr id="1101" name="圖片 9" descr="change"/>
+          <p:cNvPicPr>
+            <a:picLocks noChangeAspect="1" noChangeArrowheads="1"/>
+          </p:cNvPicPr>
+          <p:nvPr/>
+        </p:nvPicPr>
+        <p:blipFill>
+          <a:blip r:embed="rId3">
+            <a:extLst>
+              <a:ext uri="{28A0092B-C50C-407E-A947-70E740481C1C}">
+                <a14:useLocalDpi xmlns:a14="http://schemas.microsoft.com/office/drawing/2010/main" val="0"/>
+              </a:ext>
+            </a:extLst>
+          </a:blip>
+          <a:srcRect/>
+          <a:stretch>
+            <a:fillRect/>
+          </a:stretch>
+        </p:blipFill>
+        <p:spPr bwMode="auto">
+          <a:xfrm>
+            <a:off x="0" y="0"/>
+            <a:ext cx="152400" cy="152400"/>
+          </a:xfrm>
+          <a:prstGeom prst="rect">
+            <a:avLst/>
+          </a:prstGeom>
+          <a:noFill/>
+          <a:extLst>
+            <a:ext uri="{909E8E84-426E-40DD-AFC4-6F175D3DCCD1}">
+              <a14:hiddenFill xmlns:a14="http://schemas.microsoft.com/office/drawing/2010/main">
+                <a:solidFill>
+                  <a:srgbClr val="FFFFFF"/>
+                </a:solidFill>
+              </a14:hiddenFill>
+            </a:ext>
+          </a:extLst>
+        </p:spPr>
+      </p:pic>
+      <p:pic>
+        <p:nvPicPr>
+          <p:cNvPr id="1100" name="圖片 8" descr="MATLAB page"/>
+          <p:cNvPicPr>
+            <a:picLocks noChangeAspect="1" noChangeArrowheads="1"/>
+          </p:cNvPicPr>
+          <p:nvPr/>
+        </p:nvPicPr>
+        <p:blipFill>
+          <a:blip r:embed="rId21">
+            <a:extLst>
+              <a:ext uri="{28A0092B-C50C-407E-A947-70E740481C1C}">
+                <a14:useLocalDpi xmlns:a14="http://schemas.microsoft.com/office/drawing/2010/main" val="0"/>
+              </a:ext>
+            </a:extLst>
+          </a:blip>
+          <a:srcRect/>
+          <a:stretch>
+            <a:fillRect/>
+          </a:stretch>
+        </p:blipFill>
+        <p:spPr bwMode="auto">
+          <a:xfrm>
+            <a:off x="0" y="0"/>
+            <a:ext cx="312738" cy="312738"/>
+          </a:xfrm>
+          <a:prstGeom prst="rect">
+            <a:avLst/>
+          </a:prstGeom>
+          <a:noFill/>
+          <a:extLst>
+            <a:ext uri="{909E8E84-426E-40DD-AFC4-6F175D3DCCD1}">
+              <a14:hiddenFill xmlns:a14="http://schemas.microsoft.com/office/drawing/2010/main">
+                <a:solidFill>
+                  <a:srgbClr val="FFFFFF"/>
+                </a:solidFill>
+              </a14:hiddenFill>
+            </a:ext>
+          </a:extLst>
+        </p:spPr>
+      </p:pic>
+      <p:pic>
+        <p:nvPicPr>
+          <p:cNvPr id="1099" name="圖片 7" descr="change"/>
+          <p:cNvPicPr>
+            <a:picLocks noChangeAspect="1" noChangeArrowheads="1"/>
+          </p:cNvPicPr>
+          <p:nvPr/>
+        </p:nvPicPr>
+        <p:blipFill>
+          <a:blip r:embed="rId5">
+            <a:extLst>
+              <a:ext uri="{28A0092B-C50C-407E-A947-70E740481C1C}">
+                <a14:useLocalDpi xmlns:a14="http://schemas.microsoft.com/office/drawing/2010/main" val="0"/>
+              </a:ext>
+            </a:extLst>
+          </a:blip>
+          <a:srcRect/>
+          <a:stretch>
+            <a:fillRect/>
+          </a:stretch>
+        </p:blipFill>
+        <p:spPr bwMode="auto">
+          <a:xfrm>
+            <a:off x="0" y="0"/>
+            <a:ext cx="152400" cy="152400"/>
+          </a:xfrm>
+          <a:prstGeom prst="rect">
+            <a:avLst/>
+          </a:prstGeom>
+          <a:noFill/>
+          <a:extLst>
+            <a:ext uri="{909E8E84-426E-40DD-AFC4-6F175D3DCCD1}">
+              <a14:hiddenFill xmlns:a14="http://schemas.microsoft.com/office/drawing/2010/main">
+                <a:solidFill>
+                  <a:srgbClr val="FFFFFF"/>
+                </a:solidFill>
+              </a14:hiddenFill>
+            </a:ext>
+          </a:extLst>
+        </p:spPr>
+      </p:pic>
+      <p:pic>
+        <p:nvPicPr>
+          <p:cNvPr id="1098" name="圖片 6" descr="PHP page"/>
+          <p:cNvPicPr>
+            <a:picLocks noChangeAspect="1" noChangeArrowheads="1"/>
+          </p:cNvPicPr>
+          <p:nvPr/>
+        </p:nvPicPr>
+        <p:blipFill>
+          <a:blip r:embed="rId22">
+            <a:extLst>
+              <a:ext uri="{28A0092B-C50C-407E-A947-70E740481C1C}">
+                <a14:useLocalDpi xmlns:a14="http://schemas.microsoft.com/office/drawing/2010/main" val="0"/>
+              </a:ext>
+            </a:extLst>
+          </a:blip>
+          <a:srcRect/>
+          <a:stretch>
+            <a:fillRect/>
+          </a:stretch>
+        </p:blipFill>
+        <p:spPr bwMode="auto">
+          <a:xfrm>
+            <a:off x="0" y="0"/>
+            <a:ext cx="312738" cy="312738"/>
+          </a:xfrm>
+          <a:prstGeom prst="rect">
+            <a:avLst/>
+          </a:prstGeom>
+          <a:noFill/>
+          <a:extLst>
+            <a:ext uri="{909E8E84-426E-40DD-AFC4-6F175D3DCCD1}">
+              <a14:hiddenFill xmlns:a14="http://schemas.microsoft.com/office/drawing/2010/main">
+                <a:solidFill>
+                  <a:srgbClr val="FFFFFF"/>
+                </a:solidFill>
+              </a14:hiddenFill>
+            </a:ext>
+          </a:extLst>
+        </p:spPr>
+      </p:pic>
+      <p:pic>
+        <p:nvPicPr>
+          <p:cNvPr id="1097" name="圖片 5" descr="change"/>
+          <p:cNvPicPr>
+            <a:picLocks noChangeAspect="1" noChangeArrowheads="1"/>
+          </p:cNvPicPr>
+          <p:nvPr/>
+        </p:nvPicPr>
+        <p:blipFill>
+          <a:blip r:embed="rId4">
+            <a:extLst>
+              <a:ext uri="{28A0092B-C50C-407E-A947-70E740481C1C}">
+                <a14:useLocalDpi xmlns:a14="http://schemas.microsoft.com/office/drawing/2010/main" val="0"/>
+              </a:ext>
+            </a:extLst>
+          </a:blip>
+          <a:srcRect/>
+          <a:stretch>
+            <a:fillRect/>
+          </a:stretch>
+        </p:blipFill>
+        <p:spPr bwMode="auto">
+          <a:xfrm>
+            <a:off x="0" y="0"/>
+            <a:ext cx="152400" cy="152400"/>
+          </a:xfrm>
+          <a:prstGeom prst="rect">
+            <a:avLst/>
+          </a:prstGeom>
+          <a:noFill/>
+          <a:extLst>
+            <a:ext uri="{909E8E84-426E-40DD-AFC4-6F175D3DCCD1}">
+              <a14:hiddenFill xmlns:a14="http://schemas.microsoft.com/office/drawing/2010/main">
+                <a:solidFill>
+                  <a:srgbClr val="FFFFFF"/>
+                </a:solidFill>
+              </a14:hiddenFill>
+            </a:ext>
+          </a:extLst>
+        </p:spPr>
+      </p:pic>
+      <p:pic>
+        <p:nvPicPr>
+          <p:cNvPr id="1096" name="圖片 4" descr="Kotlin page"/>
+          <p:cNvPicPr>
+            <a:picLocks noChangeAspect="1" noChangeArrowheads="1"/>
+          </p:cNvPicPr>
+          <p:nvPr/>
+        </p:nvPicPr>
+        <p:blipFill>
+          <a:blip r:embed="rId23">
+            <a:extLst>
+              <a:ext uri="{28A0092B-C50C-407E-A947-70E740481C1C}">
+                <a14:useLocalDpi xmlns:a14="http://schemas.microsoft.com/office/drawing/2010/main" val="0"/>
+              </a:ext>
+            </a:extLst>
+          </a:blip>
+          <a:srcRect/>
+          <a:stretch>
+            <a:fillRect/>
+          </a:stretch>
+        </p:blipFill>
+        <p:spPr bwMode="auto">
+          <a:xfrm>
+            <a:off x="0" y="0"/>
+            <a:ext cx="312738" cy="312738"/>
+          </a:xfrm>
+          <a:prstGeom prst="rect">
+            <a:avLst/>
+          </a:prstGeom>
+          <a:noFill/>
+          <a:extLst>
+            <a:ext uri="{909E8E84-426E-40DD-AFC4-6F175D3DCCD1}">
+              <a14:hiddenFill xmlns:a14="http://schemas.microsoft.com/office/drawing/2010/main">
+                <a:solidFill>
+                  <a:srgbClr val="FFFFFF"/>
+                </a:solidFill>
+              </a14:hiddenFill>
+            </a:ext>
+          </a:extLst>
+        </p:spPr>
+      </p:pic>
+      <p:pic>
+        <p:nvPicPr>
+          <p:cNvPr id="1095" name="圖片 3" descr="Rust page"/>
+          <p:cNvPicPr>
+            <a:picLocks noChangeAspect="1" noChangeArrowheads="1"/>
+          </p:cNvPicPr>
+          <p:nvPr/>
+        </p:nvPicPr>
+        <p:blipFill>
+          <a:blip r:embed="rId24">
+            <a:extLst>
+              <a:ext uri="{28A0092B-C50C-407E-A947-70E740481C1C}">
+                <a14:useLocalDpi xmlns:a14="http://schemas.microsoft.com/office/drawing/2010/main" val="0"/>
+              </a:ext>
+            </a:extLst>
+          </a:blip>
+          <a:srcRect/>
+          <a:stretch>
+            <a:fillRect/>
+          </a:stretch>
+        </p:blipFill>
+        <p:spPr bwMode="auto">
+          <a:xfrm>
+            <a:off x="0" y="0"/>
+            <a:ext cx="312738" cy="312738"/>
+          </a:xfrm>
+          <a:prstGeom prst="rect">
+            <a:avLst/>
+          </a:prstGeom>
+          <a:noFill/>
+          <a:extLst>
+            <a:ext uri="{909E8E84-426E-40DD-AFC4-6F175D3DCCD1}">
+              <a14:hiddenFill xmlns:a14="http://schemas.microsoft.com/office/drawing/2010/main">
+                <a:solidFill>
+                  <a:srgbClr val="FFFFFF"/>
+                </a:solidFill>
+              </a14:hiddenFill>
+            </a:ext>
+          </a:extLst>
+        </p:spPr>
+      </p:pic>
+      <p:pic>
+        <p:nvPicPr>
+          <p:cNvPr id="1094" name="圖片 2" descr="change"/>
+          <p:cNvPicPr>
+            <a:picLocks noChangeAspect="1" noChangeArrowheads="1"/>
+          </p:cNvPicPr>
+          <p:nvPr/>
+        </p:nvPicPr>
+        <p:blipFill>
+          <a:blip r:embed="rId5">
+            <a:extLst>
+              <a:ext uri="{28A0092B-C50C-407E-A947-70E740481C1C}">
+                <a14:useLocalDpi xmlns:a14="http://schemas.microsoft.com/office/drawing/2010/main" val="0"/>
+              </a:ext>
+            </a:extLst>
+          </a:blip>
+          <a:srcRect/>
+          <a:stretch>
+            <a:fillRect/>
+          </a:stretch>
+        </p:blipFill>
+        <p:spPr bwMode="auto">
+          <a:xfrm>
+            <a:off x="0" y="0"/>
+            <a:ext cx="152400" cy="152400"/>
+          </a:xfrm>
+          <a:prstGeom prst="rect">
+            <a:avLst/>
+          </a:prstGeom>
+          <a:noFill/>
+          <a:extLst>
+            <a:ext uri="{909E8E84-426E-40DD-AFC4-6F175D3DCCD1}">
+              <a14:hiddenFill xmlns:a14="http://schemas.microsoft.com/office/drawing/2010/main">
+                <a:solidFill>
+                  <a:srgbClr val="FFFFFF"/>
+                </a:solidFill>
+              </a14:hiddenFill>
+            </a:ext>
+          </a:extLst>
+        </p:spPr>
+      </p:pic>
+      <p:pic>
+        <p:nvPicPr>
+          <p:cNvPr id="1093" name="圖片 1" descr="R page"/>
+          <p:cNvPicPr>
+            <a:picLocks noChangeAspect="1" noChangeArrowheads="1"/>
+          </p:cNvPicPr>
+          <p:nvPr/>
+        </p:nvPicPr>
+        <p:blipFill>
+          <a:blip r:embed="rId25">
+            <a:extLst>
+              <a:ext uri="{28A0092B-C50C-407E-A947-70E740481C1C}">
+                <a14:useLocalDpi xmlns:a14="http://schemas.microsoft.com/office/drawing/2010/main" val="0"/>
+              </a:ext>
+            </a:extLst>
+          </a:blip>
+          <a:srcRect/>
+          <a:stretch>
+            <a:fillRect/>
+          </a:stretch>
+        </p:blipFill>
+        <p:spPr bwMode="auto">
+          <a:xfrm>
+            <a:off x="0" y="0"/>
+            <a:ext cx="312738" cy="312738"/>
+          </a:xfrm>
+          <a:prstGeom prst="rect">
+            <a:avLst/>
+          </a:prstGeom>
+          <a:noFill/>
+          <a:extLst>
+            <a:ext uri="{909E8E84-426E-40DD-AFC4-6F175D3DCCD1}">
+              <a14:hiddenFill xmlns:a14="http://schemas.microsoft.com/office/drawing/2010/main">
+                <a:solidFill>
+                  <a:srgbClr val="FFFFFF"/>
+                </a:solidFill>
+              </a14:hiddenFill>
+            </a:ext>
+          </a:extLst>
+        </p:spPr>
+      </p:pic>
     </p:spTree>
     <p:extLst>
       <p:ext uri="{BB962C8B-B14F-4D97-AF65-F5344CB8AC3E}">
